--- a/第10讲 JS-SDK.pptx
+++ b/第10讲 JS-SDK.pptx
@@ -194,6 +194,10 @@
 </p:cmAuthorLst>
 </file>
 
+<file path=ppt/revisionInfo.xml><?xml version="1.0" encoding="utf-8"?>
+<p1510:revInfo xmlns:a="http://schemas.openxmlformats.org/drawingml/2006/main" xmlns:r="http://schemas.openxmlformats.org/officeDocument/2006/relationships" xmlns:p1510="http://schemas.microsoft.com/office/powerpoint/2015/10/main"/>
+</file>
+
 <file path=ppt/handoutMasters/handoutMaster1.xml><?xml version="1.0" encoding="utf-8"?>
 <p:handoutMaster xmlns:a="http://schemas.openxmlformats.org/drawingml/2006/main" xmlns:r="http://schemas.openxmlformats.org/officeDocument/2006/relationships" xmlns:p="http://schemas.openxmlformats.org/presentationml/2006/main">
   <p:cSld>
@@ -276,7 +280,7 @@
           <a:p>
             <a:fld id="{2B71C804-97F5-4B36-A7AC-EEEC7F44F6C2}" type="datetimeFigureOut">
               <a:rPr lang="zh-CN" altLang="en-US" smtClean="0"/>
-              <a:t>2017/8/15</a:t>
+              <a:t>2017/8/21</a:t>
             </a:fld>
             <a:endParaRPr lang="zh-CN" altLang="en-US"/>
           </a:p>
@@ -442,7 +446,7 @@
           <a:p>
             <a:fld id="{0568D9C6-D8DC-4CC3-8480-E0C4DBA1CC07}" type="datetimeFigureOut">
               <a:rPr lang="zh-CN" altLang="en-US" smtClean="0"/>
-              <a:t>2017/8/15</a:t>
+              <a:t>2017/8/21</a:t>
             </a:fld>
             <a:endParaRPr lang="zh-CN" altLang="en-US"/>
           </a:p>
@@ -1055,7 +1059,7 @@
           <a:p>
             <a:fld id="{DB9D664F-4C68-42D2-B189-678958EFAFDA}" type="datetime1">
               <a:rPr lang="zh-CN" altLang="en-US" smtClean="0"/>
-              <a:t>2017/8/15</a:t>
+              <a:t>2017/8/21</a:t>
             </a:fld>
             <a:endParaRPr lang="zh-CN" altLang="en-US"/>
           </a:p>
@@ -2037,7 +2041,7 @@
           <a:p>
             <a:fld id="{ED5513C8-E3A4-4D78-B249-887659A958FF}" type="datetime1">
               <a:rPr lang="en-US" altLang="zh-CN" smtClean="0"/>
-              <a:t>8/15/2017</a:t>
+              <a:t>8/21/2017</a:t>
             </a:fld>
             <a:endParaRPr lang="en-US"/>
           </a:p>
@@ -2215,7 +2219,7 @@
           <a:p>
             <a:fld id="{EBEDA52C-3EEE-4289-818C-901C0A7814FE}" type="datetime1">
               <a:rPr lang="en-US" altLang="zh-CN" smtClean="0"/>
-              <a:t>8/15/2017</a:t>
+              <a:t>8/21/2017</a:t>
             </a:fld>
             <a:endParaRPr lang="en-US"/>
           </a:p>
@@ -2469,7 +2473,7 @@
           <a:p>
             <a:fld id="{09EF5D7F-EA15-485C-85DD-8FDC010A62D4}" type="datetime1">
               <a:rPr lang="en-US" altLang="zh-CN" smtClean="0"/>
-              <a:t>8/15/2017</a:t>
+              <a:t>8/21/2017</a:t>
             </a:fld>
             <a:endParaRPr lang="en-US"/>
           </a:p>
@@ -2709,7 +2713,7 @@
           <a:p>
             <a:fld id="{9541C2B2-0BAB-4CD4-83EE-25F1A7138896}" type="datetime1">
               <a:rPr lang="en-US" altLang="zh-CN" smtClean="0"/>
-              <a:t>8/15/2017</a:t>
+              <a:t>8/21/2017</a:t>
             </a:fld>
             <a:endParaRPr lang="en-US"/>
           </a:p>
@@ -3084,7 +3088,7 @@
           <a:p>
             <a:fld id="{7DEA23E7-D0FC-41DC-8745-BE6FC447B182}" type="datetime1">
               <a:rPr lang="en-US" altLang="zh-CN" smtClean="0"/>
-              <a:t>8/15/2017</a:t>
+              <a:t>8/21/2017</a:t>
             </a:fld>
             <a:endParaRPr lang="en-US"/>
           </a:p>
@@ -3869,7 +3873,7 @@
           <a:p>
             <a:fld id="{5DEA8378-5F33-490B-8120-8DE6B7EE2781}" type="datetime1">
               <a:rPr lang="en-US" altLang="zh-CN" smtClean="0"/>
-              <a:t>8/15/2017</a:t>
+              <a:t>8/21/2017</a:t>
             </a:fld>
             <a:endParaRPr lang="en-US"/>
           </a:p>
@@ -4123,7 +4127,7 @@
           <a:p>
             <a:fld id="{38DD30CF-78A7-4C73-91B4-38D3E3317745}" type="datetime1">
               <a:rPr lang="en-US" altLang="zh-CN" smtClean="0"/>
-              <a:t>8/15/2017</a:t>
+              <a:t>8/21/2017</a:t>
             </a:fld>
             <a:endParaRPr lang="en-US"/>
           </a:p>
@@ -4226,7 +4230,7 @@
           <a:p>
             <a:fld id="{A1BE0A72-8501-4974-A7B7-5BD248ABBAFC}" type="datetime1">
               <a:rPr lang="zh-CN" altLang="en-US" smtClean="0"/>
-              <a:t>2017/8/15</a:t>
+              <a:t>2017/8/21</a:t>
             </a:fld>
             <a:endParaRPr lang="zh-CN" altLang="en-US"/>
           </a:p>
@@ -4487,7 +4491,7 @@
           <a:p>
             <a:fld id="{0B7E01DD-16D0-4DBA-9C1A-51468BA0B73A}" type="datetime1">
               <a:rPr lang="en-US" altLang="zh-CN" smtClean="0"/>
-              <a:t>8/15/2017</a:t>
+              <a:t>8/21/2017</a:t>
             </a:fld>
             <a:endParaRPr lang="en-US"/>
           </a:p>
@@ -4665,7 +4669,7 @@
           <a:p>
             <a:fld id="{B587E63F-0E62-4A50-901F-E071D77F7634}" type="datetime1">
               <a:rPr lang="en-US" altLang="zh-CN" smtClean="0"/>
-              <a:t>8/15/2017</a:t>
+              <a:t>8/21/2017</a:t>
             </a:fld>
             <a:endParaRPr lang="en-US"/>
           </a:p>
@@ -4853,7 +4857,7 @@
           <a:p>
             <a:fld id="{BD8521E8-9297-400B-AD8C-0A4D05699D33}" type="datetime1">
               <a:rPr lang="en-US" altLang="zh-CN" smtClean="0"/>
-              <a:t>8/15/2017</a:t>
+              <a:t>8/21/2017</a:t>
             </a:fld>
             <a:endParaRPr lang="en-US"/>
           </a:p>
@@ -5084,7 +5088,7 @@
           <a:p>
             <a:fld id="{ED5513C8-E3A4-4D78-B249-887659A958FF}" type="datetime1">
               <a:rPr lang="en-US" altLang="zh-CN" smtClean="0"/>
-              <a:t>8/15/2017</a:t>
+              <a:t>8/21/2017</a:t>
             </a:fld>
             <a:endParaRPr lang="en-US"/>
           </a:p>
@@ -5262,7 +5266,7 @@
           <a:p>
             <a:fld id="{EBEDA52C-3EEE-4289-818C-901C0A7814FE}" type="datetime1">
               <a:rPr lang="en-US" altLang="zh-CN" smtClean="0"/>
-              <a:t>8/15/2017</a:t>
+              <a:t>8/21/2017</a:t>
             </a:fld>
             <a:endParaRPr lang="en-US"/>
           </a:p>
@@ -5516,7 +5520,7 @@
           <a:p>
             <a:fld id="{09EF5D7F-EA15-485C-85DD-8FDC010A62D4}" type="datetime1">
               <a:rPr lang="en-US" altLang="zh-CN" smtClean="0"/>
-              <a:t>8/15/2017</a:t>
+              <a:t>8/21/2017</a:t>
             </a:fld>
             <a:endParaRPr lang="en-US"/>
           </a:p>
@@ -5756,7 +5760,7 @@
           <a:p>
             <a:fld id="{9541C2B2-0BAB-4CD4-83EE-25F1A7138896}" type="datetime1">
               <a:rPr lang="en-US" altLang="zh-CN" smtClean="0"/>
-              <a:t>8/15/2017</a:t>
+              <a:t>8/21/2017</a:t>
             </a:fld>
             <a:endParaRPr lang="en-US"/>
           </a:p>
@@ -6131,7 +6135,7 @@
           <a:p>
             <a:fld id="{7DEA23E7-D0FC-41DC-8745-BE6FC447B182}" type="datetime1">
               <a:rPr lang="en-US" altLang="zh-CN" smtClean="0"/>
-              <a:t>8/15/2017</a:t>
+              <a:t>8/21/2017</a:t>
             </a:fld>
             <a:endParaRPr lang="en-US"/>
           </a:p>
@@ -6916,7 +6920,7 @@
           <a:p>
             <a:fld id="{A1BE0A72-8501-4974-A7B7-5BD248ABBAFC}" type="datetime1">
               <a:rPr lang="zh-CN" altLang="en-US" smtClean="0"/>
-              <a:t>2017/8/15</a:t>
+              <a:t>2017/8/21</a:t>
             </a:fld>
             <a:endParaRPr lang="zh-CN" altLang="en-US"/>
           </a:p>
@@ -6969,7 +6973,7 @@
           <a:p>
             <a:fld id="{5DEA8378-5F33-490B-8120-8DE6B7EE2781}" type="datetime1">
               <a:rPr lang="en-US" altLang="zh-CN" smtClean="0"/>
-              <a:t>8/15/2017</a:t>
+              <a:t>8/21/2017</a:t>
             </a:fld>
             <a:endParaRPr lang="en-US"/>
           </a:p>
@@ -7223,7 +7227,7 @@
           <a:p>
             <a:fld id="{38DD30CF-78A7-4C73-91B4-38D3E3317745}" type="datetime1">
               <a:rPr lang="en-US" altLang="zh-CN" smtClean="0"/>
-              <a:t>8/15/2017</a:t>
+              <a:t>8/21/2017</a:t>
             </a:fld>
             <a:endParaRPr lang="en-US"/>
           </a:p>
@@ -7488,7 +7492,7 @@
           <a:p>
             <a:fld id="{0B7E01DD-16D0-4DBA-9C1A-51468BA0B73A}" type="datetime1">
               <a:rPr lang="en-US" altLang="zh-CN" smtClean="0"/>
-              <a:t>8/15/2017</a:t>
+              <a:t>8/21/2017</a:t>
             </a:fld>
             <a:endParaRPr lang="en-US"/>
           </a:p>
@@ -7666,7 +7670,7 @@
           <a:p>
             <a:fld id="{B587E63F-0E62-4A50-901F-E071D77F7634}" type="datetime1">
               <a:rPr lang="en-US" altLang="zh-CN" smtClean="0"/>
-              <a:t>8/15/2017</a:t>
+              <a:t>8/21/2017</a:t>
             </a:fld>
             <a:endParaRPr lang="en-US"/>
           </a:p>
@@ -7854,7 +7858,7 @@
           <a:p>
             <a:fld id="{BD8521E8-9297-400B-AD8C-0A4D05699D33}" type="datetime1">
               <a:rPr lang="en-US" altLang="zh-CN" smtClean="0"/>
-              <a:t>8/15/2017</a:t>
+              <a:t>8/21/2017</a:t>
             </a:fld>
             <a:endParaRPr lang="en-US"/>
           </a:p>
@@ -7957,7 +7961,7 @@
           <a:p>
             <a:fld id="{EF452D9C-F9EB-4417-9C3A-C876C2AF9415}" type="datetime1">
               <a:rPr lang="zh-CN" altLang="en-US" smtClean="0"/>
-              <a:t>2017/8/15</a:t>
+              <a:t>2017/8/21</a:t>
             </a:fld>
             <a:endParaRPr lang="zh-CN" altLang="en-US"/>
           </a:p>
@@ -8143,7 +8147,7 @@
           <a:p>
             <a:fld id="{2F2E9289-9B4C-49AE-BDDA-70D6EDC89D17}" type="datetime1">
               <a:rPr lang="zh-CN" altLang="en-US" smtClean="0"/>
-              <a:t>2017/8/15</a:t>
+              <a:t>2017/8/21</a:t>
             </a:fld>
             <a:endParaRPr lang="zh-CN" altLang="en-US"/>
           </a:p>
@@ -8313,7 +8317,7 @@
           <a:p>
             <a:fld id="{2F2E9289-9B4C-49AE-BDDA-70D6EDC89D17}" type="datetime1">
               <a:rPr lang="zh-CN" altLang="en-US" smtClean="0"/>
-              <a:t>2017/8/15</a:t>
+              <a:t>2017/8/21</a:t>
             </a:fld>
             <a:endParaRPr lang="zh-CN" altLang="en-US"/>
           </a:p>
@@ -8549,7 +8553,7 @@
           <a:p>
             <a:fld id="{8C5BA751-A251-47D6-8494-C134D9EBED5F}" type="datetime1">
               <a:rPr lang="zh-CN" altLang="en-US" smtClean="0"/>
-              <a:t>2017/8/15</a:t>
+              <a:t>2017/8/21</a:t>
             </a:fld>
             <a:endParaRPr lang="zh-CN" altLang="en-US"/>
           </a:p>
@@ -8905,7 +8909,7 @@
           <a:p>
             <a:fld id="{C46E2078-F302-4651-A2A2-2FC6C4E1A3F1}" type="datetime1">
               <a:rPr lang="zh-CN" altLang="en-US" smtClean="0"/>
-              <a:t>2017/8/15</a:t>
+              <a:t>2017/8/21</a:t>
             </a:fld>
             <a:endParaRPr lang="zh-CN" altLang="en-US"/>
           </a:p>
@@ -9027,7 +9031,7 @@
               <a:pPr>
                 <a:defRPr/>
               </a:pPr>
-              <a:t>2017/8/15</a:t>
+              <a:t>2017/8/21</a:t>
             </a:fld>
             <a:endParaRPr lang="zh-CN" altLang="en-US"/>
           </a:p>
@@ -9175,7 +9179,7 @@
           <a:p>
             <a:fld id="{A1BE0A72-8501-4974-A7B7-5BD248ABBAFC}" type="datetime1">
               <a:rPr lang="zh-CN" altLang="en-US" smtClean="0"/>
-              <a:t>2017/8/15</a:t>
+              <a:t>2017/8/21</a:t>
             </a:fld>
             <a:endParaRPr lang="zh-CN" altLang="en-US"/>
           </a:p>
@@ -9689,7 +9693,7 @@
           <a:p>
             <a:fld id="{A1BE0A72-8501-4974-A7B7-5BD248ABBAFC}" type="datetime1">
               <a:rPr lang="zh-CN" altLang="en-US" smtClean="0"/>
-              <a:t>2017/8/15</a:t>
+              <a:t>2017/8/21</a:t>
             </a:fld>
             <a:endParaRPr lang="zh-CN" altLang="en-US"/>
           </a:p>
@@ -10295,7 +10299,7 @@
           <a:p>
             <a:fld id="{7A78726F-0AD2-4A20-BC72-263D2D3F3A2F}" type="datetime1">
               <a:rPr lang="en-US" altLang="zh-CN" smtClean="0"/>
-              <a:t>8/15/2017</a:t>
+              <a:t>8/21/2017</a:t>
             </a:fld>
             <a:endParaRPr lang="en-US"/>
           </a:p>
@@ -11276,7 +11280,7 @@
           <a:p>
             <a:fld id="{A1BE0A72-8501-4974-A7B7-5BD248ABBAFC}" type="datetime1">
               <a:rPr lang="zh-CN" altLang="en-US" smtClean="0"/>
-              <a:t>2017/8/15</a:t>
+              <a:t>2017/8/21</a:t>
             </a:fld>
             <a:endParaRPr lang="zh-CN" altLang="en-US"/>
           </a:p>
@@ -11882,7 +11886,7 @@
           <a:p>
             <a:fld id="{7A78726F-0AD2-4A20-BC72-263D2D3F3A2F}" type="datetime1">
               <a:rPr lang="en-US" altLang="zh-CN" smtClean="0"/>
-              <a:t>8/15/2017</a:t>
+              <a:t>8/21/2017</a:t>
             </a:fld>
             <a:endParaRPr lang="en-US"/>
           </a:p>
@@ -12753,24 +12757,16 @@
           <a:lstStyle/>
           <a:p>
             <a:r>
-              <a:rPr lang="zh-CN" altLang="en-US" dirty="0" smtClean="0"/>
+              <a:rPr lang="zh-CN" altLang="en-US" dirty="0"/>
               <a:t>第</a:t>
             </a:r>
             <a:r>
               <a:rPr lang="en-US" altLang="zh-CN" dirty="0"/>
-              <a:t>8</a:t>
-            </a:r>
-            <a:r>
-              <a:rPr lang="zh-CN" altLang="en-US" dirty="0" smtClean="0"/>
+              <a:t>10</a:t>
+            </a:r>
+            <a:r>
+              <a:rPr lang="zh-CN" altLang="en-US" dirty="0"/>
               <a:t>讲 </a:t>
-            </a:r>
-            <a:r>
-              <a:rPr lang="en-US" altLang="zh-CN" dirty="0" err="1" smtClean="0"/>
-              <a:t>WeUI</a:t>
-            </a:r>
-            <a:r>
-              <a:rPr lang="zh-CN" altLang="en-US" dirty="0" smtClean="0"/>
-              <a:t>与</a:t>
             </a:r>
             <a:r>
               <a:rPr lang="en-US" altLang="zh-CN" dirty="0"/>
@@ -12829,13 +12825,6 @@
   <p:clrMapOvr>
     <a:masterClrMapping/>
   </p:clrMapOvr>
-  <p:timing>
-    <p:tnLst>
-      <p:par>
-        <p:cTn id="1" dur="indefinite" restart="never" nodeType="tmRoot"/>
-      </p:par>
-    </p:tnLst>
-  </p:timing>
 </p:sld>
 </file>
 
@@ -12872,10 +12861,9 @@
           <a:lstStyle/>
           <a:p>
             <a:r>
-              <a:rPr lang="zh-CN" altLang="en-US" dirty="0" smtClean="0"/>
+              <a:rPr lang="zh-CN" altLang="en-US" dirty="0"/>
               <a:t>第二讲</a:t>
             </a:r>
-            <a:endParaRPr lang="zh-CN" altLang="en-US" dirty="0"/>
           </a:p>
         </p:txBody>
       </p:sp>
@@ -12922,7 +12910,7 @@
               <a:t>WeUI</a:t>
             </a:r>
             <a:r>
-              <a:rPr lang="zh-CN" altLang="en-US" sz="2000" dirty="0" smtClean="0">
+              <a:rPr lang="zh-CN" altLang="en-US" sz="2000" dirty="0">
                 <a:solidFill>
                   <a:schemeClr val="tx1">
                     <a:lumMod val="65000"/>
@@ -12954,7 +12942,7 @@
               <a:buAutoNum type="ea1JpnChsDbPeriod"/>
             </a:pPr>
             <a:r>
-              <a:rPr lang="en-US" altLang="zh-CN" sz="2400" dirty="0" smtClean="0">
+              <a:rPr lang="en-US" altLang="zh-CN" sz="2400" dirty="0">
                 <a:solidFill>
                   <a:schemeClr val="accent6">
                     <a:lumMod val="75000"/>
@@ -12966,7 +12954,7 @@
               <a:t>JS-SDK</a:t>
             </a:r>
             <a:r>
-              <a:rPr lang="zh-CN" altLang="en-US" sz="2400" dirty="0" smtClean="0">
+              <a:rPr lang="zh-CN" altLang="en-US" sz="2400" dirty="0">
                 <a:solidFill>
                   <a:schemeClr val="accent6">
                     <a:lumMod val="75000"/>
@@ -12996,7 +12984,7 @@
               <a:buAutoNum type="ea1JpnChsDbPeriod"/>
             </a:pPr>
             <a:r>
-              <a:rPr lang="en-US" altLang="zh-CN" sz="2000" dirty="0" err="1" smtClean="0">
+              <a:rPr lang="en-US" altLang="zh-CN" sz="2000" dirty="0" err="1">
                 <a:solidFill>
                   <a:schemeClr val="tx1">
                     <a:lumMod val="65000"/>
@@ -13009,7 +12997,7 @@
               <a:t>WeUI</a:t>
             </a:r>
             <a:r>
-              <a:rPr lang="zh-CN" altLang="en-US" sz="2000" dirty="0" smtClean="0">
+              <a:rPr lang="zh-CN" altLang="en-US" sz="2000" dirty="0">
                 <a:solidFill>
                   <a:schemeClr val="tx1">
                     <a:lumMod val="65000"/>
@@ -13022,7 +13010,7 @@
               <a:t>与</a:t>
             </a:r>
             <a:r>
-              <a:rPr lang="en-US" altLang="zh-CN" sz="2000" dirty="0" smtClean="0">
+              <a:rPr lang="en-US" altLang="zh-CN" sz="2000" dirty="0">
                 <a:solidFill>
                   <a:schemeClr val="tx1">
                     <a:lumMod val="65000"/>
@@ -13035,7 +13023,7 @@
               <a:t>JS-SDK</a:t>
             </a:r>
             <a:r>
-              <a:rPr lang="zh-CN" altLang="en-US" sz="2000" dirty="0" smtClean="0">
+              <a:rPr lang="zh-CN" altLang="en-US" sz="2000" dirty="0">
                 <a:solidFill>
                   <a:schemeClr val="tx1">
                     <a:lumMod val="65000"/>
@@ -13106,14 +13094,13 @@
           <a:lstStyle/>
           <a:p>
             <a:r>
-              <a:rPr lang="en-US" altLang="zh-CN" b="0" dirty="0" smtClean="0"/>
+              <a:rPr lang="en-US" altLang="zh-CN" b="0" dirty="0"/>
               <a:t>JS-SDK</a:t>
             </a:r>
             <a:r>
-              <a:rPr lang="zh-CN" altLang="en-US" b="0" dirty="0" smtClean="0"/>
+              <a:rPr lang="zh-CN" altLang="en-US" b="0" dirty="0"/>
               <a:t>介绍</a:t>
             </a:r>
-            <a:endParaRPr lang="zh-CN" altLang="en-US" b="0" dirty="0"/>
           </a:p>
         </p:txBody>
       </p:sp>
@@ -13168,14 +13155,13 @@
           <a:lstStyle/>
           <a:p>
             <a:r>
-              <a:rPr lang="en-US" altLang="zh-CN" b="0" dirty="0" smtClean="0"/>
+              <a:rPr lang="en-US" altLang="zh-CN" b="0" dirty="0"/>
               <a:t>JS-SDK</a:t>
             </a:r>
             <a:r>
-              <a:rPr lang="zh-CN" altLang="en-US" b="0" dirty="0" smtClean="0"/>
+              <a:rPr lang="zh-CN" altLang="en-US" b="0" dirty="0"/>
               <a:t>使用步骤</a:t>
             </a:r>
-            <a:endParaRPr lang="zh-CN" altLang="en-US" b="0" dirty="0"/>
           </a:p>
         </p:txBody>
       </p:sp>
@@ -13209,7 +13195,7 @@
               <a:buChar char="•"/>
             </a:pPr>
             <a:r>
-              <a:rPr lang="en-US" altLang="zh-CN" sz="2000" dirty="0" smtClean="0">
+              <a:rPr lang="en-US" altLang="zh-CN" sz="2000" dirty="0">
                 <a:latin typeface="微软雅黑" panose="020B0503020204020204" pitchFamily="34" charset="-122"/>
                 <a:ea typeface="微软雅黑" panose="020B0503020204020204" pitchFamily="34" charset="-122"/>
               </a:rPr>
@@ -13220,28 +13206,28 @@
                 <a:latin typeface="微软雅黑" panose="020B0503020204020204" pitchFamily="34" charset="-122"/>
                 <a:ea typeface="微软雅黑" panose="020B0503020204020204" pitchFamily="34" charset="-122"/>
               </a:rPr>
-              <a:t>能够连接通讯各种服务器、使用各种</a:t>
-            </a:r>
-            <a:r>
-              <a:rPr lang="zh-CN" altLang="en-US" sz="2000" dirty="0" smtClean="0">
+              <a:t>能够连接通讯各种服务器、使用各种协议。目前支持的协议有 </a:t>
+            </a:r>
+            <a:r>
+              <a:rPr lang="en-US" altLang="zh-CN" sz="2000" dirty="0">
                 <a:latin typeface="微软雅黑" panose="020B0503020204020204" pitchFamily="34" charset="-122"/>
                 <a:ea typeface="微软雅黑" panose="020B0503020204020204" pitchFamily="34" charset="-122"/>
               </a:rPr>
-              <a:t>协议。</a:t>
+              <a:t>http</a:t>
             </a:r>
             <a:r>
               <a:rPr lang="zh-CN" altLang="en-US" sz="2000" dirty="0">
                 <a:latin typeface="微软雅黑" panose="020B0503020204020204" pitchFamily="34" charset="-122"/>
                 <a:ea typeface="微软雅黑" panose="020B0503020204020204" pitchFamily="34" charset="-122"/>
               </a:rPr>
-              <a:t>目前支持的协议有 </a:t>
+              <a:t>、</a:t>
             </a:r>
             <a:r>
               <a:rPr lang="en-US" altLang="zh-CN" sz="2000" dirty="0">
                 <a:latin typeface="微软雅黑" panose="020B0503020204020204" pitchFamily="34" charset="-122"/>
                 <a:ea typeface="微软雅黑" panose="020B0503020204020204" pitchFamily="34" charset="-122"/>
               </a:rPr>
-              <a:t>http</a:t>
+              <a:t>https</a:t>
             </a:r>
             <a:r>
               <a:rPr lang="zh-CN" altLang="en-US" sz="2000" dirty="0">
@@ -13255,7 +13241,7 @@
                 <a:latin typeface="微软雅黑" panose="020B0503020204020204" pitchFamily="34" charset="-122"/>
                 <a:ea typeface="微软雅黑" panose="020B0503020204020204" pitchFamily="34" charset="-122"/>
               </a:rPr>
-              <a:t>https</a:t>
+              <a:t>ftp</a:t>
             </a:r>
             <a:r>
               <a:rPr lang="zh-CN" altLang="en-US" sz="2000" dirty="0">
@@ -13269,30 +13255,16 @@
                 <a:latin typeface="微软雅黑" panose="020B0503020204020204" pitchFamily="34" charset="-122"/>
                 <a:ea typeface="微软雅黑" panose="020B0503020204020204" pitchFamily="34" charset="-122"/>
               </a:rPr>
-              <a:t>ftp</a:t>
-            </a:r>
-            <a:r>
-              <a:rPr lang="zh-CN" altLang="en-US" sz="2000" dirty="0" smtClean="0">
+              <a:t>telnet</a:t>
+            </a:r>
+            <a:r>
+              <a:rPr lang="zh-CN" altLang="en-US" sz="2000" dirty="0">
                 <a:latin typeface="微软雅黑" panose="020B0503020204020204" pitchFamily="34" charset="-122"/>
                 <a:ea typeface="微软雅黑" panose="020B0503020204020204" pitchFamily="34" charset="-122"/>
               </a:rPr>
-              <a:t>、</a:t>
-            </a:r>
-            <a:r>
-              <a:rPr lang="en-US" altLang="zh-CN" sz="2000" dirty="0" smtClean="0">
-                <a:latin typeface="微软雅黑" panose="020B0503020204020204" pitchFamily="34" charset="-122"/>
-                <a:ea typeface="微软雅黑" panose="020B0503020204020204" pitchFamily="34" charset="-122"/>
-              </a:rPr>
-              <a:t>telnet</a:t>
-            </a:r>
-            <a:r>
-              <a:rPr lang="zh-CN" altLang="en-US" sz="2000" dirty="0" smtClean="0">
-                <a:latin typeface="微软雅黑" panose="020B0503020204020204" pitchFamily="34" charset="-122"/>
-                <a:ea typeface="微软雅黑" panose="020B0503020204020204" pitchFamily="34" charset="-122"/>
-              </a:rPr>
               <a:t>等。</a:t>
             </a:r>
-            <a:endParaRPr lang="en-US" altLang="zh-CN" sz="2000" dirty="0" smtClean="0">
+            <a:endParaRPr lang="en-US" altLang="zh-CN" sz="2000" dirty="0">
               <a:latin typeface="微软雅黑" panose="020B0503020204020204" pitchFamily="34" charset="-122"/>
               <a:ea typeface="微软雅黑" panose="020B0503020204020204" pitchFamily="34" charset="-122"/>
             </a:endParaRPr>
@@ -13306,48 +13278,48 @@
               <a:buChar char="•"/>
             </a:pPr>
             <a:r>
-              <a:rPr lang="en-US" altLang="zh-CN" sz="2000" dirty="0" smtClean="0">
+              <a:rPr lang="en-US" altLang="zh-CN" sz="2000" dirty="0">
                 <a:latin typeface="微软雅黑" panose="020B0503020204020204" pitchFamily="34" charset="-122"/>
                 <a:ea typeface="微软雅黑" panose="020B0503020204020204" pitchFamily="34" charset="-122"/>
               </a:rPr>
               <a:t>PHP</a:t>
             </a:r>
             <a:r>
-              <a:rPr lang="zh-CN" altLang="en-US" sz="2000" dirty="0" smtClean="0">
+              <a:rPr lang="zh-CN" altLang="en-US" sz="2000" dirty="0">
                 <a:latin typeface="微软雅黑" panose="020B0503020204020204" pitchFamily="34" charset="-122"/>
                 <a:ea typeface="微软雅黑" panose="020B0503020204020204" pitchFamily="34" charset="-122"/>
               </a:rPr>
               <a:t>使用</a:t>
             </a:r>
             <a:r>
-              <a:rPr lang="en-US" altLang="zh-CN" sz="2000" dirty="0" smtClean="0">
+              <a:rPr lang="en-US" altLang="zh-CN" sz="2000" dirty="0">
                 <a:latin typeface="微软雅黑" panose="020B0503020204020204" pitchFamily="34" charset="-122"/>
                 <a:ea typeface="微软雅黑" panose="020B0503020204020204" pitchFamily="34" charset="-122"/>
               </a:rPr>
               <a:t>curl</a:t>
             </a:r>
             <a:r>
-              <a:rPr lang="zh-CN" altLang="en-US" sz="2000" dirty="0" smtClean="0">
+              <a:rPr lang="zh-CN" altLang="en-US" sz="2000" dirty="0">
                 <a:latin typeface="微软雅黑" panose="020B0503020204020204" pitchFamily="34" charset="-122"/>
                 <a:ea typeface="微软雅黑" panose="020B0503020204020204" pitchFamily="34" charset="-122"/>
               </a:rPr>
               <a:t>发起</a:t>
             </a:r>
             <a:r>
-              <a:rPr lang="en-US" altLang="zh-CN" sz="2000" dirty="0" smtClean="0">
+              <a:rPr lang="en-US" altLang="zh-CN" sz="2000" dirty="0">
                 <a:latin typeface="微软雅黑" panose="020B0503020204020204" pitchFamily="34" charset="-122"/>
                 <a:ea typeface="微软雅黑" panose="020B0503020204020204" pitchFamily="34" charset="-122"/>
               </a:rPr>
               <a:t>http</a:t>
             </a:r>
             <a:r>
-              <a:rPr lang="zh-CN" altLang="en-US" sz="2000" dirty="0" smtClean="0">
+              <a:rPr lang="zh-CN" altLang="en-US" sz="2000" dirty="0">
                 <a:latin typeface="微软雅黑" panose="020B0503020204020204" pitchFamily="34" charset="-122"/>
                 <a:ea typeface="微软雅黑" panose="020B0503020204020204" pitchFamily="34" charset="-122"/>
               </a:rPr>
               <a:t>请求。</a:t>
             </a:r>
-            <a:endParaRPr lang="en-US" altLang="zh-CN" sz="2000" dirty="0" smtClean="0">
+            <a:endParaRPr lang="en-US" altLang="zh-CN" sz="2000" dirty="0">
               <a:latin typeface="微软雅黑" panose="020B0503020204020204" pitchFamily="34" charset="-122"/>
               <a:ea typeface="微软雅黑" panose="020B0503020204020204" pitchFamily="34" charset="-122"/>
             </a:endParaRPr>
@@ -13361,48 +13333,48 @@
               <a:buChar char="•"/>
             </a:pPr>
             <a:r>
-              <a:rPr lang="en-US" altLang="zh-CN" sz="2000" dirty="0" smtClean="0">
+              <a:rPr lang="en-US" altLang="zh-CN" sz="2000" dirty="0">
                 <a:latin typeface="微软雅黑" panose="020B0503020204020204" pitchFamily="34" charset="-122"/>
                 <a:ea typeface="微软雅黑" panose="020B0503020204020204" pitchFamily="34" charset="-122"/>
               </a:rPr>
               <a:t>PHP</a:t>
             </a:r>
             <a:r>
-              <a:rPr lang="zh-CN" altLang="en-US" sz="2000" dirty="0" smtClean="0">
+              <a:rPr lang="zh-CN" altLang="en-US" sz="2000" dirty="0">
                 <a:latin typeface="微软雅黑" panose="020B0503020204020204" pitchFamily="34" charset="-122"/>
                 <a:ea typeface="微软雅黑" panose="020B0503020204020204" pitchFamily="34" charset="-122"/>
               </a:rPr>
               <a:t>调用微信接口需要使用</a:t>
             </a:r>
             <a:r>
-              <a:rPr lang="en-US" altLang="zh-CN" sz="2000" dirty="0" smtClean="0">
+              <a:rPr lang="en-US" altLang="zh-CN" sz="2000" dirty="0">
                 <a:latin typeface="微软雅黑" panose="020B0503020204020204" pitchFamily="34" charset="-122"/>
                 <a:ea typeface="微软雅黑" panose="020B0503020204020204" pitchFamily="34" charset="-122"/>
               </a:rPr>
               <a:t>curl</a:t>
             </a:r>
             <a:r>
-              <a:rPr lang="zh-CN" altLang="en-US" sz="2000" dirty="0" smtClean="0">
+              <a:rPr lang="zh-CN" altLang="en-US" sz="2000" dirty="0">
                 <a:latin typeface="微软雅黑" panose="020B0503020204020204" pitchFamily="34" charset="-122"/>
                 <a:ea typeface="微软雅黑" panose="020B0503020204020204" pitchFamily="34" charset="-122"/>
               </a:rPr>
               <a:t>扩展或是基于</a:t>
             </a:r>
             <a:r>
-              <a:rPr lang="en-US" altLang="zh-CN" sz="2000" dirty="0" smtClean="0">
+              <a:rPr lang="en-US" altLang="zh-CN" sz="2000" dirty="0">
                 <a:latin typeface="微软雅黑" panose="020B0503020204020204" pitchFamily="34" charset="-122"/>
                 <a:ea typeface="微软雅黑" panose="020B0503020204020204" pitchFamily="34" charset="-122"/>
               </a:rPr>
               <a:t>curl</a:t>
             </a:r>
             <a:r>
-              <a:rPr lang="zh-CN" altLang="en-US" sz="2000" dirty="0" smtClean="0">
+              <a:rPr lang="zh-CN" altLang="en-US" sz="2000" dirty="0">
                 <a:latin typeface="微软雅黑" panose="020B0503020204020204" pitchFamily="34" charset="-122"/>
                 <a:ea typeface="微软雅黑" panose="020B0503020204020204" pitchFamily="34" charset="-122"/>
               </a:rPr>
               <a:t>的第三方库。</a:t>
             </a:r>
-            <a:endParaRPr lang="en-US" altLang="zh-CN" sz="2000" dirty="0" smtClean="0">
+            <a:endParaRPr lang="en-US" altLang="zh-CN" sz="2000" dirty="0">
               <a:latin typeface="微软雅黑" panose="020B0503020204020204" pitchFamily="34" charset="-122"/>
               <a:ea typeface="微软雅黑" panose="020B0503020204020204" pitchFamily="34" charset="-122"/>
             </a:endParaRPr>
@@ -13416,27 +13388,27 @@
               <a:buChar char="•"/>
             </a:pPr>
             <a:r>
-              <a:rPr lang="zh-CN" altLang="en-US" sz="2000" dirty="0" smtClean="0">
+              <a:rPr lang="zh-CN" altLang="en-US" sz="2000" dirty="0">
                 <a:latin typeface="微软雅黑" panose="020B0503020204020204" pitchFamily="34" charset="-122"/>
                 <a:ea typeface="微软雅黑" panose="020B0503020204020204" pitchFamily="34" charset="-122"/>
               </a:rPr>
               <a:t>使用</a:t>
             </a:r>
             <a:r>
-              <a:rPr lang="en-US" altLang="zh-CN" sz="2000" dirty="0" smtClean="0">
+              <a:rPr lang="en-US" altLang="zh-CN" sz="2000" dirty="0">
                 <a:latin typeface="微软雅黑" panose="020B0503020204020204" pitchFamily="34" charset="-122"/>
                 <a:ea typeface="微软雅黑" panose="020B0503020204020204" pitchFamily="34" charset="-122"/>
               </a:rPr>
               <a:t>CURL</a:t>
             </a:r>
             <a:r>
-              <a:rPr lang="zh-CN" altLang="en-US" sz="2000" dirty="0" smtClean="0">
+              <a:rPr lang="zh-CN" altLang="en-US" sz="2000" dirty="0">
                 <a:latin typeface="微软雅黑" panose="020B0503020204020204" pitchFamily="34" charset="-122"/>
                 <a:ea typeface="微软雅黑" panose="020B0503020204020204" pitchFamily="34" charset="-122"/>
               </a:rPr>
               <a:t>与浏览器访问网站：</a:t>
             </a:r>
-            <a:endParaRPr lang="en-US" altLang="zh-CN" sz="2000" dirty="0" smtClean="0">
+            <a:endParaRPr lang="en-US" altLang="zh-CN" sz="2000" dirty="0">
               <a:latin typeface="微软雅黑" panose="020B0503020204020204" pitchFamily="34" charset="-122"/>
               <a:ea typeface="微软雅黑" panose="020B0503020204020204" pitchFamily="34" charset="-122"/>
             </a:endParaRPr>
@@ -13448,77 +13420,63 @@
               </a:lnSpc>
             </a:pPr>
             <a:r>
-              <a:rPr lang="zh-CN" altLang="en-US" sz="2000" dirty="0" smtClean="0">
-                <a:latin typeface="微软雅黑" panose="020B0503020204020204" pitchFamily="34" charset="-122"/>
-                <a:ea typeface="微软雅黑" panose="020B0503020204020204" pitchFamily="34" charset="-122"/>
-              </a:rPr>
-              <a:t>在</a:t>
-            </a:r>
-            <a:r>
               <a:rPr lang="zh-CN" altLang="en-US" sz="2000" dirty="0">
                 <a:latin typeface="微软雅黑" panose="020B0503020204020204" pitchFamily="34" charset="-122"/>
                 <a:ea typeface="微软雅黑" panose="020B0503020204020204" pitchFamily="34" charset="-122"/>
               </a:rPr>
-              <a:t>浏览器</a:t>
-            </a:r>
-            <a:r>
-              <a:rPr lang="zh-CN" altLang="en-US" sz="2000" dirty="0" smtClean="0">
+              <a:t>在浏览器上输入网址后，是浏览器发起的</a:t>
+            </a:r>
+            <a:r>
+              <a:rPr lang="en-US" altLang="zh-CN" sz="2000" dirty="0">
                 <a:latin typeface="微软雅黑" panose="020B0503020204020204" pitchFamily="34" charset="-122"/>
                 <a:ea typeface="微软雅黑" panose="020B0503020204020204" pitchFamily="34" charset="-122"/>
               </a:rPr>
-              <a:t>上输入网址后，是浏览器发起的</a:t>
-            </a:r>
-            <a:r>
-              <a:rPr lang="en-US" altLang="zh-CN" sz="2000" dirty="0" smtClean="0">
+              <a:t>http</a:t>
+            </a:r>
+            <a:r>
+              <a:rPr lang="zh-CN" altLang="en-US" sz="2000" dirty="0">
                 <a:latin typeface="微软雅黑" panose="020B0503020204020204" pitchFamily="34" charset="-122"/>
                 <a:ea typeface="微软雅黑" panose="020B0503020204020204" pitchFamily="34" charset="-122"/>
               </a:rPr>
+              <a:t>请求获取数据，现在进行微信接口调用，无法使用浏览器实现，需要程序发起</a:t>
+            </a:r>
+            <a:r>
+              <a:rPr lang="en-US" altLang="zh-CN" sz="2000" dirty="0">
+                <a:latin typeface="微软雅黑" panose="020B0503020204020204" pitchFamily="34" charset="-122"/>
+                <a:ea typeface="微软雅黑" panose="020B0503020204020204" pitchFamily="34" charset="-122"/>
+              </a:rPr>
               <a:t>http</a:t>
             </a:r>
             <a:r>
-              <a:rPr lang="zh-CN" altLang="en-US" sz="2000" dirty="0" smtClean="0">
+              <a:rPr lang="zh-CN" altLang="en-US" sz="2000" dirty="0">
                 <a:latin typeface="微软雅黑" panose="020B0503020204020204" pitchFamily="34" charset="-122"/>
                 <a:ea typeface="微软雅黑" panose="020B0503020204020204" pitchFamily="34" charset="-122"/>
               </a:rPr>
-              <a:t>请求获取数据，现在进行微信接口调用，无法使用浏览器实现，需要程序发起</a:t>
-            </a:r>
-            <a:r>
-              <a:rPr lang="en-US" altLang="zh-CN" sz="2000" dirty="0" smtClean="0">
+              <a:t>请求获取数据，此时</a:t>
+            </a:r>
+            <a:r>
+              <a:rPr lang="en-US" altLang="zh-CN" sz="2000" dirty="0">
                 <a:latin typeface="微软雅黑" panose="020B0503020204020204" pitchFamily="34" charset="-122"/>
                 <a:ea typeface="微软雅黑" panose="020B0503020204020204" pitchFamily="34" charset="-122"/>
               </a:rPr>
+              <a:t>CURL</a:t>
+            </a:r>
+            <a:r>
+              <a:rPr lang="zh-CN" altLang="en-US" sz="2000" dirty="0">
+                <a:latin typeface="微软雅黑" panose="020B0503020204020204" pitchFamily="34" charset="-122"/>
+                <a:ea typeface="微软雅黑" panose="020B0503020204020204" pitchFamily="34" charset="-122"/>
+              </a:rPr>
+              <a:t>就像是浏览器，提供了</a:t>
+            </a:r>
+            <a:r>
+              <a:rPr lang="en-US" altLang="zh-CN" sz="2000" dirty="0">
+                <a:latin typeface="微软雅黑" panose="020B0503020204020204" pitchFamily="34" charset="-122"/>
+                <a:ea typeface="微软雅黑" panose="020B0503020204020204" pitchFamily="34" charset="-122"/>
+              </a:rPr>
               <a:t>http</a:t>
             </a:r>
             <a:r>
-              <a:rPr lang="zh-CN" altLang="en-US" sz="2000" dirty="0" smtClean="0">
-                <a:latin typeface="微软雅黑" panose="020B0503020204020204" pitchFamily="34" charset="-122"/>
-                <a:ea typeface="微软雅黑" panose="020B0503020204020204" pitchFamily="34" charset="-122"/>
-              </a:rPr>
-              <a:t>请求获取数据，此时</a:t>
-            </a:r>
-            <a:r>
-              <a:rPr lang="en-US" altLang="zh-CN" sz="2000" dirty="0" smtClean="0">
-                <a:latin typeface="微软雅黑" panose="020B0503020204020204" pitchFamily="34" charset="-122"/>
-                <a:ea typeface="微软雅黑" panose="020B0503020204020204" pitchFamily="34" charset="-122"/>
-              </a:rPr>
-              <a:t>CURL</a:t>
-            </a:r>
-            <a:r>
-              <a:rPr lang="zh-CN" altLang="en-US" sz="2000" dirty="0" smtClean="0">
-                <a:latin typeface="微软雅黑" panose="020B0503020204020204" pitchFamily="34" charset="-122"/>
-                <a:ea typeface="微软雅黑" panose="020B0503020204020204" pitchFamily="34" charset="-122"/>
-              </a:rPr>
-              <a:t>就像是浏览器，提供了</a:t>
-            </a:r>
-            <a:r>
-              <a:rPr lang="en-US" altLang="zh-CN" sz="2000" dirty="0" smtClean="0">
-                <a:latin typeface="微软雅黑" panose="020B0503020204020204" pitchFamily="34" charset="-122"/>
-                <a:ea typeface="微软雅黑" panose="020B0503020204020204" pitchFamily="34" charset="-122"/>
-              </a:rPr>
-              <a:t>http</a:t>
-            </a:r>
-            <a:r>
-              <a:rPr lang="zh-CN" altLang="en-US" sz="2000" dirty="0" smtClean="0">
+              <a:rPr lang="zh-CN" altLang="en-US" sz="2000" dirty="0">
                 <a:latin typeface="微软雅黑" panose="020B0503020204020204" pitchFamily="34" charset="-122"/>
                 <a:ea typeface="微软雅黑" panose="020B0503020204020204" pitchFamily="34" charset="-122"/>
               </a:rPr>
@@ -13541,13 +13499,6 @@
   <p:clrMapOvr>
     <a:masterClrMapping/>
   </p:clrMapOvr>
-  <p:timing>
-    <p:tnLst>
-      <p:par>
-        <p:cTn id="1" dur="indefinite" restart="never" nodeType="tmRoot"/>
-      </p:par>
-    </p:tnLst>
-  </p:timing>
 </p:sld>
 </file>
 
@@ -13590,13 +13541,8 @@
           <a:p>
             <a:r>
               <a:rPr lang="zh-CN" altLang="en-US" b="0" dirty="0"/>
-              <a:t>绑定</a:t>
-            </a:r>
-            <a:r>
-              <a:rPr lang="zh-CN" altLang="en-US" b="0" dirty="0" smtClean="0"/>
-              <a:t>域名与引入文件</a:t>
-            </a:r>
-            <a:endParaRPr lang="zh-CN" altLang="en-US" b="0" dirty="0"/>
+              <a:t>绑定域名与引入文件</a:t>
+            </a:r>
           </a:p>
         </p:txBody>
       </p:sp>
@@ -13651,10 +13597,9 @@
           <a:lstStyle/>
           <a:p>
             <a:r>
-              <a:rPr lang="zh-CN" altLang="en-US" b="0" dirty="0" smtClean="0"/>
+              <a:rPr lang="zh-CN" altLang="en-US" b="0" dirty="0"/>
               <a:t>初始化配置</a:t>
             </a:r>
-            <a:endParaRPr lang="zh-CN" altLang="en-US" b="0" dirty="0"/>
           </a:p>
         </p:txBody>
       </p:sp>
@@ -13668,13 +13613,6 @@
   <p:clrMapOvr>
     <a:masterClrMapping/>
   </p:clrMapOvr>
-  <p:timing>
-    <p:tnLst>
-      <p:par>
-        <p:cTn id="1" dur="indefinite" restart="never" nodeType="tmRoot"/>
-      </p:par>
-    </p:tnLst>
-  </p:timing>
 </p:sld>
 </file>
 
@@ -13712,13 +13650,8 @@
           <a:p>
             <a:r>
               <a:rPr lang="zh-CN" altLang="en-US" b="0" dirty="0"/>
-              <a:t>接口</a:t>
-            </a:r>
-            <a:r>
-              <a:rPr lang="zh-CN" altLang="en-US" b="0" dirty="0" smtClean="0"/>
-              <a:t>参数说明</a:t>
-            </a:r>
-            <a:endParaRPr lang="zh-CN" altLang="en-US" b="0" dirty="0"/>
+              <a:t>接口参数说明</a:t>
+            </a:r>
           </a:p>
         </p:txBody>
       </p:sp>
@@ -13773,10 +13706,9 @@
           <a:lstStyle/>
           <a:p>
             <a:r>
-              <a:rPr lang="zh-CN" altLang="en-US" b="0" dirty="0" smtClean="0"/>
+              <a:rPr lang="zh-CN" altLang="en-US" b="0" dirty="0"/>
               <a:t>判断当前版本是否支持接口</a:t>
             </a:r>
-            <a:endParaRPr lang="zh-CN" altLang="en-US" b="0" dirty="0"/>
           </a:p>
         </p:txBody>
       </p:sp>
@@ -13790,13 +13722,6 @@
   <p:clrMapOvr>
     <a:masterClrMapping/>
   </p:clrMapOvr>
-  <p:timing>
-    <p:tnLst>
-      <p:par>
-        <p:cTn id="1" dur="indefinite" restart="never" nodeType="tmRoot"/>
-      </p:par>
-    </p:tnLst>
-  </p:timing>
 </p:sld>
 </file>
 
@@ -13838,10 +13763,9 @@
           <a:lstStyle/>
           <a:p>
             <a:r>
-              <a:rPr lang="zh-CN" altLang="en-US" b="0" dirty="0" smtClean="0"/>
+              <a:rPr lang="zh-CN" altLang="en-US" b="0" dirty="0"/>
               <a:t>获取地理位置</a:t>
             </a:r>
-            <a:endParaRPr lang="zh-CN" altLang="en-US" b="0" dirty="0"/>
           </a:p>
         </p:txBody>
       </p:sp>
@@ -13896,10 +13820,9 @@
           <a:lstStyle/>
           <a:p>
             <a:r>
-              <a:rPr lang="zh-CN" altLang="en-US" b="0" dirty="0" smtClean="0"/>
+              <a:rPr lang="zh-CN" altLang="en-US" b="0" dirty="0"/>
               <a:t>分享接口</a:t>
             </a:r>
-            <a:endParaRPr lang="zh-CN" altLang="en-US" b="0" dirty="0"/>
           </a:p>
         </p:txBody>
       </p:sp>
@@ -13965,13 +13888,6 @@
   <p:clrMapOvr>
     <a:masterClrMapping/>
   </p:clrMapOvr>
-  <p:timing>
-    <p:tnLst>
-      <p:par>
-        <p:cTn id="1" dur="indefinite" restart="never" nodeType="tmRoot"/>
-      </p:par>
-    </p:tnLst>
-  </p:timing>
 </p:sld>
 </file>
 
@@ -14008,10 +13924,9 @@
           <a:lstStyle/>
           <a:p>
             <a:r>
-              <a:rPr lang="zh-CN" altLang="en-US" b="0" dirty="0" smtClean="0"/>
+              <a:rPr lang="zh-CN" altLang="en-US" b="0" dirty="0"/>
               <a:t>本次课程目录</a:t>
             </a:r>
-            <a:endParaRPr lang="zh-CN" altLang="en-US" b="0" dirty="0"/>
           </a:p>
         </p:txBody>
       </p:sp>
@@ -14045,7 +13960,7 @@
               <a:buAutoNum type="ea1JpnChsDbPeriod"/>
             </a:pPr>
             <a:r>
-              <a:rPr lang="en-US" altLang="zh-CN" sz="2400" dirty="0" err="1">
+              <a:rPr lang="en-US" altLang="zh-CN" sz="2400" dirty="0">
                 <a:solidFill>
                   <a:schemeClr val="tx1">
                     <a:lumMod val="65000"/>
@@ -14055,10 +13970,10 @@
                 <a:latin typeface="微软雅黑" panose="020B0503020204020204" pitchFamily="34" charset="-122"/>
                 <a:ea typeface="微软雅黑" panose="020B0503020204020204" pitchFamily="34" charset="-122"/>
               </a:rPr>
-              <a:t>WeUI</a:t>
-            </a:r>
-            <a:r>
-              <a:rPr lang="zh-CN" altLang="en-US" sz="2400" dirty="0" smtClean="0">
+              <a:t>JS-SDK</a:t>
+            </a:r>
+            <a:r>
+              <a:rPr lang="zh-CN" altLang="en-US" sz="2400" dirty="0">
                 <a:solidFill>
                   <a:schemeClr val="tx1">
                     <a:lumMod val="65000"/>
@@ -14068,7 +13983,7 @@
                 <a:latin typeface="微软雅黑" panose="020B0503020204020204" pitchFamily="34" charset="-122"/>
                 <a:ea typeface="微软雅黑" panose="020B0503020204020204" pitchFamily="34" charset="-122"/>
               </a:rPr>
-              <a:t>基础与使用</a:t>
+              <a:t>基础</a:t>
             </a:r>
             <a:endParaRPr lang="en-US" altLang="zh-CN" sz="2400" dirty="0">
               <a:solidFill>
@@ -14090,7 +14005,7 @@
               <a:buAutoNum type="ea1JpnChsDbPeriod"/>
             </a:pPr>
             <a:r>
-              <a:rPr lang="en-US" altLang="zh-CN" sz="2400" dirty="0" smtClean="0">
+              <a:rPr lang="en-US" altLang="zh-CN" sz="2400" dirty="0">
                 <a:solidFill>
                   <a:schemeClr val="tx1">
                     <a:lumMod val="65000"/>
@@ -14103,7 +14018,7 @@
               <a:t>JS-SDK</a:t>
             </a:r>
             <a:r>
-              <a:rPr lang="zh-CN" altLang="en-US" sz="2400" dirty="0" smtClean="0">
+              <a:rPr lang="zh-CN" altLang="en-US" sz="2400" dirty="0">
                 <a:solidFill>
                   <a:schemeClr val="tx1">
                     <a:lumMod val="65000"/>
@@ -14135,7 +14050,7 @@
               <a:buAutoNum type="ea1JpnChsDbPeriod"/>
             </a:pPr>
             <a:r>
-              <a:rPr lang="en-US" altLang="zh-CN" sz="2400" dirty="0" err="1" smtClean="0">
+              <a:rPr lang="en-US" altLang="zh-CN" sz="2400" dirty="0" err="1">
                 <a:solidFill>
                   <a:schemeClr val="tx1">
                     <a:lumMod val="65000"/>
@@ -14148,7 +14063,7 @@
               <a:t>WeUI</a:t>
             </a:r>
             <a:r>
-              <a:rPr lang="zh-CN" altLang="en-US" sz="2400" dirty="0" smtClean="0">
+              <a:rPr lang="zh-CN" altLang="en-US" sz="2400" dirty="0">
                 <a:solidFill>
                   <a:schemeClr val="tx1">
                     <a:lumMod val="65000"/>
@@ -14161,7 +14076,7 @@
               <a:t>与</a:t>
             </a:r>
             <a:r>
-              <a:rPr lang="en-US" altLang="zh-CN" sz="2400" dirty="0" smtClean="0">
+              <a:rPr lang="en-US" altLang="zh-CN" sz="2400" dirty="0">
                 <a:solidFill>
                   <a:schemeClr val="tx1">
                     <a:lumMod val="65000"/>
@@ -14174,7 +14089,7 @@
               <a:t>JS-SDK</a:t>
             </a:r>
             <a:r>
-              <a:rPr lang="zh-CN" altLang="en-US" sz="2400" dirty="0" smtClean="0">
+              <a:rPr lang="zh-CN" altLang="en-US" sz="2400" dirty="0">
                 <a:solidFill>
                   <a:schemeClr val="tx1">
                     <a:lumMod val="65000"/>
@@ -14209,13 +14124,6 @@
   <p:clrMapOvr>
     <a:masterClrMapping/>
   </p:clrMapOvr>
-  <p:timing>
-    <p:tnLst>
-      <p:par>
-        <p:cTn id="1" dur="indefinite" restart="never" nodeType="tmRoot"/>
-      </p:par>
-    </p:tnLst>
-  </p:timing>
 </p:sld>
 </file>
 
@@ -14257,10 +14165,9 @@
           <a:lstStyle/>
           <a:p>
             <a:r>
-              <a:rPr lang="zh-CN" altLang="en-US" b="0" dirty="0" smtClean="0"/>
+              <a:rPr lang="zh-CN" altLang="en-US" b="0" dirty="0"/>
               <a:t>扫码接口</a:t>
             </a:r>
-            <a:endParaRPr lang="zh-CN" altLang="en-US" b="0" dirty="0"/>
           </a:p>
         </p:txBody>
       </p:sp>
@@ -14274,13 +14181,6 @@
   <p:clrMapOvr>
     <a:masterClrMapping/>
   </p:clrMapOvr>
-  <p:timing>
-    <p:tnLst>
-      <p:par>
-        <p:cTn id="1" dur="indefinite" restart="never" nodeType="tmRoot"/>
-      </p:par>
-    </p:tnLst>
-  </p:timing>
 </p:sld>
 </file>
 
@@ -14322,10 +14222,9 @@
           <a:lstStyle/>
           <a:p>
             <a:r>
-              <a:rPr lang="zh-CN" altLang="en-US" dirty="0" smtClean="0"/>
+              <a:rPr lang="zh-CN" altLang="en-US" dirty="0"/>
               <a:t>第三讲</a:t>
             </a:r>
-            <a:endParaRPr lang="zh-CN" altLang="en-US" dirty="0"/>
           </a:p>
         </p:txBody>
       </p:sp>
@@ -14372,7 +14271,7 @@
               <a:t>WeUI</a:t>
             </a:r>
             <a:r>
-              <a:rPr lang="zh-CN" altLang="en-US" sz="2000" dirty="0" smtClean="0">
+              <a:rPr lang="zh-CN" altLang="en-US" sz="2000" dirty="0">
                 <a:solidFill>
                   <a:schemeClr val="tx1">
                     <a:lumMod val="65000"/>
@@ -14404,7 +14303,7 @@
               <a:buAutoNum type="ea1JpnChsDbPeriod"/>
             </a:pPr>
             <a:r>
-              <a:rPr lang="en-US" altLang="zh-CN" sz="2000" dirty="0" smtClean="0">
+              <a:rPr lang="en-US" altLang="zh-CN" sz="2000" dirty="0">
                 <a:solidFill>
                   <a:schemeClr val="tx1">
                     <a:lumMod val="65000"/>
@@ -14417,7 +14316,7 @@
               <a:t>JS-SDK</a:t>
             </a:r>
             <a:r>
-              <a:rPr lang="zh-CN" altLang="en-US" sz="2000" dirty="0" smtClean="0">
+              <a:rPr lang="zh-CN" altLang="en-US" sz="2000" dirty="0">
                 <a:solidFill>
                   <a:schemeClr val="tx1">
                     <a:lumMod val="65000"/>
@@ -14449,7 +14348,7 @@
               <a:buAutoNum type="ea1JpnChsDbPeriod"/>
             </a:pPr>
             <a:r>
-              <a:rPr lang="en-US" altLang="zh-CN" sz="2400" dirty="0" err="1" smtClean="0">
+              <a:rPr lang="en-US" altLang="zh-CN" sz="2400" dirty="0" err="1">
                 <a:solidFill>
                   <a:schemeClr val="accent6">
                     <a:lumMod val="75000"/>
@@ -14461,7 +14360,7 @@
               <a:t>WeUI</a:t>
             </a:r>
             <a:r>
-              <a:rPr lang="zh-CN" altLang="en-US" sz="2400" dirty="0" smtClean="0">
+              <a:rPr lang="zh-CN" altLang="en-US" sz="2400" dirty="0">
                 <a:solidFill>
                   <a:schemeClr val="accent6">
                     <a:lumMod val="75000"/>
@@ -14473,7 +14372,7 @@
               <a:t>与</a:t>
             </a:r>
             <a:r>
-              <a:rPr lang="en-US" altLang="zh-CN" sz="2400" dirty="0" smtClean="0">
+              <a:rPr lang="en-US" altLang="zh-CN" sz="2400" dirty="0">
                 <a:solidFill>
                   <a:schemeClr val="accent6">
                     <a:lumMod val="75000"/>
@@ -14485,7 +14384,7 @@
               <a:t>JS-SDK</a:t>
             </a:r>
             <a:r>
-              <a:rPr lang="zh-CN" altLang="en-US" sz="2400" dirty="0" smtClean="0">
+              <a:rPr lang="zh-CN" altLang="en-US" sz="2400" dirty="0">
                 <a:solidFill>
                   <a:schemeClr val="accent6">
                     <a:lumMod val="75000"/>
@@ -14554,14 +14453,13 @@
           <a:lstStyle/>
           <a:p>
             <a:r>
-              <a:rPr lang="en-US" altLang="zh-CN" dirty="0" smtClean="0"/>
+              <a:rPr lang="en-US" altLang="zh-CN" dirty="0"/>
               <a:t>IP</a:t>
             </a:r>
             <a:r>
-              <a:rPr lang="zh-CN" altLang="en-US" dirty="0" smtClean="0"/>
+              <a:rPr lang="zh-CN" altLang="en-US" dirty="0"/>
               <a:t>白名单</a:t>
             </a:r>
-            <a:endParaRPr lang="zh-CN" altLang="en-US" dirty="0"/>
           </a:p>
         </p:txBody>
       </p:sp>
@@ -14595,27 +14493,27 @@
               <a:buChar char="•"/>
             </a:pPr>
             <a:r>
-              <a:rPr lang="zh-CN" altLang="en-US" sz="2000" dirty="0" smtClean="0">
+              <a:rPr lang="zh-CN" altLang="en-US" sz="2000" dirty="0">
                 <a:latin typeface="微软雅黑" panose="020B0503020204020204" pitchFamily="34" charset="-122"/>
                 <a:ea typeface="微软雅黑" panose="020B0503020204020204" pitchFamily="34" charset="-122"/>
               </a:rPr>
               <a:t>调用接口以前需要先把开发者服务器的</a:t>
             </a:r>
             <a:r>
-              <a:rPr lang="en-US" altLang="zh-CN" sz="2000" dirty="0" smtClean="0">
+              <a:rPr lang="en-US" altLang="zh-CN" sz="2000" dirty="0">
                 <a:latin typeface="微软雅黑" panose="020B0503020204020204" pitchFamily="34" charset="-122"/>
                 <a:ea typeface="微软雅黑" panose="020B0503020204020204" pitchFamily="34" charset="-122"/>
               </a:rPr>
               <a:t>IP</a:t>
             </a:r>
             <a:r>
-              <a:rPr lang="zh-CN" altLang="en-US" sz="2000" dirty="0" smtClean="0">
+              <a:rPr lang="zh-CN" altLang="en-US" sz="2000" dirty="0">
                 <a:latin typeface="微软雅黑" panose="020B0503020204020204" pitchFamily="34" charset="-122"/>
                 <a:ea typeface="微软雅黑" panose="020B0503020204020204" pitchFamily="34" charset="-122"/>
               </a:rPr>
               <a:t>地址加入白名单列表</a:t>
             </a:r>
-            <a:endParaRPr lang="en-US" altLang="zh-CN" sz="2000" dirty="0" smtClean="0">
+            <a:endParaRPr lang="en-US" altLang="zh-CN" sz="2000" dirty="0">
               <a:latin typeface="微软雅黑" panose="020B0503020204020204" pitchFamily="34" charset="-122"/>
               <a:ea typeface="微软雅黑" panose="020B0503020204020204" pitchFamily="34" charset="-122"/>
             </a:endParaRPr>
@@ -14629,27 +14527,27 @@
               <a:buChar char="•"/>
             </a:pPr>
             <a:r>
-              <a:rPr lang="zh-CN" altLang="en-US" sz="2000" dirty="0" smtClean="0">
+              <a:rPr lang="zh-CN" altLang="en-US" sz="2000" dirty="0">
                 <a:latin typeface="微软雅黑" panose="020B0503020204020204" pitchFamily="34" charset="-122"/>
                 <a:ea typeface="微软雅黑" panose="020B0503020204020204" pitchFamily="34" charset="-122"/>
               </a:rPr>
               <a:t>如果在本地测试，则把本地所在公网</a:t>
             </a:r>
             <a:r>
-              <a:rPr lang="en-US" altLang="zh-CN" sz="2000" dirty="0" smtClean="0">
+              <a:rPr lang="en-US" altLang="zh-CN" sz="2000" dirty="0">
                 <a:latin typeface="微软雅黑" panose="020B0503020204020204" pitchFamily="34" charset="-122"/>
                 <a:ea typeface="微软雅黑" panose="020B0503020204020204" pitchFamily="34" charset="-122"/>
               </a:rPr>
               <a:t>IP</a:t>
             </a:r>
             <a:r>
-              <a:rPr lang="zh-CN" altLang="en-US" sz="2000" dirty="0" smtClean="0">
+              <a:rPr lang="zh-CN" altLang="en-US" sz="2000" dirty="0">
                 <a:latin typeface="微软雅黑" panose="020B0503020204020204" pitchFamily="34" charset="-122"/>
                 <a:ea typeface="微软雅黑" panose="020B0503020204020204" pitchFamily="34" charset="-122"/>
               </a:rPr>
               <a:t>也加入到白名单</a:t>
             </a:r>
-            <a:endParaRPr lang="en-US" altLang="zh-CN" sz="2000" dirty="0" smtClean="0">
+            <a:endParaRPr lang="en-US" altLang="zh-CN" sz="2000" dirty="0">
               <a:latin typeface="微软雅黑" panose="020B0503020204020204" pitchFamily="34" charset="-122"/>
               <a:ea typeface="微软雅黑" panose="020B0503020204020204" pitchFamily="34" charset="-122"/>
             </a:endParaRPr>
@@ -14667,16 +14565,9 @@
                 <a:latin typeface="微软雅黑" panose="020B0503020204020204" pitchFamily="34" charset="-122"/>
                 <a:ea typeface="微软雅黑" panose="020B0503020204020204" pitchFamily="34" charset="-122"/>
               </a:rPr>
-              <a:t>不</a:t>
-            </a:r>
-            <a:r>
-              <a:rPr lang="zh-CN" altLang="en-US" sz="2000" dirty="0" smtClean="0">
-                <a:latin typeface="微软雅黑" panose="020B0503020204020204" pitchFamily="34" charset="-122"/>
-                <a:ea typeface="微软雅黑" panose="020B0503020204020204" pitchFamily="34" charset="-122"/>
-              </a:rPr>
-              <a:t>加入白名单，调用接口会失败</a:t>
-            </a:r>
-            <a:endParaRPr lang="en-US" altLang="zh-CN" sz="2000" dirty="0" smtClean="0">
+              <a:t>不加入白名单，调用接口会失败</a:t>
+            </a:r>
+            <a:endParaRPr lang="en-US" altLang="zh-CN" sz="2000" dirty="0">
               <a:latin typeface="微软雅黑" panose="020B0503020204020204" pitchFamily="34" charset="-122"/>
               <a:ea typeface="微软雅黑" panose="020B0503020204020204" pitchFamily="34" charset="-122"/>
             </a:endParaRPr>
@@ -14694,16 +14585,9 @@
                 <a:latin typeface="微软雅黑" panose="020B0503020204020204" pitchFamily="34" charset="-122"/>
                 <a:ea typeface="微软雅黑" panose="020B0503020204020204" pitchFamily="34" charset="-122"/>
               </a:rPr>
-              <a:t>白名单</a:t>
-            </a:r>
-            <a:r>
-              <a:rPr lang="zh-CN" altLang="en-US" sz="2000" dirty="0" smtClean="0">
-                <a:latin typeface="微软雅黑" panose="020B0503020204020204" pitchFamily="34" charset="-122"/>
-                <a:ea typeface="微软雅黑" panose="020B0503020204020204" pitchFamily="34" charset="-122"/>
-              </a:rPr>
-              <a:t>机制是为了安全性考虑</a:t>
-            </a:r>
-            <a:endParaRPr lang="en-US" altLang="zh-CN" sz="2000" dirty="0" smtClean="0">
+              <a:t>白名单机制是为了安全性考虑</a:t>
+            </a:r>
+            <a:endParaRPr lang="en-US" altLang="zh-CN" sz="2000" dirty="0">
               <a:latin typeface="微软雅黑" panose="020B0503020204020204" pitchFamily="34" charset="-122"/>
               <a:ea typeface="微软雅黑" panose="020B0503020204020204" pitchFamily="34" charset="-122"/>
             </a:endParaRPr>
@@ -14757,11 +14641,7 @@
           <a:p>
             <a:r>
               <a:rPr lang="en-US" altLang="zh-CN" dirty="0" err="1"/>
-              <a:t>a</a:t>
-            </a:r>
-            <a:r>
-              <a:rPr lang="en-US" altLang="zh-CN" dirty="0" err="1" smtClean="0"/>
-              <a:t>ccess_token</a:t>
+              <a:t>access_token</a:t>
             </a:r>
             <a:endParaRPr lang="zh-CN" altLang="en-US" dirty="0"/>
           </a:p>
@@ -14818,13 +14698,13 @@
               <a:t>access_token</a:t>
             </a:r>
             <a:r>
-              <a:rPr lang="zh-CN" altLang="en-US" sz="2000" dirty="0" smtClean="0">
+              <a:rPr lang="zh-CN" altLang="en-US" sz="2000" dirty="0">
                 <a:latin typeface="微软雅黑" panose="020B0503020204020204" pitchFamily="34" charset="-122"/>
                 <a:ea typeface="微软雅黑" panose="020B0503020204020204" pitchFamily="34" charset="-122"/>
               </a:rPr>
               <a:t>。</a:t>
             </a:r>
-            <a:endParaRPr lang="en-US" altLang="zh-CN" sz="2000" dirty="0" smtClean="0">
+            <a:endParaRPr lang="en-US" altLang="zh-CN" sz="2000" dirty="0">
               <a:latin typeface="微软雅黑" panose="020B0503020204020204" pitchFamily="34" charset="-122"/>
               <a:ea typeface="微软雅黑" panose="020B0503020204020204" pitchFamily="34" charset="-122"/>
             </a:endParaRPr>
@@ -14863,16 +14743,9 @@
                 <a:latin typeface="微软雅黑" panose="020B0503020204020204" pitchFamily="34" charset="-122"/>
                 <a:ea typeface="微软雅黑" panose="020B0503020204020204" pitchFamily="34" charset="-122"/>
               </a:rPr>
-              <a:t>个字符空间</a:t>
-            </a:r>
-            <a:r>
-              <a:rPr lang="zh-CN" altLang="en-US" sz="2000" dirty="0" smtClean="0">
-                <a:latin typeface="微软雅黑" panose="020B0503020204020204" pitchFamily="34" charset="-122"/>
-                <a:ea typeface="微软雅黑" panose="020B0503020204020204" pitchFamily="34" charset="-122"/>
-              </a:rPr>
-              <a:t>。</a:t>
-            </a:r>
-            <a:endParaRPr lang="en-US" altLang="zh-CN" sz="2000" dirty="0" smtClean="0">
+              <a:t>个字符空间。</a:t>
+            </a:r>
+            <a:endParaRPr lang="en-US" altLang="zh-CN" sz="2000" dirty="0">
               <a:latin typeface="微软雅黑" panose="020B0503020204020204" pitchFamily="34" charset="-122"/>
               <a:ea typeface="微软雅黑" panose="020B0503020204020204" pitchFamily="34" charset="-122"/>
             </a:endParaRPr>
@@ -14886,7 +14759,7 @@
               <a:buChar char="•"/>
             </a:pPr>
             <a:r>
-              <a:rPr lang="en-US" altLang="zh-CN" sz="2000" dirty="0" smtClean="0">
+              <a:rPr lang="en-US" altLang="zh-CN" sz="2000" dirty="0">
                 <a:latin typeface="微软雅黑" panose="020B0503020204020204" pitchFamily="34" charset="-122"/>
                 <a:ea typeface="微软雅黑" panose="020B0503020204020204" pitchFamily="34" charset="-122"/>
               </a:rPr>
@@ -14911,16 +14784,9 @@
                 <a:latin typeface="微软雅黑" panose="020B0503020204020204" pitchFamily="34" charset="-122"/>
                 <a:ea typeface="微软雅黑" panose="020B0503020204020204" pitchFamily="34" charset="-122"/>
               </a:rPr>
-              <a:t>个小时，需定时</a:t>
-            </a:r>
-            <a:r>
-              <a:rPr lang="zh-CN" altLang="en-US" sz="2000" dirty="0" smtClean="0">
-                <a:latin typeface="微软雅黑" panose="020B0503020204020204" pitchFamily="34" charset="-122"/>
-                <a:ea typeface="微软雅黑" panose="020B0503020204020204" pitchFamily="34" charset="-122"/>
-              </a:rPr>
-              <a:t>刷新。</a:t>
-            </a:r>
-            <a:endParaRPr lang="en-US" altLang="zh-CN" sz="2000" dirty="0" smtClean="0">
+              <a:t>个小时，需定时刷新。</a:t>
+            </a:r>
+            <a:endParaRPr lang="en-US" altLang="zh-CN" sz="2000" dirty="0">
               <a:latin typeface="微软雅黑" panose="020B0503020204020204" pitchFamily="34" charset="-122"/>
               <a:ea typeface="微软雅黑" panose="020B0503020204020204" pitchFamily="34" charset="-122"/>
             </a:endParaRPr>
@@ -14934,18 +14800,11 @@
               <a:buChar char="•"/>
             </a:pPr>
             <a:r>
-              <a:rPr lang="zh-CN" altLang="en-US" sz="2000" dirty="0" smtClean="0">
-                <a:latin typeface="微软雅黑" panose="020B0503020204020204" pitchFamily="34" charset="-122"/>
-                <a:ea typeface="微软雅黑" panose="020B0503020204020204" pitchFamily="34" charset="-122"/>
-              </a:rPr>
-              <a:t>重复</a:t>
-            </a:r>
-            <a:r>
               <a:rPr lang="zh-CN" altLang="en-US" sz="2000" dirty="0">
                 <a:latin typeface="微软雅黑" panose="020B0503020204020204" pitchFamily="34" charset="-122"/>
                 <a:ea typeface="微软雅黑" panose="020B0503020204020204" pitchFamily="34" charset="-122"/>
               </a:rPr>
-              <a:t>获取将导致上次获取的</a:t>
+              <a:t>重复获取将导致上次获取的</a:t>
             </a:r>
             <a:r>
               <a:rPr lang="en-US" altLang="zh-CN" sz="2000" dirty="0">
@@ -15015,10 +14874,9 @@
           <a:lstStyle/>
           <a:p>
             <a:r>
-              <a:rPr lang="zh-CN" altLang="en-US" dirty="0" smtClean="0"/>
+              <a:rPr lang="zh-CN" altLang="en-US" dirty="0"/>
               <a:t>调用微信接口的凭据</a:t>
             </a:r>
-            <a:endParaRPr lang="zh-CN" altLang="en-US" dirty="0"/>
           </a:p>
         </p:txBody>
       </p:sp>
@@ -15059,48 +14917,48 @@
               <a:t>开发者</a:t>
             </a:r>
             <a:r>
-              <a:rPr lang="en-US" altLang="zh-CN" sz="2000" dirty="0" smtClean="0">
+              <a:rPr lang="en-US" altLang="zh-CN" sz="2000" dirty="0">
                 <a:latin typeface="微软雅黑" panose="020B0503020204020204" pitchFamily="34" charset="-122"/>
                 <a:ea typeface="微软雅黑" panose="020B0503020204020204" pitchFamily="34" charset="-122"/>
               </a:rPr>
               <a:t>ID</a:t>
             </a:r>
             <a:r>
-              <a:rPr lang="zh-CN" altLang="en-US" sz="2000" dirty="0" smtClean="0">
+              <a:rPr lang="zh-CN" altLang="en-US" sz="2000" dirty="0">
                 <a:latin typeface="微软雅黑" panose="020B0503020204020204" pitchFamily="34" charset="-122"/>
                 <a:ea typeface="微软雅黑" panose="020B0503020204020204" pitchFamily="34" charset="-122"/>
               </a:rPr>
               <a:t>（</a:t>
             </a:r>
             <a:r>
-              <a:rPr lang="en-US" altLang="zh-CN" sz="2000" dirty="0" smtClean="0">
+              <a:rPr lang="en-US" altLang="zh-CN" sz="2000" dirty="0">
                 <a:latin typeface="微软雅黑" panose="020B0503020204020204" pitchFamily="34" charset="-122"/>
                 <a:ea typeface="微软雅黑" panose="020B0503020204020204" pitchFamily="34" charset="-122"/>
               </a:rPr>
               <a:t>AppId</a:t>
             </a:r>
             <a:r>
-              <a:rPr lang="zh-CN" altLang="en-US" sz="2000" dirty="0" smtClean="0">
+              <a:rPr lang="zh-CN" altLang="en-US" sz="2000" dirty="0">
                 <a:latin typeface="微软雅黑" panose="020B0503020204020204" pitchFamily="34" charset="-122"/>
                 <a:ea typeface="微软雅黑" panose="020B0503020204020204" pitchFamily="34" charset="-122"/>
               </a:rPr>
               <a:t>）：申请微信公众号产生的唯一</a:t>
             </a:r>
             <a:r>
-              <a:rPr lang="en-US" altLang="zh-CN" sz="2000" dirty="0" smtClean="0">
+              <a:rPr lang="en-US" altLang="zh-CN" sz="2000" dirty="0">
                 <a:latin typeface="微软雅黑" panose="020B0503020204020204" pitchFamily="34" charset="-122"/>
                 <a:ea typeface="微软雅黑" panose="020B0503020204020204" pitchFamily="34" charset="-122"/>
               </a:rPr>
               <a:t>ID</a:t>
             </a:r>
             <a:r>
-              <a:rPr lang="zh-CN" altLang="en-US" sz="2000" dirty="0" smtClean="0">
+              <a:rPr lang="zh-CN" altLang="en-US" sz="2000" dirty="0">
                 <a:latin typeface="微软雅黑" panose="020B0503020204020204" pitchFamily="34" charset="-122"/>
                 <a:ea typeface="微软雅黑" panose="020B0503020204020204" pitchFamily="34" charset="-122"/>
               </a:rPr>
               <a:t>标识</a:t>
             </a:r>
-            <a:endParaRPr lang="en-US" altLang="zh-CN" sz="2000" dirty="0" smtClean="0">
+            <a:endParaRPr lang="en-US" altLang="zh-CN" sz="2000" dirty="0">
               <a:latin typeface="微软雅黑" panose="020B0503020204020204" pitchFamily="34" charset="-122"/>
               <a:ea typeface="微软雅黑" panose="020B0503020204020204" pitchFamily="34" charset="-122"/>
             </a:endParaRPr>
@@ -15118,37 +14976,23 @@
                 <a:latin typeface="微软雅黑" panose="020B0503020204020204" pitchFamily="34" charset="-122"/>
                 <a:ea typeface="微软雅黑" panose="020B0503020204020204" pitchFamily="34" charset="-122"/>
               </a:rPr>
-              <a:t>开发者</a:t>
-            </a:r>
-            <a:r>
-              <a:rPr lang="zh-CN" altLang="en-US" sz="2000" dirty="0" smtClean="0">
+              <a:t>开发者密码（</a:t>
+            </a:r>
+            <a:r>
+              <a:rPr lang="en-US" altLang="zh-CN" sz="2000" dirty="0">
                 <a:latin typeface="微软雅黑" panose="020B0503020204020204" pitchFamily="34" charset="-122"/>
                 <a:ea typeface="微软雅黑" panose="020B0503020204020204" pitchFamily="34" charset="-122"/>
               </a:rPr>
-              <a:t>密码（</a:t>
-            </a:r>
-            <a:r>
-              <a:rPr lang="en-US" altLang="zh-CN" sz="2000" dirty="0" smtClean="0">
-                <a:latin typeface="微软雅黑" panose="020B0503020204020204" pitchFamily="34" charset="-122"/>
-                <a:ea typeface="微软雅黑" panose="020B0503020204020204" pitchFamily="34" charset="-122"/>
-              </a:rPr>
               <a:t>AppSecret</a:t>
-            </a:r>
-            <a:r>
-              <a:rPr lang="zh-CN" altLang="en-US" sz="2000" dirty="0" smtClean="0">
-                <a:latin typeface="微软雅黑" panose="020B0503020204020204" pitchFamily="34" charset="-122"/>
-                <a:ea typeface="微软雅黑" panose="020B0503020204020204" pitchFamily="34" charset="-122"/>
-              </a:rPr>
-              <a:t>）：</a:t>
             </a:r>
             <a:r>
               <a:rPr lang="zh-CN" altLang="en-US" sz="2000" dirty="0">
                 <a:latin typeface="微软雅黑" panose="020B0503020204020204" pitchFamily="34" charset="-122"/>
                 <a:ea typeface="微软雅黑" panose="020B0503020204020204" pitchFamily="34" charset="-122"/>
               </a:rPr>
-              <a:t>开发者密码是校验公众号开发者身份的密码</a:t>
-            </a:r>
-            <a:endParaRPr lang="en-US" altLang="zh-CN" sz="2000" dirty="0" smtClean="0">
+              <a:t>）：开发者密码是校验公众号开发者身份的密码</a:t>
+            </a:r>
+            <a:endParaRPr lang="en-US" altLang="zh-CN" sz="2000" dirty="0">
               <a:latin typeface="微软雅黑" panose="020B0503020204020204" pitchFamily="34" charset="-122"/>
               <a:ea typeface="微软雅黑" panose="020B0503020204020204" pitchFamily="34" charset="-122"/>
             </a:endParaRPr>
@@ -15166,37 +15010,30 @@
                 <a:latin typeface="微软雅黑" panose="020B0503020204020204" pitchFamily="34" charset="-122"/>
                 <a:ea typeface="微软雅黑" panose="020B0503020204020204" pitchFamily="34" charset="-122"/>
               </a:rPr>
-              <a:t>a</a:t>
-            </a:r>
-            <a:r>
-              <a:rPr lang="en-US" altLang="zh-CN" sz="2000" dirty="0" err="1" smtClean="0">
+              <a:t>access_token</a:t>
+            </a:r>
+            <a:r>
+              <a:rPr lang="zh-CN" altLang="en-US" sz="2000" dirty="0">
                 <a:latin typeface="微软雅黑" panose="020B0503020204020204" pitchFamily="34" charset="-122"/>
                 <a:ea typeface="微软雅黑" panose="020B0503020204020204" pitchFamily="34" charset="-122"/>
               </a:rPr>
-              <a:t>ccess_token</a:t>
-            </a:r>
-            <a:r>
-              <a:rPr lang="zh-CN" altLang="en-US" sz="2000" dirty="0" smtClean="0">
+              <a:t>：每次由获取</a:t>
+            </a:r>
+            <a:r>
+              <a:rPr lang="en-US" altLang="zh-CN" sz="2000" dirty="0" err="1">
                 <a:latin typeface="微软雅黑" panose="020B0503020204020204" pitchFamily="34" charset="-122"/>
                 <a:ea typeface="微软雅黑" panose="020B0503020204020204" pitchFamily="34" charset="-122"/>
               </a:rPr>
-              <a:t>：每次由获取</a:t>
-            </a:r>
-            <a:r>
-              <a:rPr lang="en-US" altLang="zh-CN" sz="2000" dirty="0" err="1" smtClean="0">
+              <a:t>access_token</a:t>
+            </a:r>
+            <a:r>
+              <a:rPr lang="zh-CN" altLang="en-US" sz="2000" dirty="0">
                 <a:latin typeface="微软雅黑" panose="020B0503020204020204" pitchFamily="34" charset="-122"/>
                 <a:ea typeface="微软雅黑" panose="020B0503020204020204" pitchFamily="34" charset="-122"/>
               </a:rPr>
-              <a:t>access_token</a:t>
-            </a:r>
-            <a:r>
-              <a:rPr lang="zh-CN" altLang="en-US" sz="2000" dirty="0" smtClean="0">
-                <a:latin typeface="微软雅黑" panose="020B0503020204020204" pitchFamily="34" charset="-122"/>
-                <a:ea typeface="微软雅黑" panose="020B0503020204020204" pitchFamily="34" charset="-122"/>
-              </a:rPr>
               <a:t>接口获取后保存并用于其他接口的调用</a:t>
             </a:r>
-            <a:endParaRPr lang="en-US" altLang="zh-CN" sz="2000" dirty="0" smtClean="0">
+            <a:endParaRPr lang="en-US" altLang="zh-CN" sz="2000" dirty="0">
               <a:latin typeface="微软雅黑" panose="020B0503020204020204" pitchFamily="34" charset="-122"/>
               <a:ea typeface="微软雅黑" panose="020B0503020204020204" pitchFamily="34" charset="-122"/>
             </a:endParaRPr>
@@ -15210,27 +15047,27 @@
               <a:buChar char="•"/>
             </a:pPr>
             <a:r>
-              <a:rPr lang="zh-CN" altLang="en-US" sz="2000" dirty="0" smtClean="0">
+              <a:rPr lang="zh-CN" altLang="en-US" sz="2000" dirty="0">
                 <a:latin typeface="微软雅黑" panose="020B0503020204020204" pitchFamily="34" charset="-122"/>
                 <a:ea typeface="微软雅黑" panose="020B0503020204020204" pitchFamily="34" charset="-122"/>
               </a:rPr>
               <a:t>除</a:t>
             </a:r>
             <a:r>
-              <a:rPr lang="en-US" altLang="zh-CN" sz="2000" dirty="0" err="1" smtClean="0">
+              <a:rPr lang="en-US" altLang="zh-CN" sz="2000" dirty="0" err="1">
                 <a:latin typeface="微软雅黑" panose="020B0503020204020204" pitchFamily="34" charset="-122"/>
                 <a:ea typeface="微软雅黑" panose="020B0503020204020204" pitchFamily="34" charset="-122"/>
               </a:rPr>
               <a:t>access_token</a:t>
             </a:r>
             <a:r>
-              <a:rPr lang="zh-CN" altLang="en-US" sz="2000" dirty="0" smtClean="0">
+              <a:rPr lang="zh-CN" altLang="en-US" sz="2000" dirty="0">
                 <a:latin typeface="微软雅黑" panose="020B0503020204020204" pitchFamily="34" charset="-122"/>
                 <a:ea typeface="微软雅黑" panose="020B0503020204020204" pitchFamily="34" charset="-122"/>
               </a:rPr>
               <a:t>接口以外，其他接口的调用流程：</a:t>
             </a:r>
-            <a:endParaRPr lang="en-US" altLang="zh-CN" sz="2000" dirty="0" smtClean="0">
+            <a:endParaRPr lang="en-US" altLang="zh-CN" sz="2000" dirty="0">
               <a:latin typeface="微软雅黑" panose="020B0503020204020204" pitchFamily="34" charset="-122"/>
               <a:ea typeface="微软雅黑" panose="020B0503020204020204" pitchFamily="34" charset="-122"/>
             </a:endParaRPr>
@@ -15244,48 +15081,48 @@
               <a:buAutoNum type="arabicPeriod"/>
             </a:pPr>
             <a:r>
-              <a:rPr lang="zh-CN" altLang="en-US" sz="2000" dirty="0" smtClean="0">
+              <a:rPr lang="zh-CN" altLang="en-US" sz="2000" dirty="0">
                 <a:latin typeface="微软雅黑" panose="020B0503020204020204" pitchFamily="34" charset="-122"/>
                 <a:ea typeface="微软雅黑" panose="020B0503020204020204" pitchFamily="34" charset="-122"/>
               </a:rPr>
               <a:t>先使用</a:t>
             </a:r>
             <a:r>
-              <a:rPr lang="en-US" altLang="zh-CN" sz="2000" dirty="0" smtClean="0">
+              <a:rPr lang="en-US" altLang="zh-CN" sz="2000" dirty="0">
                 <a:latin typeface="微软雅黑" panose="020B0503020204020204" pitchFamily="34" charset="-122"/>
                 <a:ea typeface="微软雅黑" panose="020B0503020204020204" pitchFamily="34" charset="-122"/>
               </a:rPr>
               <a:t>AppId</a:t>
             </a:r>
             <a:r>
-              <a:rPr lang="zh-CN" altLang="en-US" sz="2000" dirty="0" smtClean="0">
+              <a:rPr lang="zh-CN" altLang="en-US" sz="2000" dirty="0">
                 <a:latin typeface="微软雅黑" panose="020B0503020204020204" pitchFamily="34" charset="-122"/>
                 <a:ea typeface="微软雅黑" panose="020B0503020204020204" pitchFamily="34" charset="-122"/>
               </a:rPr>
               <a:t>与</a:t>
             </a:r>
             <a:r>
-              <a:rPr lang="en-US" altLang="zh-CN" sz="2000" dirty="0" smtClean="0">
+              <a:rPr lang="en-US" altLang="zh-CN" sz="2000" dirty="0">
                 <a:latin typeface="微软雅黑" panose="020B0503020204020204" pitchFamily="34" charset="-122"/>
                 <a:ea typeface="微软雅黑" panose="020B0503020204020204" pitchFamily="34" charset="-122"/>
               </a:rPr>
               <a:t>AppSecret</a:t>
             </a:r>
             <a:r>
-              <a:rPr lang="zh-CN" altLang="en-US" sz="2000" dirty="0" smtClean="0">
+              <a:rPr lang="zh-CN" altLang="en-US" sz="2000" dirty="0">
                 <a:latin typeface="微软雅黑" panose="020B0503020204020204" pitchFamily="34" charset="-122"/>
                 <a:ea typeface="微软雅黑" panose="020B0503020204020204" pitchFamily="34" charset="-122"/>
               </a:rPr>
               <a:t>获取有效的</a:t>
             </a:r>
             <a:r>
-              <a:rPr lang="en-US" altLang="zh-CN" sz="2000" dirty="0" err="1" smtClean="0">
+              <a:rPr lang="en-US" altLang="zh-CN" sz="2000" dirty="0" err="1">
                 <a:latin typeface="微软雅黑" panose="020B0503020204020204" pitchFamily="34" charset="-122"/>
                 <a:ea typeface="微软雅黑" panose="020B0503020204020204" pitchFamily="34" charset="-122"/>
               </a:rPr>
               <a:t>access_token</a:t>
             </a:r>
-            <a:endParaRPr lang="en-US" altLang="zh-CN" sz="2000" dirty="0" smtClean="0">
+            <a:endParaRPr lang="en-US" altLang="zh-CN" sz="2000" dirty="0">
               <a:latin typeface="微软雅黑" panose="020B0503020204020204" pitchFamily="34" charset="-122"/>
               <a:ea typeface="微软雅黑" panose="020B0503020204020204" pitchFamily="34" charset="-122"/>
             </a:endParaRPr>
@@ -15299,30 +15136,26 @@
               <a:buAutoNum type="arabicPeriod"/>
             </a:pPr>
             <a:r>
-              <a:rPr lang="zh-CN" altLang="en-US" sz="2000" dirty="0" smtClean="0">
+              <a:rPr lang="zh-CN" altLang="en-US" sz="2000" dirty="0">
                 <a:latin typeface="微软雅黑" panose="020B0503020204020204" pitchFamily="34" charset="-122"/>
                 <a:ea typeface="微软雅黑" panose="020B0503020204020204" pitchFamily="34" charset="-122"/>
               </a:rPr>
               <a:t>之后要通过</a:t>
             </a:r>
             <a:r>
-              <a:rPr lang="en-US" altLang="zh-CN" sz="2000" dirty="0" err="1" smtClean="0">
+              <a:rPr lang="en-US" altLang="zh-CN" sz="2000" dirty="0" err="1">
                 <a:latin typeface="微软雅黑" panose="020B0503020204020204" pitchFamily="34" charset="-122"/>
                 <a:ea typeface="微软雅黑" panose="020B0503020204020204" pitchFamily="34" charset="-122"/>
               </a:rPr>
               <a:t>access_token</a:t>
             </a:r>
             <a:r>
-              <a:rPr lang="zh-CN" altLang="en-US" sz="2000" dirty="0" smtClean="0">
+              <a:rPr lang="zh-CN" altLang="en-US" sz="2000" dirty="0">
                 <a:latin typeface="微软雅黑" panose="020B0503020204020204" pitchFamily="34" charset="-122"/>
                 <a:ea typeface="微软雅黑" panose="020B0503020204020204" pitchFamily="34" charset="-122"/>
               </a:rPr>
               <a:t>与其他参数调用接口</a:t>
             </a:r>
-            <a:endParaRPr lang="zh-CN" altLang="en-US" sz="2000" dirty="0">
-              <a:latin typeface="微软雅黑" panose="020B0503020204020204" pitchFamily="34" charset="-122"/>
-              <a:ea typeface="微软雅黑" panose="020B0503020204020204" pitchFamily="34" charset="-122"/>
-            </a:endParaRPr>
           </a:p>
         </p:txBody>
       </p:sp>
@@ -15377,11 +15210,11 @@
           <a:lstStyle/>
           <a:p>
             <a:r>
-              <a:rPr lang="zh-CN" altLang="en-US" dirty="0" smtClean="0"/>
+              <a:rPr lang="zh-CN" altLang="en-US" dirty="0"/>
               <a:t>获取</a:t>
             </a:r>
             <a:r>
-              <a:rPr lang="en-US" altLang="zh-CN" dirty="0" err="1" smtClean="0"/>
+              <a:rPr lang="en-US" altLang="zh-CN" dirty="0" err="1"/>
               <a:t>access_token</a:t>
             </a:r>
             <a:endParaRPr lang="zh-CN" altLang="en-US" dirty="0"/>
@@ -15418,20 +15251,20 @@
               <a:buChar char="•"/>
             </a:pPr>
             <a:r>
-              <a:rPr lang="zh-CN" altLang="en-US" sz="2000" dirty="0" smtClean="0">
+              <a:rPr lang="zh-CN" altLang="en-US" sz="2000" dirty="0">
                 <a:latin typeface="微软雅黑" panose="020B0503020204020204" pitchFamily="34" charset="-122"/>
                 <a:ea typeface="微软雅黑" panose="020B0503020204020204" pitchFamily="34" charset="-122"/>
               </a:rPr>
               <a:t>调用微信接口，获取</a:t>
             </a:r>
             <a:r>
-              <a:rPr lang="en-US" altLang="zh-CN" sz="2000" dirty="0" err="1" smtClean="0">
+              <a:rPr lang="en-US" altLang="zh-CN" sz="2000" dirty="0" err="1">
                 <a:latin typeface="微软雅黑" panose="020B0503020204020204" pitchFamily="34" charset="-122"/>
                 <a:ea typeface="微软雅黑" panose="020B0503020204020204" pitchFamily="34" charset="-122"/>
               </a:rPr>
               <a:t>access_token</a:t>
             </a:r>
-            <a:endParaRPr lang="en-US" altLang="zh-CN" sz="2000" dirty="0" smtClean="0">
+            <a:endParaRPr lang="en-US" altLang="zh-CN" sz="2000" dirty="0">
               <a:latin typeface="微软雅黑" panose="020B0503020204020204" pitchFamily="34" charset="-122"/>
               <a:ea typeface="微软雅黑" panose="020B0503020204020204" pitchFamily="34" charset="-122"/>
             </a:endParaRPr>
@@ -15451,20 +15284,16 @@
               <a:t>appid</a:t>
             </a:r>
             <a:r>
-              <a:rPr lang="en-US" altLang="zh-CN" sz="2000" dirty="0" smtClean="0"/>
+              <a:rPr lang="en-US" altLang="zh-CN" sz="2000" dirty="0"/>
               <a:t>=‘wx02935b5sj83ca898’;//</a:t>
             </a:r>
             <a:r>
-              <a:rPr lang="zh-CN" altLang="en-US" sz="2000" dirty="0" smtClean="0"/>
+              <a:rPr lang="zh-CN" altLang="en-US" sz="2000" dirty="0"/>
               <a:t>公众号</a:t>
             </a:r>
             <a:r>
               <a:rPr lang="en-US" altLang="zh-CN" sz="2000" dirty="0" err="1"/>
-              <a:t>A</a:t>
-            </a:r>
-            <a:r>
-              <a:rPr lang="en-US" altLang="zh-CN" sz="2000" dirty="0" err="1" smtClean="0"/>
-              <a:t>ppID</a:t>
+              <a:t>AppID</a:t>
             </a:r>
             <a:endParaRPr lang="en-US" altLang="zh-CN" sz="2000" dirty="0"/>
           </a:p>
@@ -15476,21 +15305,16 @@
             </a:pPr>
             <a:r>
               <a:rPr lang="en-US" altLang="zh-CN" sz="2000" dirty="0"/>
-              <a:t>$secret</a:t>
-            </a:r>
-            <a:r>
-              <a:rPr lang="en-US" altLang="zh-CN" sz="2000" dirty="0" smtClean="0"/>
-              <a:t>=‘xa7060168afdd5410293c8as0e6b07f1’;//</a:t>
-            </a:r>
-            <a:r>
-              <a:rPr lang="zh-CN" altLang="en-US" sz="2000" dirty="0" smtClean="0"/>
+              <a:t>$secret=‘xa7060168afdd5410293c8as0e6b07f1’;//</a:t>
+            </a:r>
+            <a:r>
+              <a:rPr lang="zh-CN" altLang="en-US" sz="2000" dirty="0"/>
               <a:t>公众号 </a:t>
             </a:r>
             <a:r>
-              <a:rPr lang="en-US" altLang="zh-CN" sz="2000" dirty="0" smtClean="0"/>
+              <a:rPr lang="en-US" altLang="zh-CN" sz="2000" dirty="0"/>
               <a:t>AppSecret</a:t>
             </a:r>
-            <a:endParaRPr lang="en-US" altLang="zh-CN" sz="2000" dirty="0"/>
           </a:p>
           <a:p>
             <a:pPr lvl="1">
@@ -15542,7 +15366,7 @@
               </a:lnSpc>
             </a:pPr>
             <a:r>
-              <a:rPr lang="en-US" altLang="zh-CN" sz="2000" dirty="0" smtClean="0"/>
+              <a:rPr lang="en-US" altLang="zh-CN" sz="2000" dirty="0"/>
               <a:t>$</a:t>
             </a:r>
             <a:r>
@@ -15551,13 +15375,8 @@
             </a:r>
             <a:r>
               <a:rPr lang="en-US" altLang="zh-CN" sz="2000" dirty="0"/>
-              <a:t>.'&amp;secret='.$secret</a:t>
-            </a:r>
-            <a:r>
-              <a:rPr lang="en-US" altLang="zh-CN" sz="2000" dirty="0" smtClean="0"/>
-              <a:t>;</a:t>
-            </a:r>
-            <a:endParaRPr lang="en-US" altLang="zh-CN" sz="2000" dirty="0"/>
+              <a:t>.'&amp;secret='.$secret;</a:t>
+            </a:r>
           </a:p>
           <a:p>
             <a:pPr lvl="1">
@@ -15605,15 +15424,7 @@
             </a:pPr>
             <a:r>
               <a:rPr lang="en-US" altLang="zh-CN" sz="2000" dirty="0"/>
-              <a:t>  </a:t>
-            </a:r>
-            <a:r>
-              <a:rPr lang="en-US" altLang="zh-CN" sz="2000" dirty="0" smtClean="0"/>
-              <a:t>  exit</a:t>
-            </a:r>
-            <a:r>
-              <a:rPr lang="en-US" altLang="zh-CN" sz="2000" dirty="0"/>
-              <a:t>("failed to open </a:t>
+              <a:t>    exit("failed to open </a:t>
             </a:r>
             <a:r>
               <a:rPr lang="en-US" altLang="zh-CN" sz="2000" dirty="0" err="1"/>
@@ -15725,7 +15536,6 @@
               <a:rPr lang="en-US" altLang="zh-CN" sz="2000" dirty="0"/>
               <a:t>echo $ret;</a:t>
             </a:r>
-            <a:endParaRPr lang="en-US" altLang="zh-CN" sz="2000" dirty="0" smtClean="0"/>
           </a:p>
         </p:txBody>
       </p:sp>
@@ -15739,13 +15549,6 @@
   <p:clrMapOvr>
     <a:masterClrMapping/>
   </p:clrMapOvr>
-  <p:timing>
-    <p:tnLst>
-      <p:par>
-        <p:cTn id="1" dur="indefinite" restart="never" nodeType="tmRoot"/>
-      </p:par>
-    </p:tnLst>
-  </p:timing>
 </p:sld>
 </file>
 
@@ -15782,12 +15585,8 @@
           <a:lstStyle/>
           <a:p>
             <a:r>
-              <a:rPr lang="zh-CN" altLang="en-US" dirty="0" smtClean="0"/>
-              <a:t>实现自定义</a:t>
-            </a:r>
-            <a:r>
               <a:rPr lang="zh-CN" altLang="en-US" dirty="0"/>
-              <a:t>菜单</a:t>
+              <a:t>实现自定义菜单</a:t>
             </a:r>
           </a:p>
         </p:txBody>
@@ -15822,7 +15621,7 @@
               <a:buChar char="•"/>
             </a:pPr>
             <a:r>
-              <a:rPr lang="zh-CN" altLang="en-US" sz="2000" dirty="0" smtClean="0">
+              <a:rPr lang="zh-CN" altLang="en-US" sz="2000" dirty="0">
                 <a:latin typeface="微软雅黑" panose="020B0503020204020204" pitchFamily="34" charset="-122"/>
                 <a:ea typeface="微软雅黑" panose="020B0503020204020204" pitchFamily="34" charset="-122"/>
               </a:rPr>
@@ -15836,93 +15635,77 @@
               <a:t> </a:t>
             </a:r>
             <a:r>
-              <a:rPr lang="en-US" altLang="zh-CN" sz="2000" dirty="0" smtClean="0">
-                <a:latin typeface="微软雅黑" panose="020B0503020204020204" pitchFamily="34" charset="-122"/>
-                <a:ea typeface="微软雅黑" panose="020B0503020204020204" pitchFamily="34" charset="-122"/>
-                <a:hlinkClick r:id="rId2"/>
-              </a:rPr>
-              <a:t>https</a:t>
-            </a:r>
-            <a:r>
               <a:rPr lang="en-US" altLang="zh-CN" sz="2000" dirty="0">
                 <a:latin typeface="微软雅黑" panose="020B0503020204020204" pitchFamily="34" charset="-122"/>
                 <a:ea typeface="微软雅黑" panose="020B0503020204020204" pitchFamily="34" charset="-122"/>
                 <a:hlinkClick r:id="rId2"/>
               </a:rPr>
-              <a:t>://</a:t>
-            </a:r>
-            <a:r>
-              <a:rPr lang="en-US" altLang="zh-CN" sz="2000" dirty="0" smtClean="0">
+              <a:t>https://api.weixin.qq.com/cgi-bin/menu/create?access_token=ACCESS_TOKEN</a:t>
+            </a:r>
+            <a:r>
+              <a:rPr lang="zh-CN" altLang="en-US" sz="2000" dirty="0">
                 <a:latin typeface="微软雅黑" panose="020B0503020204020204" pitchFamily="34" charset="-122"/>
                 <a:ea typeface="微软雅黑" panose="020B0503020204020204" pitchFamily="34" charset="-122"/>
-                <a:hlinkClick r:id="rId2"/>
-              </a:rPr>
-              <a:t>api.weixin.qq.com/cgi-bin/menu/create?access_token=ACCESS_TOKEN</a:t>
-            </a:r>
-            <a:r>
-              <a:rPr lang="zh-CN" altLang="en-US" sz="2000" dirty="0" smtClean="0">
+              </a:rPr>
+              <a:t>是创建自定义菜单的接口，把之前获取到的</a:t>
+            </a:r>
+            <a:r>
+              <a:rPr lang="en-US" altLang="zh-CN" sz="2000" dirty="0" err="1">
                 <a:latin typeface="微软雅黑" panose="020B0503020204020204" pitchFamily="34" charset="-122"/>
                 <a:ea typeface="微软雅黑" panose="020B0503020204020204" pitchFamily="34" charset="-122"/>
               </a:rPr>
-              <a:t>是创建自定义菜单的接口，把之前获取到的</a:t>
-            </a:r>
-            <a:r>
-              <a:rPr lang="en-US" altLang="zh-CN" sz="2000" dirty="0" err="1" smtClean="0">
+              <a:t>access_token</a:t>
+            </a:r>
+            <a:r>
+              <a:rPr lang="zh-CN" altLang="en-US" sz="2000" dirty="0">
                 <a:latin typeface="微软雅黑" panose="020B0503020204020204" pitchFamily="34" charset="-122"/>
                 <a:ea typeface="微软雅黑" panose="020B0503020204020204" pitchFamily="34" charset="-122"/>
               </a:rPr>
-              <a:t>access_token</a:t>
-            </a:r>
-            <a:r>
-              <a:rPr lang="zh-CN" altLang="en-US" sz="2000" dirty="0" smtClean="0">
+              <a:t>作为</a:t>
+            </a:r>
+            <a:r>
+              <a:rPr lang="en-US" altLang="zh-CN" sz="2000" dirty="0">
                 <a:latin typeface="微软雅黑" panose="020B0503020204020204" pitchFamily="34" charset="-122"/>
                 <a:ea typeface="微软雅黑" panose="020B0503020204020204" pitchFamily="34" charset="-122"/>
               </a:rPr>
-              <a:t>作为</a:t>
-            </a:r>
-            <a:r>
-              <a:rPr lang="en-US" altLang="zh-CN" sz="2000" dirty="0" smtClean="0">
+              <a:t>get</a:t>
+            </a:r>
+            <a:r>
+              <a:rPr lang="zh-CN" altLang="en-US" sz="2000" dirty="0">
                 <a:latin typeface="微软雅黑" panose="020B0503020204020204" pitchFamily="34" charset="-122"/>
                 <a:ea typeface="微软雅黑" panose="020B0503020204020204" pitchFamily="34" charset="-122"/>
               </a:rPr>
-              <a:t>get</a:t>
-            </a:r>
-            <a:r>
-              <a:rPr lang="zh-CN" altLang="en-US" sz="2000" dirty="0" smtClean="0">
+              <a:t>参数，</a:t>
+            </a:r>
+            <a:r>
+              <a:rPr lang="en-US" altLang="zh-CN" sz="2000" dirty="0">
                 <a:latin typeface="微软雅黑" panose="020B0503020204020204" pitchFamily="34" charset="-122"/>
                 <a:ea typeface="微软雅黑" panose="020B0503020204020204" pitchFamily="34" charset="-122"/>
               </a:rPr>
-              <a:t>参数，</a:t>
-            </a:r>
-            <a:r>
-              <a:rPr lang="en-US" altLang="zh-CN" sz="2000" dirty="0" smtClean="0">
+              <a:t>JSON</a:t>
+            </a:r>
+            <a:r>
+              <a:rPr lang="zh-CN" altLang="en-US" sz="2000" dirty="0">
                 <a:latin typeface="微软雅黑" panose="020B0503020204020204" pitchFamily="34" charset="-122"/>
                 <a:ea typeface="微软雅黑" panose="020B0503020204020204" pitchFamily="34" charset="-122"/>
               </a:rPr>
-              <a:t>JSON</a:t>
-            </a:r>
-            <a:r>
-              <a:rPr lang="zh-CN" altLang="en-US" sz="2000" dirty="0" smtClean="0">
+              <a:t>格式的文本数据使用</a:t>
+            </a:r>
+            <a:r>
+              <a:rPr lang="en-US" altLang="zh-CN" sz="2000" dirty="0">
                 <a:latin typeface="微软雅黑" panose="020B0503020204020204" pitchFamily="34" charset="-122"/>
                 <a:ea typeface="微软雅黑" panose="020B0503020204020204" pitchFamily="34" charset="-122"/>
               </a:rPr>
-              <a:t>格式的文本数据使用</a:t>
-            </a:r>
-            <a:r>
-              <a:rPr lang="en-US" altLang="zh-CN" sz="2000" dirty="0" smtClean="0">
+              <a:t>POST</a:t>
+            </a:r>
+            <a:r>
+              <a:rPr lang="zh-CN" altLang="en-US" sz="2000" dirty="0">
                 <a:latin typeface="微软雅黑" panose="020B0503020204020204" pitchFamily="34" charset="-122"/>
                 <a:ea typeface="微软雅黑" panose="020B0503020204020204" pitchFamily="34" charset="-122"/>
               </a:rPr>
-              <a:t>POST</a:t>
-            </a:r>
-            <a:r>
-              <a:rPr lang="zh-CN" altLang="en-US" sz="2000" dirty="0" smtClean="0">
-                <a:latin typeface="微软雅黑" panose="020B0503020204020204" pitchFamily="34" charset="-122"/>
-                <a:ea typeface="微软雅黑" panose="020B0503020204020204" pitchFamily="34" charset="-122"/>
-              </a:rPr>
               <a:t>传递。</a:t>
             </a:r>
-            <a:endParaRPr lang="en-US" altLang="zh-CN" sz="2000" dirty="0" smtClean="0">
+            <a:endParaRPr lang="en-US" altLang="zh-CN" sz="2000" dirty="0">
               <a:latin typeface="微软雅黑" panose="020B0503020204020204" pitchFamily="34" charset="-122"/>
               <a:ea typeface="微软雅黑" panose="020B0503020204020204" pitchFamily="34" charset="-122"/>
             </a:endParaRPr>
@@ -15940,30 +15723,23 @@
                 <a:latin typeface="微软雅黑" panose="020B0503020204020204" pitchFamily="34" charset="-122"/>
                 <a:ea typeface="微软雅黑" panose="020B0503020204020204" pitchFamily="34" charset="-122"/>
               </a:rPr>
-              <a:t>返回</a:t>
-            </a:r>
-            <a:r>
-              <a:rPr lang="zh-CN" altLang="en-US" sz="2000" dirty="0" smtClean="0">
+              <a:t>返回值为</a:t>
+            </a:r>
+            <a:r>
+              <a:rPr lang="en-US" altLang="zh-CN" sz="2000" dirty="0">
                 <a:latin typeface="微软雅黑" panose="020B0503020204020204" pitchFamily="34" charset="-122"/>
                 <a:ea typeface="微软雅黑" panose="020B0503020204020204" pitchFamily="34" charset="-122"/>
               </a:rPr>
-              <a:t>值为</a:t>
-            </a:r>
-            <a:r>
-              <a:rPr lang="en-US" altLang="zh-CN" sz="2000" dirty="0" smtClean="0">
+              <a:t>JSON</a:t>
+            </a:r>
+            <a:r>
+              <a:rPr lang="zh-CN" altLang="en-US" sz="2000" dirty="0">
                 <a:latin typeface="微软雅黑" panose="020B0503020204020204" pitchFamily="34" charset="-122"/>
                 <a:ea typeface="微软雅黑" panose="020B0503020204020204" pitchFamily="34" charset="-122"/>
               </a:rPr>
-              <a:t>JSON</a:t>
-            </a:r>
-            <a:r>
-              <a:rPr lang="zh-CN" altLang="en-US" sz="2000" dirty="0" smtClean="0">
-                <a:latin typeface="微软雅黑" panose="020B0503020204020204" pitchFamily="34" charset="-122"/>
-                <a:ea typeface="微软雅黑" panose="020B0503020204020204" pitchFamily="34" charset="-122"/>
-              </a:rPr>
               <a:t>格式的文本数据：</a:t>
             </a:r>
-            <a:endParaRPr lang="en-US" altLang="zh-CN" sz="2000" dirty="0" smtClean="0">
+            <a:endParaRPr lang="en-US" altLang="zh-CN" sz="2000" dirty="0">
               <a:latin typeface="微软雅黑" panose="020B0503020204020204" pitchFamily="34" charset="-122"/>
               <a:ea typeface="微软雅黑" panose="020B0503020204020204" pitchFamily="34" charset="-122"/>
             </a:endParaRPr>
@@ -15975,7 +15751,7 @@
               </a:lnSpc>
             </a:pPr>
             <a:r>
-              <a:rPr lang="zh-CN" altLang="en-US" sz="2000" dirty="0" smtClean="0">
+              <a:rPr lang="zh-CN" altLang="en-US" sz="2000" dirty="0">
                 <a:latin typeface="微软雅黑" panose="020B0503020204020204" pitchFamily="34" charset="-122"/>
                 <a:ea typeface="微软雅黑" panose="020B0503020204020204" pitchFamily="34" charset="-122"/>
               </a:rPr>
@@ -15986,14 +15762,7 @@
                 <a:latin typeface="微软雅黑" panose="020B0503020204020204" pitchFamily="34" charset="-122"/>
                 <a:ea typeface="微软雅黑" panose="020B0503020204020204" pitchFamily="34" charset="-122"/>
               </a:rPr>
-              <a:t>{"errcode":0,"errmsg":"ok</a:t>
-            </a:r>
-            <a:r>
-              <a:rPr lang="en-US" altLang="zh-CN" sz="2000" dirty="0" smtClean="0">
-                <a:latin typeface="微软雅黑" panose="020B0503020204020204" pitchFamily="34" charset="-122"/>
-                <a:ea typeface="微软雅黑" panose="020B0503020204020204" pitchFamily="34" charset="-122"/>
-              </a:rPr>
-              <a:t>"}</a:t>
+              <a:t>{"errcode":0,"errmsg":"ok"}</a:t>
             </a:r>
           </a:p>
           <a:p>
@@ -16003,7 +15772,7 @@
               </a:lnSpc>
             </a:pPr>
             <a:r>
-              <a:rPr lang="zh-CN" altLang="en-US" sz="2000" dirty="0" smtClean="0">
+              <a:rPr lang="zh-CN" altLang="en-US" sz="2000" dirty="0">
                 <a:latin typeface="微软雅黑" panose="020B0503020204020204" pitchFamily="34" charset="-122"/>
                 <a:ea typeface="微软雅黑" panose="020B0503020204020204" pitchFamily="34" charset="-122"/>
               </a:rPr>
@@ -16033,13 +15802,6 @@
   <p:clrMapOvr>
     <a:masterClrMapping/>
   </p:clrMapOvr>
-  <p:timing>
-    <p:tnLst>
-      <p:par>
-        <p:cTn id="1" dur="indefinite" restart="never" nodeType="tmRoot"/>
-      </p:par>
-    </p:tnLst>
-  </p:timing>
 </p:sld>
 </file>
 
@@ -16081,14 +15843,13 @@
           <a:lstStyle/>
           <a:p>
             <a:r>
-              <a:rPr lang="en-US" altLang="zh-CN" dirty="0" smtClean="0"/>
+              <a:rPr lang="en-US" altLang="zh-CN" dirty="0"/>
               <a:t>JSON</a:t>
             </a:r>
             <a:r>
-              <a:rPr lang="zh-CN" altLang="en-US" dirty="0" smtClean="0"/>
+              <a:rPr lang="zh-CN" altLang="en-US" dirty="0"/>
               <a:t>格式的字符串</a:t>
             </a:r>
-            <a:endParaRPr lang="zh-CN" altLang="en-US" dirty="0"/>
           </a:p>
         </p:txBody>
       </p:sp>
@@ -16115,27 +15876,11 @@
           <a:lstStyle/>
           <a:p>
             <a:r>
-              <a:rPr lang="en-US" altLang="zh-CN" sz="2000" dirty="0" smtClean="0">
-                <a:latin typeface="微软雅黑" panose="020B0503020204020204" pitchFamily="34" charset="-122"/>
-                <a:ea typeface="微软雅黑" panose="020B0503020204020204" pitchFamily="34" charset="-122"/>
-              </a:rPr>
-              <a:t>'{</a:t>
-            </a:r>
-          </a:p>
-          <a:p>
-            <a:r>
-              <a:rPr lang="en-US" altLang="zh-CN" sz="2000" dirty="0" smtClean="0">
-                <a:latin typeface="微软雅黑" panose="020B0503020204020204" pitchFamily="34" charset="-122"/>
-                <a:ea typeface="微软雅黑" panose="020B0503020204020204" pitchFamily="34" charset="-122"/>
-              </a:rPr>
-              <a:t>  "</a:t>
-            </a:r>
-            <a:r>
               <a:rPr lang="en-US" altLang="zh-CN" sz="2000" dirty="0">
                 <a:latin typeface="微软雅黑" panose="020B0503020204020204" pitchFamily="34" charset="-122"/>
                 <a:ea typeface="微软雅黑" panose="020B0503020204020204" pitchFamily="34" charset="-122"/>
               </a:rPr>
-              <a:t>button":[</a:t>
+              <a:t>'{</a:t>
             </a:r>
           </a:p>
           <a:p>
@@ -16144,14 +15889,7 @@
                 <a:latin typeface="微软雅黑" panose="020B0503020204020204" pitchFamily="34" charset="-122"/>
                 <a:ea typeface="微软雅黑" panose="020B0503020204020204" pitchFamily="34" charset="-122"/>
               </a:rPr>
-              <a:t>    </a:t>
-            </a:r>
-            <a:r>
-              <a:rPr lang="en-US" altLang="zh-CN" sz="2000" dirty="0" smtClean="0">
-                <a:latin typeface="微软雅黑" panose="020B0503020204020204" pitchFamily="34" charset="-122"/>
-                <a:ea typeface="微软雅黑" panose="020B0503020204020204" pitchFamily="34" charset="-122"/>
-              </a:rPr>
-              <a:t> {</a:t>
+              <a:t>  "button":[</a:t>
             </a:r>
           </a:p>
           <a:p>
@@ -16160,21 +15898,16 @@
                 <a:latin typeface="微软雅黑" panose="020B0503020204020204" pitchFamily="34" charset="-122"/>
                 <a:ea typeface="微软雅黑" panose="020B0503020204020204" pitchFamily="34" charset="-122"/>
               </a:rPr>
-              <a:t> </a:t>
-            </a:r>
-            <a:r>
-              <a:rPr lang="en-US" altLang="zh-CN" sz="2000" dirty="0" smtClean="0">
-                <a:latin typeface="微软雅黑" panose="020B0503020204020204" pitchFamily="34" charset="-122"/>
-                <a:ea typeface="微软雅黑" panose="020B0503020204020204" pitchFamily="34" charset="-122"/>
-              </a:rPr>
-              <a:t>        "</a:t>
-            </a:r>
+              <a:t>     {</a:t>
+            </a:r>
+          </a:p>
+          <a:p>
             <a:r>
               <a:rPr lang="en-US" altLang="zh-CN" sz="2000" dirty="0">
                 <a:latin typeface="微软雅黑" panose="020B0503020204020204" pitchFamily="34" charset="-122"/>
                 <a:ea typeface="微软雅黑" panose="020B0503020204020204" pitchFamily="34" charset="-122"/>
               </a:rPr>
-              <a:t>name":"</a:t>
+              <a:t>         "name":"</a:t>
             </a:r>
             <a:r>
               <a:rPr lang="zh-CN" altLang="en-US" sz="2000" dirty="0">
@@ -16197,14 +15930,7 @@
                 <a:latin typeface="微软雅黑" panose="020B0503020204020204" pitchFamily="34" charset="-122"/>
                 <a:ea typeface="微软雅黑" panose="020B0503020204020204" pitchFamily="34" charset="-122"/>
               </a:rPr>
-              <a:t>      </a:t>
-            </a:r>
-            <a:r>
-              <a:rPr lang="en-US" altLang="zh-CN" sz="2000" dirty="0" smtClean="0">
-                <a:latin typeface="微软雅黑" panose="020B0503020204020204" pitchFamily="34" charset="-122"/>
-                <a:ea typeface="微软雅黑" panose="020B0503020204020204" pitchFamily="34" charset="-122"/>
-              </a:rPr>
-              <a:t>   "</a:t>
+              <a:t>         "</a:t>
             </a:r>
             <a:r>
               <a:rPr lang="en-US" altLang="zh-CN" sz="2000" dirty="0" err="1">
@@ -16227,19 +15953,8 @@
                 <a:latin typeface="微软雅黑" panose="020B0503020204020204" pitchFamily="34" charset="-122"/>
                 <a:ea typeface="微软雅黑" panose="020B0503020204020204" pitchFamily="34" charset="-122"/>
               </a:rPr>
-              <a:t>        </a:t>
-            </a:r>
-            <a:r>
-              <a:rPr lang="en-US" altLang="zh-CN" sz="2000" dirty="0" smtClean="0">
-                <a:latin typeface="微软雅黑" panose="020B0503020204020204" pitchFamily="34" charset="-122"/>
-                <a:ea typeface="微软雅黑" panose="020B0503020204020204" pitchFamily="34" charset="-122"/>
-              </a:rPr>
-              <a:t>     {</a:t>
-            </a:r>
-            <a:endParaRPr lang="en-US" altLang="zh-CN" sz="2000" dirty="0">
-              <a:latin typeface="微软雅黑" panose="020B0503020204020204" pitchFamily="34" charset="-122"/>
-              <a:ea typeface="微软雅黑" panose="020B0503020204020204" pitchFamily="34" charset="-122"/>
-            </a:endParaRPr>
+              <a:t>             {</a:t>
+            </a:r>
           </a:p>
           <a:p>
             <a:r>
@@ -16247,14 +15962,7 @@
                 <a:latin typeface="微软雅黑" panose="020B0503020204020204" pitchFamily="34" charset="-122"/>
                 <a:ea typeface="微软雅黑" panose="020B0503020204020204" pitchFamily="34" charset="-122"/>
               </a:rPr>
-              <a:t>          </a:t>
-            </a:r>
-            <a:r>
-              <a:rPr lang="en-US" altLang="zh-CN" sz="2000" dirty="0" smtClean="0">
-                <a:latin typeface="微软雅黑" panose="020B0503020204020204" pitchFamily="34" charset="-122"/>
-                <a:ea typeface="微软雅黑" panose="020B0503020204020204" pitchFamily="34" charset="-122"/>
-              </a:rPr>
-              <a:t>      "</a:t>
+              <a:t>                "</a:t>
             </a:r>
             <a:r>
               <a:rPr lang="en-US" altLang="zh-CN" sz="2000" dirty="0" err="1">
@@ -16277,14 +15985,7 @@
                 <a:latin typeface="微软雅黑" panose="020B0503020204020204" pitchFamily="34" charset="-122"/>
                 <a:ea typeface="微软雅黑" panose="020B0503020204020204" pitchFamily="34" charset="-122"/>
               </a:rPr>
-              <a:t>          </a:t>
-            </a:r>
-            <a:r>
-              <a:rPr lang="en-US" altLang="zh-CN" sz="2000" dirty="0" smtClean="0">
-                <a:latin typeface="微软雅黑" panose="020B0503020204020204" pitchFamily="34" charset="-122"/>
-                <a:ea typeface="微软雅黑" panose="020B0503020204020204" pitchFamily="34" charset="-122"/>
-              </a:rPr>
-              <a:t>      "</a:t>
+              <a:t>                "</a:t>
             </a:r>
             <a:r>
               <a:rPr lang="en-US" altLang="zh-CN" sz="2000" dirty="0" err="1">
@@ -16307,14 +16008,7 @@
                 <a:latin typeface="微软雅黑" panose="020B0503020204020204" pitchFamily="34" charset="-122"/>
                 <a:ea typeface="微软雅黑" panose="020B0503020204020204" pitchFamily="34" charset="-122"/>
               </a:rPr>
-              <a:t>          </a:t>
-            </a:r>
-            <a:r>
-              <a:rPr lang="en-US" altLang="zh-CN" sz="2000" dirty="0" smtClean="0">
-                <a:latin typeface="微软雅黑" panose="020B0503020204020204" pitchFamily="34" charset="-122"/>
-                <a:ea typeface="微软雅黑" panose="020B0503020204020204" pitchFamily="34" charset="-122"/>
-              </a:rPr>
-              <a:t>      "</a:t>
+              <a:t>                "</a:t>
             </a:r>
             <a:r>
               <a:rPr lang="en-US" altLang="zh-CN" sz="2000" dirty="0" err="1">
@@ -16337,14 +16031,7 @@
                 <a:latin typeface="微软雅黑" panose="020B0503020204020204" pitchFamily="34" charset="-122"/>
                 <a:ea typeface="微软雅黑" panose="020B0503020204020204" pitchFamily="34" charset="-122"/>
               </a:rPr>
-              <a:t>        </a:t>
-            </a:r>
-            <a:r>
-              <a:rPr lang="en-US" altLang="zh-CN" sz="2000" dirty="0" smtClean="0">
-                <a:latin typeface="微软雅黑" panose="020B0503020204020204" pitchFamily="34" charset="-122"/>
-                <a:ea typeface="微软雅黑" panose="020B0503020204020204" pitchFamily="34" charset="-122"/>
-              </a:rPr>
-              <a:t>     }</a:t>
+              <a:t>             }</a:t>
             </a:r>
           </a:p>
           <a:p>
@@ -16353,19 +16040,8 @@
                 <a:latin typeface="微软雅黑" panose="020B0503020204020204" pitchFamily="34" charset="-122"/>
                 <a:ea typeface="微软雅黑" panose="020B0503020204020204" pitchFamily="34" charset="-122"/>
               </a:rPr>
-              <a:t> </a:t>
-            </a:r>
-            <a:r>
-              <a:rPr lang="en-US" altLang="zh-CN" sz="2000" dirty="0" smtClean="0">
-                <a:latin typeface="微软雅黑" panose="020B0503020204020204" pitchFamily="34" charset="-122"/>
-                <a:ea typeface="微软雅黑" panose="020B0503020204020204" pitchFamily="34" charset="-122"/>
-              </a:rPr>
-              <a:t>        ]</a:t>
-            </a:r>
-            <a:endParaRPr lang="en-US" altLang="zh-CN" sz="2000" dirty="0">
-              <a:latin typeface="微软雅黑" panose="020B0503020204020204" pitchFamily="34" charset="-122"/>
-              <a:ea typeface="微软雅黑" panose="020B0503020204020204" pitchFamily="34" charset="-122"/>
-            </a:endParaRPr>
+              <a:t>         ]</a:t>
+            </a:r>
           </a:p>
           <a:p>
             <a:r>
@@ -16373,32 +16049,21 @@
                 <a:latin typeface="微软雅黑" panose="020B0503020204020204" pitchFamily="34" charset="-122"/>
                 <a:ea typeface="微软雅黑" panose="020B0503020204020204" pitchFamily="34" charset="-122"/>
               </a:rPr>
-              <a:t>    </a:t>
-            </a:r>
-            <a:r>
-              <a:rPr lang="en-US" altLang="zh-CN" sz="2000" dirty="0" smtClean="0">
+              <a:t>     },</a:t>
+            </a:r>
+          </a:p>
+          <a:p>
+            <a:r>
+              <a:rPr lang="en-US" altLang="zh-CN" sz="2000" dirty="0">
                 <a:latin typeface="微软雅黑" panose="020B0503020204020204" pitchFamily="34" charset="-122"/>
                 <a:ea typeface="微软雅黑" panose="020B0503020204020204" pitchFamily="34" charset="-122"/>
               </a:rPr>
-              <a:t> },</a:t>
-            </a:r>
-            <a:endParaRPr lang="en-US" altLang="zh-CN" sz="2000" dirty="0">
-              <a:latin typeface="微软雅黑" panose="020B0503020204020204" pitchFamily="34" charset="-122"/>
-              <a:ea typeface="微软雅黑" panose="020B0503020204020204" pitchFamily="34" charset="-122"/>
-            </a:endParaRPr>
-          </a:p>
-          <a:p>
-            <a:r>
-              <a:rPr lang="en-US" altLang="zh-CN" sz="2000" dirty="0" smtClean="0">
-                <a:latin typeface="微软雅黑" panose="020B0503020204020204" pitchFamily="34" charset="-122"/>
-                <a:ea typeface="微软雅黑" panose="020B0503020204020204" pitchFamily="34" charset="-122"/>
-              </a:rPr>
               <a:t>  ]</a:t>
             </a:r>
           </a:p>
           <a:p>
             <a:r>
-              <a:rPr lang="en-US" altLang="zh-CN" sz="2000" dirty="0" smtClean="0">
+              <a:rPr lang="en-US" altLang="zh-CN" sz="2000" dirty="0">
                 <a:latin typeface="微软雅黑" panose="020B0503020204020204" pitchFamily="34" charset="-122"/>
                 <a:ea typeface="微软雅黑" panose="020B0503020204020204" pitchFamily="34" charset="-122"/>
               </a:rPr>
@@ -16462,14 +16127,13 @@
           <a:lstStyle/>
           <a:p>
             <a:r>
-              <a:rPr lang="en-US" altLang="zh-CN" dirty="0" smtClean="0"/>
+              <a:rPr lang="en-US" altLang="zh-CN" dirty="0"/>
               <a:t>CURL</a:t>
             </a:r>
             <a:r>
-              <a:rPr lang="zh-CN" altLang="en-US" dirty="0" smtClean="0"/>
+              <a:rPr lang="zh-CN" altLang="en-US" dirty="0"/>
               <a:t>调用创建菜单接口</a:t>
             </a:r>
-            <a:endParaRPr lang="zh-CN" altLang="en-US" dirty="0"/>
           </a:p>
         </p:txBody>
       </p:sp>
@@ -16812,14 +16476,13 @@
           <a:lstStyle/>
           <a:p>
             <a:r>
-              <a:rPr lang="en-US" altLang="zh-CN" dirty="0" smtClean="0"/>
+              <a:rPr lang="en-US" altLang="zh-CN" dirty="0"/>
               <a:t>CURL</a:t>
             </a:r>
             <a:r>
-              <a:rPr lang="zh-CN" altLang="en-US" dirty="0" smtClean="0"/>
+              <a:rPr lang="zh-CN" altLang="en-US" dirty="0"/>
               <a:t>第三方扩展创建菜单</a:t>
             </a:r>
-            <a:endParaRPr lang="zh-CN" altLang="en-US" dirty="0"/>
           </a:p>
         </p:txBody>
       </p:sp>
@@ -16853,7 +16516,7 @@
               <a:buChar char="•"/>
             </a:pPr>
             <a:r>
-              <a:rPr lang="zh-CN" altLang="en-US" sz="2000" dirty="0" smtClean="0">
+              <a:rPr lang="zh-CN" altLang="en-US" sz="2000" dirty="0">
                 <a:latin typeface="Calibri" panose="020F0502020204030204" pitchFamily="34" charset="0"/>
                 <a:ea typeface="微软雅黑" panose="020B0503020204020204" pitchFamily="34" charset="-122"/>
                 <a:cs typeface="Calibri" panose="020F0502020204030204" pitchFamily="34" charset="0"/>
@@ -16861,7 +16524,7 @@
               <a:t>获取</a:t>
             </a:r>
             <a:r>
-              <a:rPr lang="en-US" altLang="zh-CN" sz="2000" dirty="0" err="1" smtClean="0">
+              <a:rPr lang="en-US" altLang="zh-CN" sz="2000" dirty="0" err="1">
                 <a:latin typeface="Calibri" panose="020F0502020204030204" pitchFamily="34" charset="0"/>
                 <a:ea typeface="微软雅黑" panose="020B0503020204020204" pitchFamily="34" charset="-122"/>
                 <a:cs typeface="Calibri" panose="020F0502020204030204" pitchFamily="34" charset="0"/>
@@ -16869,7 +16532,7 @@
               <a:t>access_token</a:t>
             </a:r>
             <a:r>
-              <a:rPr lang="zh-CN" altLang="en-US" sz="2000" dirty="0" smtClean="0">
+              <a:rPr lang="zh-CN" altLang="en-US" sz="2000" dirty="0">
                 <a:latin typeface="Calibri" panose="020F0502020204030204" pitchFamily="34" charset="0"/>
                 <a:ea typeface="微软雅黑" panose="020B0503020204020204" pitchFamily="34" charset="-122"/>
                 <a:cs typeface="Calibri" panose="020F0502020204030204" pitchFamily="34" charset="0"/>
@@ -16933,27 +16596,22 @@
               <a:t>cURL</a:t>
             </a:r>
             <a:r>
-              <a:rPr lang="en-US" altLang="zh-CN" sz="2000" dirty="0" smtClean="0">
-                <a:latin typeface="Calibri" panose="020F0502020204030204" pitchFamily="34" charset="0"/>
-                <a:ea typeface="微软雅黑" panose="020B0503020204020204" pitchFamily="34" charset="-122"/>
-                <a:cs typeface="Calibri" panose="020F0502020204030204" pitchFamily="34" charset="0"/>
-              </a:rPr>
-              <a:t>;</a:t>
-            </a:r>
-            <a:endParaRPr lang="en-US" altLang="zh-CN" sz="2000" dirty="0">
-              <a:latin typeface="Calibri" panose="020F0502020204030204" pitchFamily="34" charset="0"/>
-              <a:ea typeface="微软雅黑" panose="020B0503020204020204" pitchFamily="34" charset="-122"/>
-              <a:cs typeface="Calibri" panose="020F0502020204030204" pitchFamily="34" charset="0"/>
-            </a:endParaRPr>
-          </a:p>
-          <a:p>
-            <a:pPr lvl="1"/>
-            <a:r>
               <a:rPr lang="en-US" altLang="zh-CN" sz="2000" dirty="0">
                 <a:latin typeface="Calibri" panose="020F0502020204030204" pitchFamily="34" charset="0"/>
                 <a:ea typeface="微软雅黑" panose="020B0503020204020204" pitchFamily="34" charset="-122"/>
                 <a:cs typeface="Calibri" panose="020F0502020204030204" pitchFamily="34" charset="0"/>
               </a:rPr>
+              <a:t>;</a:t>
+            </a:r>
+          </a:p>
+          <a:p>
+            <a:pPr lvl="1"/>
+            <a:r>
+              <a:rPr lang="en-US" altLang="zh-CN" sz="2000" dirty="0">
+                <a:latin typeface="Calibri" panose="020F0502020204030204" pitchFamily="34" charset="0"/>
+                <a:ea typeface="微软雅黑" panose="020B0503020204020204" pitchFamily="34" charset="-122"/>
+                <a:cs typeface="Calibri" panose="020F0502020204030204" pitchFamily="34" charset="0"/>
+              </a:rPr>
               <a:t>$request = $curl-&gt;</a:t>
             </a:r>
             <a:r>
@@ -16997,15 +16655,7 @@
                 <a:ea typeface="微软雅黑" panose="020B0503020204020204" pitchFamily="34" charset="-122"/>
                 <a:cs typeface="Calibri" panose="020F0502020204030204" pitchFamily="34" charset="0"/>
               </a:rPr>
-              <a:t>  </a:t>
-            </a:r>
-            <a:r>
-              <a:rPr lang="en-US" altLang="zh-CN" sz="2000" dirty="0" smtClean="0">
-                <a:latin typeface="Calibri" panose="020F0502020204030204" pitchFamily="34" charset="0"/>
-                <a:ea typeface="微软雅黑" panose="020B0503020204020204" pitchFamily="34" charset="-122"/>
-                <a:cs typeface="Calibri" panose="020F0502020204030204" pitchFamily="34" charset="0"/>
-              </a:rPr>
-              <a:t>  -&gt;</a:t>
+              <a:t>    -&gt;</a:t>
             </a:r>
             <a:r>
               <a:rPr lang="en-US" altLang="zh-CN" sz="2000" dirty="0" err="1">
@@ -17032,15 +16682,7 @@
                 <a:ea typeface="微软雅黑" panose="020B0503020204020204" pitchFamily="34" charset="-122"/>
                 <a:cs typeface="Calibri" panose="020F0502020204030204" pitchFamily="34" charset="0"/>
               </a:rPr>
-              <a:t>  </a:t>
-            </a:r>
-            <a:r>
-              <a:rPr lang="en-US" altLang="zh-CN" sz="2000" smtClean="0">
-                <a:latin typeface="Calibri" panose="020F0502020204030204" pitchFamily="34" charset="0"/>
-                <a:ea typeface="微软雅黑" panose="020B0503020204020204" pitchFamily="34" charset="-122"/>
-                <a:cs typeface="Calibri" panose="020F0502020204030204" pitchFamily="34" charset="0"/>
-              </a:rPr>
-              <a:t>  -&gt;</a:t>
+              <a:t>    -&gt;</a:t>
             </a:r>
             <a:r>
               <a:rPr lang="en-US" altLang="zh-CN" sz="2000" dirty="0" err="1">
@@ -17083,21 +16725,8 @@
                 <a:ea typeface="微软雅黑" panose="020B0503020204020204" pitchFamily="34" charset="-122"/>
                 <a:cs typeface="Calibri" panose="020F0502020204030204" pitchFamily="34" charset="0"/>
               </a:rPr>
-              <a:t> = $request-&gt;send</a:t>
-            </a:r>
-            <a:r>
-              <a:rPr lang="en-US" altLang="zh-CN" sz="2000" dirty="0" smtClean="0">
-                <a:latin typeface="Calibri" panose="020F0502020204030204" pitchFamily="34" charset="0"/>
-                <a:ea typeface="微软雅黑" panose="020B0503020204020204" pitchFamily="34" charset="-122"/>
-                <a:cs typeface="Calibri" panose="020F0502020204030204" pitchFamily="34" charset="0"/>
-              </a:rPr>
-              <a:t>();</a:t>
-            </a:r>
-            <a:endParaRPr lang="en-US" altLang="zh-CN" sz="2000" dirty="0">
-              <a:latin typeface="Calibri" panose="020F0502020204030204" pitchFamily="34" charset="0"/>
-              <a:ea typeface="微软雅黑" panose="020B0503020204020204" pitchFamily="34" charset="-122"/>
-              <a:cs typeface="Calibri" panose="020F0502020204030204" pitchFamily="34" charset="0"/>
-            </a:endParaRPr>
+              <a:t> = $request-&gt;send();</a:t>
+            </a:r>
           </a:p>
           <a:p>
             <a:pPr marL="285750" indent="-285750">
@@ -17108,197 +16737,12 @@
               <a:buChar char="•"/>
             </a:pPr>
             <a:r>
-              <a:rPr lang="zh-CN" altLang="en-US" sz="2000" dirty="0" smtClean="0">
+              <a:rPr lang="zh-CN" altLang="en-US" sz="2000" dirty="0">
                 <a:latin typeface="Calibri" panose="020F0502020204030204" pitchFamily="34" charset="0"/>
                 <a:ea typeface="微软雅黑" panose="020B0503020204020204" pitchFamily="34" charset="-122"/>
                 <a:cs typeface="Calibri" panose="020F0502020204030204" pitchFamily="34" charset="0"/>
               </a:rPr>
               <a:t>创建菜单接口：</a:t>
-            </a:r>
-            <a:endParaRPr lang="en-US" altLang="zh-CN" sz="2000" dirty="0" smtClean="0">
-              <a:latin typeface="Calibri" panose="020F0502020204030204" pitchFamily="34" charset="0"/>
-              <a:ea typeface="微软雅黑" panose="020B0503020204020204" pitchFamily="34" charset="-122"/>
-              <a:cs typeface="Calibri" panose="020F0502020204030204" pitchFamily="34" charset="0"/>
-            </a:endParaRPr>
-          </a:p>
-          <a:p>
-            <a:pPr lvl="1"/>
-            <a:r>
-              <a:rPr lang="en-US" altLang="zh-CN" sz="2000" dirty="0">
-                <a:latin typeface="Calibri" panose="020F0502020204030204" pitchFamily="34" charset="0"/>
-                <a:ea typeface="微软雅黑" panose="020B0503020204020204" pitchFamily="34" charset="-122"/>
-                <a:cs typeface="Calibri" panose="020F0502020204030204" pitchFamily="34" charset="0"/>
-              </a:rPr>
-              <a:t>$request = $curl-&gt;</a:t>
-            </a:r>
-            <a:r>
-              <a:rPr lang="en-US" altLang="zh-CN" sz="2000" dirty="0" err="1">
-                <a:latin typeface="Calibri" panose="020F0502020204030204" pitchFamily="34" charset="0"/>
-                <a:ea typeface="微软雅黑" panose="020B0503020204020204" pitchFamily="34" charset="-122"/>
-                <a:cs typeface="Calibri" panose="020F0502020204030204" pitchFamily="34" charset="0"/>
-              </a:rPr>
-              <a:t>newRawRequest</a:t>
-            </a:r>
-            <a:r>
-              <a:rPr lang="en-US" altLang="zh-CN" sz="2000" dirty="0">
-                <a:latin typeface="Calibri" panose="020F0502020204030204" pitchFamily="34" charset="0"/>
-                <a:ea typeface="微软雅黑" panose="020B0503020204020204" pitchFamily="34" charset="-122"/>
-                <a:cs typeface="Calibri" panose="020F0502020204030204" pitchFamily="34" charset="0"/>
-              </a:rPr>
-              <a:t>('post', $</a:t>
-            </a:r>
-            <a:r>
-              <a:rPr lang="en-US" altLang="zh-CN" sz="2000" dirty="0" err="1">
-                <a:latin typeface="Calibri" panose="020F0502020204030204" pitchFamily="34" charset="0"/>
-                <a:ea typeface="微软雅黑" panose="020B0503020204020204" pitchFamily="34" charset="-122"/>
-                <a:cs typeface="Calibri" panose="020F0502020204030204" pitchFamily="34" charset="0"/>
-              </a:rPr>
-              <a:t>wx_menu_create_api</a:t>
-            </a:r>
-            <a:r>
-              <a:rPr lang="en-US" altLang="zh-CN" sz="2000" dirty="0">
-                <a:latin typeface="Calibri" panose="020F0502020204030204" pitchFamily="34" charset="0"/>
-                <a:ea typeface="微软雅黑" panose="020B0503020204020204" pitchFamily="34" charset="-122"/>
-                <a:cs typeface="Calibri" panose="020F0502020204030204" pitchFamily="34" charset="0"/>
-              </a:rPr>
-              <a:t>, $</a:t>
-            </a:r>
-            <a:r>
-              <a:rPr lang="en-US" altLang="zh-CN" sz="2000" dirty="0" err="1">
-                <a:latin typeface="Calibri" panose="020F0502020204030204" pitchFamily="34" charset="0"/>
-                <a:ea typeface="微软雅黑" panose="020B0503020204020204" pitchFamily="34" charset="-122"/>
-                <a:cs typeface="Calibri" panose="020F0502020204030204" pitchFamily="34" charset="0"/>
-              </a:rPr>
-              <a:t>json_menu</a:t>
-            </a:r>
-            <a:r>
-              <a:rPr lang="en-US" altLang="zh-CN" sz="2000" dirty="0">
-                <a:latin typeface="Calibri" panose="020F0502020204030204" pitchFamily="34" charset="0"/>
-                <a:ea typeface="微软雅黑" panose="020B0503020204020204" pitchFamily="34" charset="-122"/>
-                <a:cs typeface="Calibri" panose="020F0502020204030204" pitchFamily="34" charset="0"/>
-              </a:rPr>
-              <a:t>)</a:t>
-            </a:r>
-          </a:p>
-          <a:p>
-            <a:pPr lvl="1"/>
-            <a:r>
-              <a:rPr lang="en-US" altLang="zh-CN" sz="2000" dirty="0">
-                <a:latin typeface="Calibri" panose="020F0502020204030204" pitchFamily="34" charset="0"/>
-                <a:ea typeface="微软雅黑" panose="020B0503020204020204" pitchFamily="34" charset="-122"/>
-                <a:cs typeface="Calibri" panose="020F0502020204030204" pitchFamily="34" charset="0"/>
-              </a:rPr>
-              <a:t>  </a:t>
-            </a:r>
-            <a:r>
-              <a:rPr lang="en-US" altLang="zh-CN" sz="2000" dirty="0" smtClean="0">
-                <a:latin typeface="Calibri" panose="020F0502020204030204" pitchFamily="34" charset="0"/>
-                <a:ea typeface="微软雅黑" panose="020B0503020204020204" pitchFamily="34" charset="-122"/>
-                <a:cs typeface="Calibri" panose="020F0502020204030204" pitchFamily="34" charset="0"/>
-              </a:rPr>
-              <a:t>  -&gt;</a:t>
-            </a:r>
-            <a:r>
-              <a:rPr lang="en-US" altLang="zh-CN" sz="2000" dirty="0" err="1">
-                <a:latin typeface="Calibri" panose="020F0502020204030204" pitchFamily="34" charset="0"/>
-                <a:ea typeface="微软雅黑" panose="020B0503020204020204" pitchFamily="34" charset="-122"/>
-                <a:cs typeface="Calibri" panose="020F0502020204030204" pitchFamily="34" charset="0"/>
-              </a:rPr>
-              <a:t>setOption</a:t>
-            </a:r>
-            <a:r>
-              <a:rPr lang="en-US" altLang="zh-CN" sz="2000" dirty="0">
-                <a:latin typeface="Calibri" panose="020F0502020204030204" pitchFamily="34" charset="0"/>
-                <a:ea typeface="微软雅黑" panose="020B0503020204020204" pitchFamily="34" charset="-122"/>
-                <a:cs typeface="Calibri" panose="020F0502020204030204" pitchFamily="34" charset="0"/>
-              </a:rPr>
-              <a:t>(CURLOPT_RETURNTRANSFER, true)</a:t>
-            </a:r>
-          </a:p>
-          <a:p>
-            <a:pPr lvl="1"/>
-            <a:r>
-              <a:rPr lang="en-US" altLang="zh-CN" sz="2000" dirty="0">
-                <a:latin typeface="Calibri" panose="020F0502020204030204" pitchFamily="34" charset="0"/>
-                <a:ea typeface="微软雅黑" panose="020B0503020204020204" pitchFamily="34" charset="-122"/>
-                <a:cs typeface="Calibri" panose="020F0502020204030204" pitchFamily="34" charset="0"/>
-              </a:rPr>
-              <a:t>  </a:t>
-            </a:r>
-            <a:r>
-              <a:rPr lang="en-US" altLang="zh-CN" sz="2000" dirty="0" smtClean="0">
-                <a:latin typeface="Calibri" panose="020F0502020204030204" pitchFamily="34" charset="0"/>
-                <a:ea typeface="微软雅黑" panose="020B0503020204020204" pitchFamily="34" charset="-122"/>
-                <a:cs typeface="Calibri" panose="020F0502020204030204" pitchFamily="34" charset="0"/>
-              </a:rPr>
-              <a:t>  -&gt;</a:t>
-            </a:r>
-            <a:r>
-              <a:rPr lang="en-US" altLang="zh-CN" sz="2000" dirty="0" err="1">
-                <a:latin typeface="Calibri" panose="020F0502020204030204" pitchFamily="34" charset="0"/>
-                <a:ea typeface="微软雅黑" panose="020B0503020204020204" pitchFamily="34" charset="-122"/>
-                <a:cs typeface="Calibri" panose="020F0502020204030204" pitchFamily="34" charset="0"/>
-              </a:rPr>
-              <a:t>setOption</a:t>
-            </a:r>
-            <a:r>
-              <a:rPr lang="en-US" altLang="zh-CN" sz="2000" dirty="0">
-                <a:latin typeface="Calibri" panose="020F0502020204030204" pitchFamily="34" charset="0"/>
-                <a:ea typeface="微软雅黑" panose="020B0503020204020204" pitchFamily="34" charset="-122"/>
-                <a:cs typeface="Calibri" panose="020F0502020204030204" pitchFamily="34" charset="0"/>
-              </a:rPr>
-              <a:t>(CURLOPT_SSL_VERIFYPEER, false)</a:t>
-            </a:r>
-          </a:p>
-          <a:p>
-            <a:pPr lvl="1"/>
-            <a:r>
-              <a:rPr lang="en-US" altLang="zh-CN" sz="2000" dirty="0">
-                <a:latin typeface="Calibri" panose="020F0502020204030204" pitchFamily="34" charset="0"/>
-                <a:ea typeface="微软雅黑" panose="020B0503020204020204" pitchFamily="34" charset="-122"/>
-                <a:cs typeface="Calibri" panose="020F0502020204030204" pitchFamily="34" charset="0"/>
-              </a:rPr>
-              <a:t>  </a:t>
-            </a:r>
-            <a:r>
-              <a:rPr lang="en-US" altLang="zh-CN" sz="2000" dirty="0" smtClean="0">
-                <a:latin typeface="Calibri" panose="020F0502020204030204" pitchFamily="34" charset="0"/>
-                <a:ea typeface="微软雅黑" panose="020B0503020204020204" pitchFamily="34" charset="-122"/>
-                <a:cs typeface="Calibri" panose="020F0502020204030204" pitchFamily="34" charset="0"/>
-              </a:rPr>
-              <a:t>  -&gt;</a:t>
-            </a:r>
-            <a:r>
-              <a:rPr lang="en-US" altLang="zh-CN" sz="2000" dirty="0" err="1">
-                <a:latin typeface="Calibri" panose="020F0502020204030204" pitchFamily="34" charset="0"/>
-                <a:ea typeface="微软雅黑" panose="020B0503020204020204" pitchFamily="34" charset="-122"/>
-                <a:cs typeface="Calibri" panose="020F0502020204030204" pitchFamily="34" charset="0"/>
-              </a:rPr>
-              <a:t>setOption</a:t>
-            </a:r>
-            <a:r>
-              <a:rPr lang="en-US" altLang="zh-CN" sz="2000" dirty="0">
-                <a:latin typeface="Calibri" panose="020F0502020204030204" pitchFamily="34" charset="0"/>
-                <a:ea typeface="微软雅黑" panose="020B0503020204020204" pitchFamily="34" charset="-122"/>
-                <a:cs typeface="Calibri" panose="020F0502020204030204" pitchFamily="34" charset="0"/>
-              </a:rPr>
-              <a:t>(</a:t>
-            </a:r>
-            <a:r>
-              <a:rPr lang="en-US" altLang="zh-CN" sz="2000" dirty="0" err="1">
-                <a:latin typeface="Calibri" panose="020F0502020204030204" pitchFamily="34" charset="0"/>
-                <a:ea typeface="微软雅黑" panose="020B0503020204020204" pitchFamily="34" charset="-122"/>
-                <a:cs typeface="Calibri" panose="020F0502020204030204" pitchFamily="34" charset="0"/>
-              </a:rPr>
-              <a:t>CURLOPT_POST,true</a:t>
-            </a:r>
-            <a:r>
-              <a:rPr lang="en-US" altLang="zh-CN" sz="2000" dirty="0" smtClean="0">
-                <a:latin typeface="Calibri" panose="020F0502020204030204" pitchFamily="34" charset="0"/>
-                <a:ea typeface="微软雅黑" panose="020B0503020204020204" pitchFamily="34" charset="-122"/>
-                <a:cs typeface="Calibri" panose="020F0502020204030204" pitchFamily="34" charset="0"/>
-              </a:rPr>
-              <a:t>);</a:t>
             </a:r>
             <a:endParaRPr lang="en-US" altLang="zh-CN" sz="2000" dirty="0">
               <a:latin typeface="Calibri" panose="020F0502020204030204" pitchFamily="34" charset="0"/>
@@ -17314,15 +16758,163 @@
                 <a:ea typeface="微软雅黑" panose="020B0503020204020204" pitchFamily="34" charset="-122"/>
                 <a:cs typeface="Calibri" panose="020F0502020204030204" pitchFamily="34" charset="0"/>
               </a:rPr>
-              <a:t>$r = $request-&gt;send</a:t>
-            </a:r>
-            <a:r>
-              <a:rPr lang="en-US" altLang="zh-CN" sz="2000" dirty="0" smtClean="0">
+              <a:t>$request = $curl-&gt;</a:t>
+            </a:r>
+            <a:r>
+              <a:rPr lang="en-US" altLang="zh-CN" sz="2000" dirty="0" err="1">
                 <a:latin typeface="Calibri" panose="020F0502020204030204" pitchFamily="34" charset="0"/>
                 <a:ea typeface="微软雅黑" panose="020B0503020204020204" pitchFamily="34" charset="-122"/>
                 <a:cs typeface="Calibri" panose="020F0502020204030204" pitchFamily="34" charset="0"/>
               </a:rPr>
-              <a:t>();</a:t>
+              <a:t>newRawRequest</a:t>
+            </a:r>
+            <a:r>
+              <a:rPr lang="en-US" altLang="zh-CN" sz="2000" dirty="0">
+                <a:latin typeface="Calibri" panose="020F0502020204030204" pitchFamily="34" charset="0"/>
+                <a:ea typeface="微软雅黑" panose="020B0503020204020204" pitchFamily="34" charset="-122"/>
+                <a:cs typeface="Calibri" panose="020F0502020204030204" pitchFamily="34" charset="0"/>
+              </a:rPr>
+              <a:t>('post', $</a:t>
+            </a:r>
+            <a:r>
+              <a:rPr lang="en-US" altLang="zh-CN" sz="2000" dirty="0" err="1">
+                <a:latin typeface="Calibri" panose="020F0502020204030204" pitchFamily="34" charset="0"/>
+                <a:ea typeface="微软雅黑" panose="020B0503020204020204" pitchFamily="34" charset="-122"/>
+                <a:cs typeface="Calibri" panose="020F0502020204030204" pitchFamily="34" charset="0"/>
+              </a:rPr>
+              <a:t>wx_menu_create_api</a:t>
+            </a:r>
+            <a:r>
+              <a:rPr lang="en-US" altLang="zh-CN" sz="2000" dirty="0">
+                <a:latin typeface="Calibri" panose="020F0502020204030204" pitchFamily="34" charset="0"/>
+                <a:ea typeface="微软雅黑" panose="020B0503020204020204" pitchFamily="34" charset="-122"/>
+                <a:cs typeface="Calibri" panose="020F0502020204030204" pitchFamily="34" charset="0"/>
+              </a:rPr>
+              <a:t>, $</a:t>
+            </a:r>
+            <a:r>
+              <a:rPr lang="en-US" altLang="zh-CN" sz="2000" dirty="0" err="1">
+                <a:latin typeface="Calibri" panose="020F0502020204030204" pitchFamily="34" charset="0"/>
+                <a:ea typeface="微软雅黑" panose="020B0503020204020204" pitchFamily="34" charset="-122"/>
+                <a:cs typeface="Calibri" panose="020F0502020204030204" pitchFamily="34" charset="0"/>
+              </a:rPr>
+              <a:t>json_menu</a:t>
+            </a:r>
+            <a:r>
+              <a:rPr lang="en-US" altLang="zh-CN" sz="2000" dirty="0">
+                <a:latin typeface="Calibri" panose="020F0502020204030204" pitchFamily="34" charset="0"/>
+                <a:ea typeface="微软雅黑" panose="020B0503020204020204" pitchFamily="34" charset="-122"/>
+                <a:cs typeface="Calibri" panose="020F0502020204030204" pitchFamily="34" charset="0"/>
+              </a:rPr>
+              <a:t>)</a:t>
+            </a:r>
+          </a:p>
+          <a:p>
+            <a:pPr lvl="1"/>
+            <a:r>
+              <a:rPr lang="en-US" altLang="zh-CN" sz="2000" dirty="0">
+                <a:latin typeface="Calibri" panose="020F0502020204030204" pitchFamily="34" charset="0"/>
+                <a:ea typeface="微软雅黑" panose="020B0503020204020204" pitchFamily="34" charset="-122"/>
+                <a:cs typeface="Calibri" panose="020F0502020204030204" pitchFamily="34" charset="0"/>
+              </a:rPr>
+              <a:t>    -&gt;</a:t>
+            </a:r>
+            <a:r>
+              <a:rPr lang="en-US" altLang="zh-CN" sz="2000" dirty="0" err="1">
+                <a:latin typeface="Calibri" panose="020F0502020204030204" pitchFamily="34" charset="0"/>
+                <a:ea typeface="微软雅黑" panose="020B0503020204020204" pitchFamily="34" charset="-122"/>
+                <a:cs typeface="Calibri" panose="020F0502020204030204" pitchFamily="34" charset="0"/>
+              </a:rPr>
+              <a:t>setOption</a:t>
+            </a:r>
+            <a:r>
+              <a:rPr lang="en-US" altLang="zh-CN" sz="2000" dirty="0">
+                <a:latin typeface="Calibri" panose="020F0502020204030204" pitchFamily="34" charset="0"/>
+                <a:ea typeface="微软雅黑" panose="020B0503020204020204" pitchFamily="34" charset="-122"/>
+                <a:cs typeface="Calibri" panose="020F0502020204030204" pitchFamily="34" charset="0"/>
+              </a:rPr>
+              <a:t>(CURLOPT_RETURNTRANSFER, true)</a:t>
+            </a:r>
+          </a:p>
+          <a:p>
+            <a:pPr lvl="1"/>
+            <a:r>
+              <a:rPr lang="en-US" altLang="zh-CN" sz="2000" dirty="0">
+                <a:latin typeface="Calibri" panose="020F0502020204030204" pitchFamily="34" charset="0"/>
+                <a:ea typeface="微软雅黑" panose="020B0503020204020204" pitchFamily="34" charset="-122"/>
+                <a:cs typeface="Calibri" panose="020F0502020204030204" pitchFamily="34" charset="0"/>
+              </a:rPr>
+              <a:t>    -&gt;</a:t>
+            </a:r>
+            <a:r>
+              <a:rPr lang="en-US" altLang="zh-CN" sz="2000" dirty="0" err="1">
+                <a:latin typeface="Calibri" panose="020F0502020204030204" pitchFamily="34" charset="0"/>
+                <a:ea typeface="微软雅黑" panose="020B0503020204020204" pitchFamily="34" charset="-122"/>
+                <a:cs typeface="Calibri" panose="020F0502020204030204" pitchFamily="34" charset="0"/>
+              </a:rPr>
+              <a:t>setOption</a:t>
+            </a:r>
+            <a:r>
+              <a:rPr lang="en-US" altLang="zh-CN" sz="2000" dirty="0">
+                <a:latin typeface="Calibri" panose="020F0502020204030204" pitchFamily="34" charset="0"/>
+                <a:ea typeface="微软雅黑" panose="020B0503020204020204" pitchFamily="34" charset="-122"/>
+                <a:cs typeface="Calibri" panose="020F0502020204030204" pitchFamily="34" charset="0"/>
+              </a:rPr>
+              <a:t>(CURLOPT_SSL_VERIFYPEER, false)</a:t>
+            </a:r>
+          </a:p>
+          <a:p>
+            <a:pPr lvl="1"/>
+            <a:r>
+              <a:rPr lang="en-US" altLang="zh-CN" sz="2000" dirty="0">
+                <a:latin typeface="Calibri" panose="020F0502020204030204" pitchFamily="34" charset="0"/>
+                <a:ea typeface="微软雅黑" panose="020B0503020204020204" pitchFamily="34" charset="-122"/>
+                <a:cs typeface="Calibri" panose="020F0502020204030204" pitchFamily="34" charset="0"/>
+              </a:rPr>
+              <a:t>    -&gt;</a:t>
+            </a:r>
+            <a:r>
+              <a:rPr lang="en-US" altLang="zh-CN" sz="2000" dirty="0" err="1">
+                <a:latin typeface="Calibri" panose="020F0502020204030204" pitchFamily="34" charset="0"/>
+                <a:ea typeface="微软雅黑" panose="020B0503020204020204" pitchFamily="34" charset="-122"/>
+                <a:cs typeface="Calibri" panose="020F0502020204030204" pitchFamily="34" charset="0"/>
+              </a:rPr>
+              <a:t>setOption</a:t>
+            </a:r>
+            <a:r>
+              <a:rPr lang="en-US" altLang="zh-CN" sz="2000" dirty="0">
+                <a:latin typeface="Calibri" panose="020F0502020204030204" pitchFamily="34" charset="0"/>
+                <a:ea typeface="微软雅黑" panose="020B0503020204020204" pitchFamily="34" charset="-122"/>
+                <a:cs typeface="Calibri" panose="020F0502020204030204" pitchFamily="34" charset="0"/>
+              </a:rPr>
+              <a:t>(</a:t>
+            </a:r>
+            <a:r>
+              <a:rPr lang="en-US" altLang="zh-CN" sz="2000" dirty="0" err="1">
+                <a:latin typeface="Calibri" panose="020F0502020204030204" pitchFamily="34" charset="0"/>
+                <a:ea typeface="微软雅黑" panose="020B0503020204020204" pitchFamily="34" charset="-122"/>
+                <a:cs typeface="Calibri" panose="020F0502020204030204" pitchFamily="34" charset="0"/>
+              </a:rPr>
+              <a:t>CURLOPT_POST,true</a:t>
+            </a:r>
+            <a:r>
+              <a:rPr lang="en-US" altLang="zh-CN" sz="2000" dirty="0">
+                <a:latin typeface="Calibri" panose="020F0502020204030204" pitchFamily="34" charset="0"/>
+                <a:ea typeface="微软雅黑" panose="020B0503020204020204" pitchFamily="34" charset="-122"/>
+                <a:cs typeface="Calibri" panose="020F0502020204030204" pitchFamily="34" charset="0"/>
+              </a:rPr>
+              <a:t>);</a:t>
+            </a:r>
+          </a:p>
+          <a:p>
+            <a:pPr lvl="1"/>
+            <a:r>
+              <a:rPr lang="en-US" altLang="zh-CN" sz="2000" dirty="0">
+                <a:latin typeface="Calibri" panose="020F0502020204030204" pitchFamily="34" charset="0"/>
+                <a:ea typeface="微软雅黑" panose="020B0503020204020204" pitchFamily="34" charset="-122"/>
+                <a:cs typeface="Calibri" panose="020F0502020204030204" pitchFamily="34" charset="0"/>
+              </a:rPr>
+              <a:t>$r = $request-&gt;send();</a:t>
             </a:r>
           </a:p>
         </p:txBody>
@@ -17373,10 +16965,9 @@
           <a:lstStyle/>
           <a:p>
             <a:r>
-              <a:rPr lang="zh-CN" altLang="en-US" b="0" dirty="0" smtClean="0"/>
+              <a:rPr lang="zh-CN" altLang="en-US" b="0" dirty="0"/>
               <a:t>课程概要</a:t>
             </a:r>
-            <a:endParaRPr lang="zh-CN" altLang="en-US" b="0" dirty="0"/>
           </a:p>
         </p:txBody>
       </p:sp>
@@ -18091,13 +17682,6 @@
   <p:clrMapOvr>
     <a:masterClrMapping/>
   </p:clrMapOvr>
-  <p:timing>
-    <p:tnLst>
-      <p:par>
-        <p:cTn id="1" dur="indefinite" restart="never" nodeType="tmRoot"/>
-      </p:par>
-    </p:tnLst>
-  </p:timing>
 </p:sld>
 </file>
 
@@ -18139,10 +17723,9 @@
           <a:lstStyle/>
           <a:p>
             <a:r>
-              <a:rPr lang="zh-CN" altLang="en-US" b="0" dirty="0" smtClean="0"/>
+              <a:rPr lang="zh-CN" altLang="en-US" b="0" dirty="0"/>
               <a:t>第一节</a:t>
             </a:r>
-            <a:endParaRPr lang="zh-CN" altLang="en-US" b="0" dirty="0"/>
           </a:p>
         </p:txBody>
       </p:sp>
@@ -18155,7 +17738,7 @@
         <p:spPr>
           <a:xfrm>
             <a:off x="4058444" y="2343152"/>
-            <a:ext cx="5385594" cy="2062103"/>
+            <a:ext cx="5385594" cy="1969257"/>
           </a:xfrm>
           <a:prstGeom prst="rect">
             <a:avLst/>
@@ -18176,7 +17759,7 @@
               <a:buAutoNum type="ea1JpnChsDbPeriod"/>
             </a:pPr>
             <a:r>
-              <a:rPr lang="en-US" altLang="zh-CN" sz="2400" dirty="0" err="1">
+              <a:rPr lang="en-US" altLang="zh-CN" sz="2400">
                 <a:solidFill>
                   <a:schemeClr val="accent6">
                     <a:lumMod val="75000"/>
@@ -18185,10 +17768,10 @@
                 <a:latin typeface="微软雅黑" panose="020B0503020204020204" pitchFamily="34" charset="-122"/>
                 <a:ea typeface="微软雅黑" panose="020B0503020204020204" pitchFamily="34" charset="-122"/>
               </a:rPr>
-              <a:t>WeUI</a:t>
-            </a:r>
-            <a:r>
-              <a:rPr lang="zh-CN" altLang="en-US" sz="2400" dirty="0" smtClean="0">
+              <a:t>JS-SDK</a:t>
+            </a:r>
+            <a:r>
+              <a:rPr lang="zh-CN" altLang="en-US" sz="2400" dirty="0">
                 <a:solidFill>
                   <a:schemeClr val="accent6">
                     <a:lumMod val="75000"/>
@@ -18197,7 +17780,7 @@
                 <a:latin typeface="微软雅黑" panose="020B0503020204020204" pitchFamily="34" charset="-122"/>
                 <a:ea typeface="微软雅黑" panose="020B0503020204020204" pitchFamily="34" charset="-122"/>
               </a:rPr>
-              <a:t>基础与使用</a:t>
+              <a:t>基础</a:t>
             </a:r>
             <a:endParaRPr lang="en-US" altLang="zh-CN" sz="2400" dirty="0">
               <a:solidFill>
@@ -18218,7 +17801,7 @@
               <a:buAutoNum type="ea1JpnChsDbPeriod"/>
             </a:pPr>
             <a:r>
-              <a:rPr lang="en-US" altLang="zh-CN" sz="2000" dirty="0" smtClean="0">
+              <a:rPr lang="en-US" altLang="zh-CN" sz="2000" dirty="0">
                 <a:solidFill>
                   <a:schemeClr val="tx1">
                     <a:lumMod val="65000"/>
@@ -18231,7 +17814,7 @@
               <a:t>JS-SDK</a:t>
             </a:r>
             <a:r>
-              <a:rPr lang="zh-CN" altLang="en-US" sz="2000" dirty="0" smtClean="0">
+              <a:rPr lang="zh-CN" altLang="en-US" sz="2000" dirty="0">
                 <a:solidFill>
                   <a:schemeClr val="tx1">
                     <a:lumMod val="65000"/>
@@ -18263,7 +17846,7 @@
               <a:buAutoNum type="ea1JpnChsDbPeriod"/>
             </a:pPr>
             <a:r>
-              <a:rPr lang="en-US" altLang="zh-CN" sz="2000" dirty="0" err="1" smtClean="0">
+              <a:rPr lang="en-US" altLang="zh-CN" sz="2000" dirty="0" err="1">
                 <a:solidFill>
                   <a:schemeClr val="tx1">
                     <a:lumMod val="65000"/>
@@ -18276,7 +17859,7 @@
               <a:t>WeUI</a:t>
             </a:r>
             <a:r>
-              <a:rPr lang="zh-CN" altLang="en-US" sz="2000" dirty="0" smtClean="0">
+              <a:rPr lang="zh-CN" altLang="en-US" sz="2000" dirty="0">
                 <a:solidFill>
                   <a:schemeClr val="tx1">
                     <a:lumMod val="65000"/>
@@ -18289,7 +17872,7 @@
               <a:t>与</a:t>
             </a:r>
             <a:r>
-              <a:rPr lang="en-US" altLang="zh-CN" sz="2000" dirty="0" smtClean="0">
+              <a:rPr lang="en-US" altLang="zh-CN" sz="2000" dirty="0">
                 <a:solidFill>
                   <a:schemeClr val="tx1">
                     <a:lumMod val="65000"/>
@@ -18302,7 +17885,7 @@
               <a:t>JS-SDK</a:t>
             </a:r>
             <a:r>
-              <a:rPr lang="zh-CN" altLang="en-US" sz="2000" dirty="0" smtClean="0">
+              <a:rPr lang="zh-CN" altLang="en-US" sz="2000" dirty="0">
                 <a:solidFill>
                   <a:schemeClr val="tx1">
                     <a:lumMod val="65000"/>
@@ -18373,14 +17956,13 @@
           <a:lstStyle/>
           <a:p>
             <a:r>
-              <a:rPr lang="en-US" altLang="zh-CN" b="0" dirty="0" err="1" smtClean="0"/>
+              <a:rPr lang="en-US" altLang="zh-CN" b="0" dirty="0" err="1"/>
               <a:t>WeUI</a:t>
             </a:r>
             <a:r>
-              <a:rPr lang="zh-CN" altLang="en-US" b="0" dirty="0" smtClean="0"/>
+              <a:rPr lang="zh-CN" altLang="en-US" b="0" dirty="0"/>
               <a:t>介绍</a:t>
             </a:r>
-            <a:endParaRPr lang="zh-CN" altLang="en-US" b="0" dirty="0"/>
           </a:p>
         </p:txBody>
       </p:sp>
@@ -18435,14 +18017,13 @@
           <a:lstStyle/>
           <a:p>
             <a:r>
-              <a:rPr lang="en-US" altLang="zh-CN" b="0" dirty="0" err="1" smtClean="0"/>
+              <a:rPr lang="en-US" altLang="zh-CN" b="0" dirty="0" err="1"/>
               <a:t>WeUI</a:t>
             </a:r>
             <a:r>
-              <a:rPr lang="zh-CN" altLang="en-US" b="0" dirty="0" smtClean="0"/>
+              <a:rPr lang="zh-CN" altLang="en-US" b="0" dirty="0"/>
               <a:t>示例</a:t>
             </a:r>
-            <a:endParaRPr lang="zh-CN" altLang="en-US" b="0" dirty="0"/>
           </a:p>
         </p:txBody>
       </p:sp>
@@ -18492,14 +18073,13 @@
           <a:lstStyle/>
           <a:p>
             <a:r>
-              <a:rPr lang="en-US" altLang="zh-CN" b="0" dirty="0" err="1" smtClean="0"/>
+              <a:rPr lang="en-US" altLang="zh-CN" b="0" dirty="0" err="1"/>
               <a:t>WeUI</a:t>
             </a:r>
             <a:r>
-              <a:rPr lang="zh-CN" altLang="en-US" b="0" dirty="0" smtClean="0"/>
+              <a:rPr lang="zh-CN" altLang="en-US" b="0" dirty="0"/>
               <a:t>组件示例代码</a:t>
             </a:r>
-            <a:endParaRPr lang="zh-CN" altLang="en-US" b="0" dirty="0"/>
           </a:p>
         </p:txBody>
       </p:sp>
@@ -18554,14 +18134,13 @@
           <a:lstStyle/>
           <a:p>
             <a:r>
-              <a:rPr lang="en-US" altLang="zh-CN" b="0" dirty="0" err="1" smtClean="0"/>
+              <a:rPr lang="en-US" altLang="zh-CN" b="0" dirty="0" err="1"/>
               <a:t>WeUI</a:t>
             </a:r>
             <a:r>
-              <a:rPr lang="zh-CN" altLang="en-US" b="0" dirty="0" smtClean="0"/>
+              <a:rPr lang="zh-CN" altLang="en-US" b="0" dirty="0"/>
               <a:t>组件示例代码</a:t>
             </a:r>
-            <a:endParaRPr lang="zh-CN" altLang="en-US" b="0" dirty="0"/>
           </a:p>
         </p:txBody>
       </p:sp>
@@ -18616,14 +18195,13 @@
           <a:lstStyle/>
           <a:p>
             <a:r>
-              <a:rPr lang="en-US" altLang="zh-CN" b="0" dirty="0" err="1" smtClean="0"/>
+              <a:rPr lang="en-US" altLang="zh-CN" b="0" dirty="0" err="1"/>
               <a:t>WeUI</a:t>
             </a:r>
             <a:r>
-              <a:rPr lang="zh-CN" altLang="en-US" b="0" dirty="0" smtClean="0"/>
+              <a:rPr lang="zh-CN" altLang="en-US" b="0" dirty="0"/>
               <a:t>页面展示</a:t>
             </a:r>
-            <a:endParaRPr lang="zh-CN" altLang="en-US" b="0" dirty="0"/>
           </a:p>
         </p:txBody>
       </p:sp>

--- a/第10讲 JS-SDK.pptx
+++ b/第10讲 JS-SDK.pptx
@@ -9,10 +9,10 @@
     <p:sldMasterId id="2147483691" r:id="rId5"/>
   </p:sldMasterIdLst>
   <p:notesMasterIdLst>
-    <p:notesMasterId r:id="rId36"/>
+    <p:notesMasterId r:id="rId27"/>
   </p:notesMasterIdLst>
   <p:handoutMasterIdLst>
-    <p:handoutMasterId r:id="rId37"/>
+    <p:handoutMasterId r:id="rId28"/>
   </p:handoutMasterIdLst>
   <p:sldIdLst>
     <p:sldId id="257" r:id="rId6"/>
@@ -26,30 +26,21 @@
     <p:sldId id="484" r:id="rId14"/>
     <p:sldId id="460" r:id="rId15"/>
     <p:sldId id="480" r:id="rId16"/>
-    <p:sldId id="439" r:id="rId17"/>
-    <p:sldId id="456" r:id="rId18"/>
-    <p:sldId id="440" r:id="rId19"/>
-    <p:sldId id="467" r:id="rId20"/>
-    <p:sldId id="468" r:id="rId21"/>
-    <p:sldId id="474" r:id="rId22"/>
-    <p:sldId id="475" r:id="rId23"/>
-    <p:sldId id="470" r:id="rId24"/>
-    <p:sldId id="471" r:id="rId25"/>
-    <p:sldId id="452" r:id="rId26"/>
-    <p:sldId id="473" r:id="rId27"/>
-    <p:sldId id="472" r:id="rId28"/>
-    <p:sldId id="469" r:id="rId29"/>
-    <p:sldId id="457" r:id="rId30"/>
-    <p:sldId id="435" r:id="rId31"/>
-    <p:sldId id="476" r:id="rId32"/>
-    <p:sldId id="477" r:id="rId33"/>
-    <p:sldId id="478" r:id="rId34"/>
-    <p:sldId id="311" r:id="rId35"/>
+    <p:sldId id="456" r:id="rId17"/>
+    <p:sldId id="440" r:id="rId18"/>
+    <p:sldId id="467" r:id="rId19"/>
+    <p:sldId id="468" r:id="rId20"/>
+    <p:sldId id="474" r:id="rId21"/>
+    <p:sldId id="475" r:id="rId22"/>
+    <p:sldId id="470" r:id="rId23"/>
+    <p:sldId id="471" r:id="rId24"/>
+    <p:sldId id="452" r:id="rId25"/>
+    <p:sldId id="311" r:id="rId26"/>
   </p:sldIdLst>
   <p:sldSz cx="12192000" cy="6858000"/>
   <p:notesSz cx="6858000" cy="9144000"/>
   <p:custDataLst>
-    <p:tags r:id="rId38"/>
+    <p:tags r:id="rId29"/>
   </p:custDataLst>
   <p:defaultTextStyle>
     <a:defPPr>
@@ -957,7 +948,7 @@
                 <a:ea typeface="宋体" charset="-122"/>
               </a:rPr>
               <a:pPr algn="r" eaLnBrk="1" hangingPunct="1"/>
-              <a:t>30</a:t>
+              <a:t>21</a:t>
             </a:fld>
             <a:endParaRPr lang="zh-CN" altLang="en-US" sz="1200">
               <a:latin typeface="Calibri" pitchFamily="34" charset="0"/>
@@ -13088,18 +13079,27 @@
             <p:ph sz="quarter" idx="13"/>
           </p:nvPr>
         </p:nvSpPr>
-        <p:spPr/>
+        <p:spPr>
+          <a:xfrm>
+            <a:off x="1054100" y="543636"/>
+            <a:ext cx="7164990" cy="685800"/>
+          </a:xfrm>
+        </p:spPr>
         <p:txBody>
           <a:bodyPr/>
           <a:lstStyle/>
           <a:p>
             <a:r>
+              <a:rPr lang="zh-CN" altLang="en-US" b="0" dirty="0"/>
+              <a:t>判断是否支持指定</a:t>
+            </a:r>
+            <a:r>
               <a:rPr lang="en-US" altLang="zh-CN" b="0" dirty="0"/>
-              <a:t>JS-SDK</a:t>
+              <a:t>JS</a:t>
             </a:r>
             <a:r>
               <a:rPr lang="zh-CN" altLang="en-US" b="0" dirty="0"/>
-              <a:t>介绍</a:t>
+              <a:t>接口</a:t>
             </a:r>
           </a:p>
         </p:txBody>
@@ -13136,18 +13136,18 @@
       </p:grpSpPr>
       <p:sp>
         <p:nvSpPr>
-          <p:cNvPr id="3" name="内容占位符 2"/>
+          <p:cNvPr id="2" name="内容占位符 1"/>
           <p:cNvSpPr>
             <a:spLocks noGrp="1"/>
           </p:cNvSpPr>
           <p:nvPr>
-            <p:ph sz="quarter" idx="15"/>
+            <p:ph sz="quarter" idx="13"/>
           </p:nvPr>
         </p:nvSpPr>
         <p:spPr>
           <a:xfrm>
-            <a:off x="917621" y="516340"/>
-            <a:ext cx="7011941" cy="685800"/>
+            <a:off x="1054100" y="543636"/>
+            <a:ext cx="5818188" cy="685800"/>
           </a:xfrm>
         </p:spPr>
         <p:txBody>
@@ -13155,344 +13155,16 @@
           <a:lstStyle/>
           <a:p>
             <a:r>
-              <a:rPr lang="en-US" altLang="zh-CN" b="0" dirty="0"/>
-              <a:t>JS-SDK</a:t>
-            </a:r>
-            <a:r>
               <a:rPr lang="zh-CN" altLang="en-US" b="0" dirty="0"/>
-              <a:t>使用步骤</a:t>
-            </a:r>
-          </a:p>
-        </p:txBody>
-      </p:sp>
-      <p:sp>
-        <p:nvSpPr>
-          <p:cNvPr id="2" name="文本框 1"/>
-          <p:cNvSpPr txBox="1"/>
-          <p:nvPr/>
-        </p:nvSpPr>
-        <p:spPr>
-          <a:xfrm>
-            <a:off x="917621" y="1628774"/>
-            <a:ext cx="10012317" cy="3785652"/>
-          </a:xfrm>
-          <a:prstGeom prst="rect">
-            <a:avLst/>
-          </a:prstGeom>
-          <a:noFill/>
-        </p:spPr>
-        <p:txBody>
-          <a:bodyPr wrap="square" rtlCol="0">
-            <a:spAutoFit/>
-          </a:bodyPr>
-          <a:lstStyle/>
-          <a:p>
-            <a:pPr marL="342900" indent="-342900">
-              <a:lnSpc>
-                <a:spcPct val="150000"/>
-              </a:lnSpc>
-              <a:buFont typeface="Arial" panose="020B0604020202020204" pitchFamily="34" charset="0"/>
-              <a:buChar char="•"/>
-            </a:pPr>
-            <a:r>
-              <a:rPr lang="en-US" altLang="zh-CN" sz="2000" dirty="0">
-                <a:latin typeface="微软雅黑" panose="020B0503020204020204" pitchFamily="34" charset="-122"/>
-                <a:ea typeface="微软雅黑" panose="020B0503020204020204" pitchFamily="34" charset="-122"/>
-              </a:rPr>
-              <a:t>CURL</a:t>
-            </a:r>
-            <a:r>
-              <a:rPr lang="zh-CN" altLang="en-US" sz="2000" dirty="0">
-                <a:latin typeface="微软雅黑" panose="020B0503020204020204" pitchFamily="34" charset="-122"/>
-                <a:ea typeface="微软雅黑" panose="020B0503020204020204" pitchFamily="34" charset="-122"/>
-              </a:rPr>
-              <a:t>能够连接通讯各种服务器、使用各种协议。目前支持的协议有 </a:t>
-            </a:r>
-            <a:r>
-              <a:rPr lang="en-US" altLang="zh-CN" sz="2000" dirty="0">
-                <a:latin typeface="微软雅黑" panose="020B0503020204020204" pitchFamily="34" charset="-122"/>
-                <a:ea typeface="微软雅黑" panose="020B0503020204020204" pitchFamily="34" charset="-122"/>
-              </a:rPr>
-              <a:t>http</a:t>
-            </a:r>
-            <a:r>
-              <a:rPr lang="zh-CN" altLang="en-US" sz="2000" dirty="0">
-                <a:latin typeface="微软雅黑" panose="020B0503020204020204" pitchFamily="34" charset="-122"/>
-                <a:ea typeface="微软雅黑" panose="020B0503020204020204" pitchFamily="34" charset="-122"/>
-              </a:rPr>
-              <a:t>、</a:t>
-            </a:r>
-            <a:r>
-              <a:rPr lang="en-US" altLang="zh-CN" sz="2000" dirty="0">
-                <a:latin typeface="微软雅黑" panose="020B0503020204020204" pitchFamily="34" charset="-122"/>
-                <a:ea typeface="微软雅黑" panose="020B0503020204020204" pitchFamily="34" charset="-122"/>
-              </a:rPr>
-              <a:t>https</a:t>
-            </a:r>
-            <a:r>
-              <a:rPr lang="zh-CN" altLang="en-US" sz="2000" dirty="0">
-                <a:latin typeface="微软雅黑" panose="020B0503020204020204" pitchFamily="34" charset="-122"/>
-                <a:ea typeface="微软雅黑" panose="020B0503020204020204" pitchFamily="34" charset="-122"/>
-              </a:rPr>
-              <a:t>、</a:t>
-            </a:r>
-            <a:r>
-              <a:rPr lang="en-US" altLang="zh-CN" sz="2000" dirty="0">
-                <a:latin typeface="微软雅黑" panose="020B0503020204020204" pitchFamily="34" charset="-122"/>
-                <a:ea typeface="微软雅黑" panose="020B0503020204020204" pitchFamily="34" charset="-122"/>
-              </a:rPr>
-              <a:t>ftp</a:t>
-            </a:r>
-            <a:r>
-              <a:rPr lang="zh-CN" altLang="en-US" sz="2000" dirty="0">
-                <a:latin typeface="微软雅黑" panose="020B0503020204020204" pitchFamily="34" charset="-122"/>
-                <a:ea typeface="微软雅黑" panose="020B0503020204020204" pitchFamily="34" charset="-122"/>
-              </a:rPr>
-              <a:t>、</a:t>
-            </a:r>
-            <a:r>
-              <a:rPr lang="en-US" altLang="zh-CN" sz="2000" dirty="0">
-                <a:latin typeface="微软雅黑" panose="020B0503020204020204" pitchFamily="34" charset="-122"/>
-                <a:ea typeface="微软雅黑" panose="020B0503020204020204" pitchFamily="34" charset="-122"/>
-              </a:rPr>
-              <a:t>telnet</a:t>
-            </a:r>
-            <a:r>
-              <a:rPr lang="zh-CN" altLang="en-US" sz="2000" dirty="0">
-                <a:latin typeface="微软雅黑" panose="020B0503020204020204" pitchFamily="34" charset="-122"/>
-                <a:ea typeface="微软雅黑" panose="020B0503020204020204" pitchFamily="34" charset="-122"/>
-              </a:rPr>
-              <a:t>等。</a:t>
-            </a:r>
-            <a:endParaRPr lang="en-US" altLang="zh-CN" sz="2000" dirty="0">
-              <a:latin typeface="微软雅黑" panose="020B0503020204020204" pitchFamily="34" charset="-122"/>
-              <a:ea typeface="微软雅黑" panose="020B0503020204020204" pitchFamily="34" charset="-122"/>
-            </a:endParaRPr>
-          </a:p>
-          <a:p>
-            <a:pPr marL="342900" indent="-342900">
-              <a:lnSpc>
-                <a:spcPct val="150000"/>
-              </a:lnSpc>
-              <a:buFont typeface="Arial" panose="020B0604020202020204" pitchFamily="34" charset="0"/>
-              <a:buChar char="•"/>
-            </a:pPr>
-            <a:r>
-              <a:rPr lang="en-US" altLang="zh-CN" sz="2000" dirty="0">
-                <a:latin typeface="微软雅黑" panose="020B0503020204020204" pitchFamily="34" charset="-122"/>
-                <a:ea typeface="微软雅黑" panose="020B0503020204020204" pitchFamily="34" charset="-122"/>
-              </a:rPr>
-              <a:t>PHP</a:t>
-            </a:r>
-            <a:r>
-              <a:rPr lang="zh-CN" altLang="en-US" sz="2000" dirty="0">
-                <a:latin typeface="微软雅黑" panose="020B0503020204020204" pitchFamily="34" charset="-122"/>
-                <a:ea typeface="微软雅黑" panose="020B0503020204020204" pitchFamily="34" charset="-122"/>
-              </a:rPr>
-              <a:t>使用</a:t>
-            </a:r>
-            <a:r>
-              <a:rPr lang="en-US" altLang="zh-CN" sz="2000" dirty="0">
-                <a:latin typeface="微软雅黑" panose="020B0503020204020204" pitchFamily="34" charset="-122"/>
-                <a:ea typeface="微软雅黑" panose="020B0503020204020204" pitchFamily="34" charset="-122"/>
-              </a:rPr>
-              <a:t>curl</a:t>
-            </a:r>
-            <a:r>
-              <a:rPr lang="zh-CN" altLang="en-US" sz="2000" dirty="0">
-                <a:latin typeface="微软雅黑" panose="020B0503020204020204" pitchFamily="34" charset="-122"/>
-                <a:ea typeface="微软雅黑" panose="020B0503020204020204" pitchFamily="34" charset="-122"/>
-              </a:rPr>
-              <a:t>发起</a:t>
-            </a:r>
-            <a:r>
-              <a:rPr lang="en-US" altLang="zh-CN" sz="2000" dirty="0">
-                <a:latin typeface="微软雅黑" panose="020B0503020204020204" pitchFamily="34" charset="-122"/>
-                <a:ea typeface="微软雅黑" panose="020B0503020204020204" pitchFamily="34" charset="-122"/>
-              </a:rPr>
-              <a:t>http</a:t>
-            </a:r>
-            <a:r>
-              <a:rPr lang="zh-CN" altLang="en-US" sz="2000" dirty="0">
-                <a:latin typeface="微软雅黑" panose="020B0503020204020204" pitchFamily="34" charset="-122"/>
-                <a:ea typeface="微软雅黑" panose="020B0503020204020204" pitchFamily="34" charset="-122"/>
-              </a:rPr>
-              <a:t>请求。</a:t>
-            </a:r>
-            <a:endParaRPr lang="en-US" altLang="zh-CN" sz="2000" dirty="0">
-              <a:latin typeface="微软雅黑" panose="020B0503020204020204" pitchFamily="34" charset="-122"/>
-              <a:ea typeface="微软雅黑" panose="020B0503020204020204" pitchFamily="34" charset="-122"/>
-            </a:endParaRPr>
-          </a:p>
-          <a:p>
-            <a:pPr marL="342900" indent="-342900">
-              <a:lnSpc>
-                <a:spcPct val="150000"/>
-              </a:lnSpc>
-              <a:buFont typeface="Arial" panose="020B0604020202020204" pitchFamily="34" charset="0"/>
-              <a:buChar char="•"/>
-            </a:pPr>
-            <a:r>
-              <a:rPr lang="en-US" altLang="zh-CN" sz="2000" dirty="0">
-                <a:latin typeface="微软雅黑" panose="020B0503020204020204" pitchFamily="34" charset="-122"/>
-                <a:ea typeface="微软雅黑" panose="020B0503020204020204" pitchFamily="34" charset="-122"/>
-              </a:rPr>
-              <a:t>PHP</a:t>
-            </a:r>
-            <a:r>
-              <a:rPr lang="zh-CN" altLang="en-US" sz="2000" dirty="0">
-                <a:latin typeface="微软雅黑" panose="020B0503020204020204" pitchFamily="34" charset="-122"/>
-                <a:ea typeface="微软雅黑" panose="020B0503020204020204" pitchFamily="34" charset="-122"/>
-              </a:rPr>
-              <a:t>调用微信接口需要使用</a:t>
-            </a:r>
-            <a:r>
-              <a:rPr lang="en-US" altLang="zh-CN" sz="2000" dirty="0">
-                <a:latin typeface="微软雅黑" panose="020B0503020204020204" pitchFamily="34" charset="-122"/>
-                <a:ea typeface="微软雅黑" panose="020B0503020204020204" pitchFamily="34" charset="-122"/>
-              </a:rPr>
-              <a:t>curl</a:t>
-            </a:r>
-            <a:r>
-              <a:rPr lang="zh-CN" altLang="en-US" sz="2000" dirty="0">
-                <a:latin typeface="微软雅黑" panose="020B0503020204020204" pitchFamily="34" charset="-122"/>
-                <a:ea typeface="微软雅黑" panose="020B0503020204020204" pitchFamily="34" charset="-122"/>
-              </a:rPr>
-              <a:t>扩展或是基于</a:t>
-            </a:r>
-            <a:r>
-              <a:rPr lang="en-US" altLang="zh-CN" sz="2000" dirty="0">
-                <a:latin typeface="微软雅黑" panose="020B0503020204020204" pitchFamily="34" charset="-122"/>
-                <a:ea typeface="微软雅黑" panose="020B0503020204020204" pitchFamily="34" charset="-122"/>
-              </a:rPr>
-              <a:t>curl</a:t>
-            </a:r>
-            <a:r>
-              <a:rPr lang="zh-CN" altLang="en-US" sz="2000" dirty="0">
-                <a:latin typeface="微软雅黑" panose="020B0503020204020204" pitchFamily="34" charset="-122"/>
-                <a:ea typeface="微软雅黑" panose="020B0503020204020204" pitchFamily="34" charset="-122"/>
-              </a:rPr>
-              <a:t>的第三方库。</a:t>
-            </a:r>
-            <a:endParaRPr lang="en-US" altLang="zh-CN" sz="2000" dirty="0">
-              <a:latin typeface="微软雅黑" panose="020B0503020204020204" pitchFamily="34" charset="-122"/>
-              <a:ea typeface="微软雅黑" panose="020B0503020204020204" pitchFamily="34" charset="-122"/>
-            </a:endParaRPr>
-          </a:p>
-          <a:p>
-            <a:pPr marL="342900" indent="-342900">
-              <a:lnSpc>
-                <a:spcPct val="150000"/>
-              </a:lnSpc>
-              <a:buFont typeface="Arial" panose="020B0604020202020204" pitchFamily="34" charset="0"/>
-              <a:buChar char="•"/>
-            </a:pPr>
-            <a:r>
-              <a:rPr lang="zh-CN" altLang="en-US" sz="2000" dirty="0">
-                <a:latin typeface="微软雅黑" panose="020B0503020204020204" pitchFamily="34" charset="-122"/>
-                <a:ea typeface="微软雅黑" panose="020B0503020204020204" pitchFamily="34" charset="-122"/>
-              </a:rPr>
-              <a:t>使用</a:t>
-            </a:r>
-            <a:r>
-              <a:rPr lang="en-US" altLang="zh-CN" sz="2000" dirty="0">
-                <a:latin typeface="微软雅黑" panose="020B0503020204020204" pitchFamily="34" charset="-122"/>
-                <a:ea typeface="微软雅黑" panose="020B0503020204020204" pitchFamily="34" charset="-122"/>
-              </a:rPr>
-              <a:t>CURL</a:t>
-            </a:r>
-            <a:r>
-              <a:rPr lang="zh-CN" altLang="en-US" sz="2000" dirty="0">
-                <a:latin typeface="微软雅黑" panose="020B0503020204020204" pitchFamily="34" charset="-122"/>
-                <a:ea typeface="微软雅黑" panose="020B0503020204020204" pitchFamily="34" charset="-122"/>
-              </a:rPr>
-              <a:t>与浏览器访问网站：</a:t>
-            </a:r>
-            <a:endParaRPr lang="en-US" altLang="zh-CN" sz="2000" dirty="0">
-              <a:latin typeface="微软雅黑" panose="020B0503020204020204" pitchFamily="34" charset="-122"/>
-              <a:ea typeface="微软雅黑" panose="020B0503020204020204" pitchFamily="34" charset="-122"/>
-            </a:endParaRPr>
-          </a:p>
-          <a:p>
-            <a:pPr lvl="1">
-              <a:lnSpc>
-                <a:spcPct val="150000"/>
-              </a:lnSpc>
-            </a:pPr>
-            <a:r>
-              <a:rPr lang="zh-CN" altLang="en-US" sz="2000" dirty="0">
-                <a:latin typeface="微软雅黑" panose="020B0503020204020204" pitchFamily="34" charset="-122"/>
-                <a:ea typeface="微软雅黑" panose="020B0503020204020204" pitchFamily="34" charset="-122"/>
-              </a:rPr>
-              <a:t>在浏览器上输入网址后，是浏览器发起的</a:t>
-            </a:r>
-            <a:r>
-              <a:rPr lang="en-US" altLang="zh-CN" sz="2000" dirty="0">
-                <a:latin typeface="微软雅黑" panose="020B0503020204020204" pitchFamily="34" charset="-122"/>
-                <a:ea typeface="微软雅黑" panose="020B0503020204020204" pitchFamily="34" charset="-122"/>
-              </a:rPr>
-              <a:t>http</a:t>
-            </a:r>
-            <a:r>
-              <a:rPr lang="zh-CN" altLang="en-US" sz="2000" dirty="0">
-                <a:latin typeface="微软雅黑" panose="020B0503020204020204" pitchFamily="34" charset="-122"/>
-                <a:ea typeface="微软雅黑" panose="020B0503020204020204" pitchFamily="34" charset="-122"/>
-              </a:rPr>
-              <a:t>请求获取数据，现在进行微信接口调用，无法使用浏览器实现，需要程序发起</a:t>
-            </a:r>
-            <a:r>
-              <a:rPr lang="en-US" altLang="zh-CN" sz="2000" dirty="0">
-                <a:latin typeface="微软雅黑" panose="020B0503020204020204" pitchFamily="34" charset="-122"/>
-                <a:ea typeface="微软雅黑" panose="020B0503020204020204" pitchFamily="34" charset="-122"/>
-              </a:rPr>
-              <a:t>http</a:t>
-            </a:r>
-            <a:r>
-              <a:rPr lang="zh-CN" altLang="en-US" sz="2000" dirty="0">
-                <a:latin typeface="微软雅黑" panose="020B0503020204020204" pitchFamily="34" charset="-122"/>
-                <a:ea typeface="微软雅黑" panose="020B0503020204020204" pitchFamily="34" charset="-122"/>
-              </a:rPr>
-              <a:t>请求获取数据，此时</a:t>
-            </a:r>
-            <a:r>
-              <a:rPr lang="en-US" altLang="zh-CN" sz="2000" dirty="0">
-                <a:latin typeface="微软雅黑" panose="020B0503020204020204" pitchFamily="34" charset="-122"/>
-                <a:ea typeface="微软雅黑" panose="020B0503020204020204" pitchFamily="34" charset="-122"/>
-              </a:rPr>
-              <a:t>CURL</a:t>
-            </a:r>
-            <a:r>
-              <a:rPr lang="zh-CN" altLang="en-US" sz="2000" dirty="0">
-                <a:latin typeface="微软雅黑" panose="020B0503020204020204" pitchFamily="34" charset="-122"/>
-                <a:ea typeface="微软雅黑" panose="020B0503020204020204" pitchFamily="34" charset="-122"/>
-              </a:rPr>
-              <a:t>就像是浏览器，提供了</a:t>
-            </a:r>
-            <a:r>
-              <a:rPr lang="en-US" altLang="zh-CN" sz="2000" dirty="0">
-                <a:latin typeface="微软雅黑" panose="020B0503020204020204" pitchFamily="34" charset="-122"/>
-                <a:ea typeface="微软雅黑" panose="020B0503020204020204" pitchFamily="34" charset="-122"/>
-              </a:rPr>
-              <a:t>http</a:t>
-            </a:r>
-            <a:r>
-              <a:rPr lang="zh-CN" altLang="en-US" sz="2000" dirty="0">
-                <a:latin typeface="微软雅黑" panose="020B0503020204020204" pitchFamily="34" charset="-122"/>
-                <a:ea typeface="微软雅黑" panose="020B0503020204020204" pitchFamily="34" charset="-122"/>
-              </a:rPr>
-              <a:t>请求的支持。</a:t>
-            </a:r>
-            <a:endParaRPr lang="en-US" altLang="zh-CN" sz="2000" dirty="0">
-              <a:latin typeface="微软雅黑" panose="020B0503020204020204" pitchFamily="34" charset="-122"/>
-              <a:ea typeface="微软雅黑" panose="020B0503020204020204" pitchFamily="34" charset="-122"/>
-            </a:endParaRPr>
+              <a:t>分享接口</a:t>
+            </a:r>
           </a:p>
         </p:txBody>
       </p:sp>
     </p:spTree>
     <p:extLst>
       <p:ext uri="{BB962C8B-B14F-4D97-AF65-F5344CB8AC3E}">
-        <p14:creationId xmlns:p14="http://schemas.microsoft.com/office/powerpoint/2010/main" val="3481064266"/>
+        <p14:creationId xmlns:p14="http://schemas.microsoft.com/office/powerpoint/2010/main" val="2902273865"/>
       </p:ext>
     </p:extLst>
   </p:cSld>
@@ -13531,8 +13203,8 @@
         </p:nvSpPr>
         <p:spPr>
           <a:xfrm>
-            <a:off x="1054100" y="543636"/>
-            <a:ext cx="5818188" cy="685800"/>
+            <a:off x="1054099" y="543636"/>
+            <a:ext cx="7032626" cy="685800"/>
           </a:xfrm>
         </p:spPr>
         <p:txBody>
@@ -13541,7 +13213,7 @@
           <a:p>
             <a:r>
               <a:rPr lang="zh-CN" altLang="en-US" b="0" dirty="0"/>
-              <a:t>绑定域名与引入文件</a:t>
+              <a:t>初始化配置</a:t>
             </a:r>
           </a:p>
         </p:txBody>
@@ -13549,7 +13221,7 @@
     </p:spTree>
     <p:extLst>
       <p:ext uri="{BB962C8B-B14F-4D97-AF65-F5344CB8AC3E}">
-        <p14:creationId xmlns:p14="http://schemas.microsoft.com/office/powerpoint/2010/main" val="2902273865"/>
+        <p14:creationId xmlns:p14="http://schemas.microsoft.com/office/powerpoint/2010/main" val="3020456092"/>
       </p:ext>
     </p:extLst>
   </p:cSld>
@@ -13586,19 +13258,14 @@
             <p:ph sz="quarter" idx="13"/>
           </p:nvPr>
         </p:nvSpPr>
-        <p:spPr>
-          <a:xfrm>
-            <a:off x="1054099" y="543636"/>
-            <a:ext cx="7032626" cy="685800"/>
-          </a:xfrm>
-        </p:spPr>
+        <p:spPr/>
         <p:txBody>
           <a:bodyPr/>
           <a:lstStyle/>
           <a:p>
             <a:r>
               <a:rPr lang="zh-CN" altLang="en-US" b="0" dirty="0"/>
-              <a:t>初始化配置</a:t>
+              <a:t>接口参数说明</a:t>
             </a:r>
           </a:p>
         </p:txBody>
@@ -13606,7 +13273,7 @@
     </p:spTree>
     <p:extLst>
       <p:ext uri="{BB962C8B-B14F-4D97-AF65-F5344CB8AC3E}">
-        <p14:creationId xmlns:p14="http://schemas.microsoft.com/office/powerpoint/2010/main" val="3020456092"/>
+        <p14:creationId xmlns:p14="http://schemas.microsoft.com/office/powerpoint/2010/main" val="1047478514"/>
       </p:ext>
     </p:extLst>
   </p:cSld>
@@ -13643,14 +13310,19 @@
             <p:ph sz="quarter" idx="13"/>
           </p:nvPr>
         </p:nvSpPr>
-        <p:spPr/>
+        <p:spPr>
+          <a:xfrm>
+            <a:off x="1054100" y="543636"/>
+            <a:ext cx="6961188" cy="685800"/>
+          </a:xfrm>
+        </p:spPr>
         <p:txBody>
           <a:bodyPr/>
           <a:lstStyle/>
           <a:p>
             <a:r>
               <a:rPr lang="zh-CN" altLang="en-US" b="0" dirty="0"/>
-              <a:t>接口参数说明</a:t>
+              <a:t>判断当前版本是否支持接口</a:t>
             </a:r>
           </a:p>
         </p:txBody>
@@ -13658,7 +13330,7 @@
     </p:spTree>
     <p:extLst>
       <p:ext uri="{BB962C8B-B14F-4D97-AF65-F5344CB8AC3E}">
-        <p14:creationId xmlns:p14="http://schemas.microsoft.com/office/powerpoint/2010/main" val="1047478514"/>
+        <p14:creationId xmlns:p14="http://schemas.microsoft.com/office/powerpoint/2010/main" val="3609406795"/>
       </p:ext>
     </p:extLst>
   </p:cSld>
@@ -13697,8 +13369,8 @@
         </p:nvSpPr>
         <p:spPr>
           <a:xfrm>
-            <a:off x="1054100" y="543636"/>
-            <a:ext cx="6961188" cy="685800"/>
+            <a:off x="1054099" y="543636"/>
+            <a:ext cx="5889625" cy="685800"/>
           </a:xfrm>
         </p:spPr>
         <p:txBody>
@@ -13707,7 +13379,7 @@
           <a:p>
             <a:r>
               <a:rPr lang="zh-CN" altLang="en-US" b="0" dirty="0"/>
-              <a:t>判断当前版本是否支持接口</a:t>
+              <a:t>获取地理位置</a:t>
             </a:r>
           </a:p>
         </p:txBody>
@@ -13715,7 +13387,7 @@
     </p:spTree>
     <p:extLst>
       <p:ext uri="{BB962C8B-B14F-4D97-AF65-F5344CB8AC3E}">
-        <p14:creationId xmlns:p14="http://schemas.microsoft.com/office/powerpoint/2010/main" val="3609406795"/>
+        <p14:creationId xmlns:p14="http://schemas.microsoft.com/office/powerpoint/2010/main" val="921697031"/>
       </p:ext>
     </p:extLst>
   </p:cSld>
@@ -13754,8 +13426,8 @@
         </p:nvSpPr>
         <p:spPr>
           <a:xfrm>
-            <a:off x="1054099" y="543636"/>
-            <a:ext cx="5889625" cy="685800"/>
+            <a:off x="1054100" y="543636"/>
+            <a:ext cx="6432550" cy="685800"/>
           </a:xfrm>
         </p:spPr>
         <p:txBody>
@@ -13764,7 +13436,7 @@
           <a:p>
             <a:r>
               <a:rPr lang="zh-CN" altLang="en-US" b="0" dirty="0"/>
-              <a:t>获取地理位置</a:t>
+              <a:t>分享接口</a:t>
             </a:r>
           </a:p>
         </p:txBody>
@@ -13772,7 +13444,7 @@
     </p:spTree>
     <p:extLst>
       <p:ext uri="{BB962C8B-B14F-4D97-AF65-F5344CB8AC3E}">
-        <p14:creationId xmlns:p14="http://schemas.microsoft.com/office/powerpoint/2010/main" val="921697031"/>
+        <p14:creationId xmlns:p14="http://schemas.microsoft.com/office/powerpoint/2010/main" val="3632675253"/>
       </p:ext>
     </p:extLst>
   </p:cSld>
@@ -13809,19 +13481,14 @@
             <p:ph sz="quarter" idx="13"/>
           </p:nvPr>
         </p:nvSpPr>
-        <p:spPr>
-          <a:xfrm>
-            <a:off x="1054100" y="543636"/>
-            <a:ext cx="6432550" cy="685800"/>
-          </a:xfrm>
-        </p:spPr>
+        <p:spPr/>
         <p:txBody>
           <a:bodyPr/>
           <a:lstStyle/>
           <a:p>
             <a:r>
               <a:rPr lang="zh-CN" altLang="en-US" b="0" dirty="0"/>
-              <a:t>分享接口</a:t>
+              <a:t>语音接口</a:t>
             </a:r>
           </a:p>
         </p:txBody>
@@ -13829,7 +13496,7 @@
     </p:spTree>
     <p:extLst>
       <p:ext uri="{BB962C8B-B14F-4D97-AF65-F5344CB8AC3E}">
-        <p14:creationId xmlns:p14="http://schemas.microsoft.com/office/powerpoint/2010/main" val="3632675253"/>
+        <p14:creationId xmlns:p14="http://schemas.microsoft.com/office/powerpoint/2010/main" val="2100823401"/>
       </p:ext>
     </p:extLst>
   </p:cSld>
@@ -13866,14 +13533,19 @@
             <p:ph sz="quarter" idx="13"/>
           </p:nvPr>
         </p:nvSpPr>
-        <p:spPr/>
+        <p:spPr>
+          <a:xfrm>
+            <a:off x="1054099" y="543636"/>
+            <a:ext cx="5846763" cy="685800"/>
+          </a:xfrm>
+        </p:spPr>
         <p:txBody>
           <a:bodyPr/>
           <a:lstStyle/>
           <a:p>
             <a:r>
               <a:rPr lang="zh-CN" altLang="en-US" b="0" dirty="0"/>
-              <a:t>语音接口</a:t>
+              <a:t>扫码接口</a:t>
             </a:r>
           </a:p>
         </p:txBody>
@@ -13881,7 +13553,7 @@
     </p:spTree>
     <p:extLst>
       <p:ext uri="{BB962C8B-B14F-4D97-AF65-F5344CB8AC3E}">
-        <p14:creationId xmlns:p14="http://schemas.microsoft.com/office/powerpoint/2010/main" val="2100823401"/>
+        <p14:creationId xmlns:p14="http://schemas.microsoft.com/office/powerpoint/2010/main" val="134963268"/>
       </p:ext>
     </p:extLst>
   </p:cSld>
@@ -14156,63 +13828,6 @@
         </p:nvSpPr>
         <p:spPr>
           <a:xfrm>
-            <a:off x="1054099" y="543636"/>
-            <a:ext cx="5846763" cy="685800"/>
-          </a:xfrm>
-        </p:spPr>
-        <p:txBody>
-          <a:bodyPr/>
-          <a:lstStyle/>
-          <a:p>
-            <a:r>
-              <a:rPr lang="zh-CN" altLang="en-US" b="0" dirty="0"/>
-              <a:t>扫码接口</a:t>
-            </a:r>
-          </a:p>
-        </p:txBody>
-      </p:sp>
-    </p:spTree>
-    <p:extLst>
-      <p:ext uri="{BB962C8B-B14F-4D97-AF65-F5344CB8AC3E}">
-        <p14:creationId xmlns:p14="http://schemas.microsoft.com/office/powerpoint/2010/main" val="134963268"/>
-      </p:ext>
-    </p:extLst>
-  </p:cSld>
-  <p:clrMapOvr>
-    <a:masterClrMapping/>
-  </p:clrMapOvr>
-</p:sld>
-</file>
-
-<file path=ppt/slides/slide21.xml><?xml version="1.0" encoding="utf-8"?>
-<p:sld xmlns:a="http://schemas.openxmlformats.org/drawingml/2006/main" xmlns:r="http://schemas.openxmlformats.org/officeDocument/2006/relationships" xmlns:p="http://schemas.openxmlformats.org/presentationml/2006/main">
-  <p:cSld>
-    <p:spTree>
-      <p:nvGrpSpPr>
-        <p:cNvPr id="1" name=""/>
-        <p:cNvGrpSpPr/>
-        <p:nvPr/>
-      </p:nvGrpSpPr>
-      <p:grpSpPr>
-        <a:xfrm>
-          <a:off x="0" y="0"/>
-          <a:ext cx="0" cy="0"/>
-          <a:chOff x="0" y="0"/>
-          <a:chExt cx="0" cy="0"/>
-        </a:xfrm>
-      </p:grpSpPr>
-      <p:sp>
-        <p:nvSpPr>
-          <p:cNvPr id="2" name="内容占位符 1"/>
-          <p:cNvSpPr>
-            <a:spLocks noGrp="1"/>
-          </p:cNvSpPr>
-          <p:nvPr>
-            <p:ph sz="quarter" idx="13"/>
-          </p:nvPr>
-        </p:nvSpPr>
-        <p:spPr>
-          <a:xfrm>
             <a:off x="1054100" y="543636"/>
             <a:ext cx="7304088" cy="685800"/>
           </a:xfrm>
@@ -14420,2571 +14035,7 @@
 </p:sld>
 </file>
 
-<file path=ppt/slides/slide22.xml><?xml version="1.0" encoding="utf-8"?>
-<p:sld xmlns:a="http://schemas.openxmlformats.org/drawingml/2006/main" xmlns:r="http://schemas.openxmlformats.org/officeDocument/2006/relationships" xmlns:p="http://schemas.openxmlformats.org/presentationml/2006/main">
-  <p:cSld>
-    <p:spTree>
-      <p:nvGrpSpPr>
-        <p:cNvPr id="1" name=""/>
-        <p:cNvGrpSpPr/>
-        <p:nvPr/>
-      </p:nvGrpSpPr>
-      <p:grpSpPr>
-        <a:xfrm>
-          <a:off x="0" y="0"/>
-          <a:ext cx="0" cy="0"/>
-          <a:chOff x="0" y="0"/>
-          <a:chExt cx="0" cy="0"/>
-        </a:xfrm>
-      </p:grpSpPr>
-      <p:sp>
-        <p:nvSpPr>
-          <p:cNvPr id="2" name="内容占位符 1"/>
-          <p:cNvSpPr>
-            <a:spLocks noGrp="1"/>
-          </p:cNvSpPr>
-          <p:nvPr>
-            <p:ph sz="quarter" idx="13"/>
-          </p:nvPr>
-        </p:nvSpPr>
-        <p:spPr/>
-        <p:txBody>
-          <a:bodyPr/>
-          <a:lstStyle/>
-          <a:p>
-            <a:r>
-              <a:rPr lang="en-US" altLang="zh-CN" dirty="0"/>
-              <a:t>IP</a:t>
-            </a:r>
-            <a:r>
-              <a:rPr lang="zh-CN" altLang="en-US" dirty="0"/>
-              <a:t>白名单</a:t>
-            </a:r>
-          </a:p>
-        </p:txBody>
-      </p:sp>
-      <p:sp>
-        <p:nvSpPr>
-          <p:cNvPr id="4" name="文本框 3"/>
-          <p:cNvSpPr txBox="1"/>
-          <p:nvPr/>
-        </p:nvSpPr>
-        <p:spPr>
-          <a:xfrm>
-            <a:off x="1054100" y="1857375"/>
-            <a:ext cx="9861550" cy="1938992"/>
-          </a:xfrm>
-          <a:prstGeom prst="rect">
-            <a:avLst/>
-          </a:prstGeom>
-          <a:noFill/>
-        </p:spPr>
-        <p:txBody>
-          <a:bodyPr wrap="square" rtlCol="0">
-            <a:spAutoFit/>
-          </a:bodyPr>
-          <a:lstStyle/>
-          <a:p>
-            <a:pPr marL="285750" indent="-285750">
-              <a:lnSpc>
-                <a:spcPct val="150000"/>
-              </a:lnSpc>
-              <a:buFont typeface="Arial" panose="020B0604020202020204" pitchFamily="34" charset="0"/>
-              <a:buChar char="•"/>
-            </a:pPr>
-            <a:r>
-              <a:rPr lang="zh-CN" altLang="en-US" sz="2000" dirty="0">
-                <a:latin typeface="微软雅黑" panose="020B0503020204020204" pitchFamily="34" charset="-122"/>
-                <a:ea typeface="微软雅黑" panose="020B0503020204020204" pitchFamily="34" charset="-122"/>
-              </a:rPr>
-              <a:t>调用接口以前需要先把开发者服务器的</a:t>
-            </a:r>
-            <a:r>
-              <a:rPr lang="en-US" altLang="zh-CN" sz="2000" dirty="0">
-                <a:latin typeface="微软雅黑" panose="020B0503020204020204" pitchFamily="34" charset="-122"/>
-                <a:ea typeface="微软雅黑" panose="020B0503020204020204" pitchFamily="34" charset="-122"/>
-              </a:rPr>
-              <a:t>IP</a:t>
-            </a:r>
-            <a:r>
-              <a:rPr lang="zh-CN" altLang="en-US" sz="2000" dirty="0">
-                <a:latin typeface="微软雅黑" panose="020B0503020204020204" pitchFamily="34" charset="-122"/>
-                <a:ea typeface="微软雅黑" panose="020B0503020204020204" pitchFamily="34" charset="-122"/>
-              </a:rPr>
-              <a:t>地址加入白名单列表</a:t>
-            </a:r>
-            <a:endParaRPr lang="en-US" altLang="zh-CN" sz="2000" dirty="0">
-              <a:latin typeface="微软雅黑" panose="020B0503020204020204" pitchFamily="34" charset="-122"/>
-              <a:ea typeface="微软雅黑" panose="020B0503020204020204" pitchFamily="34" charset="-122"/>
-            </a:endParaRPr>
-          </a:p>
-          <a:p>
-            <a:pPr marL="285750" indent="-285750">
-              <a:lnSpc>
-                <a:spcPct val="150000"/>
-              </a:lnSpc>
-              <a:buFont typeface="Arial" panose="020B0604020202020204" pitchFamily="34" charset="0"/>
-              <a:buChar char="•"/>
-            </a:pPr>
-            <a:r>
-              <a:rPr lang="zh-CN" altLang="en-US" sz="2000" dirty="0">
-                <a:latin typeface="微软雅黑" panose="020B0503020204020204" pitchFamily="34" charset="-122"/>
-                <a:ea typeface="微软雅黑" panose="020B0503020204020204" pitchFamily="34" charset="-122"/>
-              </a:rPr>
-              <a:t>如果在本地测试，则把本地所在公网</a:t>
-            </a:r>
-            <a:r>
-              <a:rPr lang="en-US" altLang="zh-CN" sz="2000" dirty="0">
-                <a:latin typeface="微软雅黑" panose="020B0503020204020204" pitchFamily="34" charset="-122"/>
-                <a:ea typeface="微软雅黑" panose="020B0503020204020204" pitchFamily="34" charset="-122"/>
-              </a:rPr>
-              <a:t>IP</a:t>
-            </a:r>
-            <a:r>
-              <a:rPr lang="zh-CN" altLang="en-US" sz="2000" dirty="0">
-                <a:latin typeface="微软雅黑" panose="020B0503020204020204" pitchFamily="34" charset="-122"/>
-                <a:ea typeface="微软雅黑" panose="020B0503020204020204" pitchFamily="34" charset="-122"/>
-              </a:rPr>
-              <a:t>也加入到白名单</a:t>
-            </a:r>
-            <a:endParaRPr lang="en-US" altLang="zh-CN" sz="2000" dirty="0">
-              <a:latin typeface="微软雅黑" panose="020B0503020204020204" pitchFamily="34" charset="-122"/>
-              <a:ea typeface="微软雅黑" panose="020B0503020204020204" pitchFamily="34" charset="-122"/>
-            </a:endParaRPr>
-          </a:p>
-          <a:p>
-            <a:pPr marL="285750" indent="-285750">
-              <a:lnSpc>
-                <a:spcPct val="150000"/>
-              </a:lnSpc>
-              <a:buFont typeface="Arial" panose="020B0604020202020204" pitchFamily="34" charset="0"/>
-              <a:buChar char="•"/>
-            </a:pPr>
-            <a:r>
-              <a:rPr lang="zh-CN" altLang="en-US" sz="2000" dirty="0">
-                <a:latin typeface="微软雅黑" panose="020B0503020204020204" pitchFamily="34" charset="-122"/>
-                <a:ea typeface="微软雅黑" panose="020B0503020204020204" pitchFamily="34" charset="-122"/>
-              </a:rPr>
-              <a:t>不加入白名单，调用接口会失败</a:t>
-            </a:r>
-            <a:endParaRPr lang="en-US" altLang="zh-CN" sz="2000" dirty="0">
-              <a:latin typeface="微软雅黑" panose="020B0503020204020204" pitchFamily="34" charset="-122"/>
-              <a:ea typeface="微软雅黑" panose="020B0503020204020204" pitchFamily="34" charset="-122"/>
-            </a:endParaRPr>
-          </a:p>
-          <a:p>
-            <a:pPr marL="285750" indent="-285750">
-              <a:lnSpc>
-                <a:spcPct val="150000"/>
-              </a:lnSpc>
-              <a:buFont typeface="Arial" panose="020B0604020202020204" pitchFamily="34" charset="0"/>
-              <a:buChar char="•"/>
-            </a:pPr>
-            <a:r>
-              <a:rPr lang="zh-CN" altLang="en-US" sz="2000" dirty="0">
-                <a:latin typeface="微软雅黑" panose="020B0503020204020204" pitchFamily="34" charset="-122"/>
-                <a:ea typeface="微软雅黑" panose="020B0503020204020204" pitchFamily="34" charset="-122"/>
-              </a:rPr>
-              <a:t>白名单机制是为了安全性考虑</a:t>
-            </a:r>
-            <a:endParaRPr lang="en-US" altLang="zh-CN" sz="2000" dirty="0">
-              <a:latin typeface="微软雅黑" panose="020B0503020204020204" pitchFamily="34" charset="-122"/>
-              <a:ea typeface="微软雅黑" panose="020B0503020204020204" pitchFamily="34" charset="-122"/>
-            </a:endParaRPr>
-          </a:p>
-        </p:txBody>
-      </p:sp>
-    </p:spTree>
-    <p:extLst>
-      <p:ext uri="{BB962C8B-B14F-4D97-AF65-F5344CB8AC3E}">
-        <p14:creationId xmlns:p14="http://schemas.microsoft.com/office/powerpoint/2010/main" val="1256594085"/>
-      </p:ext>
-    </p:extLst>
-  </p:cSld>
-  <p:clrMapOvr>
-    <a:masterClrMapping/>
-  </p:clrMapOvr>
-</p:sld>
-</file>
-
-<file path=ppt/slides/slide23.xml><?xml version="1.0" encoding="utf-8"?>
-<p:sld xmlns:a="http://schemas.openxmlformats.org/drawingml/2006/main" xmlns:r="http://schemas.openxmlformats.org/officeDocument/2006/relationships" xmlns:p="http://schemas.openxmlformats.org/presentationml/2006/main">
-  <p:cSld>
-    <p:spTree>
-      <p:nvGrpSpPr>
-        <p:cNvPr id="1" name=""/>
-        <p:cNvGrpSpPr/>
-        <p:nvPr/>
-      </p:nvGrpSpPr>
-      <p:grpSpPr>
-        <a:xfrm>
-          <a:off x="0" y="0"/>
-          <a:ext cx="0" cy="0"/>
-          <a:chOff x="0" y="0"/>
-          <a:chExt cx="0" cy="0"/>
-        </a:xfrm>
-      </p:grpSpPr>
-      <p:sp>
-        <p:nvSpPr>
-          <p:cNvPr id="2" name="内容占位符 1"/>
-          <p:cNvSpPr>
-            <a:spLocks noGrp="1"/>
-          </p:cNvSpPr>
-          <p:nvPr>
-            <p:ph sz="quarter" idx="13"/>
-          </p:nvPr>
-        </p:nvSpPr>
-        <p:spPr/>
-        <p:txBody>
-          <a:bodyPr/>
-          <a:lstStyle/>
-          <a:p>
-            <a:r>
-              <a:rPr lang="en-US" altLang="zh-CN" dirty="0" err="1"/>
-              <a:t>access_token</a:t>
-            </a:r>
-            <a:endParaRPr lang="zh-CN" altLang="en-US" dirty="0"/>
-          </a:p>
-        </p:txBody>
-      </p:sp>
-      <p:sp>
-        <p:nvSpPr>
-          <p:cNvPr id="4" name="文本框 3"/>
-          <p:cNvSpPr txBox="1"/>
-          <p:nvPr/>
-        </p:nvSpPr>
-        <p:spPr>
-          <a:xfrm>
-            <a:off x="1157288" y="1814513"/>
-            <a:ext cx="10372725" cy="2346283"/>
-          </a:xfrm>
-          <a:prstGeom prst="rect">
-            <a:avLst/>
-          </a:prstGeom>
-          <a:noFill/>
-        </p:spPr>
-        <p:txBody>
-          <a:bodyPr wrap="square" rtlCol="0">
-            <a:spAutoFit/>
-          </a:bodyPr>
-          <a:lstStyle/>
-          <a:p>
-            <a:pPr marL="285750" indent="-285750">
-              <a:lnSpc>
-                <a:spcPct val="150000"/>
-              </a:lnSpc>
-              <a:buFont typeface="Arial" panose="020B0604020202020204" pitchFamily="34" charset="0"/>
-              <a:buChar char="•"/>
-            </a:pPr>
-            <a:r>
-              <a:rPr lang="en-US" altLang="zh-CN" sz="2000" dirty="0">
-                <a:latin typeface="微软雅黑" panose="020B0503020204020204" pitchFamily="34" charset="-122"/>
-                <a:ea typeface="微软雅黑" panose="020B0503020204020204" pitchFamily="34" charset="-122"/>
-              </a:rPr>
-              <a:t>access_token</a:t>
-            </a:r>
-            <a:r>
-              <a:rPr lang="zh-CN" altLang="en-US" sz="2000" dirty="0">
-                <a:latin typeface="微软雅黑" panose="020B0503020204020204" pitchFamily="34" charset="-122"/>
-                <a:ea typeface="微软雅黑" panose="020B0503020204020204" pitchFamily="34" charset="-122"/>
-              </a:rPr>
-              <a:t>是公众号的全局唯一接口调用凭据，公众号调用各接口时都需使用</a:t>
-            </a:r>
-            <a:r>
-              <a:rPr lang="en-US" altLang="zh-CN" sz="2000" dirty="0">
-                <a:latin typeface="微软雅黑" panose="020B0503020204020204" pitchFamily="34" charset="-122"/>
-                <a:ea typeface="微软雅黑" panose="020B0503020204020204" pitchFamily="34" charset="-122"/>
-              </a:rPr>
-              <a:t>access_token</a:t>
-            </a:r>
-            <a:r>
-              <a:rPr lang="zh-CN" altLang="en-US" sz="2000" dirty="0">
-                <a:latin typeface="微软雅黑" panose="020B0503020204020204" pitchFamily="34" charset="-122"/>
-                <a:ea typeface="微软雅黑" panose="020B0503020204020204" pitchFamily="34" charset="-122"/>
-              </a:rPr>
-              <a:t>。</a:t>
-            </a:r>
-            <a:endParaRPr lang="en-US" altLang="zh-CN" sz="2000" dirty="0">
-              <a:latin typeface="微软雅黑" panose="020B0503020204020204" pitchFamily="34" charset="-122"/>
-              <a:ea typeface="微软雅黑" panose="020B0503020204020204" pitchFamily="34" charset="-122"/>
-            </a:endParaRPr>
-          </a:p>
-          <a:p>
-            <a:pPr marL="285750" indent="-285750">
-              <a:lnSpc>
-                <a:spcPct val="150000"/>
-              </a:lnSpc>
-              <a:buFont typeface="Arial" panose="020B0604020202020204" pitchFamily="34" charset="0"/>
-              <a:buChar char="•"/>
-            </a:pPr>
-            <a:r>
-              <a:rPr lang="en-US" altLang="zh-CN" sz="2000" dirty="0">
-                <a:latin typeface="微软雅黑" panose="020B0503020204020204" pitchFamily="34" charset="-122"/>
-                <a:ea typeface="微软雅黑" panose="020B0503020204020204" pitchFamily="34" charset="-122"/>
-              </a:rPr>
-              <a:t>access_token</a:t>
-            </a:r>
-            <a:r>
-              <a:rPr lang="zh-CN" altLang="en-US" sz="2000" dirty="0">
-                <a:latin typeface="微软雅黑" panose="020B0503020204020204" pitchFamily="34" charset="-122"/>
-                <a:ea typeface="微软雅黑" panose="020B0503020204020204" pitchFamily="34" charset="-122"/>
-              </a:rPr>
-              <a:t>的存储至少要保留</a:t>
-            </a:r>
-            <a:r>
-              <a:rPr lang="en-US" altLang="zh-CN" sz="2000" dirty="0">
-                <a:latin typeface="微软雅黑" panose="020B0503020204020204" pitchFamily="34" charset="-122"/>
-                <a:ea typeface="微软雅黑" panose="020B0503020204020204" pitchFamily="34" charset="-122"/>
-              </a:rPr>
-              <a:t>512</a:t>
-            </a:r>
-            <a:r>
-              <a:rPr lang="zh-CN" altLang="en-US" sz="2000" dirty="0">
-                <a:latin typeface="微软雅黑" panose="020B0503020204020204" pitchFamily="34" charset="-122"/>
-                <a:ea typeface="微软雅黑" panose="020B0503020204020204" pitchFamily="34" charset="-122"/>
-              </a:rPr>
-              <a:t>个字符空间。</a:t>
-            </a:r>
-            <a:endParaRPr lang="en-US" altLang="zh-CN" sz="2000" dirty="0">
-              <a:latin typeface="微软雅黑" panose="020B0503020204020204" pitchFamily="34" charset="-122"/>
-              <a:ea typeface="微软雅黑" panose="020B0503020204020204" pitchFamily="34" charset="-122"/>
-            </a:endParaRPr>
-          </a:p>
-          <a:p>
-            <a:pPr marL="285750" indent="-285750">
-              <a:lnSpc>
-                <a:spcPct val="150000"/>
-              </a:lnSpc>
-              <a:buFont typeface="Arial" panose="020B0604020202020204" pitchFamily="34" charset="0"/>
-              <a:buChar char="•"/>
-            </a:pPr>
-            <a:r>
-              <a:rPr lang="en-US" altLang="zh-CN" sz="2000" dirty="0">
-                <a:latin typeface="微软雅黑" panose="020B0503020204020204" pitchFamily="34" charset="-122"/>
-                <a:ea typeface="微软雅黑" panose="020B0503020204020204" pitchFamily="34" charset="-122"/>
-              </a:rPr>
-              <a:t>access_token</a:t>
-            </a:r>
-            <a:r>
-              <a:rPr lang="zh-CN" altLang="en-US" sz="2000" dirty="0">
-                <a:latin typeface="微软雅黑" panose="020B0503020204020204" pitchFamily="34" charset="-122"/>
-                <a:ea typeface="微软雅黑" panose="020B0503020204020204" pitchFamily="34" charset="-122"/>
-              </a:rPr>
-              <a:t>的有效期目前为</a:t>
-            </a:r>
-            <a:r>
-              <a:rPr lang="en-US" altLang="zh-CN" sz="2000" dirty="0">
-                <a:latin typeface="微软雅黑" panose="020B0503020204020204" pitchFamily="34" charset="-122"/>
-                <a:ea typeface="微软雅黑" panose="020B0503020204020204" pitchFamily="34" charset="-122"/>
-              </a:rPr>
-              <a:t>2</a:t>
-            </a:r>
-            <a:r>
-              <a:rPr lang="zh-CN" altLang="en-US" sz="2000" dirty="0">
-                <a:latin typeface="微软雅黑" panose="020B0503020204020204" pitchFamily="34" charset="-122"/>
-                <a:ea typeface="微软雅黑" panose="020B0503020204020204" pitchFamily="34" charset="-122"/>
-              </a:rPr>
-              <a:t>个小时，需定时刷新。</a:t>
-            </a:r>
-            <a:endParaRPr lang="en-US" altLang="zh-CN" sz="2000" dirty="0">
-              <a:latin typeface="微软雅黑" panose="020B0503020204020204" pitchFamily="34" charset="-122"/>
-              <a:ea typeface="微软雅黑" panose="020B0503020204020204" pitchFamily="34" charset="-122"/>
-            </a:endParaRPr>
-          </a:p>
-          <a:p>
-            <a:pPr marL="285750" indent="-285750">
-              <a:lnSpc>
-                <a:spcPct val="150000"/>
-              </a:lnSpc>
-              <a:buFont typeface="Arial" panose="020B0604020202020204" pitchFamily="34" charset="0"/>
-              <a:buChar char="•"/>
-            </a:pPr>
-            <a:r>
-              <a:rPr lang="zh-CN" altLang="en-US" sz="2000" dirty="0">
-                <a:latin typeface="微软雅黑" panose="020B0503020204020204" pitchFamily="34" charset="-122"/>
-                <a:ea typeface="微软雅黑" panose="020B0503020204020204" pitchFamily="34" charset="-122"/>
-              </a:rPr>
-              <a:t>重复获取将导致上次获取的</a:t>
-            </a:r>
-            <a:r>
-              <a:rPr lang="en-US" altLang="zh-CN" sz="2000" dirty="0">
-                <a:latin typeface="微软雅黑" panose="020B0503020204020204" pitchFamily="34" charset="-122"/>
-                <a:ea typeface="微软雅黑" panose="020B0503020204020204" pitchFamily="34" charset="-122"/>
-              </a:rPr>
-              <a:t>access_token</a:t>
-            </a:r>
-            <a:r>
-              <a:rPr lang="zh-CN" altLang="en-US" sz="2000" dirty="0">
-                <a:latin typeface="微软雅黑" panose="020B0503020204020204" pitchFamily="34" charset="-122"/>
-                <a:ea typeface="微软雅黑" panose="020B0503020204020204" pitchFamily="34" charset="-122"/>
-              </a:rPr>
-              <a:t>失效。</a:t>
-            </a:r>
-          </a:p>
-        </p:txBody>
-      </p:sp>
-    </p:spTree>
-    <p:extLst>
-      <p:ext uri="{BB962C8B-B14F-4D97-AF65-F5344CB8AC3E}">
-        <p14:creationId xmlns:p14="http://schemas.microsoft.com/office/powerpoint/2010/main" val="3923890876"/>
-      </p:ext>
-    </p:extLst>
-  </p:cSld>
-  <p:clrMapOvr>
-    <a:masterClrMapping/>
-  </p:clrMapOvr>
-</p:sld>
-</file>
-
-<file path=ppt/slides/slide24.xml><?xml version="1.0" encoding="utf-8"?>
-<p:sld xmlns:a="http://schemas.openxmlformats.org/drawingml/2006/main" xmlns:r="http://schemas.openxmlformats.org/officeDocument/2006/relationships" xmlns:p="http://schemas.openxmlformats.org/presentationml/2006/main">
-  <p:cSld>
-    <p:spTree>
-      <p:nvGrpSpPr>
-        <p:cNvPr id="1" name=""/>
-        <p:cNvGrpSpPr/>
-        <p:nvPr/>
-      </p:nvGrpSpPr>
-      <p:grpSpPr>
-        <a:xfrm>
-          <a:off x="0" y="0"/>
-          <a:ext cx="0" cy="0"/>
-          <a:chOff x="0" y="0"/>
-          <a:chExt cx="0" cy="0"/>
-        </a:xfrm>
-      </p:grpSpPr>
-      <p:sp>
-        <p:nvSpPr>
-          <p:cNvPr id="2" name="内容占位符 1"/>
-          <p:cNvSpPr>
-            <a:spLocks noGrp="1"/>
-          </p:cNvSpPr>
-          <p:nvPr>
-            <p:ph sz="quarter" idx="13"/>
-          </p:nvPr>
-        </p:nvSpPr>
-        <p:spPr>
-          <a:xfrm>
-            <a:off x="1054099" y="543636"/>
-            <a:ext cx="6003925" cy="685800"/>
-          </a:xfrm>
-        </p:spPr>
-        <p:txBody>
-          <a:bodyPr/>
-          <a:lstStyle/>
-          <a:p>
-            <a:r>
-              <a:rPr lang="zh-CN" altLang="en-US" dirty="0"/>
-              <a:t>调用微信接口的凭据</a:t>
-            </a:r>
-          </a:p>
-        </p:txBody>
-      </p:sp>
-      <p:sp>
-        <p:nvSpPr>
-          <p:cNvPr id="4" name="文本框 3"/>
-          <p:cNvSpPr txBox="1"/>
-          <p:nvPr/>
-        </p:nvSpPr>
-        <p:spPr>
-          <a:xfrm>
-            <a:off x="1054099" y="1685925"/>
-            <a:ext cx="10372725" cy="2862322"/>
-          </a:xfrm>
-          <a:prstGeom prst="rect">
-            <a:avLst/>
-          </a:prstGeom>
-          <a:noFill/>
-        </p:spPr>
-        <p:txBody>
-          <a:bodyPr wrap="square" rtlCol="0">
-            <a:spAutoFit/>
-          </a:bodyPr>
-          <a:lstStyle/>
-          <a:p>
-            <a:pPr marL="285750" indent="-285750">
-              <a:lnSpc>
-                <a:spcPct val="150000"/>
-              </a:lnSpc>
-              <a:buFont typeface="Arial" panose="020B0604020202020204" pitchFamily="34" charset="0"/>
-              <a:buChar char="•"/>
-            </a:pPr>
-            <a:r>
-              <a:rPr lang="zh-CN" altLang="en-US" sz="2000" dirty="0">
-                <a:latin typeface="微软雅黑" panose="020B0503020204020204" pitchFamily="34" charset="-122"/>
-                <a:ea typeface="微软雅黑" panose="020B0503020204020204" pitchFamily="34" charset="-122"/>
-              </a:rPr>
-              <a:t>开发者</a:t>
-            </a:r>
-            <a:r>
-              <a:rPr lang="en-US" altLang="zh-CN" sz="2000" dirty="0">
-                <a:latin typeface="微软雅黑" panose="020B0503020204020204" pitchFamily="34" charset="-122"/>
-                <a:ea typeface="微软雅黑" panose="020B0503020204020204" pitchFamily="34" charset="-122"/>
-              </a:rPr>
-              <a:t>ID</a:t>
-            </a:r>
-            <a:r>
-              <a:rPr lang="zh-CN" altLang="en-US" sz="2000" dirty="0">
-                <a:latin typeface="微软雅黑" panose="020B0503020204020204" pitchFamily="34" charset="-122"/>
-                <a:ea typeface="微软雅黑" panose="020B0503020204020204" pitchFamily="34" charset="-122"/>
-              </a:rPr>
-              <a:t>（</a:t>
-            </a:r>
-            <a:r>
-              <a:rPr lang="en-US" altLang="zh-CN" sz="2000" dirty="0">
-                <a:latin typeface="微软雅黑" panose="020B0503020204020204" pitchFamily="34" charset="-122"/>
-                <a:ea typeface="微软雅黑" panose="020B0503020204020204" pitchFamily="34" charset="-122"/>
-              </a:rPr>
-              <a:t>AppId</a:t>
-            </a:r>
-            <a:r>
-              <a:rPr lang="zh-CN" altLang="en-US" sz="2000" dirty="0">
-                <a:latin typeface="微软雅黑" panose="020B0503020204020204" pitchFamily="34" charset="-122"/>
-                <a:ea typeface="微软雅黑" panose="020B0503020204020204" pitchFamily="34" charset="-122"/>
-              </a:rPr>
-              <a:t>）：申请微信公众号产生的唯一</a:t>
-            </a:r>
-            <a:r>
-              <a:rPr lang="en-US" altLang="zh-CN" sz="2000" dirty="0">
-                <a:latin typeface="微软雅黑" panose="020B0503020204020204" pitchFamily="34" charset="-122"/>
-                <a:ea typeface="微软雅黑" panose="020B0503020204020204" pitchFamily="34" charset="-122"/>
-              </a:rPr>
-              <a:t>ID</a:t>
-            </a:r>
-            <a:r>
-              <a:rPr lang="zh-CN" altLang="en-US" sz="2000" dirty="0">
-                <a:latin typeface="微软雅黑" panose="020B0503020204020204" pitchFamily="34" charset="-122"/>
-                <a:ea typeface="微软雅黑" panose="020B0503020204020204" pitchFamily="34" charset="-122"/>
-              </a:rPr>
-              <a:t>标识</a:t>
-            </a:r>
-            <a:endParaRPr lang="en-US" altLang="zh-CN" sz="2000" dirty="0">
-              <a:latin typeface="微软雅黑" panose="020B0503020204020204" pitchFamily="34" charset="-122"/>
-              <a:ea typeface="微软雅黑" panose="020B0503020204020204" pitchFamily="34" charset="-122"/>
-            </a:endParaRPr>
-          </a:p>
-          <a:p>
-            <a:pPr marL="285750" indent="-285750">
-              <a:lnSpc>
-                <a:spcPct val="150000"/>
-              </a:lnSpc>
-              <a:buFont typeface="Arial" panose="020B0604020202020204" pitchFamily="34" charset="0"/>
-              <a:buChar char="•"/>
-            </a:pPr>
-            <a:r>
-              <a:rPr lang="zh-CN" altLang="en-US" sz="2000" dirty="0">
-                <a:latin typeface="微软雅黑" panose="020B0503020204020204" pitchFamily="34" charset="-122"/>
-                <a:ea typeface="微软雅黑" panose="020B0503020204020204" pitchFamily="34" charset="-122"/>
-              </a:rPr>
-              <a:t>开发者密码（</a:t>
-            </a:r>
-            <a:r>
-              <a:rPr lang="en-US" altLang="zh-CN" sz="2000" dirty="0">
-                <a:latin typeface="微软雅黑" panose="020B0503020204020204" pitchFamily="34" charset="-122"/>
-                <a:ea typeface="微软雅黑" panose="020B0503020204020204" pitchFamily="34" charset="-122"/>
-              </a:rPr>
-              <a:t>AppSecret</a:t>
-            </a:r>
-            <a:r>
-              <a:rPr lang="zh-CN" altLang="en-US" sz="2000" dirty="0">
-                <a:latin typeface="微软雅黑" panose="020B0503020204020204" pitchFamily="34" charset="-122"/>
-                <a:ea typeface="微软雅黑" panose="020B0503020204020204" pitchFamily="34" charset="-122"/>
-              </a:rPr>
-              <a:t>）：开发者密码是校验公众号开发者身份的密码</a:t>
-            </a:r>
-            <a:endParaRPr lang="en-US" altLang="zh-CN" sz="2000" dirty="0">
-              <a:latin typeface="微软雅黑" panose="020B0503020204020204" pitchFamily="34" charset="-122"/>
-              <a:ea typeface="微软雅黑" panose="020B0503020204020204" pitchFamily="34" charset="-122"/>
-            </a:endParaRPr>
-          </a:p>
-          <a:p>
-            <a:pPr marL="285750" indent="-285750">
-              <a:lnSpc>
-                <a:spcPct val="150000"/>
-              </a:lnSpc>
-              <a:buFont typeface="Arial" panose="020B0604020202020204" pitchFamily="34" charset="0"/>
-              <a:buChar char="•"/>
-            </a:pPr>
-            <a:r>
-              <a:rPr lang="en-US" altLang="zh-CN" sz="2000" dirty="0" err="1">
-                <a:latin typeface="微软雅黑" panose="020B0503020204020204" pitchFamily="34" charset="-122"/>
-                <a:ea typeface="微软雅黑" panose="020B0503020204020204" pitchFamily="34" charset="-122"/>
-              </a:rPr>
-              <a:t>access_token</a:t>
-            </a:r>
-            <a:r>
-              <a:rPr lang="zh-CN" altLang="en-US" sz="2000" dirty="0">
-                <a:latin typeface="微软雅黑" panose="020B0503020204020204" pitchFamily="34" charset="-122"/>
-                <a:ea typeface="微软雅黑" panose="020B0503020204020204" pitchFamily="34" charset="-122"/>
-              </a:rPr>
-              <a:t>：每次由获取</a:t>
-            </a:r>
-            <a:r>
-              <a:rPr lang="en-US" altLang="zh-CN" sz="2000" dirty="0" err="1">
-                <a:latin typeface="微软雅黑" panose="020B0503020204020204" pitchFamily="34" charset="-122"/>
-                <a:ea typeface="微软雅黑" panose="020B0503020204020204" pitchFamily="34" charset="-122"/>
-              </a:rPr>
-              <a:t>access_token</a:t>
-            </a:r>
-            <a:r>
-              <a:rPr lang="zh-CN" altLang="en-US" sz="2000" dirty="0">
-                <a:latin typeface="微软雅黑" panose="020B0503020204020204" pitchFamily="34" charset="-122"/>
-                <a:ea typeface="微软雅黑" panose="020B0503020204020204" pitchFamily="34" charset="-122"/>
-              </a:rPr>
-              <a:t>接口获取后保存并用于其他接口的调用</a:t>
-            </a:r>
-            <a:endParaRPr lang="en-US" altLang="zh-CN" sz="2000" dirty="0">
-              <a:latin typeface="微软雅黑" panose="020B0503020204020204" pitchFamily="34" charset="-122"/>
-              <a:ea typeface="微软雅黑" panose="020B0503020204020204" pitchFamily="34" charset="-122"/>
-            </a:endParaRPr>
-          </a:p>
-          <a:p>
-            <a:pPr marL="285750" indent="-285750">
-              <a:lnSpc>
-                <a:spcPct val="150000"/>
-              </a:lnSpc>
-              <a:buFont typeface="Arial" panose="020B0604020202020204" pitchFamily="34" charset="0"/>
-              <a:buChar char="•"/>
-            </a:pPr>
-            <a:r>
-              <a:rPr lang="zh-CN" altLang="en-US" sz="2000" dirty="0">
-                <a:latin typeface="微软雅黑" panose="020B0503020204020204" pitchFamily="34" charset="-122"/>
-                <a:ea typeface="微软雅黑" panose="020B0503020204020204" pitchFamily="34" charset="-122"/>
-              </a:rPr>
-              <a:t>除</a:t>
-            </a:r>
-            <a:r>
-              <a:rPr lang="en-US" altLang="zh-CN" sz="2000" dirty="0" err="1">
-                <a:latin typeface="微软雅黑" panose="020B0503020204020204" pitchFamily="34" charset="-122"/>
-                <a:ea typeface="微软雅黑" panose="020B0503020204020204" pitchFamily="34" charset="-122"/>
-              </a:rPr>
-              <a:t>access_token</a:t>
-            </a:r>
-            <a:r>
-              <a:rPr lang="zh-CN" altLang="en-US" sz="2000" dirty="0">
-                <a:latin typeface="微软雅黑" panose="020B0503020204020204" pitchFamily="34" charset="-122"/>
-                <a:ea typeface="微软雅黑" panose="020B0503020204020204" pitchFamily="34" charset="-122"/>
-              </a:rPr>
-              <a:t>接口以外，其他接口的调用流程：</a:t>
-            </a:r>
-            <a:endParaRPr lang="en-US" altLang="zh-CN" sz="2000" dirty="0">
-              <a:latin typeface="微软雅黑" panose="020B0503020204020204" pitchFamily="34" charset="-122"/>
-              <a:ea typeface="微软雅黑" panose="020B0503020204020204" pitchFamily="34" charset="-122"/>
-            </a:endParaRPr>
-          </a:p>
-          <a:p>
-            <a:pPr marL="914400" lvl="1" indent="-457200">
-              <a:lnSpc>
-                <a:spcPct val="150000"/>
-              </a:lnSpc>
-              <a:buFont typeface="+mj-lt"/>
-              <a:buAutoNum type="arabicPeriod"/>
-            </a:pPr>
-            <a:r>
-              <a:rPr lang="zh-CN" altLang="en-US" sz="2000" dirty="0">
-                <a:latin typeface="微软雅黑" panose="020B0503020204020204" pitchFamily="34" charset="-122"/>
-                <a:ea typeface="微软雅黑" panose="020B0503020204020204" pitchFamily="34" charset="-122"/>
-              </a:rPr>
-              <a:t>先使用</a:t>
-            </a:r>
-            <a:r>
-              <a:rPr lang="en-US" altLang="zh-CN" sz="2000" dirty="0">
-                <a:latin typeface="微软雅黑" panose="020B0503020204020204" pitchFamily="34" charset="-122"/>
-                <a:ea typeface="微软雅黑" panose="020B0503020204020204" pitchFamily="34" charset="-122"/>
-              </a:rPr>
-              <a:t>AppId</a:t>
-            </a:r>
-            <a:r>
-              <a:rPr lang="zh-CN" altLang="en-US" sz="2000" dirty="0">
-                <a:latin typeface="微软雅黑" panose="020B0503020204020204" pitchFamily="34" charset="-122"/>
-                <a:ea typeface="微软雅黑" panose="020B0503020204020204" pitchFamily="34" charset="-122"/>
-              </a:rPr>
-              <a:t>与</a:t>
-            </a:r>
-            <a:r>
-              <a:rPr lang="en-US" altLang="zh-CN" sz="2000" dirty="0">
-                <a:latin typeface="微软雅黑" panose="020B0503020204020204" pitchFamily="34" charset="-122"/>
-                <a:ea typeface="微软雅黑" panose="020B0503020204020204" pitchFamily="34" charset="-122"/>
-              </a:rPr>
-              <a:t>AppSecret</a:t>
-            </a:r>
-            <a:r>
-              <a:rPr lang="zh-CN" altLang="en-US" sz="2000" dirty="0">
-                <a:latin typeface="微软雅黑" panose="020B0503020204020204" pitchFamily="34" charset="-122"/>
-                <a:ea typeface="微软雅黑" panose="020B0503020204020204" pitchFamily="34" charset="-122"/>
-              </a:rPr>
-              <a:t>获取有效的</a:t>
-            </a:r>
-            <a:r>
-              <a:rPr lang="en-US" altLang="zh-CN" sz="2000" dirty="0" err="1">
-                <a:latin typeface="微软雅黑" panose="020B0503020204020204" pitchFamily="34" charset="-122"/>
-                <a:ea typeface="微软雅黑" panose="020B0503020204020204" pitchFamily="34" charset="-122"/>
-              </a:rPr>
-              <a:t>access_token</a:t>
-            </a:r>
-            <a:endParaRPr lang="en-US" altLang="zh-CN" sz="2000" dirty="0">
-              <a:latin typeface="微软雅黑" panose="020B0503020204020204" pitchFamily="34" charset="-122"/>
-              <a:ea typeface="微软雅黑" panose="020B0503020204020204" pitchFamily="34" charset="-122"/>
-            </a:endParaRPr>
-          </a:p>
-          <a:p>
-            <a:pPr marL="914400" lvl="1" indent="-457200">
-              <a:lnSpc>
-                <a:spcPct val="150000"/>
-              </a:lnSpc>
-              <a:buFont typeface="+mj-lt"/>
-              <a:buAutoNum type="arabicPeriod"/>
-            </a:pPr>
-            <a:r>
-              <a:rPr lang="zh-CN" altLang="en-US" sz="2000" dirty="0">
-                <a:latin typeface="微软雅黑" panose="020B0503020204020204" pitchFamily="34" charset="-122"/>
-                <a:ea typeface="微软雅黑" panose="020B0503020204020204" pitchFamily="34" charset="-122"/>
-              </a:rPr>
-              <a:t>之后要通过</a:t>
-            </a:r>
-            <a:r>
-              <a:rPr lang="en-US" altLang="zh-CN" sz="2000" dirty="0" err="1">
-                <a:latin typeface="微软雅黑" panose="020B0503020204020204" pitchFamily="34" charset="-122"/>
-                <a:ea typeface="微软雅黑" panose="020B0503020204020204" pitchFamily="34" charset="-122"/>
-              </a:rPr>
-              <a:t>access_token</a:t>
-            </a:r>
-            <a:r>
-              <a:rPr lang="zh-CN" altLang="en-US" sz="2000" dirty="0">
-                <a:latin typeface="微软雅黑" panose="020B0503020204020204" pitchFamily="34" charset="-122"/>
-                <a:ea typeface="微软雅黑" panose="020B0503020204020204" pitchFamily="34" charset="-122"/>
-              </a:rPr>
-              <a:t>与其他参数调用接口</a:t>
-            </a:r>
-          </a:p>
-        </p:txBody>
-      </p:sp>
-    </p:spTree>
-    <p:extLst>
-      <p:ext uri="{BB962C8B-B14F-4D97-AF65-F5344CB8AC3E}">
-        <p14:creationId xmlns:p14="http://schemas.microsoft.com/office/powerpoint/2010/main" val="3631587936"/>
-      </p:ext>
-    </p:extLst>
-  </p:cSld>
-  <p:clrMapOvr>
-    <a:masterClrMapping/>
-  </p:clrMapOvr>
-</p:sld>
-</file>
-
-<file path=ppt/slides/slide25.xml><?xml version="1.0" encoding="utf-8"?>
-<p:sld xmlns:a="http://schemas.openxmlformats.org/drawingml/2006/main" xmlns:r="http://schemas.openxmlformats.org/officeDocument/2006/relationships" xmlns:p="http://schemas.openxmlformats.org/presentationml/2006/main">
-  <p:cSld>
-    <p:spTree>
-      <p:nvGrpSpPr>
-        <p:cNvPr id="1" name=""/>
-        <p:cNvGrpSpPr/>
-        <p:nvPr/>
-      </p:nvGrpSpPr>
-      <p:grpSpPr>
-        <a:xfrm>
-          <a:off x="0" y="0"/>
-          <a:ext cx="0" cy="0"/>
-          <a:chOff x="0" y="0"/>
-          <a:chExt cx="0" cy="0"/>
-        </a:xfrm>
-      </p:grpSpPr>
-      <p:sp>
-        <p:nvSpPr>
-          <p:cNvPr id="2" name="内容占位符 1"/>
-          <p:cNvSpPr>
-            <a:spLocks noGrp="1"/>
-          </p:cNvSpPr>
-          <p:nvPr>
-            <p:ph sz="quarter" idx="13"/>
-          </p:nvPr>
-        </p:nvSpPr>
-        <p:spPr>
-          <a:xfrm>
-            <a:off x="1054100" y="543636"/>
-            <a:ext cx="6546850" cy="685800"/>
-          </a:xfrm>
-        </p:spPr>
-        <p:txBody>
-          <a:bodyPr/>
-          <a:lstStyle/>
-          <a:p>
-            <a:r>
-              <a:rPr lang="zh-CN" altLang="en-US" dirty="0"/>
-              <a:t>获取</a:t>
-            </a:r>
-            <a:r>
-              <a:rPr lang="en-US" altLang="zh-CN" dirty="0" err="1"/>
-              <a:t>access_token</a:t>
-            </a:r>
-            <a:endParaRPr lang="zh-CN" altLang="en-US" dirty="0"/>
-          </a:p>
-        </p:txBody>
-      </p:sp>
-      <p:sp>
-        <p:nvSpPr>
-          <p:cNvPr id="4" name="文本框 3"/>
-          <p:cNvSpPr txBox="1"/>
-          <p:nvPr/>
-        </p:nvSpPr>
-        <p:spPr>
-          <a:xfrm>
-            <a:off x="1157288" y="1757363"/>
-            <a:ext cx="10515600" cy="4555093"/>
-          </a:xfrm>
-          <a:prstGeom prst="rect">
-            <a:avLst/>
-          </a:prstGeom>
-          <a:noFill/>
-        </p:spPr>
-        <p:txBody>
-          <a:bodyPr wrap="square" rtlCol="0">
-            <a:spAutoFit/>
-          </a:bodyPr>
-          <a:lstStyle/>
-          <a:p>
-            <a:pPr marL="285750" indent="-285750">
-              <a:lnSpc>
-                <a:spcPct val="150000"/>
-              </a:lnSpc>
-              <a:buFont typeface="Arial" panose="020B0604020202020204" pitchFamily="34" charset="0"/>
-              <a:buChar char="•"/>
-            </a:pPr>
-            <a:r>
-              <a:rPr lang="zh-CN" altLang="en-US" sz="2000" dirty="0">
-                <a:latin typeface="微软雅黑" panose="020B0503020204020204" pitchFamily="34" charset="-122"/>
-                <a:ea typeface="微软雅黑" panose="020B0503020204020204" pitchFamily="34" charset="-122"/>
-              </a:rPr>
-              <a:t>调用微信接口，获取</a:t>
-            </a:r>
-            <a:r>
-              <a:rPr lang="en-US" altLang="zh-CN" sz="2000" dirty="0" err="1">
-                <a:latin typeface="微软雅黑" panose="020B0503020204020204" pitchFamily="34" charset="-122"/>
-                <a:ea typeface="微软雅黑" panose="020B0503020204020204" pitchFamily="34" charset="-122"/>
-              </a:rPr>
-              <a:t>access_token</a:t>
-            </a:r>
-            <a:endParaRPr lang="en-US" altLang="zh-CN" sz="2000" dirty="0">
-              <a:latin typeface="微软雅黑" panose="020B0503020204020204" pitchFamily="34" charset="-122"/>
-              <a:ea typeface="微软雅黑" panose="020B0503020204020204" pitchFamily="34" charset="-122"/>
-            </a:endParaRPr>
-          </a:p>
-          <a:p>
-            <a:pPr lvl="1">
-              <a:lnSpc>
-                <a:spcPts val="2400"/>
-              </a:lnSpc>
-            </a:pPr>
-            <a:r>
-              <a:rPr lang="en-US" altLang="zh-CN" sz="2000" dirty="0"/>
-              <a:t>$</a:t>
-            </a:r>
-            <a:r>
-              <a:rPr lang="en-US" altLang="zh-CN" sz="2000" dirty="0" err="1"/>
-              <a:t>appid</a:t>
-            </a:r>
-            <a:r>
-              <a:rPr lang="en-US" altLang="zh-CN" sz="2000" dirty="0"/>
-              <a:t>=‘wx02935b5sj83ca898’;//</a:t>
-            </a:r>
-            <a:r>
-              <a:rPr lang="zh-CN" altLang="en-US" sz="2000" dirty="0"/>
-              <a:t>公众号</a:t>
-            </a:r>
-            <a:r>
-              <a:rPr lang="en-US" altLang="zh-CN" sz="2000" dirty="0" err="1"/>
-              <a:t>AppID</a:t>
-            </a:r>
-            <a:endParaRPr lang="en-US" altLang="zh-CN" sz="2000" dirty="0"/>
-          </a:p>
-          <a:p>
-            <a:pPr lvl="1">
-              <a:lnSpc>
-                <a:spcPts val="2400"/>
-              </a:lnSpc>
-            </a:pPr>
-            <a:r>
-              <a:rPr lang="en-US" altLang="zh-CN" sz="2000" dirty="0"/>
-              <a:t>$secret=‘xa7060168afdd5410293c8as0e6b07f1’;//</a:t>
-            </a:r>
-            <a:r>
-              <a:rPr lang="zh-CN" altLang="en-US" sz="2000" dirty="0"/>
-              <a:t>公众号 </a:t>
-            </a:r>
-            <a:r>
-              <a:rPr lang="en-US" altLang="zh-CN" sz="2000" dirty="0"/>
-              <a:t>AppSecret</a:t>
-            </a:r>
-          </a:p>
-          <a:p>
-            <a:pPr lvl="1">
-              <a:lnSpc>
-                <a:spcPts val="2400"/>
-              </a:lnSpc>
-            </a:pPr>
-            <a:r>
-              <a:rPr lang="en-US" altLang="zh-CN" sz="2000" dirty="0"/>
-              <a:t>$</a:t>
-            </a:r>
-            <a:r>
-              <a:rPr lang="en-US" altLang="zh-CN" sz="2000" dirty="0" err="1"/>
-              <a:t>url</a:t>
-            </a:r>
-            <a:r>
-              <a:rPr lang="en-US" altLang="zh-CN" sz="2000" dirty="0"/>
-              <a:t> = 'https://api.weixin.qq.com/</a:t>
-            </a:r>
-            <a:r>
-              <a:rPr lang="en-US" altLang="zh-CN" sz="2000" dirty="0" err="1"/>
-              <a:t>cgi</a:t>
-            </a:r>
-            <a:r>
-              <a:rPr lang="en-US" altLang="zh-CN" sz="2000" dirty="0"/>
-              <a:t>-bin/</a:t>
-            </a:r>
-            <a:r>
-              <a:rPr lang="en-US" altLang="zh-CN" sz="2000" dirty="0" err="1"/>
-              <a:t>token?grant_type</a:t>
-            </a:r>
-            <a:r>
-              <a:rPr lang="en-US" altLang="zh-CN" sz="2000" dirty="0"/>
-              <a:t>=</a:t>
-            </a:r>
-            <a:r>
-              <a:rPr lang="en-US" altLang="zh-CN" sz="2000" dirty="0" err="1"/>
-              <a:t>client_credential&amp;appid</a:t>
-            </a:r>
-            <a:r>
-              <a:rPr lang="en-US" altLang="zh-CN" sz="2000" dirty="0"/>
-              <a:t>='.</a:t>
-            </a:r>
-          </a:p>
-          <a:p>
-            <a:pPr lvl="1">
-              <a:lnSpc>
-                <a:spcPts val="2400"/>
-              </a:lnSpc>
-            </a:pPr>
-            <a:r>
-              <a:rPr lang="en-US" altLang="zh-CN" sz="2000" dirty="0"/>
-              <a:t>$</a:t>
-            </a:r>
-            <a:r>
-              <a:rPr lang="en-US" altLang="zh-CN" sz="2000" dirty="0" err="1"/>
-              <a:t>appid</a:t>
-            </a:r>
-            <a:r>
-              <a:rPr lang="en-US" altLang="zh-CN" sz="2000" dirty="0"/>
-              <a:t>.'&amp;secret='.$secret;</a:t>
-            </a:r>
-          </a:p>
-          <a:p>
-            <a:pPr lvl="1">
-              <a:lnSpc>
-                <a:spcPts val="2400"/>
-              </a:lnSpc>
-            </a:pPr>
-            <a:r>
-              <a:rPr lang="en-US" altLang="zh-CN" sz="2000" dirty="0"/>
-              <a:t>$c = </a:t>
-            </a:r>
-            <a:r>
-              <a:rPr lang="en-US" altLang="zh-CN" sz="2000" dirty="0" err="1"/>
-              <a:t>curl_init</a:t>
-            </a:r>
-            <a:r>
-              <a:rPr lang="en-US" altLang="zh-CN" sz="2000" dirty="0"/>
-              <a:t>($</a:t>
-            </a:r>
-            <a:r>
-              <a:rPr lang="en-US" altLang="zh-CN" sz="2000" dirty="0" err="1"/>
-              <a:t>url</a:t>
-            </a:r>
-            <a:r>
-              <a:rPr lang="en-US" altLang="zh-CN" sz="2000" dirty="0"/>
-              <a:t>);</a:t>
-            </a:r>
-          </a:p>
-          <a:p>
-            <a:pPr lvl="1">
-              <a:lnSpc>
-                <a:spcPts val="2400"/>
-              </a:lnSpc>
-            </a:pPr>
-            <a:r>
-              <a:rPr lang="en-US" altLang="zh-CN" sz="2000" dirty="0"/>
-              <a:t>if(!$c){</a:t>
-            </a:r>
-          </a:p>
-          <a:p>
-            <a:pPr lvl="1">
-              <a:lnSpc>
-                <a:spcPts val="2400"/>
-              </a:lnSpc>
-            </a:pPr>
-            <a:r>
-              <a:rPr lang="en-US" altLang="zh-CN" sz="2000" dirty="0"/>
-              <a:t>    exit("failed to open </a:t>
-            </a:r>
-            <a:r>
-              <a:rPr lang="en-US" altLang="zh-CN" sz="2000" dirty="0" err="1"/>
-              <a:t>url</a:t>
-            </a:r>
-            <a:r>
-              <a:rPr lang="en-US" altLang="zh-CN" sz="2000" dirty="0"/>
-              <a:t>");</a:t>
-            </a:r>
-          </a:p>
-          <a:p>
-            <a:pPr lvl="1">
-              <a:lnSpc>
-                <a:spcPts val="2400"/>
-              </a:lnSpc>
-            </a:pPr>
-            <a:r>
-              <a:rPr lang="en-US" altLang="zh-CN" sz="2000" dirty="0"/>
-              <a:t>}</a:t>
-            </a:r>
-          </a:p>
-          <a:p>
-            <a:pPr lvl="1">
-              <a:lnSpc>
-                <a:spcPts val="2400"/>
-              </a:lnSpc>
-            </a:pPr>
-            <a:r>
-              <a:rPr lang="en-US" altLang="zh-CN" sz="2000" dirty="0" err="1"/>
-              <a:t>curl_setopt</a:t>
-            </a:r>
-            <a:r>
-              <a:rPr lang="en-US" altLang="zh-CN" sz="2000" dirty="0"/>
-              <a:t>($</a:t>
-            </a:r>
-            <a:r>
-              <a:rPr lang="en-US" altLang="zh-CN" sz="2000" dirty="0" err="1"/>
-              <a:t>c,CURLOPT_RETURNTRANSFER,true</a:t>
-            </a:r>
-            <a:r>
-              <a:rPr lang="en-US" altLang="zh-CN" sz="2000" dirty="0"/>
-              <a:t>);</a:t>
-            </a:r>
-          </a:p>
-          <a:p>
-            <a:pPr lvl="1">
-              <a:lnSpc>
-                <a:spcPts val="2400"/>
-              </a:lnSpc>
-            </a:pPr>
-            <a:r>
-              <a:rPr lang="en-US" altLang="zh-CN" sz="2000" dirty="0" err="1"/>
-              <a:t>curl_setopt</a:t>
-            </a:r>
-            <a:r>
-              <a:rPr lang="en-US" altLang="zh-CN" sz="2000" dirty="0"/>
-              <a:t>($</a:t>
-            </a:r>
-            <a:r>
-              <a:rPr lang="en-US" altLang="zh-CN" sz="2000" dirty="0" err="1"/>
-              <a:t>c,CURLOPT_SSL_VERIFYPEER,false</a:t>
-            </a:r>
-            <a:r>
-              <a:rPr lang="en-US" altLang="zh-CN" sz="2000" dirty="0"/>
-              <a:t>);</a:t>
-            </a:r>
-          </a:p>
-          <a:p>
-            <a:pPr lvl="1">
-              <a:lnSpc>
-                <a:spcPts val="2400"/>
-              </a:lnSpc>
-            </a:pPr>
-            <a:r>
-              <a:rPr lang="en-US" altLang="zh-CN" sz="2000" dirty="0"/>
-              <a:t>$ret = </a:t>
-            </a:r>
-            <a:r>
-              <a:rPr lang="en-US" altLang="zh-CN" sz="2000" dirty="0" err="1"/>
-              <a:t>curl_exec</a:t>
-            </a:r>
-            <a:r>
-              <a:rPr lang="en-US" altLang="zh-CN" sz="2000" dirty="0"/>
-              <a:t>($c);</a:t>
-            </a:r>
-          </a:p>
-          <a:p>
-            <a:pPr lvl="1">
-              <a:lnSpc>
-                <a:spcPts val="2400"/>
-              </a:lnSpc>
-            </a:pPr>
-            <a:r>
-              <a:rPr lang="en-US" altLang="zh-CN" sz="2000" dirty="0" err="1"/>
-              <a:t>curl_close</a:t>
-            </a:r>
-            <a:r>
-              <a:rPr lang="en-US" altLang="zh-CN" sz="2000" dirty="0"/>
-              <a:t>($c);</a:t>
-            </a:r>
-          </a:p>
-          <a:p>
-            <a:pPr lvl="1">
-              <a:lnSpc>
-                <a:spcPts val="2400"/>
-              </a:lnSpc>
-            </a:pPr>
-            <a:r>
-              <a:rPr lang="en-US" altLang="zh-CN" sz="2000" dirty="0"/>
-              <a:t>echo $ret;</a:t>
-            </a:r>
-          </a:p>
-        </p:txBody>
-      </p:sp>
-    </p:spTree>
-    <p:extLst>
-      <p:ext uri="{BB962C8B-B14F-4D97-AF65-F5344CB8AC3E}">
-        <p14:creationId xmlns:p14="http://schemas.microsoft.com/office/powerpoint/2010/main" val="3188514249"/>
-      </p:ext>
-    </p:extLst>
-  </p:cSld>
-  <p:clrMapOvr>
-    <a:masterClrMapping/>
-  </p:clrMapOvr>
-</p:sld>
-</file>
-
-<file path=ppt/slides/slide26.xml><?xml version="1.0" encoding="utf-8"?>
-<p:sld xmlns:a="http://schemas.openxmlformats.org/drawingml/2006/main" xmlns:r="http://schemas.openxmlformats.org/officeDocument/2006/relationships" xmlns:p="http://schemas.openxmlformats.org/presentationml/2006/main">
-  <p:cSld>
-    <p:spTree>
-      <p:nvGrpSpPr>
-        <p:cNvPr id="1" name=""/>
-        <p:cNvGrpSpPr/>
-        <p:nvPr/>
-      </p:nvGrpSpPr>
-      <p:grpSpPr>
-        <a:xfrm>
-          <a:off x="0" y="0"/>
-          <a:ext cx="0" cy="0"/>
-          <a:chOff x="0" y="0"/>
-          <a:chExt cx="0" cy="0"/>
-        </a:xfrm>
-      </p:grpSpPr>
-      <p:sp>
-        <p:nvSpPr>
-          <p:cNvPr id="3" name="内容占位符 2"/>
-          <p:cNvSpPr>
-            <a:spLocks noGrp="1"/>
-          </p:cNvSpPr>
-          <p:nvPr>
-            <p:ph sz="quarter" idx="15"/>
-          </p:nvPr>
-        </p:nvSpPr>
-        <p:spPr/>
-        <p:txBody>
-          <a:bodyPr/>
-          <a:lstStyle/>
-          <a:p>
-            <a:r>
-              <a:rPr lang="zh-CN" altLang="en-US" dirty="0"/>
-              <a:t>实现自定义菜单</a:t>
-            </a:r>
-          </a:p>
-        </p:txBody>
-      </p:sp>
-      <p:sp>
-        <p:nvSpPr>
-          <p:cNvPr id="6" name="文本框 5"/>
-          <p:cNvSpPr txBox="1"/>
-          <p:nvPr/>
-        </p:nvSpPr>
-        <p:spPr>
-          <a:xfrm>
-            <a:off x="917622" y="1603874"/>
-            <a:ext cx="10498455" cy="2862322"/>
-          </a:xfrm>
-          <a:prstGeom prst="rect">
-            <a:avLst/>
-          </a:prstGeom>
-          <a:noFill/>
-        </p:spPr>
-        <p:txBody>
-          <a:bodyPr wrap="square" rtlCol="0">
-            <a:spAutoFit/>
-          </a:bodyPr>
-          <a:lstStyle/>
-          <a:p>
-            <a:pPr marL="342900" indent="-342900">
-              <a:lnSpc>
-                <a:spcPct val="150000"/>
-              </a:lnSpc>
-              <a:buFont typeface="Arial" panose="020B0604020202020204" pitchFamily="34" charset="0"/>
-              <a:buChar char="•"/>
-            </a:pPr>
-            <a:r>
-              <a:rPr lang="zh-CN" altLang="en-US" sz="2000" dirty="0">
-                <a:latin typeface="微软雅黑" panose="020B0503020204020204" pitchFamily="34" charset="-122"/>
-                <a:ea typeface="微软雅黑" panose="020B0503020204020204" pitchFamily="34" charset="-122"/>
-              </a:rPr>
-              <a:t>在以上代码基础上实现自定义菜单功能：</a:t>
-            </a:r>
-            <a:r>
-              <a:rPr lang="en-US" altLang="zh-CN" sz="2000" dirty="0">
-                <a:latin typeface="微软雅黑" panose="020B0503020204020204" pitchFamily="34" charset="-122"/>
-                <a:ea typeface="微软雅黑" panose="020B0503020204020204" pitchFamily="34" charset="-122"/>
-              </a:rPr>
-              <a:t> </a:t>
-            </a:r>
-            <a:r>
-              <a:rPr lang="en-US" altLang="zh-CN" sz="2000" dirty="0">
-                <a:latin typeface="微软雅黑" panose="020B0503020204020204" pitchFamily="34" charset="-122"/>
-                <a:ea typeface="微软雅黑" panose="020B0503020204020204" pitchFamily="34" charset="-122"/>
-                <a:hlinkClick r:id="rId2"/>
-              </a:rPr>
-              <a:t>https://api.weixin.qq.com/cgi-bin/menu/create?access_token=ACCESS_TOKEN</a:t>
-            </a:r>
-            <a:r>
-              <a:rPr lang="zh-CN" altLang="en-US" sz="2000" dirty="0">
-                <a:latin typeface="微软雅黑" panose="020B0503020204020204" pitchFamily="34" charset="-122"/>
-                <a:ea typeface="微软雅黑" panose="020B0503020204020204" pitchFamily="34" charset="-122"/>
-              </a:rPr>
-              <a:t>是创建自定义菜单的接口，把之前获取到的</a:t>
-            </a:r>
-            <a:r>
-              <a:rPr lang="en-US" altLang="zh-CN" sz="2000" dirty="0" err="1">
-                <a:latin typeface="微软雅黑" panose="020B0503020204020204" pitchFamily="34" charset="-122"/>
-                <a:ea typeface="微软雅黑" panose="020B0503020204020204" pitchFamily="34" charset="-122"/>
-              </a:rPr>
-              <a:t>access_token</a:t>
-            </a:r>
-            <a:r>
-              <a:rPr lang="zh-CN" altLang="en-US" sz="2000" dirty="0">
-                <a:latin typeface="微软雅黑" panose="020B0503020204020204" pitchFamily="34" charset="-122"/>
-                <a:ea typeface="微软雅黑" panose="020B0503020204020204" pitchFamily="34" charset="-122"/>
-              </a:rPr>
-              <a:t>作为</a:t>
-            </a:r>
-            <a:r>
-              <a:rPr lang="en-US" altLang="zh-CN" sz="2000" dirty="0">
-                <a:latin typeface="微软雅黑" panose="020B0503020204020204" pitchFamily="34" charset="-122"/>
-                <a:ea typeface="微软雅黑" panose="020B0503020204020204" pitchFamily="34" charset="-122"/>
-              </a:rPr>
-              <a:t>get</a:t>
-            </a:r>
-            <a:r>
-              <a:rPr lang="zh-CN" altLang="en-US" sz="2000" dirty="0">
-                <a:latin typeface="微软雅黑" panose="020B0503020204020204" pitchFamily="34" charset="-122"/>
-                <a:ea typeface="微软雅黑" panose="020B0503020204020204" pitchFamily="34" charset="-122"/>
-              </a:rPr>
-              <a:t>参数，</a:t>
-            </a:r>
-            <a:r>
-              <a:rPr lang="en-US" altLang="zh-CN" sz="2000" dirty="0">
-                <a:latin typeface="微软雅黑" panose="020B0503020204020204" pitchFamily="34" charset="-122"/>
-                <a:ea typeface="微软雅黑" panose="020B0503020204020204" pitchFamily="34" charset="-122"/>
-              </a:rPr>
-              <a:t>JSON</a:t>
-            </a:r>
-            <a:r>
-              <a:rPr lang="zh-CN" altLang="en-US" sz="2000" dirty="0">
-                <a:latin typeface="微软雅黑" panose="020B0503020204020204" pitchFamily="34" charset="-122"/>
-                <a:ea typeface="微软雅黑" panose="020B0503020204020204" pitchFamily="34" charset="-122"/>
-              </a:rPr>
-              <a:t>格式的文本数据使用</a:t>
-            </a:r>
-            <a:r>
-              <a:rPr lang="en-US" altLang="zh-CN" sz="2000" dirty="0">
-                <a:latin typeface="微软雅黑" panose="020B0503020204020204" pitchFamily="34" charset="-122"/>
-                <a:ea typeface="微软雅黑" panose="020B0503020204020204" pitchFamily="34" charset="-122"/>
-              </a:rPr>
-              <a:t>POST</a:t>
-            </a:r>
-            <a:r>
-              <a:rPr lang="zh-CN" altLang="en-US" sz="2000" dirty="0">
-                <a:latin typeface="微软雅黑" panose="020B0503020204020204" pitchFamily="34" charset="-122"/>
-                <a:ea typeface="微软雅黑" panose="020B0503020204020204" pitchFamily="34" charset="-122"/>
-              </a:rPr>
-              <a:t>传递。</a:t>
-            </a:r>
-            <a:endParaRPr lang="en-US" altLang="zh-CN" sz="2000" dirty="0">
-              <a:latin typeface="微软雅黑" panose="020B0503020204020204" pitchFamily="34" charset="-122"/>
-              <a:ea typeface="微软雅黑" panose="020B0503020204020204" pitchFamily="34" charset="-122"/>
-            </a:endParaRPr>
-          </a:p>
-          <a:p>
-            <a:pPr marL="342900" indent="-342900">
-              <a:lnSpc>
-                <a:spcPct val="150000"/>
-              </a:lnSpc>
-              <a:buFont typeface="Arial" panose="020B0604020202020204" pitchFamily="34" charset="0"/>
-              <a:buChar char="•"/>
-            </a:pPr>
-            <a:r>
-              <a:rPr lang="zh-CN" altLang="en-US" sz="2000" dirty="0">
-                <a:latin typeface="微软雅黑" panose="020B0503020204020204" pitchFamily="34" charset="-122"/>
-                <a:ea typeface="微软雅黑" panose="020B0503020204020204" pitchFamily="34" charset="-122"/>
-              </a:rPr>
-              <a:t>返回值为</a:t>
-            </a:r>
-            <a:r>
-              <a:rPr lang="en-US" altLang="zh-CN" sz="2000" dirty="0">
-                <a:latin typeface="微软雅黑" panose="020B0503020204020204" pitchFamily="34" charset="-122"/>
-                <a:ea typeface="微软雅黑" panose="020B0503020204020204" pitchFamily="34" charset="-122"/>
-              </a:rPr>
-              <a:t>JSON</a:t>
-            </a:r>
-            <a:r>
-              <a:rPr lang="zh-CN" altLang="en-US" sz="2000" dirty="0">
-                <a:latin typeface="微软雅黑" panose="020B0503020204020204" pitchFamily="34" charset="-122"/>
-                <a:ea typeface="微软雅黑" panose="020B0503020204020204" pitchFamily="34" charset="-122"/>
-              </a:rPr>
-              <a:t>格式的文本数据：</a:t>
-            </a:r>
-            <a:endParaRPr lang="en-US" altLang="zh-CN" sz="2000" dirty="0">
-              <a:latin typeface="微软雅黑" panose="020B0503020204020204" pitchFamily="34" charset="-122"/>
-              <a:ea typeface="微软雅黑" panose="020B0503020204020204" pitchFamily="34" charset="-122"/>
-            </a:endParaRPr>
-          </a:p>
-          <a:p>
-            <a:pPr lvl="1">
-              <a:lnSpc>
-                <a:spcPct val="150000"/>
-              </a:lnSpc>
-            </a:pPr>
-            <a:r>
-              <a:rPr lang="zh-CN" altLang="en-US" sz="2000" dirty="0">
-                <a:latin typeface="微软雅黑" panose="020B0503020204020204" pitchFamily="34" charset="-122"/>
-                <a:ea typeface="微软雅黑" panose="020B0503020204020204" pitchFamily="34" charset="-122"/>
-              </a:rPr>
-              <a:t>正确返回数据格式：</a:t>
-            </a:r>
-            <a:r>
-              <a:rPr lang="en-US" altLang="zh-CN" sz="2000" dirty="0">
-                <a:latin typeface="微软雅黑" panose="020B0503020204020204" pitchFamily="34" charset="-122"/>
-                <a:ea typeface="微软雅黑" panose="020B0503020204020204" pitchFamily="34" charset="-122"/>
-              </a:rPr>
-              <a:t>{"errcode":0,"errmsg":"ok"}</a:t>
-            </a:r>
-          </a:p>
-          <a:p>
-            <a:pPr lvl="1">
-              <a:lnSpc>
-                <a:spcPct val="150000"/>
-              </a:lnSpc>
-            </a:pPr>
-            <a:r>
-              <a:rPr lang="zh-CN" altLang="en-US" sz="2000" dirty="0">
-                <a:latin typeface="微软雅黑" panose="020B0503020204020204" pitchFamily="34" charset="-122"/>
-                <a:ea typeface="微软雅黑" panose="020B0503020204020204" pitchFamily="34" charset="-122"/>
-              </a:rPr>
-              <a:t>错误返回数据格式：</a:t>
-            </a:r>
-            <a:r>
-              <a:rPr lang="en-US" altLang="zh-CN" sz="2000" dirty="0">
-                <a:latin typeface="微软雅黑" panose="020B0503020204020204" pitchFamily="34" charset="-122"/>
-                <a:ea typeface="微软雅黑" panose="020B0503020204020204" pitchFamily="34" charset="-122"/>
-              </a:rPr>
-              <a:t>{"errcode":40018,"errmsg":"invalid button name size"}</a:t>
-            </a:r>
-            <a:endParaRPr lang="zh-CN" altLang="en-US" sz="2000" dirty="0">
-              <a:latin typeface="微软雅黑" panose="020B0503020204020204" pitchFamily="34" charset="-122"/>
-              <a:ea typeface="微软雅黑" panose="020B0503020204020204" pitchFamily="34" charset="-122"/>
-            </a:endParaRPr>
-          </a:p>
-        </p:txBody>
-      </p:sp>
-    </p:spTree>
-    <p:extLst>
-      <p:ext uri="{BB962C8B-B14F-4D97-AF65-F5344CB8AC3E}">
-        <p14:creationId xmlns:p14="http://schemas.microsoft.com/office/powerpoint/2010/main" val="2026224558"/>
-      </p:ext>
-    </p:extLst>
-  </p:cSld>
-  <p:clrMapOvr>
-    <a:masterClrMapping/>
-  </p:clrMapOvr>
-</p:sld>
-</file>
-
-<file path=ppt/slides/slide27.xml><?xml version="1.0" encoding="utf-8"?>
-<p:sld xmlns:a="http://schemas.openxmlformats.org/drawingml/2006/main" xmlns:r="http://schemas.openxmlformats.org/officeDocument/2006/relationships" xmlns:p="http://schemas.openxmlformats.org/presentationml/2006/main">
-  <p:cSld>
-    <p:spTree>
-      <p:nvGrpSpPr>
-        <p:cNvPr id="1" name=""/>
-        <p:cNvGrpSpPr/>
-        <p:nvPr/>
-      </p:nvGrpSpPr>
-      <p:grpSpPr>
-        <a:xfrm>
-          <a:off x="0" y="0"/>
-          <a:ext cx="0" cy="0"/>
-          <a:chOff x="0" y="0"/>
-          <a:chExt cx="0" cy="0"/>
-        </a:xfrm>
-      </p:grpSpPr>
-      <p:sp>
-        <p:nvSpPr>
-          <p:cNvPr id="2" name="内容占位符 1"/>
-          <p:cNvSpPr>
-            <a:spLocks noGrp="1"/>
-          </p:cNvSpPr>
-          <p:nvPr>
-            <p:ph sz="quarter" idx="13"/>
-          </p:nvPr>
-        </p:nvSpPr>
-        <p:spPr>
-          <a:xfrm>
-            <a:off x="1054100" y="543636"/>
-            <a:ext cx="6546850" cy="685800"/>
-          </a:xfrm>
-        </p:spPr>
-        <p:txBody>
-          <a:bodyPr/>
-          <a:lstStyle/>
-          <a:p>
-            <a:r>
-              <a:rPr lang="en-US" altLang="zh-CN" dirty="0"/>
-              <a:t>JSON</a:t>
-            </a:r>
-            <a:r>
-              <a:rPr lang="zh-CN" altLang="en-US" dirty="0"/>
-              <a:t>格式的字符串</a:t>
-            </a:r>
-          </a:p>
-        </p:txBody>
-      </p:sp>
-      <p:sp>
-        <p:nvSpPr>
-          <p:cNvPr id="4" name="文本框 3"/>
-          <p:cNvSpPr txBox="1"/>
-          <p:nvPr/>
-        </p:nvSpPr>
-        <p:spPr>
-          <a:xfrm>
-            <a:off x="2425700" y="1831300"/>
-            <a:ext cx="4960938" cy="4401205"/>
-          </a:xfrm>
-          <a:prstGeom prst="rect">
-            <a:avLst/>
-          </a:prstGeom>
-          <a:noFill/>
-        </p:spPr>
-        <p:txBody>
-          <a:bodyPr wrap="square" rtlCol="0">
-            <a:spAutoFit/>
-          </a:bodyPr>
-          <a:lstStyle/>
-          <a:p>
-            <a:r>
-              <a:rPr lang="en-US" altLang="zh-CN" sz="2000" dirty="0">
-                <a:latin typeface="微软雅黑" panose="020B0503020204020204" pitchFamily="34" charset="-122"/>
-                <a:ea typeface="微软雅黑" panose="020B0503020204020204" pitchFamily="34" charset="-122"/>
-              </a:rPr>
-              <a:t>'{</a:t>
-            </a:r>
-          </a:p>
-          <a:p>
-            <a:r>
-              <a:rPr lang="en-US" altLang="zh-CN" sz="2000" dirty="0">
-                <a:latin typeface="微软雅黑" panose="020B0503020204020204" pitchFamily="34" charset="-122"/>
-                <a:ea typeface="微软雅黑" panose="020B0503020204020204" pitchFamily="34" charset="-122"/>
-              </a:rPr>
-              <a:t>  "button":[</a:t>
-            </a:r>
-          </a:p>
-          <a:p>
-            <a:r>
-              <a:rPr lang="en-US" altLang="zh-CN" sz="2000" dirty="0">
-                <a:latin typeface="微软雅黑" panose="020B0503020204020204" pitchFamily="34" charset="-122"/>
-                <a:ea typeface="微软雅黑" panose="020B0503020204020204" pitchFamily="34" charset="-122"/>
-              </a:rPr>
-              <a:t>     {</a:t>
-            </a:r>
-          </a:p>
-          <a:p>
-            <a:r>
-              <a:rPr lang="en-US" altLang="zh-CN" sz="2000" dirty="0">
-                <a:latin typeface="微软雅黑" panose="020B0503020204020204" pitchFamily="34" charset="-122"/>
-                <a:ea typeface="微软雅黑" panose="020B0503020204020204" pitchFamily="34" charset="-122"/>
-              </a:rPr>
-              <a:t>         "name":"</a:t>
-            </a:r>
-            <a:r>
-              <a:rPr lang="zh-CN" altLang="en-US" sz="2000" dirty="0">
-                <a:latin typeface="微软雅黑" panose="020B0503020204020204" pitchFamily="34" charset="-122"/>
-                <a:ea typeface="微软雅黑" panose="020B0503020204020204" pitchFamily="34" charset="-122"/>
-              </a:rPr>
-              <a:t>搜索</a:t>
-            </a:r>
-            <a:r>
-              <a:rPr lang="en-US" altLang="zh-CN" sz="2000" dirty="0">
-                <a:latin typeface="微软雅黑" panose="020B0503020204020204" pitchFamily="34" charset="-122"/>
-                <a:ea typeface="微软雅黑" panose="020B0503020204020204" pitchFamily="34" charset="-122"/>
-              </a:rPr>
-              <a:t>",</a:t>
-            </a:r>
-          </a:p>
-          <a:p>
-            <a:r>
-              <a:rPr lang="en-US" altLang="zh-CN" sz="2000" dirty="0">
-                <a:latin typeface="微软雅黑" panose="020B0503020204020204" pitchFamily="34" charset="-122"/>
-                <a:ea typeface="微软雅黑" panose="020B0503020204020204" pitchFamily="34" charset="-122"/>
-              </a:rPr>
-              <a:t>         "</a:t>
-            </a:r>
-            <a:r>
-              <a:rPr lang="en-US" altLang="zh-CN" sz="2000" dirty="0" err="1">
-                <a:latin typeface="微软雅黑" panose="020B0503020204020204" pitchFamily="34" charset="-122"/>
-                <a:ea typeface="微软雅黑" panose="020B0503020204020204" pitchFamily="34" charset="-122"/>
-              </a:rPr>
-              <a:t>sub_button</a:t>
-            </a:r>
-            <a:r>
-              <a:rPr lang="en-US" altLang="zh-CN" sz="2000" dirty="0">
-                <a:latin typeface="微软雅黑" panose="020B0503020204020204" pitchFamily="34" charset="-122"/>
-                <a:ea typeface="微软雅黑" panose="020B0503020204020204" pitchFamily="34" charset="-122"/>
-              </a:rPr>
-              <a:t>":[</a:t>
-            </a:r>
-          </a:p>
-          <a:p>
-            <a:r>
-              <a:rPr lang="en-US" altLang="zh-CN" sz="2000" dirty="0">
-                <a:latin typeface="微软雅黑" panose="020B0503020204020204" pitchFamily="34" charset="-122"/>
-                <a:ea typeface="微软雅黑" panose="020B0503020204020204" pitchFamily="34" charset="-122"/>
-              </a:rPr>
-              <a:t>             {</a:t>
-            </a:r>
-          </a:p>
-          <a:p>
-            <a:r>
-              <a:rPr lang="en-US" altLang="zh-CN" sz="2000" dirty="0">
-                <a:latin typeface="微软雅黑" panose="020B0503020204020204" pitchFamily="34" charset="-122"/>
-                <a:ea typeface="微软雅黑" panose="020B0503020204020204" pitchFamily="34" charset="-122"/>
-              </a:rPr>
-              <a:t>                "</a:t>
-            </a:r>
-            <a:r>
-              <a:rPr lang="en-US" altLang="zh-CN" sz="2000" dirty="0" err="1">
-                <a:latin typeface="微软雅黑" panose="020B0503020204020204" pitchFamily="34" charset="-122"/>
-                <a:ea typeface="微软雅黑" panose="020B0503020204020204" pitchFamily="34" charset="-122"/>
-              </a:rPr>
-              <a:t>type":"view</a:t>
-            </a:r>
-            <a:r>
-              <a:rPr lang="en-US" altLang="zh-CN" sz="2000" dirty="0">
-                <a:latin typeface="微软雅黑" panose="020B0503020204020204" pitchFamily="34" charset="-122"/>
-                <a:ea typeface="微软雅黑" panose="020B0503020204020204" pitchFamily="34" charset="-122"/>
-              </a:rPr>
-              <a:t>",</a:t>
-            </a:r>
-          </a:p>
-          <a:p>
-            <a:r>
-              <a:rPr lang="en-US" altLang="zh-CN" sz="2000" dirty="0">
-                <a:latin typeface="微软雅黑" panose="020B0503020204020204" pitchFamily="34" charset="-122"/>
-                <a:ea typeface="微软雅黑" panose="020B0503020204020204" pitchFamily="34" charset="-122"/>
-              </a:rPr>
-              <a:t>                "</a:t>
-            </a:r>
-            <a:r>
-              <a:rPr lang="en-US" altLang="zh-CN" sz="2000" dirty="0" err="1">
-                <a:latin typeface="微软雅黑" panose="020B0503020204020204" pitchFamily="34" charset="-122"/>
-                <a:ea typeface="微软雅黑" panose="020B0503020204020204" pitchFamily="34" charset="-122"/>
-              </a:rPr>
-              <a:t>name":"Bing</a:t>
-            </a:r>
-            <a:r>
-              <a:rPr lang="en-US" altLang="zh-CN" sz="2000" dirty="0">
-                <a:latin typeface="微软雅黑" panose="020B0503020204020204" pitchFamily="34" charset="-122"/>
-                <a:ea typeface="微软雅黑" panose="020B0503020204020204" pitchFamily="34" charset="-122"/>
-              </a:rPr>
-              <a:t>",</a:t>
-            </a:r>
-          </a:p>
-          <a:p>
-            <a:r>
-              <a:rPr lang="en-US" altLang="zh-CN" sz="2000" dirty="0">
-                <a:latin typeface="微软雅黑" panose="020B0503020204020204" pitchFamily="34" charset="-122"/>
-                <a:ea typeface="微软雅黑" panose="020B0503020204020204" pitchFamily="34" charset="-122"/>
-              </a:rPr>
-              <a:t>                "</a:t>
-            </a:r>
-            <a:r>
-              <a:rPr lang="en-US" altLang="zh-CN" sz="2000" dirty="0" err="1">
-                <a:latin typeface="微软雅黑" panose="020B0503020204020204" pitchFamily="34" charset="-122"/>
-                <a:ea typeface="微软雅黑" panose="020B0503020204020204" pitchFamily="34" charset="-122"/>
-              </a:rPr>
-              <a:t>url</a:t>
-            </a:r>
-            <a:r>
-              <a:rPr lang="en-US" altLang="zh-CN" sz="2000" dirty="0">
-                <a:latin typeface="微软雅黑" panose="020B0503020204020204" pitchFamily="34" charset="-122"/>
-                <a:ea typeface="微软雅黑" panose="020B0503020204020204" pitchFamily="34" charset="-122"/>
-              </a:rPr>
-              <a:t>":"http://cn.bing.com/"</a:t>
-            </a:r>
-          </a:p>
-          <a:p>
-            <a:r>
-              <a:rPr lang="en-US" altLang="zh-CN" sz="2000" dirty="0">
-                <a:latin typeface="微软雅黑" panose="020B0503020204020204" pitchFamily="34" charset="-122"/>
-                <a:ea typeface="微软雅黑" panose="020B0503020204020204" pitchFamily="34" charset="-122"/>
-              </a:rPr>
-              <a:t>             }</a:t>
-            </a:r>
-          </a:p>
-          <a:p>
-            <a:r>
-              <a:rPr lang="en-US" altLang="zh-CN" sz="2000" dirty="0">
-                <a:latin typeface="微软雅黑" panose="020B0503020204020204" pitchFamily="34" charset="-122"/>
-                <a:ea typeface="微软雅黑" panose="020B0503020204020204" pitchFamily="34" charset="-122"/>
-              </a:rPr>
-              <a:t>         ]</a:t>
-            </a:r>
-          </a:p>
-          <a:p>
-            <a:r>
-              <a:rPr lang="en-US" altLang="zh-CN" sz="2000" dirty="0">
-                <a:latin typeface="微软雅黑" panose="020B0503020204020204" pitchFamily="34" charset="-122"/>
-                <a:ea typeface="微软雅黑" panose="020B0503020204020204" pitchFamily="34" charset="-122"/>
-              </a:rPr>
-              <a:t>     },</a:t>
-            </a:r>
-          </a:p>
-          <a:p>
-            <a:r>
-              <a:rPr lang="en-US" altLang="zh-CN" sz="2000" dirty="0">
-                <a:latin typeface="微软雅黑" panose="020B0503020204020204" pitchFamily="34" charset="-122"/>
-                <a:ea typeface="微软雅黑" panose="020B0503020204020204" pitchFamily="34" charset="-122"/>
-              </a:rPr>
-              <a:t>  ]</a:t>
-            </a:r>
-          </a:p>
-          <a:p>
-            <a:r>
-              <a:rPr lang="en-US" altLang="zh-CN" sz="2000" dirty="0">
-                <a:latin typeface="微软雅黑" panose="020B0503020204020204" pitchFamily="34" charset="-122"/>
-                <a:ea typeface="微软雅黑" panose="020B0503020204020204" pitchFamily="34" charset="-122"/>
-              </a:rPr>
-              <a:t>}';</a:t>
-            </a:r>
-            <a:endParaRPr lang="zh-CN" altLang="en-US" sz="2000" dirty="0">
-              <a:latin typeface="微软雅黑" panose="020B0503020204020204" pitchFamily="34" charset="-122"/>
-              <a:ea typeface="微软雅黑" panose="020B0503020204020204" pitchFamily="34" charset="-122"/>
-            </a:endParaRPr>
-          </a:p>
-        </p:txBody>
-      </p:sp>
-    </p:spTree>
-    <p:extLst>
-      <p:ext uri="{BB962C8B-B14F-4D97-AF65-F5344CB8AC3E}">
-        <p14:creationId xmlns:p14="http://schemas.microsoft.com/office/powerpoint/2010/main" val="2456805677"/>
-      </p:ext>
-    </p:extLst>
-  </p:cSld>
-  <p:clrMapOvr>
-    <a:masterClrMapping/>
-  </p:clrMapOvr>
-</p:sld>
-</file>
-
-<file path=ppt/slides/slide28.xml><?xml version="1.0" encoding="utf-8"?>
-<p:sld xmlns:a="http://schemas.openxmlformats.org/drawingml/2006/main" xmlns:r="http://schemas.openxmlformats.org/officeDocument/2006/relationships" xmlns:p="http://schemas.openxmlformats.org/presentationml/2006/main">
-  <p:cSld>
-    <p:spTree>
-      <p:nvGrpSpPr>
-        <p:cNvPr id="1" name=""/>
-        <p:cNvGrpSpPr/>
-        <p:nvPr/>
-      </p:nvGrpSpPr>
-      <p:grpSpPr>
-        <a:xfrm>
-          <a:off x="0" y="0"/>
-          <a:ext cx="0" cy="0"/>
-          <a:chOff x="0" y="0"/>
-          <a:chExt cx="0" cy="0"/>
-        </a:xfrm>
-      </p:grpSpPr>
-      <p:sp>
-        <p:nvSpPr>
-          <p:cNvPr id="2" name="内容占位符 1"/>
-          <p:cNvSpPr>
-            <a:spLocks noGrp="1"/>
-          </p:cNvSpPr>
-          <p:nvPr>
-            <p:ph sz="quarter" idx="13"/>
-          </p:nvPr>
-        </p:nvSpPr>
-        <p:spPr>
-          <a:xfrm>
-            <a:off x="1054099" y="543636"/>
-            <a:ext cx="7432676" cy="685800"/>
-          </a:xfrm>
-        </p:spPr>
-        <p:txBody>
-          <a:bodyPr/>
-          <a:lstStyle/>
-          <a:p>
-            <a:r>
-              <a:rPr lang="en-US" altLang="zh-CN" dirty="0"/>
-              <a:t>CURL</a:t>
-            </a:r>
-            <a:r>
-              <a:rPr lang="zh-CN" altLang="en-US" dirty="0"/>
-              <a:t>调用创建菜单接口</a:t>
-            </a:r>
-          </a:p>
-        </p:txBody>
-      </p:sp>
-      <p:sp>
-        <p:nvSpPr>
-          <p:cNvPr id="4" name="文本框 3"/>
-          <p:cNvSpPr txBox="1"/>
-          <p:nvPr/>
-        </p:nvSpPr>
-        <p:spPr>
-          <a:xfrm>
-            <a:off x="1054099" y="1657350"/>
-            <a:ext cx="9661525" cy="4708981"/>
-          </a:xfrm>
-          <a:prstGeom prst="rect">
-            <a:avLst/>
-          </a:prstGeom>
-          <a:noFill/>
-        </p:spPr>
-        <p:txBody>
-          <a:bodyPr wrap="square" rtlCol="0">
-            <a:spAutoFit/>
-          </a:bodyPr>
-          <a:lstStyle/>
-          <a:p>
-            <a:r>
-              <a:rPr lang="en-US" altLang="zh-CN" sz="2000" dirty="0"/>
-              <a:t>$</a:t>
-            </a:r>
-            <a:r>
-              <a:rPr lang="en-US" altLang="zh-CN" sz="2000" dirty="0" err="1"/>
-              <a:t>wx_menu_create_api</a:t>
-            </a:r>
-            <a:r>
-              <a:rPr lang="en-US" altLang="zh-CN" sz="2000" dirty="0"/>
-              <a:t>='https://api.weixin.qq.com/</a:t>
-            </a:r>
-            <a:r>
-              <a:rPr lang="en-US" altLang="zh-CN" sz="2000" dirty="0" err="1"/>
-              <a:t>cgi</a:t>
-            </a:r>
-            <a:r>
-              <a:rPr lang="en-US" altLang="zh-CN" sz="2000" dirty="0"/>
-              <a:t>-bin/menu/</a:t>
-            </a:r>
-            <a:r>
-              <a:rPr lang="en-US" altLang="zh-CN" sz="2000" dirty="0" err="1"/>
-              <a:t>create?access_token</a:t>
-            </a:r>
-            <a:r>
-              <a:rPr lang="en-US" altLang="zh-CN" sz="2000" dirty="0"/>
-              <a:t>=';</a:t>
-            </a:r>
-          </a:p>
-          <a:p>
-            <a:r>
-              <a:rPr lang="en-US" altLang="zh-CN" sz="2000" dirty="0"/>
-              <a:t>$</a:t>
-            </a:r>
-            <a:r>
-              <a:rPr lang="en-US" altLang="zh-CN" sz="2000" dirty="0" err="1"/>
-              <a:t>wx_menu_create_api</a:t>
-            </a:r>
-            <a:r>
-              <a:rPr lang="en-US" altLang="zh-CN" sz="2000" dirty="0"/>
-              <a:t> .= $token['</a:t>
-            </a:r>
-            <a:r>
-              <a:rPr lang="en-US" altLang="zh-CN" sz="2000" dirty="0" err="1"/>
-              <a:t>access_token</a:t>
-            </a:r>
-            <a:r>
-              <a:rPr lang="en-US" altLang="zh-CN" sz="2000" dirty="0"/>
-              <a:t>'];</a:t>
-            </a:r>
-          </a:p>
-          <a:p>
-            <a:endParaRPr lang="en-US" altLang="zh-CN" sz="2000" dirty="0"/>
-          </a:p>
-          <a:p>
-            <a:r>
-              <a:rPr lang="en-US" altLang="zh-CN" sz="2000" dirty="0"/>
-              <a:t>$</a:t>
-            </a:r>
-            <a:r>
-              <a:rPr lang="en-US" altLang="zh-CN" sz="2000" dirty="0" err="1"/>
-              <a:t>mch</a:t>
-            </a:r>
-            <a:r>
-              <a:rPr lang="en-US" altLang="zh-CN" sz="2000" dirty="0"/>
-              <a:t> = </a:t>
-            </a:r>
-            <a:r>
-              <a:rPr lang="en-US" altLang="zh-CN" sz="2000" dirty="0" err="1"/>
-              <a:t>curl_init</a:t>
-            </a:r>
-            <a:r>
-              <a:rPr lang="en-US" altLang="zh-CN" sz="2000" dirty="0"/>
-              <a:t>($</a:t>
-            </a:r>
-            <a:r>
-              <a:rPr lang="en-US" altLang="zh-CN" sz="2000" dirty="0" err="1"/>
-              <a:t>wx_menu_create_api</a:t>
-            </a:r>
-            <a:r>
-              <a:rPr lang="en-US" altLang="zh-CN" sz="2000" dirty="0"/>
-              <a:t>);</a:t>
-            </a:r>
-          </a:p>
-          <a:p>
-            <a:r>
-              <a:rPr lang="en-US" altLang="zh-CN" sz="2000" dirty="0"/>
-              <a:t>if(!$</a:t>
-            </a:r>
-            <a:r>
-              <a:rPr lang="en-US" altLang="zh-CN" sz="2000" dirty="0" err="1"/>
-              <a:t>mch</a:t>
-            </a:r>
-            <a:r>
-              <a:rPr lang="en-US" altLang="zh-CN" sz="2000" dirty="0"/>
-              <a:t>){</a:t>
-            </a:r>
-          </a:p>
-          <a:p>
-            <a:r>
-              <a:rPr lang="en-US" altLang="zh-CN" sz="2000" dirty="0"/>
-              <a:t>  exit("failed to open </a:t>
-            </a:r>
-            <a:r>
-              <a:rPr lang="en-US" altLang="zh-CN" sz="2000" dirty="0" err="1"/>
-              <a:t>url</a:t>
-            </a:r>
-            <a:r>
-              <a:rPr lang="en-US" altLang="zh-CN" sz="2000" dirty="0"/>
-              <a:t>");</a:t>
-            </a:r>
-          </a:p>
-          <a:p>
-            <a:r>
-              <a:rPr lang="en-US" altLang="zh-CN" sz="2000" dirty="0"/>
-              <a:t>}</a:t>
-            </a:r>
-          </a:p>
-          <a:p>
-            <a:r>
-              <a:rPr lang="en-US" altLang="zh-CN" sz="2000" dirty="0" err="1"/>
-              <a:t>curl_setopt</a:t>
-            </a:r>
-            <a:r>
-              <a:rPr lang="en-US" altLang="zh-CN" sz="2000" dirty="0"/>
-              <a:t>($</a:t>
-            </a:r>
-            <a:r>
-              <a:rPr lang="en-US" altLang="zh-CN" sz="2000" dirty="0" err="1"/>
-              <a:t>mch,CURLOPT_RETURNTRANSFER,true</a:t>
-            </a:r>
-            <a:r>
-              <a:rPr lang="en-US" altLang="zh-CN" sz="2000" dirty="0"/>
-              <a:t>);</a:t>
-            </a:r>
-          </a:p>
-          <a:p>
-            <a:r>
-              <a:rPr lang="en-US" altLang="zh-CN" sz="2000" dirty="0" err="1"/>
-              <a:t>curl_setopt</a:t>
-            </a:r>
-            <a:r>
-              <a:rPr lang="en-US" altLang="zh-CN" sz="2000" dirty="0"/>
-              <a:t>($</a:t>
-            </a:r>
-            <a:r>
-              <a:rPr lang="en-US" altLang="zh-CN" sz="2000" dirty="0" err="1"/>
-              <a:t>mch,CURLOPT_SSL_VERIFYPEER,false</a:t>
-            </a:r>
-            <a:r>
-              <a:rPr lang="en-US" altLang="zh-CN" sz="2000" dirty="0"/>
-              <a:t>);</a:t>
-            </a:r>
-          </a:p>
-          <a:p>
-            <a:r>
-              <a:rPr lang="en-US" altLang="zh-CN" sz="2000" dirty="0" err="1"/>
-              <a:t>curl_setopt</a:t>
-            </a:r>
-            <a:r>
-              <a:rPr lang="en-US" altLang="zh-CN" sz="2000" dirty="0"/>
-              <a:t>($</a:t>
-            </a:r>
-            <a:r>
-              <a:rPr lang="en-US" altLang="zh-CN" sz="2000" dirty="0" err="1"/>
-              <a:t>mch</a:t>
-            </a:r>
-            <a:r>
-              <a:rPr lang="en-US" altLang="zh-CN" sz="2000" dirty="0"/>
-              <a:t>, CURLOPT_POST, true);</a:t>
-            </a:r>
-          </a:p>
-          <a:p>
-            <a:r>
-              <a:rPr lang="en-US" altLang="zh-CN" sz="2000" dirty="0" err="1"/>
-              <a:t>curl_setopt</a:t>
-            </a:r>
-            <a:r>
-              <a:rPr lang="en-US" altLang="zh-CN" sz="2000" dirty="0"/>
-              <a:t>($</a:t>
-            </a:r>
-            <a:r>
-              <a:rPr lang="en-US" altLang="zh-CN" sz="2000" dirty="0" err="1"/>
-              <a:t>mch</a:t>
-            </a:r>
-            <a:r>
-              <a:rPr lang="en-US" altLang="zh-CN" sz="2000" dirty="0"/>
-              <a:t>, CURLOPT_POSTFIELDS, $</a:t>
-            </a:r>
-            <a:r>
-              <a:rPr lang="en-US" altLang="zh-CN" sz="2000" dirty="0" err="1"/>
-              <a:t>json_menu</a:t>
-            </a:r>
-            <a:r>
-              <a:rPr lang="en-US" altLang="zh-CN" sz="2000" dirty="0"/>
-              <a:t>);</a:t>
-            </a:r>
-          </a:p>
-          <a:p>
-            <a:endParaRPr lang="en-US" altLang="zh-CN" sz="2000" dirty="0"/>
-          </a:p>
-          <a:p>
-            <a:r>
-              <a:rPr lang="en-US" altLang="zh-CN" sz="2000" dirty="0"/>
-              <a:t>$</a:t>
-            </a:r>
-            <a:r>
-              <a:rPr lang="en-US" altLang="zh-CN" sz="2000" dirty="0" err="1"/>
-              <a:t>mr</a:t>
-            </a:r>
-            <a:r>
-              <a:rPr lang="en-US" altLang="zh-CN" sz="2000" dirty="0"/>
-              <a:t>=</a:t>
-            </a:r>
-            <a:r>
-              <a:rPr lang="en-US" altLang="zh-CN" sz="2000" dirty="0" err="1"/>
-              <a:t>curl_exec</a:t>
-            </a:r>
-            <a:r>
-              <a:rPr lang="en-US" altLang="zh-CN" sz="2000" dirty="0"/>
-              <a:t>($</a:t>
-            </a:r>
-            <a:r>
-              <a:rPr lang="en-US" altLang="zh-CN" sz="2000" dirty="0" err="1"/>
-              <a:t>mch</a:t>
-            </a:r>
-            <a:r>
-              <a:rPr lang="en-US" altLang="zh-CN" sz="2000" dirty="0"/>
-              <a:t>);</a:t>
-            </a:r>
-          </a:p>
-          <a:p>
-            <a:r>
-              <a:rPr lang="en-US" altLang="zh-CN" sz="2000" dirty="0" err="1"/>
-              <a:t>curl_close</a:t>
-            </a:r>
-            <a:r>
-              <a:rPr lang="en-US" altLang="zh-CN" sz="2000" dirty="0"/>
-              <a:t>($</a:t>
-            </a:r>
-            <a:r>
-              <a:rPr lang="en-US" altLang="zh-CN" sz="2000" dirty="0" err="1"/>
-              <a:t>mch</a:t>
-            </a:r>
-            <a:r>
-              <a:rPr lang="en-US" altLang="zh-CN" sz="2000" dirty="0"/>
-              <a:t>);</a:t>
-            </a:r>
-          </a:p>
-          <a:p>
-            <a:r>
-              <a:rPr lang="en-US" altLang="zh-CN" sz="2000" dirty="0"/>
-              <a:t>exit($</a:t>
-            </a:r>
-            <a:r>
-              <a:rPr lang="en-US" altLang="zh-CN" sz="2000" dirty="0" err="1"/>
-              <a:t>mr</a:t>
-            </a:r>
-            <a:r>
-              <a:rPr lang="en-US" altLang="zh-CN" sz="2000" dirty="0"/>
-              <a:t>);</a:t>
-            </a:r>
-            <a:endParaRPr lang="zh-CN" altLang="en-US" sz="2000" dirty="0"/>
-          </a:p>
-        </p:txBody>
-      </p:sp>
-    </p:spTree>
-    <p:extLst>
-      <p:ext uri="{BB962C8B-B14F-4D97-AF65-F5344CB8AC3E}">
-        <p14:creationId xmlns:p14="http://schemas.microsoft.com/office/powerpoint/2010/main" val="449583257"/>
-      </p:ext>
-    </p:extLst>
-  </p:cSld>
-  <p:clrMapOvr>
-    <a:masterClrMapping/>
-  </p:clrMapOvr>
-</p:sld>
-</file>
-
-<file path=ppt/slides/slide29.xml><?xml version="1.0" encoding="utf-8"?>
-<p:sld xmlns:a="http://schemas.openxmlformats.org/drawingml/2006/main" xmlns:r="http://schemas.openxmlformats.org/officeDocument/2006/relationships" xmlns:p="http://schemas.openxmlformats.org/presentationml/2006/main">
-  <p:cSld>
-    <p:spTree>
-      <p:nvGrpSpPr>
-        <p:cNvPr id="1" name=""/>
-        <p:cNvGrpSpPr/>
-        <p:nvPr/>
-      </p:nvGrpSpPr>
-      <p:grpSpPr>
-        <a:xfrm>
-          <a:off x="0" y="0"/>
-          <a:ext cx="0" cy="0"/>
-          <a:chOff x="0" y="0"/>
-          <a:chExt cx="0" cy="0"/>
-        </a:xfrm>
-      </p:grpSpPr>
-      <p:sp>
-        <p:nvSpPr>
-          <p:cNvPr id="2" name="内容占位符 1"/>
-          <p:cNvSpPr>
-            <a:spLocks noGrp="1"/>
-          </p:cNvSpPr>
-          <p:nvPr>
-            <p:ph sz="quarter" idx="13"/>
-          </p:nvPr>
-        </p:nvSpPr>
-        <p:spPr>
-          <a:xfrm>
-            <a:off x="1054099" y="543636"/>
-            <a:ext cx="6975475" cy="685800"/>
-          </a:xfrm>
-        </p:spPr>
-        <p:txBody>
-          <a:bodyPr/>
-          <a:lstStyle/>
-          <a:p>
-            <a:r>
-              <a:rPr lang="en-US" altLang="zh-CN" dirty="0"/>
-              <a:t>CURL</a:t>
-            </a:r>
-            <a:r>
-              <a:rPr lang="zh-CN" altLang="en-US" dirty="0"/>
-              <a:t>第三方扩展创建菜单</a:t>
-            </a:r>
-          </a:p>
-        </p:txBody>
-      </p:sp>
-      <p:sp>
-        <p:nvSpPr>
-          <p:cNvPr id="4" name="文本框 3"/>
-          <p:cNvSpPr txBox="1"/>
-          <p:nvPr/>
-        </p:nvSpPr>
-        <p:spPr>
-          <a:xfrm>
-            <a:off x="1157287" y="1600200"/>
-            <a:ext cx="9043987" cy="4093428"/>
-          </a:xfrm>
-          <a:prstGeom prst="rect">
-            <a:avLst/>
-          </a:prstGeom>
-          <a:noFill/>
-        </p:spPr>
-        <p:txBody>
-          <a:bodyPr wrap="square" rtlCol="0">
-            <a:spAutoFit/>
-          </a:bodyPr>
-          <a:lstStyle/>
-          <a:p>
-            <a:pPr marL="285750" indent="-285750">
-              <a:lnSpc>
-                <a:spcPct val="150000"/>
-              </a:lnSpc>
-              <a:buFont typeface="Arial" panose="020B0604020202020204" pitchFamily="34" charset="0"/>
-              <a:buChar char="•"/>
-            </a:pPr>
-            <a:r>
-              <a:rPr lang="zh-CN" altLang="en-US" sz="2000" dirty="0">
-                <a:latin typeface="Calibri" panose="020F0502020204030204" pitchFamily="34" charset="0"/>
-                <a:ea typeface="微软雅黑" panose="020B0503020204020204" pitchFamily="34" charset="-122"/>
-                <a:cs typeface="Calibri" panose="020F0502020204030204" pitchFamily="34" charset="0"/>
-              </a:rPr>
-              <a:t>获取</a:t>
-            </a:r>
-            <a:r>
-              <a:rPr lang="en-US" altLang="zh-CN" sz="2000" dirty="0" err="1">
-                <a:latin typeface="Calibri" panose="020F0502020204030204" pitchFamily="34" charset="0"/>
-                <a:ea typeface="微软雅黑" panose="020B0503020204020204" pitchFamily="34" charset="-122"/>
-                <a:cs typeface="Calibri" panose="020F0502020204030204" pitchFamily="34" charset="0"/>
-              </a:rPr>
-              <a:t>access_token</a:t>
-            </a:r>
-            <a:r>
-              <a:rPr lang="zh-CN" altLang="en-US" sz="2000" dirty="0">
-                <a:latin typeface="Calibri" panose="020F0502020204030204" pitchFamily="34" charset="0"/>
-                <a:ea typeface="微软雅黑" panose="020B0503020204020204" pitchFamily="34" charset="-122"/>
-                <a:cs typeface="Calibri" panose="020F0502020204030204" pitchFamily="34" charset="0"/>
-              </a:rPr>
-              <a:t>：</a:t>
-            </a:r>
-            <a:endParaRPr lang="en-US" altLang="zh-CN" sz="2000" dirty="0">
-              <a:latin typeface="Calibri" panose="020F0502020204030204" pitchFamily="34" charset="0"/>
-              <a:ea typeface="微软雅黑" panose="020B0503020204020204" pitchFamily="34" charset="-122"/>
-              <a:cs typeface="Calibri" panose="020F0502020204030204" pitchFamily="34" charset="0"/>
-            </a:endParaRPr>
-          </a:p>
-          <a:p>
-            <a:pPr lvl="1"/>
-            <a:r>
-              <a:rPr lang="en-US" altLang="zh-CN" sz="2000" dirty="0">
-                <a:latin typeface="Calibri" panose="020F0502020204030204" pitchFamily="34" charset="0"/>
-                <a:ea typeface="微软雅黑" panose="020B0503020204020204" pitchFamily="34" charset="-122"/>
-                <a:cs typeface="Calibri" panose="020F0502020204030204" pitchFamily="34" charset="0"/>
-              </a:rPr>
-              <a:t>$curl = new </a:t>
-            </a:r>
-            <a:r>
-              <a:rPr lang="en-US" altLang="zh-CN" sz="2000" dirty="0" err="1">
-                <a:latin typeface="Calibri" panose="020F0502020204030204" pitchFamily="34" charset="0"/>
-                <a:ea typeface="微软雅黑" panose="020B0503020204020204" pitchFamily="34" charset="-122"/>
-                <a:cs typeface="Calibri" panose="020F0502020204030204" pitchFamily="34" charset="0"/>
-              </a:rPr>
-              <a:t>anlutro</a:t>
-            </a:r>
-            <a:r>
-              <a:rPr lang="en-US" altLang="zh-CN" sz="2000" dirty="0">
-                <a:latin typeface="Calibri" panose="020F0502020204030204" pitchFamily="34" charset="0"/>
-                <a:ea typeface="微软雅黑" panose="020B0503020204020204" pitchFamily="34" charset="-122"/>
-                <a:cs typeface="Calibri" panose="020F0502020204030204" pitchFamily="34" charset="0"/>
-              </a:rPr>
-              <a:t>\</a:t>
-            </a:r>
-            <a:r>
-              <a:rPr lang="en-US" altLang="zh-CN" sz="2000" dirty="0" err="1">
-                <a:latin typeface="Calibri" panose="020F0502020204030204" pitchFamily="34" charset="0"/>
-                <a:ea typeface="微软雅黑" panose="020B0503020204020204" pitchFamily="34" charset="-122"/>
-                <a:cs typeface="Calibri" panose="020F0502020204030204" pitchFamily="34" charset="0"/>
-              </a:rPr>
-              <a:t>cURL</a:t>
-            </a:r>
-            <a:r>
-              <a:rPr lang="en-US" altLang="zh-CN" sz="2000" dirty="0">
-                <a:latin typeface="Calibri" panose="020F0502020204030204" pitchFamily="34" charset="0"/>
-                <a:ea typeface="微软雅黑" panose="020B0503020204020204" pitchFamily="34" charset="-122"/>
-                <a:cs typeface="Calibri" panose="020F0502020204030204" pitchFamily="34" charset="0"/>
-              </a:rPr>
-              <a:t>\</a:t>
-            </a:r>
-            <a:r>
-              <a:rPr lang="en-US" altLang="zh-CN" sz="2000" dirty="0" err="1">
-                <a:latin typeface="Calibri" panose="020F0502020204030204" pitchFamily="34" charset="0"/>
-                <a:ea typeface="微软雅黑" panose="020B0503020204020204" pitchFamily="34" charset="-122"/>
-                <a:cs typeface="Calibri" panose="020F0502020204030204" pitchFamily="34" charset="0"/>
-              </a:rPr>
-              <a:t>cURL</a:t>
-            </a:r>
-            <a:r>
-              <a:rPr lang="en-US" altLang="zh-CN" sz="2000" dirty="0">
-                <a:latin typeface="Calibri" panose="020F0502020204030204" pitchFamily="34" charset="0"/>
-                <a:ea typeface="微软雅黑" panose="020B0503020204020204" pitchFamily="34" charset="-122"/>
-                <a:cs typeface="Calibri" panose="020F0502020204030204" pitchFamily="34" charset="0"/>
-              </a:rPr>
-              <a:t>;</a:t>
-            </a:r>
-          </a:p>
-          <a:p>
-            <a:pPr lvl="1"/>
-            <a:r>
-              <a:rPr lang="en-US" altLang="zh-CN" sz="2000" dirty="0">
-                <a:latin typeface="Calibri" panose="020F0502020204030204" pitchFamily="34" charset="0"/>
-                <a:ea typeface="微软雅黑" panose="020B0503020204020204" pitchFamily="34" charset="-122"/>
-                <a:cs typeface="Calibri" panose="020F0502020204030204" pitchFamily="34" charset="0"/>
-              </a:rPr>
-              <a:t>$request = $curl-&gt;</a:t>
-            </a:r>
-            <a:r>
-              <a:rPr lang="en-US" altLang="zh-CN" sz="2000" dirty="0" err="1">
-                <a:latin typeface="Calibri" panose="020F0502020204030204" pitchFamily="34" charset="0"/>
-                <a:ea typeface="微软雅黑" panose="020B0503020204020204" pitchFamily="34" charset="-122"/>
-                <a:cs typeface="Calibri" panose="020F0502020204030204" pitchFamily="34" charset="0"/>
-              </a:rPr>
-              <a:t>newRequest</a:t>
-            </a:r>
-            <a:r>
-              <a:rPr lang="en-US" altLang="zh-CN" sz="2000" dirty="0">
-                <a:latin typeface="Calibri" panose="020F0502020204030204" pitchFamily="34" charset="0"/>
-                <a:ea typeface="微软雅黑" panose="020B0503020204020204" pitchFamily="34" charset="-122"/>
-                <a:cs typeface="Calibri" panose="020F0502020204030204" pitchFamily="34" charset="0"/>
-              </a:rPr>
-              <a:t>('get', $</a:t>
-            </a:r>
-            <a:r>
-              <a:rPr lang="en-US" altLang="zh-CN" sz="2000" dirty="0" err="1">
-                <a:latin typeface="Calibri" panose="020F0502020204030204" pitchFamily="34" charset="0"/>
-                <a:ea typeface="微软雅黑" panose="020B0503020204020204" pitchFamily="34" charset="-122"/>
-                <a:cs typeface="Calibri" panose="020F0502020204030204" pitchFamily="34" charset="0"/>
-              </a:rPr>
-              <a:t>token_api</a:t>
-            </a:r>
-            <a:r>
-              <a:rPr lang="en-US" altLang="zh-CN" sz="2000" dirty="0">
-                <a:latin typeface="Calibri" panose="020F0502020204030204" pitchFamily="34" charset="0"/>
-                <a:ea typeface="微软雅黑" panose="020B0503020204020204" pitchFamily="34" charset="-122"/>
-                <a:cs typeface="Calibri" panose="020F0502020204030204" pitchFamily="34" charset="0"/>
-              </a:rPr>
-              <a:t>,[])</a:t>
-            </a:r>
-          </a:p>
-          <a:p>
-            <a:pPr lvl="1"/>
-            <a:r>
-              <a:rPr lang="en-US" altLang="zh-CN" sz="2000" dirty="0">
-                <a:latin typeface="Calibri" panose="020F0502020204030204" pitchFamily="34" charset="0"/>
-                <a:ea typeface="微软雅黑" panose="020B0503020204020204" pitchFamily="34" charset="-122"/>
-                <a:cs typeface="Calibri" panose="020F0502020204030204" pitchFamily="34" charset="0"/>
-              </a:rPr>
-              <a:t>    -&gt;</a:t>
-            </a:r>
-            <a:r>
-              <a:rPr lang="en-US" altLang="zh-CN" sz="2000" dirty="0" err="1">
-                <a:latin typeface="Calibri" panose="020F0502020204030204" pitchFamily="34" charset="0"/>
-                <a:ea typeface="微软雅黑" panose="020B0503020204020204" pitchFamily="34" charset="-122"/>
-                <a:cs typeface="Calibri" panose="020F0502020204030204" pitchFamily="34" charset="0"/>
-              </a:rPr>
-              <a:t>setOption</a:t>
-            </a:r>
-            <a:r>
-              <a:rPr lang="en-US" altLang="zh-CN" sz="2000" dirty="0">
-                <a:latin typeface="Calibri" panose="020F0502020204030204" pitchFamily="34" charset="0"/>
-                <a:ea typeface="微软雅黑" panose="020B0503020204020204" pitchFamily="34" charset="-122"/>
-                <a:cs typeface="Calibri" panose="020F0502020204030204" pitchFamily="34" charset="0"/>
-              </a:rPr>
-              <a:t>(CURLOPT_RETURNTRANSFER, true)</a:t>
-            </a:r>
-          </a:p>
-          <a:p>
-            <a:pPr lvl="1"/>
-            <a:r>
-              <a:rPr lang="en-US" altLang="zh-CN" sz="2000">
-                <a:latin typeface="Calibri" panose="020F0502020204030204" pitchFamily="34" charset="0"/>
-                <a:ea typeface="微软雅黑" panose="020B0503020204020204" pitchFamily="34" charset="-122"/>
-                <a:cs typeface="Calibri" panose="020F0502020204030204" pitchFamily="34" charset="0"/>
-              </a:rPr>
-              <a:t>    -&gt;</a:t>
-            </a:r>
-            <a:r>
-              <a:rPr lang="en-US" altLang="zh-CN" sz="2000" dirty="0" err="1">
-                <a:latin typeface="Calibri" panose="020F0502020204030204" pitchFamily="34" charset="0"/>
-                <a:ea typeface="微软雅黑" panose="020B0503020204020204" pitchFamily="34" charset="-122"/>
-                <a:cs typeface="Calibri" panose="020F0502020204030204" pitchFamily="34" charset="0"/>
-              </a:rPr>
-              <a:t>setOption</a:t>
-            </a:r>
-            <a:r>
-              <a:rPr lang="en-US" altLang="zh-CN" sz="2000" dirty="0">
-                <a:latin typeface="Calibri" panose="020F0502020204030204" pitchFamily="34" charset="0"/>
-                <a:ea typeface="微软雅黑" panose="020B0503020204020204" pitchFamily="34" charset="-122"/>
-                <a:cs typeface="Calibri" panose="020F0502020204030204" pitchFamily="34" charset="0"/>
-              </a:rPr>
-              <a:t>(CURLOPT_SSL_VERIFYPEER, false);</a:t>
-            </a:r>
-          </a:p>
-          <a:p>
-            <a:pPr lvl="1"/>
-            <a:r>
-              <a:rPr lang="en-US" altLang="zh-CN" sz="2000" dirty="0">
-                <a:latin typeface="Calibri" panose="020F0502020204030204" pitchFamily="34" charset="0"/>
-                <a:ea typeface="微软雅黑" panose="020B0503020204020204" pitchFamily="34" charset="-122"/>
-                <a:cs typeface="Calibri" panose="020F0502020204030204" pitchFamily="34" charset="0"/>
-              </a:rPr>
-              <a:t>$</a:t>
-            </a:r>
-            <a:r>
-              <a:rPr lang="en-US" altLang="zh-CN" sz="2000" dirty="0" err="1">
-                <a:latin typeface="Calibri" panose="020F0502020204030204" pitchFamily="34" charset="0"/>
-                <a:ea typeface="微软雅黑" panose="020B0503020204020204" pitchFamily="34" charset="-122"/>
-                <a:cs typeface="Calibri" panose="020F0502020204030204" pitchFamily="34" charset="0"/>
-              </a:rPr>
-              <a:t>token_str</a:t>
-            </a:r>
-            <a:r>
-              <a:rPr lang="en-US" altLang="zh-CN" sz="2000" dirty="0">
-                <a:latin typeface="Calibri" panose="020F0502020204030204" pitchFamily="34" charset="0"/>
-                <a:ea typeface="微软雅黑" panose="020B0503020204020204" pitchFamily="34" charset="-122"/>
-                <a:cs typeface="Calibri" panose="020F0502020204030204" pitchFamily="34" charset="0"/>
-              </a:rPr>
-              <a:t> = $request-&gt;send();</a:t>
-            </a:r>
-          </a:p>
-          <a:p>
-            <a:pPr marL="285750" indent="-285750">
-              <a:lnSpc>
-                <a:spcPct val="150000"/>
-              </a:lnSpc>
-              <a:buFont typeface="Arial" panose="020B0604020202020204" pitchFamily="34" charset="0"/>
-              <a:buChar char="•"/>
-            </a:pPr>
-            <a:r>
-              <a:rPr lang="zh-CN" altLang="en-US" sz="2000" dirty="0">
-                <a:latin typeface="Calibri" panose="020F0502020204030204" pitchFamily="34" charset="0"/>
-                <a:ea typeface="微软雅黑" panose="020B0503020204020204" pitchFamily="34" charset="-122"/>
-                <a:cs typeface="Calibri" panose="020F0502020204030204" pitchFamily="34" charset="0"/>
-              </a:rPr>
-              <a:t>创建菜单接口：</a:t>
-            </a:r>
-            <a:endParaRPr lang="en-US" altLang="zh-CN" sz="2000" dirty="0">
-              <a:latin typeface="Calibri" panose="020F0502020204030204" pitchFamily="34" charset="0"/>
-              <a:ea typeface="微软雅黑" panose="020B0503020204020204" pitchFamily="34" charset="-122"/>
-              <a:cs typeface="Calibri" panose="020F0502020204030204" pitchFamily="34" charset="0"/>
-            </a:endParaRPr>
-          </a:p>
-          <a:p>
-            <a:pPr lvl="1"/>
-            <a:r>
-              <a:rPr lang="en-US" altLang="zh-CN" sz="2000" dirty="0">
-                <a:latin typeface="Calibri" panose="020F0502020204030204" pitchFamily="34" charset="0"/>
-                <a:ea typeface="微软雅黑" panose="020B0503020204020204" pitchFamily="34" charset="-122"/>
-                <a:cs typeface="Calibri" panose="020F0502020204030204" pitchFamily="34" charset="0"/>
-              </a:rPr>
-              <a:t>$request = $curl-&gt;</a:t>
-            </a:r>
-            <a:r>
-              <a:rPr lang="en-US" altLang="zh-CN" sz="2000" dirty="0" err="1">
-                <a:latin typeface="Calibri" panose="020F0502020204030204" pitchFamily="34" charset="0"/>
-                <a:ea typeface="微软雅黑" panose="020B0503020204020204" pitchFamily="34" charset="-122"/>
-                <a:cs typeface="Calibri" panose="020F0502020204030204" pitchFamily="34" charset="0"/>
-              </a:rPr>
-              <a:t>newRawRequest</a:t>
-            </a:r>
-            <a:r>
-              <a:rPr lang="en-US" altLang="zh-CN" sz="2000" dirty="0">
-                <a:latin typeface="Calibri" panose="020F0502020204030204" pitchFamily="34" charset="0"/>
-                <a:ea typeface="微软雅黑" panose="020B0503020204020204" pitchFamily="34" charset="-122"/>
-                <a:cs typeface="Calibri" panose="020F0502020204030204" pitchFamily="34" charset="0"/>
-              </a:rPr>
-              <a:t>('post', $</a:t>
-            </a:r>
-            <a:r>
-              <a:rPr lang="en-US" altLang="zh-CN" sz="2000" dirty="0" err="1">
-                <a:latin typeface="Calibri" panose="020F0502020204030204" pitchFamily="34" charset="0"/>
-                <a:ea typeface="微软雅黑" panose="020B0503020204020204" pitchFamily="34" charset="-122"/>
-                <a:cs typeface="Calibri" panose="020F0502020204030204" pitchFamily="34" charset="0"/>
-              </a:rPr>
-              <a:t>wx_menu_create_api</a:t>
-            </a:r>
-            <a:r>
-              <a:rPr lang="en-US" altLang="zh-CN" sz="2000" dirty="0">
-                <a:latin typeface="Calibri" panose="020F0502020204030204" pitchFamily="34" charset="0"/>
-                <a:ea typeface="微软雅黑" panose="020B0503020204020204" pitchFamily="34" charset="-122"/>
-                <a:cs typeface="Calibri" panose="020F0502020204030204" pitchFamily="34" charset="0"/>
-              </a:rPr>
-              <a:t>, $</a:t>
-            </a:r>
-            <a:r>
-              <a:rPr lang="en-US" altLang="zh-CN" sz="2000" dirty="0" err="1">
-                <a:latin typeface="Calibri" panose="020F0502020204030204" pitchFamily="34" charset="0"/>
-                <a:ea typeface="微软雅黑" panose="020B0503020204020204" pitchFamily="34" charset="-122"/>
-                <a:cs typeface="Calibri" panose="020F0502020204030204" pitchFamily="34" charset="0"/>
-              </a:rPr>
-              <a:t>json_menu</a:t>
-            </a:r>
-            <a:r>
-              <a:rPr lang="en-US" altLang="zh-CN" sz="2000" dirty="0">
-                <a:latin typeface="Calibri" panose="020F0502020204030204" pitchFamily="34" charset="0"/>
-                <a:ea typeface="微软雅黑" panose="020B0503020204020204" pitchFamily="34" charset="-122"/>
-                <a:cs typeface="Calibri" panose="020F0502020204030204" pitchFamily="34" charset="0"/>
-              </a:rPr>
-              <a:t>)</a:t>
-            </a:r>
-          </a:p>
-          <a:p>
-            <a:pPr lvl="1"/>
-            <a:r>
-              <a:rPr lang="en-US" altLang="zh-CN" sz="2000" dirty="0">
-                <a:latin typeface="Calibri" panose="020F0502020204030204" pitchFamily="34" charset="0"/>
-                <a:ea typeface="微软雅黑" panose="020B0503020204020204" pitchFamily="34" charset="-122"/>
-                <a:cs typeface="Calibri" panose="020F0502020204030204" pitchFamily="34" charset="0"/>
-              </a:rPr>
-              <a:t>    -&gt;</a:t>
-            </a:r>
-            <a:r>
-              <a:rPr lang="en-US" altLang="zh-CN" sz="2000" dirty="0" err="1">
-                <a:latin typeface="Calibri" panose="020F0502020204030204" pitchFamily="34" charset="0"/>
-                <a:ea typeface="微软雅黑" panose="020B0503020204020204" pitchFamily="34" charset="-122"/>
-                <a:cs typeface="Calibri" panose="020F0502020204030204" pitchFamily="34" charset="0"/>
-              </a:rPr>
-              <a:t>setOption</a:t>
-            </a:r>
-            <a:r>
-              <a:rPr lang="en-US" altLang="zh-CN" sz="2000" dirty="0">
-                <a:latin typeface="Calibri" panose="020F0502020204030204" pitchFamily="34" charset="0"/>
-                <a:ea typeface="微软雅黑" panose="020B0503020204020204" pitchFamily="34" charset="-122"/>
-                <a:cs typeface="Calibri" panose="020F0502020204030204" pitchFamily="34" charset="0"/>
-              </a:rPr>
-              <a:t>(CURLOPT_RETURNTRANSFER, true)</a:t>
-            </a:r>
-          </a:p>
-          <a:p>
-            <a:pPr lvl="1"/>
-            <a:r>
-              <a:rPr lang="en-US" altLang="zh-CN" sz="2000" dirty="0">
-                <a:latin typeface="Calibri" panose="020F0502020204030204" pitchFamily="34" charset="0"/>
-                <a:ea typeface="微软雅黑" panose="020B0503020204020204" pitchFamily="34" charset="-122"/>
-                <a:cs typeface="Calibri" panose="020F0502020204030204" pitchFamily="34" charset="0"/>
-              </a:rPr>
-              <a:t>    -&gt;</a:t>
-            </a:r>
-            <a:r>
-              <a:rPr lang="en-US" altLang="zh-CN" sz="2000" dirty="0" err="1">
-                <a:latin typeface="Calibri" panose="020F0502020204030204" pitchFamily="34" charset="0"/>
-                <a:ea typeface="微软雅黑" panose="020B0503020204020204" pitchFamily="34" charset="-122"/>
-                <a:cs typeface="Calibri" panose="020F0502020204030204" pitchFamily="34" charset="0"/>
-              </a:rPr>
-              <a:t>setOption</a:t>
-            </a:r>
-            <a:r>
-              <a:rPr lang="en-US" altLang="zh-CN" sz="2000" dirty="0">
-                <a:latin typeface="Calibri" panose="020F0502020204030204" pitchFamily="34" charset="0"/>
-                <a:ea typeface="微软雅黑" panose="020B0503020204020204" pitchFamily="34" charset="-122"/>
-                <a:cs typeface="Calibri" panose="020F0502020204030204" pitchFamily="34" charset="0"/>
-              </a:rPr>
-              <a:t>(CURLOPT_SSL_VERIFYPEER, false)</a:t>
-            </a:r>
-          </a:p>
-          <a:p>
-            <a:pPr lvl="1"/>
-            <a:r>
-              <a:rPr lang="en-US" altLang="zh-CN" sz="2000" dirty="0">
-                <a:latin typeface="Calibri" panose="020F0502020204030204" pitchFamily="34" charset="0"/>
-                <a:ea typeface="微软雅黑" panose="020B0503020204020204" pitchFamily="34" charset="-122"/>
-                <a:cs typeface="Calibri" panose="020F0502020204030204" pitchFamily="34" charset="0"/>
-              </a:rPr>
-              <a:t>    -&gt;</a:t>
-            </a:r>
-            <a:r>
-              <a:rPr lang="en-US" altLang="zh-CN" sz="2000" dirty="0" err="1">
-                <a:latin typeface="Calibri" panose="020F0502020204030204" pitchFamily="34" charset="0"/>
-                <a:ea typeface="微软雅黑" panose="020B0503020204020204" pitchFamily="34" charset="-122"/>
-                <a:cs typeface="Calibri" panose="020F0502020204030204" pitchFamily="34" charset="0"/>
-              </a:rPr>
-              <a:t>setOption</a:t>
-            </a:r>
-            <a:r>
-              <a:rPr lang="en-US" altLang="zh-CN" sz="2000" dirty="0">
-                <a:latin typeface="Calibri" panose="020F0502020204030204" pitchFamily="34" charset="0"/>
-                <a:ea typeface="微软雅黑" panose="020B0503020204020204" pitchFamily="34" charset="-122"/>
-                <a:cs typeface="Calibri" panose="020F0502020204030204" pitchFamily="34" charset="0"/>
-              </a:rPr>
-              <a:t>(</a:t>
-            </a:r>
-            <a:r>
-              <a:rPr lang="en-US" altLang="zh-CN" sz="2000" dirty="0" err="1">
-                <a:latin typeface="Calibri" panose="020F0502020204030204" pitchFamily="34" charset="0"/>
-                <a:ea typeface="微软雅黑" panose="020B0503020204020204" pitchFamily="34" charset="-122"/>
-                <a:cs typeface="Calibri" panose="020F0502020204030204" pitchFamily="34" charset="0"/>
-              </a:rPr>
-              <a:t>CURLOPT_POST,true</a:t>
-            </a:r>
-            <a:r>
-              <a:rPr lang="en-US" altLang="zh-CN" sz="2000" dirty="0">
-                <a:latin typeface="Calibri" panose="020F0502020204030204" pitchFamily="34" charset="0"/>
-                <a:ea typeface="微软雅黑" panose="020B0503020204020204" pitchFamily="34" charset="-122"/>
-                <a:cs typeface="Calibri" panose="020F0502020204030204" pitchFamily="34" charset="0"/>
-              </a:rPr>
-              <a:t>);</a:t>
-            </a:r>
-          </a:p>
-          <a:p>
-            <a:pPr lvl="1"/>
-            <a:r>
-              <a:rPr lang="en-US" altLang="zh-CN" sz="2000" dirty="0">
-                <a:latin typeface="Calibri" panose="020F0502020204030204" pitchFamily="34" charset="0"/>
-                <a:ea typeface="微软雅黑" panose="020B0503020204020204" pitchFamily="34" charset="-122"/>
-                <a:cs typeface="Calibri" panose="020F0502020204030204" pitchFamily="34" charset="0"/>
-              </a:rPr>
-              <a:t>$r = $request-&gt;send();</a:t>
-            </a:r>
-          </a:p>
-        </p:txBody>
-      </p:sp>
-    </p:spTree>
-    <p:extLst>
-      <p:ext uri="{BB962C8B-B14F-4D97-AF65-F5344CB8AC3E}">
-        <p14:creationId xmlns:p14="http://schemas.microsoft.com/office/powerpoint/2010/main" val="815336238"/>
-      </p:ext>
-    </p:extLst>
-  </p:cSld>
-  <p:clrMapOvr>
-    <a:masterClrMapping/>
-  </p:clrMapOvr>
-</p:sld>
-</file>
-
-<file path=ppt/slides/slide3.xml><?xml version="1.0" encoding="utf-8"?>
-<p:sld xmlns:a="http://schemas.openxmlformats.org/drawingml/2006/main" xmlns:r="http://schemas.openxmlformats.org/officeDocument/2006/relationships" xmlns:p="http://schemas.openxmlformats.org/presentationml/2006/main">
-  <p:cSld>
-    <p:spTree>
-      <p:nvGrpSpPr>
-        <p:cNvPr id="1" name=""/>
-        <p:cNvGrpSpPr/>
-        <p:nvPr/>
-      </p:nvGrpSpPr>
-      <p:grpSpPr>
-        <a:xfrm>
-          <a:off x="0" y="0"/>
-          <a:ext cx="0" cy="0"/>
-          <a:chOff x="0" y="0"/>
-          <a:chExt cx="0" cy="0"/>
-        </a:xfrm>
-      </p:grpSpPr>
-      <p:sp>
-        <p:nvSpPr>
-          <p:cNvPr id="2" name="内容占位符 1"/>
-          <p:cNvSpPr>
-            <a:spLocks noGrp="1"/>
-          </p:cNvSpPr>
-          <p:nvPr>
-            <p:ph sz="quarter" idx="13"/>
-          </p:nvPr>
-        </p:nvSpPr>
-        <p:spPr/>
-        <p:txBody>
-          <a:bodyPr/>
-          <a:lstStyle/>
-          <a:p>
-            <a:r>
-              <a:rPr lang="zh-CN" altLang="en-US" b="0" dirty="0"/>
-              <a:t>课程概要</a:t>
-            </a:r>
-          </a:p>
-        </p:txBody>
-      </p:sp>
-    </p:spTree>
-    <p:extLst>
-      <p:ext uri="{BB962C8B-B14F-4D97-AF65-F5344CB8AC3E}">
-        <p14:creationId xmlns:p14="http://schemas.microsoft.com/office/powerpoint/2010/main" val="947354603"/>
-      </p:ext>
-    </p:extLst>
-  </p:cSld>
-  <p:clrMapOvr>
-    <a:masterClrMapping/>
-  </p:clrMapOvr>
-</p:sld>
-</file>
-
-<file path=ppt/slides/slide30.xml><?xml version="1.0" encoding="utf-8"?>
+<file path=ppt/slides/slide21.xml><?xml version="1.0" encoding="utf-8"?>
 <p:sld xmlns:a="http://schemas.openxmlformats.org/drawingml/2006/main" xmlns:r="http://schemas.openxmlformats.org/officeDocument/2006/relationships" xmlns:p="http://schemas.openxmlformats.org/presentationml/2006/main">
   <p:cSld>
     <p:spTree>
@@ -17685,6 +14736,58 @@
 </p:sld>
 </file>
 
+<file path=ppt/slides/slide3.xml><?xml version="1.0" encoding="utf-8"?>
+<p:sld xmlns:a="http://schemas.openxmlformats.org/drawingml/2006/main" xmlns:r="http://schemas.openxmlformats.org/officeDocument/2006/relationships" xmlns:p="http://schemas.openxmlformats.org/presentationml/2006/main">
+  <p:cSld>
+    <p:spTree>
+      <p:nvGrpSpPr>
+        <p:cNvPr id="1" name=""/>
+        <p:cNvGrpSpPr/>
+        <p:nvPr/>
+      </p:nvGrpSpPr>
+      <p:grpSpPr>
+        <a:xfrm>
+          <a:off x="0" y="0"/>
+          <a:ext cx="0" cy="0"/>
+          <a:chOff x="0" y="0"/>
+          <a:chExt cx="0" cy="0"/>
+        </a:xfrm>
+      </p:grpSpPr>
+      <p:sp>
+        <p:nvSpPr>
+          <p:cNvPr id="2" name="内容占位符 1"/>
+          <p:cNvSpPr>
+            <a:spLocks noGrp="1"/>
+          </p:cNvSpPr>
+          <p:nvPr>
+            <p:ph sz="quarter" idx="13"/>
+          </p:nvPr>
+        </p:nvSpPr>
+        <p:spPr/>
+        <p:txBody>
+          <a:bodyPr/>
+          <a:lstStyle/>
+          <a:p>
+            <a:r>
+              <a:rPr lang="zh-CN" altLang="en-US" b="0" dirty="0"/>
+              <a:t>课程概要</a:t>
+            </a:r>
+          </a:p>
+        </p:txBody>
+      </p:sp>
+    </p:spTree>
+    <p:extLst>
+      <p:ext uri="{BB962C8B-B14F-4D97-AF65-F5344CB8AC3E}">
+        <p14:creationId xmlns:p14="http://schemas.microsoft.com/office/powerpoint/2010/main" val="947354603"/>
+      </p:ext>
+    </p:extLst>
+  </p:cSld>
+  <p:clrMapOvr>
+    <a:masterClrMapping/>
+  </p:clrMapOvr>
+</p:sld>
+</file>
+
 <file path=ppt/slides/slide4.xml><?xml version="1.0" encoding="utf-8"?>
 <p:sld xmlns:a="http://schemas.openxmlformats.org/drawingml/2006/main" xmlns:r="http://schemas.openxmlformats.org/officeDocument/2006/relationships" xmlns:p="http://schemas.openxmlformats.org/presentationml/2006/main">
   <p:cSld>
@@ -17956,12 +15059,105 @@
           <a:lstStyle/>
           <a:p>
             <a:r>
-              <a:rPr lang="en-US" altLang="zh-CN" b="0" dirty="0" err="1"/>
-              <a:t>WeUI</a:t>
+              <a:rPr lang="en-US" altLang="zh-CN" b="0" dirty="0"/>
+              <a:t>JS-SDK</a:t>
             </a:r>
             <a:r>
               <a:rPr lang="zh-CN" altLang="en-US" b="0" dirty="0"/>
               <a:t>介绍</a:t>
+            </a:r>
+          </a:p>
+        </p:txBody>
+      </p:sp>
+      <p:sp>
+        <p:nvSpPr>
+          <p:cNvPr id="3" name="文本框 2">
+            <a:extLst>
+              <a:ext uri="{FF2B5EF4-FFF2-40B4-BE49-F238E27FC236}">
+                <a16:creationId xmlns:a16="http://schemas.microsoft.com/office/drawing/2014/main" id="{E5C1B8B1-2761-4484-AFD6-D0E134199B95}"/>
+              </a:ext>
+            </a:extLst>
+          </p:cNvPr>
+          <p:cNvSpPr txBox="1"/>
+          <p:nvPr/>
+        </p:nvSpPr>
+        <p:spPr>
+          <a:xfrm>
+            <a:off x="1054100" y="1765739"/>
+            <a:ext cx="10710041" cy="1938992"/>
+          </a:xfrm>
+          <a:prstGeom prst="rect">
+            <a:avLst/>
+          </a:prstGeom>
+          <a:noFill/>
+        </p:spPr>
+        <p:txBody>
+          <a:bodyPr wrap="square" rtlCol="0">
+            <a:spAutoFit/>
+          </a:bodyPr>
+          <a:lstStyle/>
+          <a:p>
+            <a:pPr marL="285750" indent="-285750">
+              <a:lnSpc>
+                <a:spcPct val="150000"/>
+              </a:lnSpc>
+              <a:buFont typeface="Arial" panose="020B0604020202020204" pitchFamily="34" charset="0"/>
+              <a:buChar char="•"/>
+            </a:pPr>
+            <a:r>
+              <a:rPr lang="zh-CN" altLang="en-US" sz="2000" dirty="0">
+                <a:latin typeface="微软雅黑" panose="020B0503020204020204" pitchFamily="34" charset="-122"/>
+                <a:ea typeface="微软雅黑" panose="020B0503020204020204" pitchFamily="34" charset="-122"/>
+              </a:rPr>
+              <a:t>微信</a:t>
+            </a:r>
+            <a:r>
+              <a:rPr lang="en-US" altLang="zh-CN" sz="2000" dirty="0">
+                <a:latin typeface="微软雅黑" panose="020B0503020204020204" pitchFamily="34" charset="-122"/>
+                <a:ea typeface="微软雅黑" panose="020B0503020204020204" pitchFamily="34" charset="-122"/>
+              </a:rPr>
+              <a:t>JS-SDK</a:t>
+            </a:r>
+            <a:r>
+              <a:rPr lang="zh-CN" altLang="en-US" sz="2000" dirty="0">
+                <a:latin typeface="微软雅黑" panose="020B0503020204020204" pitchFamily="34" charset="-122"/>
+                <a:ea typeface="微软雅黑" panose="020B0503020204020204" pitchFamily="34" charset="-122"/>
+              </a:rPr>
+              <a:t>是微信公众平台面向网页开发者提供的基于微信内的网页开发工具包。</a:t>
+            </a:r>
+            <a:endParaRPr lang="en-US" altLang="zh-CN" sz="2000" dirty="0">
+              <a:latin typeface="微软雅黑" panose="020B0503020204020204" pitchFamily="34" charset="-122"/>
+              <a:ea typeface="微软雅黑" panose="020B0503020204020204" pitchFamily="34" charset="-122"/>
+            </a:endParaRPr>
+          </a:p>
+          <a:p>
+            <a:pPr marL="285750" indent="-285750">
+              <a:lnSpc>
+                <a:spcPct val="150000"/>
+              </a:lnSpc>
+              <a:buFont typeface="Arial" panose="020B0604020202020204" pitchFamily="34" charset="0"/>
+              <a:buChar char="•"/>
+            </a:pPr>
+            <a:r>
+              <a:rPr lang="zh-CN" altLang="en-US" sz="2000" dirty="0">
+                <a:latin typeface="微软雅黑" panose="020B0503020204020204" pitchFamily="34" charset="-122"/>
+                <a:ea typeface="微软雅黑" panose="020B0503020204020204" pitchFamily="34" charset="-122"/>
+              </a:rPr>
+              <a:t>通过使用微信</a:t>
+            </a:r>
+            <a:r>
+              <a:rPr lang="en-US" altLang="zh-CN" sz="2000" dirty="0">
+                <a:latin typeface="微软雅黑" panose="020B0503020204020204" pitchFamily="34" charset="-122"/>
+                <a:ea typeface="微软雅黑" panose="020B0503020204020204" pitchFamily="34" charset="-122"/>
+              </a:rPr>
+              <a:t>JS-SDK</a:t>
+            </a:r>
+            <a:r>
+              <a:rPr lang="zh-CN" altLang="en-US" sz="2000" dirty="0">
+                <a:latin typeface="微软雅黑" panose="020B0503020204020204" pitchFamily="34" charset="-122"/>
+                <a:ea typeface="微软雅黑" panose="020B0503020204020204" pitchFamily="34" charset="-122"/>
+              </a:rPr>
+              <a:t>，网页开发者可借助微信高效地使用拍照、选图、语音、位置等手机系统的能力，同时可以直接使用微信分享、扫一扫、卡券、支付等微信特有的能力，为微信用户提供更优质的网页体验。</a:t>
             </a:r>
           </a:p>
         </p:txBody>
@@ -18017,12 +15213,650 @@
           <a:lstStyle/>
           <a:p>
             <a:r>
-              <a:rPr lang="en-US" altLang="zh-CN" b="0" dirty="0" err="1"/>
-              <a:t>WeUI</a:t>
+              <a:rPr lang="en-US" altLang="zh-CN" b="0" dirty="0"/>
+              <a:t>JS-SDK</a:t>
             </a:r>
             <a:r>
               <a:rPr lang="zh-CN" altLang="en-US" b="0" dirty="0"/>
-              <a:t>示例</a:t>
+              <a:t>使用步骤</a:t>
+            </a:r>
+          </a:p>
+        </p:txBody>
+      </p:sp>
+      <p:sp>
+        <p:nvSpPr>
+          <p:cNvPr id="3" name="文本框 2">
+            <a:extLst>
+              <a:ext uri="{FF2B5EF4-FFF2-40B4-BE49-F238E27FC236}">
+                <a16:creationId xmlns:a16="http://schemas.microsoft.com/office/drawing/2014/main" id="{BE32C8A3-F59C-4334-B478-BC0C30A77569}"/>
+              </a:ext>
+            </a:extLst>
+          </p:cNvPr>
+          <p:cNvSpPr txBox="1"/>
+          <p:nvPr/>
+        </p:nvSpPr>
+        <p:spPr>
+          <a:xfrm>
+            <a:off x="1054100" y="1692166"/>
+            <a:ext cx="10717486" cy="4371068"/>
+          </a:xfrm>
+          <a:prstGeom prst="rect">
+            <a:avLst/>
+          </a:prstGeom>
+          <a:noFill/>
+        </p:spPr>
+        <p:txBody>
+          <a:bodyPr wrap="square" rtlCol="0">
+            <a:spAutoFit/>
+          </a:bodyPr>
+          <a:lstStyle/>
+          <a:p>
+            <a:pPr>
+              <a:lnSpc>
+                <a:spcPts val="2800"/>
+              </a:lnSpc>
+            </a:pPr>
+            <a:r>
+              <a:rPr lang="zh-CN" altLang="en-US" b="1" dirty="0">
+                <a:latin typeface="Calibri" panose="020F0502020204030204" pitchFamily="34" charset="0"/>
+                <a:ea typeface="微软雅黑" panose="020B0503020204020204" pitchFamily="34" charset="-122"/>
+              </a:rPr>
+              <a:t>步骤一：绑定域名</a:t>
+            </a:r>
+            <a:endParaRPr lang="zh-CN" altLang="en-US" dirty="0">
+              <a:latin typeface="Calibri" panose="020F0502020204030204" pitchFamily="34" charset="0"/>
+              <a:ea typeface="微软雅黑" panose="020B0503020204020204" pitchFamily="34" charset="-122"/>
+            </a:endParaRPr>
+          </a:p>
+          <a:p>
+            <a:pPr lvl="1">
+              <a:lnSpc>
+                <a:spcPts val="2800"/>
+              </a:lnSpc>
+            </a:pPr>
+            <a:r>
+              <a:rPr lang="zh-CN" altLang="en-US" sz="1600" dirty="0">
+                <a:latin typeface="Calibri" panose="020F0502020204030204" pitchFamily="34" charset="0"/>
+                <a:ea typeface="微软雅黑" panose="020B0503020204020204" pitchFamily="34" charset="-122"/>
+              </a:rPr>
+              <a:t>先登录微信公众平台进入“公众号设置”的“功能设置”里填写“</a:t>
+            </a:r>
+            <a:r>
+              <a:rPr lang="en-US" altLang="zh-CN" sz="1600" dirty="0">
+                <a:latin typeface="Calibri" panose="020F0502020204030204" pitchFamily="34" charset="0"/>
+                <a:ea typeface="微软雅黑" panose="020B0503020204020204" pitchFamily="34" charset="-122"/>
+              </a:rPr>
+              <a:t>JS</a:t>
+            </a:r>
+            <a:r>
+              <a:rPr lang="zh-CN" altLang="en-US" sz="1600" dirty="0">
+                <a:latin typeface="Calibri" panose="020F0502020204030204" pitchFamily="34" charset="0"/>
+                <a:ea typeface="微软雅黑" panose="020B0503020204020204" pitchFamily="34" charset="-122"/>
+              </a:rPr>
+              <a:t>接口安全域名”。</a:t>
+            </a:r>
+          </a:p>
+          <a:p>
+            <a:pPr lvl="1">
+              <a:lnSpc>
+                <a:spcPts val="2800"/>
+              </a:lnSpc>
+            </a:pPr>
+            <a:r>
+              <a:rPr lang="zh-CN" altLang="en-US" sz="1600" dirty="0">
+                <a:latin typeface="Calibri" panose="020F0502020204030204" pitchFamily="34" charset="0"/>
+                <a:ea typeface="微软雅黑" panose="020B0503020204020204" pitchFamily="34" charset="-122"/>
+              </a:rPr>
+              <a:t>备注：登录后可在“开发者中心”查看对应的接口权限。</a:t>
+            </a:r>
+          </a:p>
+          <a:p>
+            <a:pPr>
+              <a:lnSpc>
+                <a:spcPts val="2800"/>
+              </a:lnSpc>
+            </a:pPr>
+            <a:r>
+              <a:rPr lang="zh-CN" altLang="en-US" b="1" dirty="0">
+                <a:latin typeface="Calibri" panose="020F0502020204030204" pitchFamily="34" charset="0"/>
+                <a:ea typeface="微软雅黑" panose="020B0503020204020204" pitchFamily="34" charset="-122"/>
+              </a:rPr>
+              <a:t>步骤二：引入</a:t>
+            </a:r>
+            <a:r>
+              <a:rPr lang="en-US" altLang="zh-CN" b="1" dirty="0">
+                <a:latin typeface="Calibri" panose="020F0502020204030204" pitchFamily="34" charset="0"/>
+                <a:ea typeface="微软雅黑" panose="020B0503020204020204" pitchFamily="34" charset="-122"/>
+              </a:rPr>
+              <a:t>JS</a:t>
+            </a:r>
+            <a:r>
+              <a:rPr lang="zh-CN" altLang="en-US" b="1" dirty="0">
+                <a:latin typeface="Calibri" panose="020F0502020204030204" pitchFamily="34" charset="0"/>
+                <a:ea typeface="微软雅黑" panose="020B0503020204020204" pitchFamily="34" charset="-122"/>
+              </a:rPr>
+              <a:t>文件</a:t>
+            </a:r>
+            <a:endParaRPr lang="zh-CN" altLang="en-US" dirty="0">
+              <a:latin typeface="Calibri" panose="020F0502020204030204" pitchFamily="34" charset="0"/>
+              <a:ea typeface="微软雅黑" panose="020B0503020204020204" pitchFamily="34" charset="-122"/>
+            </a:endParaRPr>
+          </a:p>
+          <a:p>
+            <a:pPr lvl="1">
+              <a:lnSpc>
+                <a:spcPts val="2800"/>
+              </a:lnSpc>
+            </a:pPr>
+            <a:r>
+              <a:rPr lang="zh-CN" altLang="en-US" sz="1600" dirty="0">
+                <a:latin typeface="Calibri" panose="020F0502020204030204" pitchFamily="34" charset="0"/>
+                <a:ea typeface="微软雅黑" panose="020B0503020204020204" pitchFamily="34" charset="-122"/>
+              </a:rPr>
+              <a:t>在需要调用</a:t>
+            </a:r>
+            <a:r>
+              <a:rPr lang="en-US" altLang="zh-CN" sz="1600" dirty="0">
+                <a:latin typeface="Calibri" panose="020F0502020204030204" pitchFamily="34" charset="0"/>
+                <a:ea typeface="微软雅黑" panose="020B0503020204020204" pitchFamily="34" charset="-122"/>
+              </a:rPr>
+              <a:t>JS</a:t>
+            </a:r>
+            <a:r>
+              <a:rPr lang="zh-CN" altLang="en-US" sz="1600" dirty="0">
+                <a:latin typeface="Calibri" panose="020F0502020204030204" pitchFamily="34" charset="0"/>
+                <a:ea typeface="微软雅黑" panose="020B0503020204020204" pitchFamily="34" charset="-122"/>
+              </a:rPr>
+              <a:t>接口的页面引入如下</a:t>
+            </a:r>
+            <a:r>
+              <a:rPr lang="en-US" altLang="zh-CN" sz="1600" dirty="0">
+                <a:latin typeface="Calibri" panose="020F0502020204030204" pitchFamily="34" charset="0"/>
+                <a:ea typeface="微软雅黑" panose="020B0503020204020204" pitchFamily="34" charset="-122"/>
+              </a:rPr>
+              <a:t>JS</a:t>
+            </a:r>
+            <a:r>
+              <a:rPr lang="zh-CN" altLang="en-US" sz="1600" dirty="0">
+                <a:latin typeface="Calibri" panose="020F0502020204030204" pitchFamily="34" charset="0"/>
+                <a:ea typeface="微软雅黑" panose="020B0503020204020204" pitchFamily="34" charset="-122"/>
+              </a:rPr>
+              <a:t>文件，（支持</a:t>
+            </a:r>
+            <a:r>
+              <a:rPr lang="en-US" altLang="zh-CN" sz="1600" dirty="0">
+                <a:latin typeface="Calibri" panose="020F0502020204030204" pitchFamily="34" charset="0"/>
+                <a:ea typeface="微软雅黑" panose="020B0503020204020204" pitchFamily="34" charset="-122"/>
+              </a:rPr>
+              <a:t>https</a:t>
+            </a:r>
+            <a:r>
+              <a:rPr lang="zh-CN" altLang="en-US" sz="1600" dirty="0">
+                <a:latin typeface="Calibri" panose="020F0502020204030204" pitchFamily="34" charset="0"/>
+                <a:ea typeface="微软雅黑" panose="020B0503020204020204" pitchFamily="34" charset="-122"/>
+              </a:rPr>
+              <a:t>）：</a:t>
+            </a:r>
+            <a:r>
+              <a:rPr lang="en-US" altLang="zh-CN" sz="1600" dirty="0">
+                <a:latin typeface="Calibri" panose="020F0502020204030204" pitchFamily="34" charset="0"/>
+                <a:ea typeface="微软雅黑" panose="020B0503020204020204" pitchFamily="34" charset="-122"/>
+                <a:hlinkClick r:id="rId2"/>
+              </a:rPr>
+              <a:t>http://res.wx.qq.com/open/js/jweixin-1.2.0.js</a:t>
+            </a:r>
+            <a:r>
+              <a:rPr lang="zh-CN" altLang="en-US" sz="1600" dirty="0">
+                <a:latin typeface="Calibri" panose="020F0502020204030204" pitchFamily="34" charset="0"/>
+                <a:ea typeface="微软雅黑" panose="020B0503020204020204" pitchFamily="34" charset="-122"/>
+              </a:rPr>
+              <a:t>（备注：支持使用 </a:t>
+            </a:r>
+            <a:r>
+              <a:rPr lang="en-US" altLang="zh-CN" sz="1600" dirty="0">
+                <a:latin typeface="Calibri" panose="020F0502020204030204" pitchFamily="34" charset="0"/>
+                <a:ea typeface="微软雅黑" panose="020B0503020204020204" pitchFamily="34" charset="-122"/>
+              </a:rPr>
+              <a:t>AMD/CMD </a:t>
+            </a:r>
+            <a:r>
+              <a:rPr lang="zh-CN" altLang="en-US" sz="1600" dirty="0">
+                <a:latin typeface="Calibri" panose="020F0502020204030204" pitchFamily="34" charset="0"/>
+                <a:ea typeface="微软雅黑" panose="020B0503020204020204" pitchFamily="34" charset="-122"/>
+              </a:rPr>
+              <a:t>标准模块加载方法加载）</a:t>
+            </a:r>
+          </a:p>
+          <a:p>
+            <a:pPr>
+              <a:lnSpc>
+                <a:spcPts val="2800"/>
+              </a:lnSpc>
+            </a:pPr>
+            <a:r>
+              <a:rPr lang="zh-CN" altLang="en-US" b="1" dirty="0">
+                <a:latin typeface="Calibri" panose="020F0502020204030204" pitchFamily="34" charset="0"/>
+                <a:ea typeface="微软雅黑" panose="020B0503020204020204" pitchFamily="34" charset="-122"/>
+              </a:rPr>
+              <a:t>步骤三：通过</a:t>
+            </a:r>
+            <a:r>
+              <a:rPr lang="en-US" altLang="zh-CN" b="1" dirty="0">
+                <a:latin typeface="Calibri" panose="020F0502020204030204" pitchFamily="34" charset="0"/>
+                <a:ea typeface="微软雅黑" panose="020B0503020204020204" pitchFamily="34" charset="-122"/>
+              </a:rPr>
+              <a:t>config</a:t>
+            </a:r>
+            <a:r>
+              <a:rPr lang="zh-CN" altLang="en-US" b="1" dirty="0">
+                <a:latin typeface="Calibri" panose="020F0502020204030204" pitchFamily="34" charset="0"/>
+                <a:ea typeface="微软雅黑" panose="020B0503020204020204" pitchFamily="34" charset="-122"/>
+              </a:rPr>
+              <a:t>接口注入权限验证配置</a:t>
+            </a:r>
+            <a:endParaRPr lang="zh-CN" altLang="en-US" dirty="0">
+              <a:latin typeface="Calibri" panose="020F0502020204030204" pitchFamily="34" charset="0"/>
+              <a:ea typeface="微软雅黑" panose="020B0503020204020204" pitchFamily="34" charset="-122"/>
+            </a:endParaRPr>
+          </a:p>
+          <a:p>
+            <a:pPr lvl="1">
+              <a:lnSpc>
+                <a:spcPts val="2800"/>
+              </a:lnSpc>
+            </a:pPr>
+            <a:r>
+              <a:rPr lang="zh-CN" altLang="en-US" sz="1600" dirty="0">
+                <a:solidFill>
+                  <a:schemeClr val="accent6">
+                    <a:lumMod val="75000"/>
+                  </a:schemeClr>
+                </a:solidFill>
+                <a:latin typeface="Calibri" panose="020F0502020204030204" pitchFamily="34" charset="0"/>
+                <a:ea typeface="微软雅黑" panose="020B0503020204020204" pitchFamily="34" charset="-122"/>
+              </a:rPr>
+              <a:t>所有需要使用</a:t>
+            </a:r>
+            <a:r>
+              <a:rPr lang="en-US" altLang="zh-CN" sz="1600" dirty="0">
+                <a:solidFill>
+                  <a:schemeClr val="accent6">
+                    <a:lumMod val="75000"/>
+                  </a:schemeClr>
+                </a:solidFill>
+                <a:latin typeface="Calibri" panose="020F0502020204030204" pitchFamily="34" charset="0"/>
+                <a:ea typeface="微软雅黑" panose="020B0503020204020204" pitchFamily="34" charset="-122"/>
+              </a:rPr>
+              <a:t>JS-SDK</a:t>
+            </a:r>
+            <a:r>
+              <a:rPr lang="zh-CN" altLang="en-US" sz="1600" dirty="0">
+                <a:solidFill>
+                  <a:schemeClr val="accent6">
+                    <a:lumMod val="75000"/>
+                  </a:schemeClr>
+                </a:solidFill>
+                <a:latin typeface="Calibri" panose="020F0502020204030204" pitchFamily="34" charset="0"/>
+                <a:ea typeface="微软雅黑" panose="020B0503020204020204" pitchFamily="34" charset="-122"/>
+              </a:rPr>
+              <a:t>的页面必须先注入配置信息，否则将无法调用（同一个</a:t>
+            </a:r>
+            <a:r>
+              <a:rPr lang="en-US" altLang="zh-CN" sz="1600" dirty="0" err="1">
+                <a:solidFill>
+                  <a:schemeClr val="accent6">
+                    <a:lumMod val="75000"/>
+                  </a:schemeClr>
+                </a:solidFill>
+                <a:latin typeface="Calibri" panose="020F0502020204030204" pitchFamily="34" charset="0"/>
+                <a:ea typeface="微软雅黑" panose="020B0503020204020204" pitchFamily="34" charset="-122"/>
+              </a:rPr>
+              <a:t>url</a:t>
+            </a:r>
+            <a:r>
+              <a:rPr lang="zh-CN" altLang="en-US" sz="1600" dirty="0">
+                <a:solidFill>
+                  <a:schemeClr val="accent6">
+                    <a:lumMod val="75000"/>
+                  </a:schemeClr>
+                </a:solidFill>
+                <a:latin typeface="Calibri" panose="020F0502020204030204" pitchFamily="34" charset="0"/>
+                <a:ea typeface="微软雅黑" panose="020B0503020204020204" pitchFamily="34" charset="-122"/>
+              </a:rPr>
+              <a:t>仅需调用一次，对于变化</a:t>
+            </a:r>
+            <a:r>
+              <a:rPr lang="en-US" altLang="zh-CN" sz="1600" dirty="0" err="1">
+                <a:solidFill>
+                  <a:schemeClr val="accent6">
+                    <a:lumMod val="75000"/>
+                  </a:schemeClr>
+                </a:solidFill>
+                <a:latin typeface="Calibri" panose="020F0502020204030204" pitchFamily="34" charset="0"/>
+                <a:ea typeface="微软雅黑" panose="020B0503020204020204" pitchFamily="34" charset="-122"/>
+              </a:rPr>
+              <a:t>url</a:t>
+            </a:r>
+            <a:r>
+              <a:rPr lang="zh-CN" altLang="en-US" sz="1600" dirty="0">
+                <a:solidFill>
+                  <a:schemeClr val="accent6">
+                    <a:lumMod val="75000"/>
+                  </a:schemeClr>
+                </a:solidFill>
+                <a:latin typeface="Calibri" panose="020F0502020204030204" pitchFamily="34" charset="0"/>
+                <a:ea typeface="微软雅黑" panose="020B0503020204020204" pitchFamily="34" charset="-122"/>
+              </a:rPr>
+              <a:t>的</a:t>
+            </a:r>
+            <a:r>
+              <a:rPr lang="en-US" altLang="zh-CN" sz="1600" dirty="0">
+                <a:solidFill>
+                  <a:schemeClr val="accent6">
+                    <a:lumMod val="75000"/>
+                  </a:schemeClr>
+                </a:solidFill>
+                <a:latin typeface="Calibri" panose="020F0502020204030204" pitchFamily="34" charset="0"/>
+                <a:ea typeface="微软雅黑" panose="020B0503020204020204" pitchFamily="34" charset="-122"/>
+              </a:rPr>
+              <a:t>SPA</a:t>
+            </a:r>
+            <a:r>
+              <a:rPr lang="zh-CN" altLang="en-US" sz="1600" dirty="0">
+                <a:solidFill>
+                  <a:schemeClr val="accent6">
+                    <a:lumMod val="75000"/>
+                  </a:schemeClr>
+                </a:solidFill>
+                <a:latin typeface="Calibri" panose="020F0502020204030204" pitchFamily="34" charset="0"/>
+                <a:ea typeface="微软雅黑" panose="020B0503020204020204" pitchFamily="34" charset="-122"/>
+              </a:rPr>
+              <a:t>的</a:t>
+            </a:r>
+            <a:r>
+              <a:rPr lang="en-US" altLang="zh-CN" sz="1600" dirty="0">
+                <a:solidFill>
+                  <a:schemeClr val="accent6">
+                    <a:lumMod val="75000"/>
+                  </a:schemeClr>
+                </a:solidFill>
+                <a:latin typeface="Calibri" panose="020F0502020204030204" pitchFamily="34" charset="0"/>
+                <a:ea typeface="微软雅黑" panose="020B0503020204020204" pitchFamily="34" charset="-122"/>
+              </a:rPr>
+              <a:t>web app</a:t>
+            </a:r>
+            <a:r>
+              <a:rPr lang="zh-CN" altLang="en-US" sz="1600" dirty="0">
+                <a:solidFill>
+                  <a:schemeClr val="accent6">
+                    <a:lumMod val="75000"/>
+                  </a:schemeClr>
+                </a:solidFill>
+                <a:latin typeface="Calibri" panose="020F0502020204030204" pitchFamily="34" charset="0"/>
+                <a:ea typeface="微软雅黑" panose="020B0503020204020204" pitchFamily="34" charset="-122"/>
+              </a:rPr>
+              <a:t>可在每次</a:t>
+            </a:r>
+            <a:r>
+              <a:rPr lang="en-US" altLang="zh-CN" sz="1600" dirty="0" err="1">
+                <a:solidFill>
+                  <a:schemeClr val="accent6">
+                    <a:lumMod val="75000"/>
+                  </a:schemeClr>
+                </a:solidFill>
+                <a:latin typeface="Calibri" panose="020F0502020204030204" pitchFamily="34" charset="0"/>
+                <a:ea typeface="微软雅黑" panose="020B0503020204020204" pitchFamily="34" charset="-122"/>
+              </a:rPr>
+              <a:t>url</a:t>
+            </a:r>
+            <a:r>
+              <a:rPr lang="zh-CN" altLang="en-US" sz="1600" dirty="0">
+                <a:solidFill>
+                  <a:schemeClr val="accent6">
+                    <a:lumMod val="75000"/>
+                  </a:schemeClr>
+                </a:solidFill>
+                <a:latin typeface="Calibri" panose="020F0502020204030204" pitchFamily="34" charset="0"/>
+                <a:ea typeface="微软雅黑" panose="020B0503020204020204" pitchFamily="34" charset="-122"/>
+              </a:rPr>
+              <a:t>变化时进行调用</a:t>
+            </a:r>
+            <a:r>
+              <a:rPr lang="en-US" altLang="zh-CN" sz="1600" dirty="0">
+                <a:solidFill>
+                  <a:schemeClr val="accent6">
+                    <a:lumMod val="75000"/>
+                  </a:schemeClr>
+                </a:solidFill>
+                <a:latin typeface="Calibri" panose="020F0502020204030204" pitchFamily="34" charset="0"/>
+                <a:ea typeface="微软雅黑" panose="020B0503020204020204" pitchFamily="34" charset="-122"/>
+              </a:rPr>
+              <a:t>,</a:t>
+            </a:r>
+            <a:r>
+              <a:rPr lang="zh-CN" altLang="en-US" sz="1600" dirty="0">
+                <a:solidFill>
+                  <a:schemeClr val="accent6">
+                    <a:lumMod val="75000"/>
+                  </a:schemeClr>
+                </a:solidFill>
+                <a:latin typeface="Calibri" panose="020F0502020204030204" pitchFamily="34" charset="0"/>
+                <a:ea typeface="微软雅黑" panose="020B0503020204020204" pitchFamily="34" charset="-122"/>
+              </a:rPr>
+              <a:t>目前</a:t>
+            </a:r>
+            <a:r>
+              <a:rPr lang="en-US" altLang="zh-CN" sz="1600" dirty="0">
+                <a:solidFill>
+                  <a:schemeClr val="accent6">
+                    <a:lumMod val="75000"/>
+                  </a:schemeClr>
+                </a:solidFill>
+                <a:latin typeface="Calibri" panose="020F0502020204030204" pitchFamily="34" charset="0"/>
+                <a:ea typeface="微软雅黑" panose="020B0503020204020204" pitchFamily="34" charset="-122"/>
+              </a:rPr>
+              <a:t>Android</a:t>
+            </a:r>
+            <a:r>
+              <a:rPr lang="zh-CN" altLang="en-US" sz="1600" dirty="0">
+                <a:solidFill>
+                  <a:schemeClr val="accent6">
+                    <a:lumMod val="75000"/>
+                  </a:schemeClr>
+                </a:solidFill>
+                <a:latin typeface="Calibri" panose="020F0502020204030204" pitchFamily="34" charset="0"/>
+                <a:ea typeface="微软雅黑" panose="020B0503020204020204" pitchFamily="34" charset="-122"/>
+              </a:rPr>
+              <a:t>微信客户端不支持</a:t>
+            </a:r>
+            <a:r>
+              <a:rPr lang="en-US" altLang="zh-CN" sz="1600" dirty="0" err="1">
+                <a:solidFill>
+                  <a:schemeClr val="accent6">
+                    <a:lumMod val="75000"/>
+                  </a:schemeClr>
+                </a:solidFill>
+                <a:latin typeface="Calibri" panose="020F0502020204030204" pitchFamily="34" charset="0"/>
+                <a:ea typeface="微软雅黑" panose="020B0503020204020204" pitchFamily="34" charset="-122"/>
+              </a:rPr>
+              <a:t>pushState</a:t>
+            </a:r>
+            <a:r>
+              <a:rPr lang="zh-CN" altLang="en-US" sz="1600" dirty="0">
+                <a:solidFill>
+                  <a:schemeClr val="accent6">
+                    <a:lumMod val="75000"/>
+                  </a:schemeClr>
+                </a:solidFill>
+                <a:latin typeface="Calibri" panose="020F0502020204030204" pitchFamily="34" charset="0"/>
+                <a:ea typeface="微软雅黑" panose="020B0503020204020204" pitchFamily="34" charset="-122"/>
+              </a:rPr>
+              <a:t>的</a:t>
+            </a:r>
+            <a:r>
+              <a:rPr lang="en-US" altLang="zh-CN" sz="1600" dirty="0">
+                <a:solidFill>
+                  <a:schemeClr val="accent6">
+                    <a:lumMod val="75000"/>
+                  </a:schemeClr>
+                </a:solidFill>
+                <a:latin typeface="Calibri" panose="020F0502020204030204" pitchFamily="34" charset="0"/>
+                <a:ea typeface="微软雅黑" panose="020B0503020204020204" pitchFamily="34" charset="-122"/>
+              </a:rPr>
+              <a:t>H5</a:t>
+            </a:r>
+            <a:r>
+              <a:rPr lang="zh-CN" altLang="en-US" sz="1600" dirty="0">
+                <a:solidFill>
+                  <a:schemeClr val="accent6">
+                    <a:lumMod val="75000"/>
+                  </a:schemeClr>
+                </a:solidFill>
+                <a:latin typeface="Calibri" panose="020F0502020204030204" pitchFamily="34" charset="0"/>
+                <a:ea typeface="微软雅黑" panose="020B0503020204020204" pitchFamily="34" charset="-122"/>
+              </a:rPr>
+              <a:t>新特性，所以使用</a:t>
+            </a:r>
+            <a:r>
+              <a:rPr lang="en-US" altLang="zh-CN" sz="1600" dirty="0" err="1">
+                <a:solidFill>
+                  <a:schemeClr val="accent6">
+                    <a:lumMod val="75000"/>
+                  </a:schemeClr>
+                </a:solidFill>
+                <a:latin typeface="Calibri" panose="020F0502020204030204" pitchFamily="34" charset="0"/>
+                <a:ea typeface="微软雅黑" panose="020B0503020204020204" pitchFamily="34" charset="-122"/>
+              </a:rPr>
+              <a:t>pushState</a:t>
+            </a:r>
+            <a:r>
+              <a:rPr lang="zh-CN" altLang="en-US" sz="1600" dirty="0">
+                <a:solidFill>
+                  <a:schemeClr val="accent6">
+                    <a:lumMod val="75000"/>
+                  </a:schemeClr>
+                </a:solidFill>
+                <a:latin typeface="Calibri" panose="020F0502020204030204" pitchFamily="34" charset="0"/>
+                <a:ea typeface="微软雅黑" panose="020B0503020204020204" pitchFamily="34" charset="-122"/>
+              </a:rPr>
+              <a:t>来实现</a:t>
+            </a:r>
+            <a:r>
+              <a:rPr lang="en-US" altLang="zh-CN" sz="1600" dirty="0">
+                <a:solidFill>
+                  <a:schemeClr val="accent6">
+                    <a:lumMod val="75000"/>
+                  </a:schemeClr>
+                </a:solidFill>
+                <a:latin typeface="Calibri" panose="020F0502020204030204" pitchFamily="34" charset="0"/>
+                <a:ea typeface="微软雅黑" panose="020B0503020204020204" pitchFamily="34" charset="-122"/>
+              </a:rPr>
+              <a:t>web app</a:t>
+            </a:r>
+            <a:r>
+              <a:rPr lang="zh-CN" altLang="en-US" sz="1600" dirty="0">
+                <a:solidFill>
+                  <a:schemeClr val="accent6">
+                    <a:lumMod val="75000"/>
+                  </a:schemeClr>
+                </a:solidFill>
+                <a:latin typeface="Calibri" panose="020F0502020204030204" pitchFamily="34" charset="0"/>
+                <a:ea typeface="微软雅黑" panose="020B0503020204020204" pitchFamily="34" charset="-122"/>
+              </a:rPr>
+              <a:t>的页面会导致签名失败，此问题会在</a:t>
+            </a:r>
+            <a:r>
+              <a:rPr lang="en-US" altLang="zh-CN" sz="1600" dirty="0">
+                <a:solidFill>
+                  <a:schemeClr val="accent6">
+                    <a:lumMod val="75000"/>
+                  </a:schemeClr>
+                </a:solidFill>
+                <a:latin typeface="Calibri" panose="020F0502020204030204" pitchFamily="34" charset="0"/>
+                <a:ea typeface="微软雅黑" panose="020B0503020204020204" pitchFamily="34" charset="-122"/>
+              </a:rPr>
+              <a:t>Android6.2</a:t>
+            </a:r>
+            <a:r>
+              <a:rPr lang="zh-CN" altLang="en-US" sz="1600" dirty="0">
+                <a:solidFill>
+                  <a:schemeClr val="accent6">
+                    <a:lumMod val="75000"/>
+                  </a:schemeClr>
+                </a:solidFill>
+                <a:latin typeface="Calibri" panose="020F0502020204030204" pitchFamily="34" charset="0"/>
+                <a:ea typeface="微软雅黑" panose="020B0503020204020204" pitchFamily="34" charset="-122"/>
+              </a:rPr>
+              <a:t>中修复）。</a:t>
+            </a:r>
+            <a:endParaRPr lang="en-US" altLang="zh-CN" sz="1600" dirty="0">
+              <a:solidFill>
+                <a:schemeClr val="accent6">
+                  <a:lumMod val="75000"/>
+                </a:schemeClr>
+              </a:solidFill>
+              <a:latin typeface="Calibri" panose="020F0502020204030204" pitchFamily="34" charset="0"/>
+              <a:ea typeface="微软雅黑" panose="020B0503020204020204" pitchFamily="34" charset="-122"/>
+            </a:endParaRPr>
+          </a:p>
+          <a:p>
+            <a:pPr>
+              <a:lnSpc>
+                <a:spcPts val="2800"/>
+              </a:lnSpc>
+            </a:pPr>
+            <a:r>
+              <a:rPr lang="zh-CN" altLang="en-US" b="1" dirty="0">
+                <a:latin typeface="Calibri" panose="020F0502020204030204" pitchFamily="34" charset="0"/>
+                <a:ea typeface="微软雅黑" panose="020B0503020204020204" pitchFamily="34" charset="-122"/>
+              </a:rPr>
+              <a:t>步骤四：通过</a:t>
+            </a:r>
+            <a:r>
+              <a:rPr lang="en-US" altLang="zh-CN" b="1" dirty="0">
+                <a:latin typeface="Calibri" panose="020F0502020204030204" pitchFamily="34" charset="0"/>
+                <a:ea typeface="微软雅黑" panose="020B0503020204020204" pitchFamily="34" charset="-122"/>
+              </a:rPr>
+              <a:t>ready</a:t>
+            </a:r>
+            <a:r>
+              <a:rPr lang="zh-CN" altLang="en-US" b="1" dirty="0">
+                <a:latin typeface="Calibri" panose="020F0502020204030204" pitchFamily="34" charset="0"/>
+                <a:ea typeface="微软雅黑" panose="020B0503020204020204" pitchFamily="34" charset="-122"/>
+              </a:rPr>
+              <a:t>接口处理成功验证</a:t>
+            </a:r>
+            <a:endParaRPr lang="en-US" altLang="zh-CN" b="1" dirty="0">
+              <a:latin typeface="Calibri" panose="020F0502020204030204" pitchFamily="34" charset="0"/>
+              <a:ea typeface="微软雅黑" panose="020B0503020204020204" pitchFamily="34" charset="-122"/>
+            </a:endParaRPr>
+          </a:p>
+          <a:p>
+            <a:pPr>
+              <a:lnSpc>
+                <a:spcPts val="2800"/>
+              </a:lnSpc>
+            </a:pPr>
+            <a:r>
+              <a:rPr lang="zh-CN" altLang="en-US" b="1" dirty="0">
+                <a:latin typeface="Calibri" panose="020F0502020204030204" pitchFamily="34" charset="0"/>
+                <a:ea typeface="微软雅黑" panose="020B0503020204020204" pitchFamily="34" charset="-122"/>
+              </a:rPr>
+              <a:t>步骤五：通过</a:t>
+            </a:r>
+            <a:r>
+              <a:rPr lang="en-US" altLang="zh-CN" b="1" dirty="0">
+                <a:latin typeface="Calibri" panose="020F0502020204030204" pitchFamily="34" charset="0"/>
+                <a:ea typeface="微软雅黑" panose="020B0503020204020204" pitchFamily="34" charset="-122"/>
+              </a:rPr>
+              <a:t>error</a:t>
+            </a:r>
+            <a:r>
+              <a:rPr lang="zh-CN" altLang="en-US" b="1" dirty="0">
+                <a:latin typeface="Calibri" panose="020F0502020204030204" pitchFamily="34" charset="0"/>
+                <a:ea typeface="微软雅黑" panose="020B0503020204020204" pitchFamily="34" charset="-122"/>
+              </a:rPr>
+              <a:t>接口处理失败验证</a:t>
             </a:r>
           </a:p>
         </p:txBody>
@@ -18073,13 +15907,14 @@
           <a:lstStyle/>
           <a:p>
             <a:r>
-              <a:rPr lang="en-US" altLang="zh-CN" b="0" dirty="0" err="1"/>
-              <a:t>WeUI</a:t>
-            </a:r>
-            <a:r>
               <a:rPr lang="zh-CN" altLang="en-US" b="0" dirty="0"/>
-              <a:t>组件示例代码</a:t>
-            </a:r>
+              <a:t>配置</a:t>
+            </a:r>
+            <a:r>
+              <a:rPr lang="en-US" altLang="zh-CN" b="0" dirty="0"/>
+              <a:t>JS-SDK</a:t>
+            </a:r>
+            <a:endParaRPr lang="zh-CN" altLang="en-US" b="0" dirty="0"/>
           </a:p>
         </p:txBody>
       </p:sp>
@@ -18126,7 +15961,7 @@
         <p:spPr>
           <a:xfrm>
             <a:off x="1054099" y="543636"/>
-            <a:ext cx="5375275" cy="685800"/>
+            <a:ext cx="6113956" cy="685800"/>
           </a:xfrm>
         </p:spPr>
         <p:txBody>
@@ -18134,12 +15969,12 @@
           <a:lstStyle/>
           <a:p>
             <a:r>
-              <a:rPr lang="en-US" altLang="zh-CN" b="0" dirty="0" err="1"/>
-              <a:t>WeUI</a:t>
+              <a:rPr lang="en-US" altLang="zh-CN" b="0" dirty="0"/>
+              <a:t>Ready</a:t>
             </a:r>
             <a:r>
               <a:rPr lang="zh-CN" altLang="en-US" b="0" dirty="0"/>
-              <a:t>组件示例代码</a:t>
+              <a:t>接口的回调函数</a:t>
             </a:r>
           </a:p>
         </p:txBody>
@@ -18187,7 +16022,7 @@
         <p:spPr>
           <a:xfrm>
             <a:off x="1054099" y="543636"/>
-            <a:ext cx="5375275" cy="685800"/>
+            <a:ext cx="5788135" cy="685800"/>
           </a:xfrm>
         </p:spPr>
         <p:txBody>
@@ -18195,12 +16030,12 @@
           <a:lstStyle/>
           <a:p>
             <a:r>
-              <a:rPr lang="en-US" altLang="zh-CN" b="0" dirty="0" err="1"/>
-              <a:t>WeUI</a:t>
+              <a:rPr lang="en-US" altLang="zh-CN" b="0" dirty="0"/>
+              <a:t>Error</a:t>
             </a:r>
             <a:r>
               <a:rPr lang="zh-CN" altLang="en-US" b="0" dirty="0"/>
-              <a:t>页面展示</a:t>
+              <a:t>接口的回调函数</a:t>
             </a:r>
           </a:p>
         </p:txBody>

--- a/第10讲 JS-SDK.pptx
+++ b/第10讲 JS-SDK.pptx
@@ -271,7 +271,7 @@
           <a:p>
             <a:fld id="{2B71C804-97F5-4B36-A7AC-EEEC7F44F6C2}" type="datetimeFigureOut">
               <a:rPr lang="zh-CN" altLang="en-US" smtClean="0"/>
-              <a:t>2017/8/21</a:t>
+              <a:t>2017/8/28</a:t>
             </a:fld>
             <a:endParaRPr lang="zh-CN" altLang="en-US"/>
           </a:p>
@@ -437,7 +437,7 @@
           <a:p>
             <a:fld id="{0568D9C6-D8DC-4CC3-8480-E0C4DBA1CC07}" type="datetimeFigureOut">
               <a:rPr lang="zh-CN" altLang="en-US" smtClean="0"/>
-              <a:t>2017/8/21</a:t>
+              <a:t>2017/8/28</a:t>
             </a:fld>
             <a:endParaRPr lang="zh-CN" altLang="en-US"/>
           </a:p>
@@ -1050,7 +1050,7 @@
           <a:p>
             <a:fld id="{DB9D664F-4C68-42D2-B189-678958EFAFDA}" type="datetime1">
               <a:rPr lang="zh-CN" altLang="en-US" smtClean="0"/>
-              <a:t>2017/8/21</a:t>
+              <a:t>2017/8/28</a:t>
             </a:fld>
             <a:endParaRPr lang="zh-CN" altLang="en-US"/>
           </a:p>
@@ -2032,7 +2032,7 @@
           <a:p>
             <a:fld id="{ED5513C8-E3A4-4D78-B249-887659A958FF}" type="datetime1">
               <a:rPr lang="en-US" altLang="zh-CN" smtClean="0"/>
-              <a:t>8/21/2017</a:t>
+              <a:t>8/28/2017</a:t>
             </a:fld>
             <a:endParaRPr lang="en-US"/>
           </a:p>
@@ -2210,7 +2210,7 @@
           <a:p>
             <a:fld id="{EBEDA52C-3EEE-4289-818C-901C0A7814FE}" type="datetime1">
               <a:rPr lang="en-US" altLang="zh-CN" smtClean="0"/>
-              <a:t>8/21/2017</a:t>
+              <a:t>8/28/2017</a:t>
             </a:fld>
             <a:endParaRPr lang="en-US"/>
           </a:p>
@@ -2464,7 +2464,7 @@
           <a:p>
             <a:fld id="{09EF5D7F-EA15-485C-85DD-8FDC010A62D4}" type="datetime1">
               <a:rPr lang="en-US" altLang="zh-CN" smtClean="0"/>
-              <a:t>8/21/2017</a:t>
+              <a:t>8/28/2017</a:t>
             </a:fld>
             <a:endParaRPr lang="en-US"/>
           </a:p>
@@ -2704,7 +2704,7 @@
           <a:p>
             <a:fld id="{9541C2B2-0BAB-4CD4-83EE-25F1A7138896}" type="datetime1">
               <a:rPr lang="en-US" altLang="zh-CN" smtClean="0"/>
-              <a:t>8/21/2017</a:t>
+              <a:t>8/28/2017</a:t>
             </a:fld>
             <a:endParaRPr lang="en-US"/>
           </a:p>
@@ -3079,7 +3079,7 @@
           <a:p>
             <a:fld id="{7DEA23E7-D0FC-41DC-8745-BE6FC447B182}" type="datetime1">
               <a:rPr lang="en-US" altLang="zh-CN" smtClean="0"/>
-              <a:t>8/21/2017</a:t>
+              <a:t>8/28/2017</a:t>
             </a:fld>
             <a:endParaRPr lang="en-US"/>
           </a:p>
@@ -3864,7 +3864,7 @@
           <a:p>
             <a:fld id="{5DEA8378-5F33-490B-8120-8DE6B7EE2781}" type="datetime1">
               <a:rPr lang="en-US" altLang="zh-CN" smtClean="0"/>
-              <a:t>8/21/2017</a:t>
+              <a:t>8/28/2017</a:t>
             </a:fld>
             <a:endParaRPr lang="en-US"/>
           </a:p>
@@ -4118,7 +4118,7 @@
           <a:p>
             <a:fld id="{38DD30CF-78A7-4C73-91B4-38D3E3317745}" type="datetime1">
               <a:rPr lang="en-US" altLang="zh-CN" smtClean="0"/>
-              <a:t>8/21/2017</a:t>
+              <a:t>8/28/2017</a:t>
             </a:fld>
             <a:endParaRPr lang="en-US"/>
           </a:p>
@@ -4221,7 +4221,7 @@
           <a:p>
             <a:fld id="{A1BE0A72-8501-4974-A7B7-5BD248ABBAFC}" type="datetime1">
               <a:rPr lang="zh-CN" altLang="en-US" smtClean="0"/>
-              <a:t>2017/8/21</a:t>
+              <a:t>2017/8/28</a:t>
             </a:fld>
             <a:endParaRPr lang="zh-CN" altLang="en-US"/>
           </a:p>
@@ -4482,7 +4482,7 @@
           <a:p>
             <a:fld id="{0B7E01DD-16D0-4DBA-9C1A-51468BA0B73A}" type="datetime1">
               <a:rPr lang="en-US" altLang="zh-CN" smtClean="0"/>
-              <a:t>8/21/2017</a:t>
+              <a:t>8/28/2017</a:t>
             </a:fld>
             <a:endParaRPr lang="en-US"/>
           </a:p>
@@ -4660,7 +4660,7 @@
           <a:p>
             <a:fld id="{B587E63F-0E62-4A50-901F-E071D77F7634}" type="datetime1">
               <a:rPr lang="en-US" altLang="zh-CN" smtClean="0"/>
-              <a:t>8/21/2017</a:t>
+              <a:t>8/28/2017</a:t>
             </a:fld>
             <a:endParaRPr lang="en-US"/>
           </a:p>
@@ -4848,7 +4848,7 @@
           <a:p>
             <a:fld id="{BD8521E8-9297-400B-AD8C-0A4D05699D33}" type="datetime1">
               <a:rPr lang="en-US" altLang="zh-CN" smtClean="0"/>
-              <a:t>8/21/2017</a:t>
+              <a:t>8/28/2017</a:t>
             </a:fld>
             <a:endParaRPr lang="en-US"/>
           </a:p>
@@ -5079,7 +5079,7 @@
           <a:p>
             <a:fld id="{ED5513C8-E3A4-4D78-B249-887659A958FF}" type="datetime1">
               <a:rPr lang="en-US" altLang="zh-CN" smtClean="0"/>
-              <a:t>8/21/2017</a:t>
+              <a:t>8/28/2017</a:t>
             </a:fld>
             <a:endParaRPr lang="en-US"/>
           </a:p>
@@ -5257,7 +5257,7 @@
           <a:p>
             <a:fld id="{EBEDA52C-3EEE-4289-818C-901C0A7814FE}" type="datetime1">
               <a:rPr lang="en-US" altLang="zh-CN" smtClean="0"/>
-              <a:t>8/21/2017</a:t>
+              <a:t>8/28/2017</a:t>
             </a:fld>
             <a:endParaRPr lang="en-US"/>
           </a:p>
@@ -5511,7 +5511,7 @@
           <a:p>
             <a:fld id="{09EF5D7F-EA15-485C-85DD-8FDC010A62D4}" type="datetime1">
               <a:rPr lang="en-US" altLang="zh-CN" smtClean="0"/>
-              <a:t>8/21/2017</a:t>
+              <a:t>8/28/2017</a:t>
             </a:fld>
             <a:endParaRPr lang="en-US"/>
           </a:p>
@@ -5751,7 +5751,7 @@
           <a:p>
             <a:fld id="{9541C2B2-0BAB-4CD4-83EE-25F1A7138896}" type="datetime1">
               <a:rPr lang="en-US" altLang="zh-CN" smtClean="0"/>
-              <a:t>8/21/2017</a:t>
+              <a:t>8/28/2017</a:t>
             </a:fld>
             <a:endParaRPr lang="en-US"/>
           </a:p>
@@ -6126,7 +6126,7 @@
           <a:p>
             <a:fld id="{7DEA23E7-D0FC-41DC-8745-BE6FC447B182}" type="datetime1">
               <a:rPr lang="en-US" altLang="zh-CN" smtClean="0"/>
-              <a:t>8/21/2017</a:t>
+              <a:t>8/28/2017</a:t>
             </a:fld>
             <a:endParaRPr lang="en-US"/>
           </a:p>
@@ -6911,7 +6911,7 @@
           <a:p>
             <a:fld id="{A1BE0A72-8501-4974-A7B7-5BD248ABBAFC}" type="datetime1">
               <a:rPr lang="zh-CN" altLang="en-US" smtClean="0"/>
-              <a:t>2017/8/21</a:t>
+              <a:t>2017/8/28</a:t>
             </a:fld>
             <a:endParaRPr lang="zh-CN" altLang="en-US"/>
           </a:p>
@@ -6964,7 +6964,7 @@
           <a:p>
             <a:fld id="{5DEA8378-5F33-490B-8120-8DE6B7EE2781}" type="datetime1">
               <a:rPr lang="en-US" altLang="zh-CN" smtClean="0"/>
-              <a:t>8/21/2017</a:t>
+              <a:t>8/28/2017</a:t>
             </a:fld>
             <a:endParaRPr lang="en-US"/>
           </a:p>
@@ -7218,7 +7218,7 @@
           <a:p>
             <a:fld id="{38DD30CF-78A7-4C73-91B4-38D3E3317745}" type="datetime1">
               <a:rPr lang="en-US" altLang="zh-CN" smtClean="0"/>
-              <a:t>8/21/2017</a:t>
+              <a:t>8/28/2017</a:t>
             </a:fld>
             <a:endParaRPr lang="en-US"/>
           </a:p>
@@ -7483,7 +7483,7 @@
           <a:p>
             <a:fld id="{0B7E01DD-16D0-4DBA-9C1A-51468BA0B73A}" type="datetime1">
               <a:rPr lang="en-US" altLang="zh-CN" smtClean="0"/>
-              <a:t>8/21/2017</a:t>
+              <a:t>8/28/2017</a:t>
             </a:fld>
             <a:endParaRPr lang="en-US"/>
           </a:p>
@@ -7661,7 +7661,7 @@
           <a:p>
             <a:fld id="{B587E63F-0E62-4A50-901F-E071D77F7634}" type="datetime1">
               <a:rPr lang="en-US" altLang="zh-CN" smtClean="0"/>
-              <a:t>8/21/2017</a:t>
+              <a:t>8/28/2017</a:t>
             </a:fld>
             <a:endParaRPr lang="en-US"/>
           </a:p>
@@ -7849,7 +7849,7 @@
           <a:p>
             <a:fld id="{BD8521E8-9297-400B-AD8C-0A4D05699D33}" type="datetime1">
               <a:rPr lang="en-US" altLang="zh-CN" smtClean="0"/>
-              <a:t>8/21/2017</a:t>
+              <a:t>8/28/2017</a:t>
             </a:fld>
             <a:endParaRPr lang="en-US"/>
           </a:p>
@@ -7952,7 +7952,7 @@
           <a:p>
             <a:fld id="{EF452D9C-F9EB-4417-9C3A-C876C2AF9415}" type="datetime1">
               <a:rPr lang="zh-CN" altLang="en-US" smtClean="0"/>
-              <a:t>2017/8/21</a:t>
+              <a:t>2017/8/28</a:t>
             </a:fld>
             <a:endParaRPr lang="zh-CN" altLang="en-US"/>
           </a:p>
@@ -8138,7 +8138,7 @@
           <a:p>
             <a:fld id="{2F2E9289-9B4C-49AE-BDDA-70D6EDC89D17}" type="datetime1">
               <a:rPr lang="zh-CN" altLang="en-US" smtClean="0"/>
-              <a:t>2017/8/21</a:t>
+              <a:t>2017/8/28</a:t>
             </a:fld>
             <a:endParaRPr lang="zh-CN" altLang="en-US"/>
           </a:p>
@@ -8308,7 +8308,7 @@
           <a:p>
             <a:fld id="{2F2E9289-9B4C-49AE-BDDA-70D6EDC89D17}" type="datetime1">
               <a:rPr lang="zh-CN" altLang="en-US" smtClean="0"/>
-              <a:t>2017/8/21</a:t>
+              <a:t>2017/8/28</a:t>
             </a:fld>
             <a:endParaRPr lang="zh-CN" altLang="en-US"/>
           </a:p>
@@ -8544,7 +8544,7 @@
           <a:p>
             <a:fld id="{8C5BA751-A251-47D6-8494-C134D9EBED5F}" type="datetime1">
               <a:rPr lang="zh-CN" altLang="en-US" smtClean="0"/>
-              <a:t>2017/8/21</a:t>
+              <a:t>2017/8/28</a:t>
             </a:fld>
             <a:endParaRPr lang="zh-CN" altLang="en-US"/>
           </a:p>
@@ -8900,7 +8900,7 @@
           <a:p>
             <a:fld id="{C46E2078-F302-4651-A2A2-2FC6C4E1A3F1}" type="datetime1">
               <a:rPr lang="zh-CN" altLang="en-US" smtClean="0"/>
-              <a:t>2017/8/21</a:t>
+              <a:t>2017/8/28</a:t>
             </a:fld>
             <a:endParaRPr lang="zh-CN" altLang="en-US"/>
           </a:p>
@@ -9022,7 +9022,7 @@
               <a:pPr>
                 <a:defRPr/>
               </a:pPr>
-              <a:t>2017/8/21</a:t>
+              <a:t>2017/8/28</a:t>
             </a:fld>
             <a:endParaRPr lang="zh-CN" altLang="en-US"/>
           </a:p>
@@ -9170,7 +9170,7 @@
           <a:p>
             <a:fld id="{A1BE0A72-8501-4974-A7B7-5BD248ABBAFC}" type="datetime1">
               <a:rPr lang="zh-CN" altLang="en-US" smtClean="0"/>
-              <a:t>2017/8/21</a:t>
+              <a:t>2017/8/28</a:t>
             </a:fld>
             <a:endParaRPr lang="zh-CN" altLang="en-US"/>
           </a:p>
@@ -9684,7 +9684,7 @@
           <a:p>
             <a:fld id="{A1BE0A72-8501-4974-A7B7-5BD248ABBAFC}" type="datetime1">
               <a:rPr lang="zh-CN" altLang="en-US" smtClean="0"/>
-              <a:t>2017/8/21</a:t>
+              <a:t>2017/8/28</a:t>
             </a:fld>
             <a:endParaRPr lang="zh-CN" altLang="en-US"/>
           </a:p>
@@ -10290,7 +10290,7 @@
           <a:p>
             <a:fld id="{7A78726F-0AD2-4A20-BC72-263D2D3F3A2F}" type="datetime1">
               <a:rPr lang="en-US" altLang="zh-CN" smtClean="0"/>
-              <a:t>8/21/2017</a:t>
+              <a:t>8/28/2017</a:t>
             </a:fld>
             <a:endParaRPr lang="en-US"/>
           </a:p>
@@ -11271,7 +11271,7 @@
           <a:p>
             <a:fld id="{A1BE0A72-8501-4974-A7B7-5BD248ABBAFC}" type="datetime1">
               <a:rPr lang="zh-CN" altLang="en-US" smtClean="0"/>
-              <a:t>2017/8/21</a:t>
+              <a:t>2017/8/28</a:t>
             </a:fld>
             <a:endParaRPr lang="zh-CN" altLang="en-US"/>
           </a:p>
@@ -11877,7 +11877,7 @@
           <a:p>
             <a:fld id="{7A78726F-0AD2-4A20-BC72-263D2D3F3A2F}" type="datetime1">
               <a:rPr lang="en-US" altLang="zh-CN" smtClean="0"/>
-              <a:t>8/21/2017</a:t>
+              <a:t>8/28/2017</a:t>
             </a:fld>
             <a:endParaRPr lang="en-US"/>
           </a:p>
@@ -15258,13 +15258,13 @@
             </a:pPr>
             <a:r>
               <a:rPr lang="zh-CN" altLang="en-US" b="1" dirty="0">
-                <a:latin typeface="Calibri" panose="020F0502020204030204" pitchFamily="34" charset="0"/>
+                <a:latin typeface="微软雅黑" panose="020B0503020204020204" pitchFamily="34" charset="-122"/>
                 <a:ea typeface="微软雅黑" panose="020B0503020204020204" pitchFamily="34" charset="-122"/>
               </a:rPr>
               <a:t>步骤一：绑定域名</a:t>
             </a:r>
             <a:endParaRPr lang="zh-CN" altLang="en-US" dirty="0">
-              <a:latin typeface="Calibri" panose="020F0502020204030204" pitchFamily="34" charset="0"/>
+              <a:latin typeface="微软雅黑" panose="020B0503020204020204" pitchFamily="34" charset="-122"/>
               <a:ea typeface="微软雅黑" panose="020B0503020204020204" pitchFamily="34" charset="-122"/>
             </a:endParaRPr>
           </a:p>
@@ -15318,27 +15318,27 @@
             </a:pPr>
             <a:r>
               <a:rPr lang="zh-CN" altLang="en-US" b="1" dirty="0">
-                <a:latin typeface="Calibri" panose="020F0502020204030204" pitchFamily="34" charset="0"/>
+                <a:latin typeface="微软雅黑" panose="020B0503020204020204" pitchFamily="34" charset="-122"/>
                 <a:ea typeface="微软雅黑" panose="020B0503020204020204" pitchFamily="34" charset="-122"/>
               </a:rPr>
               <a:t>步骤二：引入</a:t>
             </a:r>
             <a:r>
               <a:rPr lang="en-US" altLang="zh-CN" b="1" dirty="0">
-                <a:latin typeface="Calibri" panose="020F0502020204030204" pitchFamily="34" charset="0"/>
+                <a:latin typeface="微软雅黑" panose="020B0503020204020204" pitchFamily="34" charset="-122"/>
                 <a:ea typeface="微软雅黑" panose="020B0503020204020204" pitchFamily="34" charset="-122"/>
               </a:rPr>
               <a:t>JS</a:t>
             </a:r>
             <a:r>
               <a:rPr lang="zh-CN" altLang="en-US" b="1" dirty="0">
-                <a:latin typeface="Calibri" panose="020F0502020204030204" pitchFamily="34" charset="0"/>
+                <a:latin typeface="微软雅黑" panose="020B0503020204020204" pitchFamily="34" charset="-122"/>
                 <a:ea typeface="微软雅黑" panose="020B0503020204020204" pitchFamily="34" charset="-122"/>
               </a:rPr>
               <a:t>文件</a:t>
             </a:r>
             <a:endParaRPr lang="zh-CN" altLang="en-US" dirty="0">
-              <a:latin typeface="Calibri" panose="020F0502020204030204" pitchFamily="34" charset="0"/>
+              <a:latin typeface="微软雅黑" panose="020B0503020204020204" pitchFamily="34" charset="-122"/>
               <a:ea typeface="微软雅黑" panose="020B0503020204020204" pitchFamily="34" charset="-122"/>
             </a:endParaRPr>
           </a:p>
@@ -15435,27 +15435,27 @@
             </a:pPr>
             <a:r>
               <a:rPr lang="zh-CN" altLang="en-US" b="1" dirty="0">
-                <a:latin typeface="Calibri" panose="020F0502020204030204" pitchFamily="34" charset="0"/>
+                <a:latin typeface="微软雅黑" panose="020B0503020204020204" pitchFamily="34" charset="-122"/>
                 <a:ea typeface="微软雅黑" panose="020B0503020204020204" pitchFamily="34" charset="-122"/>
               </a:rPr>
               <a:t>步骤三：通过</a:t>
             </a:r>
             <a:r>
               <a:rPr lang="en-US" altLang="zh-CN" b="1" dirty="0">
-                <a:latin typeface="Calibri" panose="020F0502020204030204" pitchFamily="34" charset="0"/>
+                <a:latin typeface="微软雅黑" panose="020B0503020204020204" pitchFamily="34" charset="-122"/>
                 <a:ea typeface="微软雅黑" panose="020B0503020204020204" pitchFamily="34" charset="-122"/>
               </a:rPr>
               <a:t>config</a:t>
             </a:r>
             <a:r>
               <a:rPr lang="zh-CN" altLang="en-US" b="1" dirty="0">
-                <a:latin typeface="Calibri" panose="020F0502020204030204" pitchFamily="34" charset="0"/>
+                <a:latin typeface="微软雅黑" panose="020B0503020204020204" pitchFamily="34" charset="-122"/>
                 <a:ea typeface="微软雅黑" panose="020B0503020204020204" pitchFamily="34" charset="-122"/>
               </a:rPr>
               <a:t>接口注入权限验证配置</a:t>
             </a:r>
             <a:endParaRPr lang="zh-CN" altLang="en-US" dirty="0">
-              <a:latin typeface="Calibri" panose="020F0502020204030204" pitchFamily="34" charset="0"/>
+              <a:latin typeface="微软雅黑" panose="020B0503020204020204" pitchFamily="34" charset="-122"/>
               <a:ea typeface="微软雅黑" panose="020B0503020204020204" pitchFamily="34" charset="-122"/>
             </a:endParaRPr>
           </a:p>
@@ -15807,27 +15807,27 @@
             </a:pPr>
             <a:r>
               <a:rPr lang="zh-CN" altLang="en-US" b="1" dirty="0">
-                <a:latin typeface="Calibri" panose="020F0502020204030204" pitchFamily="34" charset="0"/>
+                <a:latin typeface="微软雅黑" panose="020B0503020204020204" pitchFamily="34" charset="-122"/>
                 <a:ea typeface="微软雅黑" panose="020B0503020204020204" pitchFamily="34" charset="-122"/>
               </a:rPr>
               <a:t>步骤四：通过</a:t>
             </a:r>
             <a:r>
               <a:rPr lang="en-US" altLang="zh-CN" b="1" dirty="0">
-                <a:latin typeface="Calibri" panose="020F0502020204030204" pitchFamily="34" charset="0"/>
+                <a:latin typeface="微软雅黑" panose="020B0503020204020204" pitchFamily="34" charset="-122"/>
                 <a:ea typeface="微软雅黑" panose="020B0503020204020204" pitchFamily="34" charset="-122"/>
               </a:rPr>
               <a:t>ready</a:t>
             </a:r>
             <a:r>
               <a:rPr lang="zh-CN" altLang="en-US" b="1" dirty="0">
-                <a:latin typeface="Calibri" panose="020F0502020204030204" pitchFamily="34" charset="0"/>
+                <a:latin typeface="微软雅黑" panose="020B0503020204020204" pitchFamily="34" charset="-122"/>
                 <a:ea typeface="微软雅黑" panose="020B0503020204020204" pitchFamily="34" charset="-122"/>
               </a:rPr>
               <a:t>接口处理成功验证</a:t>
             </a:r>
             <a:endParaRPr lang="en-US" altLang="zh-CN" b="1" dirty="0">
-              <a:latin typeface="Calibri" panose="020F0502020204030204" pitchFamily="34" charset="0"/>
+              <a:latin typeface="微软雅黑" panose="020B0503020204020204" pitchFamily="34" charset="-122"/>
               <a:ea typeface="微软雅黑" panose="020B0503020204020204" pitchFamily="34" charset="-122"/>
             </a:endParaRPr>
           </a:p>
@@ -15839,21 +15839,21 @@
             </a:pPr>
             <a:r>
               <a:rPr lang="zh-CN" altLang="en-US" b="1" dirty="0">
-                <a:latin typeface="Calibri" panose="020F0502020204030204" pitchFamily="34" charset="0"/>
+                <a:latin typeface="微软雅黑" panose="020B0503020204020204" pitchFamily="34" charset="-122"/>
                 <a:ea typeface="微软雅黑" panose="020B0503020204020204" pitchFamily="34" charset="-122"/>
               </a:rPr>
               <a:t>步骤五：通过</a:t>
             </a:r>
             <a:r>
               <a:rPr lang="en-US" altLang="zh-CN" b="1" dirty="0">
-                <a:latin typeface="Calibri" panose="020F0502020204030204" pitchFamily="34" charset="0"/>
+                <a:latin typeface="微软雅黑" panose="020B0503020204020204" pitchFamily="34" charset="-122"/>
                 <a:ea typeface="微软雅黑" panose="020B0503020204020204" pitchFamily="34" charset="-122"/>
               </a:rPr>
               <a:t>error</a:t>
             </a:r>
             <a:r>
               <a:rPr lang="zh-CN" altLang="en-US" b="1" dirty="0">
-                <a:latin typeface="Calibri" panose="020F0502020204030204" pitchFamily="34" charset="0"/>
+                <a:latin typeface="微软雅黑" panose="020B0503020204020204" pitchFamily="34" charset="-122"/>
                 <a:ea typeface="微软雅黑" panose="020B0503020204020204" pitchFamily="34" charset="-122"/>
               </a:rPr>
               <a:t>接口处理失败验证</a:t>
@@ -15915,6 +15915,266 @@
               <a:t>JS-SDK</a:t>
             </a:r>
             <a:endParaRPr lang="zh-CN" altLang="en-US" b="0" dirty="0"/>
+          </a:p>
+        </p:txBody>
+      </p:sp>
+      <p:sp>
+        <p:nvSpPr>
+          <p:cNvPr id="3" name="文本框 2">
+            <a:extLst>
+              <a:ext uri="{FF2B5EF4-FFF2-40B4-BE49-F238E27FC236}">
+                <a16:creationId xmlns:a16="http://schemas.microsoft.com/office/drawing/2014/main" id="{6A1131F9-5F38-4549-AD10-E23A75B06A69}"/>
+              </a:ext>
+            </a:extLst>
+          </p:cNvPr>
+          <p:cNvSpPr txBox="1"/>
+          <p:nvPr/>
+        </p:nvSpPr>
+        <p:spPr>
+          <a:xfrm>
+            <a:off x="1054100" y="1681316"/>
+            <a:ext cx="10017023" cy="4108817"/>
+          </a:xfrm>
+          <a:prstGeom prst="rect">
+            <a:avLst/>
+          </a:prstGeom>
+          <a:noFill/>
+        </p:spPr>
+        <p:txBody>
+          <a:bodyPr wrap="square" rtlCol="0">
+            <a:spAutoFit/>
+          </a:bodyPr>
+          <a:lstStyle/>
+          <a:p>
+            <a:pPr>
+              <a:lnSpc>
+                <a:spcPct val="150000"/>
+              </a:lnSpc>
+            </a:pPr>
+            <a:r>
+              <a:rPr lang="en-US" altLang="zh-CN" dirty="0" err="1"/>
+              <a:t>wx.config</a:t>
+            </a:r>
+            <a:r>
+              <a:rPr lang="en-US" altLang="zh-CN" dirty="0"/>
+              <a:t>({</a:t>
+            </a:r>
+            <a:endParaRPr lang="zh-CN" altLang="en-US" dirty="0"/>
+          </a:p>
+          <a:p>
+            <a:pPr>
+              <a:lnSpc>
+                <a:spcPct val="150000"/>
+              </a:lnSpc>
+            </a:pPr>
+            <a:r>
+              <a:rPr lang="zh-CN" altLang="en-US" dirty="0"/>
+              <a:t>    </a:t>
+            </a:r>
+            <a:r>
+              <a:rPr lang="en-US" altLang="zh-CN" dirty="0"/>
+              <a:t>debug: true, // </a:t>
+            </a:r>
+            <a:r>
+              <a:rPr lang="zh-CN" altLang="en-US" dirty="0"/>
+              <a:t>开启调试模式</a:t>
+            </a:r>
+            <a:r>
+              <a:rPr lang="en-US" altLang="zh-CN" dirty="0"/>
+              <a:t>,</a:t>
+            </a:r>
+            <a:r>
+              <a:rPr lang="zh-CN" altLang="en-US" dirty="0"/>
+              <a:t>调用的所有</a:t>
+            </a:r>
+            <a:r>
+              <a:rPr lang="en-US" altLang="zh-CN" dirty="0" err="1"/>
+              <a:t>api</a:t>
+            </a:r>
+            <a:r>
+              <a:rPr lang="zh-CN" altLang="en-US" dirty="0"/>
+              <a:t>的返回值会在客户端</a:t>
+            </a:r>
+            <a:r>
+              <a:rPr lang="en-US" altLang="zh-CN" dirty="0"/>
+              <a:t>alert</a:t>
+            </a:r>
+            <a:r>
+              <a:rPr lang="zh-CN" altLang="en-US" dirty="0"/>
+              <a:t>出来，若要查看传入的参数，可以在</a:t>
+            </a:r>
+            <a:r>
+              <a:rPr lang="en-US" altLang="zh-CN" dirty="0"/>
+              <a:t>pc</a:t>
+            </a:r>
+            <a:r>
+              <a:rPr lang="zh-CN" altLang="en-US" dirty="0"/>
+              <a:t>端打开，参数信息会通过</a:t>
+            </a:r>
+            <a:r>
+              <a:rPr lang="en-US" altLang="zh-CN" dirty="0"/>
+              <a:t>log</a:t>
+            </a:r>
+            <a:r>
+              <a:rPr lang="zh-CN" altLang="en-US" dirty="0"/>
+              <a:t>打出，仅在</a:t>
+            </a:r>
+            <a:r>
+              <a:rPr lang="en-US" altLang="zh-CN" dirty="0"/>
+              <a:t>pc</a:t>
+            </a:r>
+            <a:r>
+              <a:rPr lang="zh-CN" altLang="en-US" dirty="0"/>
+              <a:t>端时才会打印。</a:t>
+            </a:r>
+          </a:p>
+          <a:p>
+            <a:pPr>
+              <a:lnSpc>
+                <a:spcPct val="150000"/>
+              </a:lnSpc>
+            </a:pPr>
+            <a:r>
+              <a:rPr lang="zh-CN" altLang="en-US" dirty="0"/>
+              <a:t>    </a:t>
+            </a:r>
+            <a:r>
+              <a:rPr lang="en-US" altLang="zh-CN" dirty="0" err="1"/>
+              <a:t>appId</a:t>
+            </a:r>
+            <a:r>
+              <a:rPr lang="en-US" altLang="zh-CN" dirty="0"/>
+              <a:t>: '', // </a:t>
+            </a:r>
+            <a:r>
+              <a:rPr lang="zh-CN" altLang="en-US" dirty="0"/>
+              <a:t>必填，公众号的唯一标识</a:t>
+            </a:r>
+          </a:p>
+          <a:p>
+            <a:pPr>
+              <a:lnSpc>
+                <a:spcPct val="150000"/>
+              </a:lnSpc>
+            </a:pPr>
+            <a:r>
+              <a:rPr lang="zh-CN" altLang="en-US" dirty="0"/>
+              <a:t>    </a:t>
+            </a:r>
+            <a:r>
+              <a:rPr lang="en-US" altLang="zh-CN" dirty="0"/>
+              <a:t>timestamp: , // </a:t>
+            </a:r>
+            <a:r>
+              <a:rPr lang="zh-CN" altLang="en-US" dirty="0"/>
+              <a:t>必填，生成签名的时间戳</a:t>
+            </a:r>
+          </a:p>
+          <a:p>
+            <a:pPr>
+              <a:lnSpc>
+                <a:spcPct val="150000"/>
+              </a:lnSpc>
+            </a:pPr>
+            <a:r>
+              <a:rPr lang="zh-CN" altLang="en-US" dirty="0"/>
+              <a:t>    </a:t>
+            </a:r>
+            <a:r>
+              <a:rPr lang="en-US" altLang="zh-CN" dirty="0" err="1"/>
+              <a:t>nonceStr</a:t>
+            </a:r>
+            <a:r>
+              <a:rPr lang="en-US" altLang="zh-CN" dirty="0"/>
+              <a:t>: '', // </a:t>
+            </a:r>
+            <a:r>
+              <a:rPr lang="zh-CN" altLang="en-US" dirty="0"/>
+              <a:t>必填，生成签名的随机串</a:t>
+            </a:r>
+          </a:p>
+          <a:p>
+            <a:pPr>
+              <a:lnSpc>
+                <a:spcPct val="150000"/>
+              </a:lnSpc>
+            </a:pPr>
+            <a:r>
+              <a:rPr lang="zh-CN" altLang="en-US" dirty="0"/>
+              <a:t>    </a:t>
+            </a:r>
+            <a:r>
+              <a:rPr lang="en-US" altLang="zh-CN" dirty="0"/>
+              <a:t>signature: '',// </a:t>
+            </a:r>
+            <a:r>
+              <a:rPr lang="zh-CN" altLang="en-US" dirty="0"/>
+              <a:t>必填，签名，见附录</a:t>
+            </a:r>
+            <a:r>
+              <a:rPr lang="en-US" altLang="zh-CN" dirty="0"/>
+              <a:t>1</a:t>
+            </a:r>
+            <a:endParaRPr lang="zh-CN" altLang="en-US" dirty="0"/>
+          </a:p>
+          <a:p>
+            <a:pPr>
+              <a:lnSpc>
+                <a:spcPct val="150000"/>
+              </a:lnSpc>
+            </a:pPr>
+            <a:r>
+              <a:rPr lang="zh-CN" altLang="en-US" dirty="0"/>
+              <a:t>    </a:t>
+            </a:r>
+            <a:r>
+              <a:rPr lang="en-US" altLang="zh-CN" dirty="0" err="1"/>
+              <a:t>jsApiList</a:t>
+            </a:r>
+            <a:r>
+              <a:rPr lang="en-US" altLang="zh-CN" dirty="0"/>
+              <a:t>: [] // </a:t>
+            </a:r>
+            <a:r>
+              <a:rPr lang="zh-CN" altLang="en-US" dirty="0"/>
+              <a:t>必填，需要使用的</a:t>
+            </a:r>
+            <a:r>
+              <a:rPr lang="en-US" altLang="zh-CN" dirty="0"/>
+              <a:t>JS</a:t>
+            </a:r>
+            <a:r>
+              <a:rPr lang="zh-CN" altLang="en-US" dirty="0"/>
+              <a:t>接口列表，所有</a:t>
+            </a:r>
+            <a:r>
+              <a:rPr lang="en-US" altLang="zh-CN" dirty="0"/>
+              <a:t>JS</a:t>
+            </a:r>
+            <a:r>
+              <a:rPr lang="zh-CN" altLang="en-US" dirty="0"/>
+              <a:t>接口列表见附录</a:t>
+            </a:r>
+            <a:r>
+              <a:rPr lang="en-US" altLang="zh-CN" dirty="0"/>
+              <a:t>2</a:t>
+            </a:r>
+            <a:endParaRPr lang="zh-CN" altLang="en-US" dirty="0"/>
+          </a:p>
+          <a:p>
+            <a:pPr>
+              <a:lnSpc>
+                <a:spcPct val="150000"/>
+              </a:lnSpc>
+            </a:pPr>
+            <a:r>
+              <a:rPr lang="en-US" altLang="zh-CN" dirty="0"/>
+              <a:t>});</a:t>
+            </a:r>
+            <a:endParaRPr lang="zh-CN" altLang="en-US" dirty="0"/>
+          </a:p>
+          <a:p>
+            <a:endParaRPr lang="zh-CN" altLang="en-US" dirty="0"/>
           </a:p>
         </p:txBody>
       </p:sp>

--- a/第10讲 JS-SDK.pptx
+++ b/第10讲 JS-SDK.pptx
@@ -9,10 +9,10 @@
     <p:sldMasterId id="2147483691" r:id="rId5"/>
   </p:sldMasterIdLst>
   <p:notesMasterIdLst>
-    <p:notesMasterId r:id="rId27"/>
+    <p:notesMasterId r:id="rId26"/>
   </p:notesMasterIdLst>
   <p:handoutMasterIdLst>
-    <p:handoutMasterId r:id="rId28"/>
+    <p:handoutMasterId r:id="rId27"/>
   </p:handoutMasterIdLst>
   <p:sldIdLst>
     <p:sldId id="257" r:id="rId6"/>
@@ -22,25 +22,24 @@
     <p:sldId id="481" r:id="rId10"/>
     <p:sldId id="482" r:id="rId11"/>
     <p:sldId id="466" r:id="rId12"/>
-    <p:sldId id="483" r:id="rId13"/>
-    <p:sldId id="484" r:id="rId14"/>
-    <p:sldId id="460" r:id="rId15"/>
-    <p:sldId id="480" r:id="rId16"/>
-    <p:sldId id="456" r:id="rId17"/>
-    <p:sldId id="440" r:id="rId18"/>
-    <p:sldId id="467" r:id="rId19"/>
-    <p:sldId id="468" r:id="rId20"/>
-    <p:sldId id="474" r:id="rId21"/>
-    <p:sldId id="475" r:id="rId22"/>
+    <p:sldId id="485" r:id="rId13"/>
+    <p:sldId id="486" r:id="rId14"/>
+    <p:sldId id="487" r:id="rId15"/>
+    <p:sldId id="460" r:id="rId16"/>
+    <p:sldId id="483" r:id="rId17"/>
+    <p:sldId id="484" r:id="rId18"/>
+    <p:sldId id="488" r:id="rId19"/>
+    <p:sldId id="456" r:id="rId20"/>
+    <p:sldId id="452" r:id="rId21"/>
+    <p:sldId id="474" r:id="rId22"/>
     <p:sldId id="470" r:id="rId23"/>
     <p:sldId id="471" r:id="rId24"/>
-    <p:sldId id="452" r:id="rId25"/>
-    <p:sldId id="311" r:id="rId26"/>
+    <p:sldId id="311" r:id="rId25"/>
   </p:sldIdLst>
   <p:sldSz cx="12192000" cy="6858000"/>
   <p:notesSz cx="6858000" cy="9144000"/>
   <p:custDataLst>
-    <p:tags r:id="rId29"/>
+    <p:tags r:id="rId28"/>
   </p:custDataLst>
   <p:defaultTextStyle>
     <a:defPPr>
@@ -271,7 +270,7 @@
           <a:p>
             <a:fld id="{2B71C804-97F5-4B36-A7AC-EEEC7F44F6C2}" type="datetimeFigureOut">
               <a:rPr lang="zh-CN" altLang="en-US" smtClean="0"/>
-              <a:t>2017/8/28</a:t>
+              <a:t>2017/8/29</a:t>
             </a:fld>
             <a:endParaRPr lang="zh-CN" altLang="en-US"/>
           </a:p>
@@ -437,7 +436,7 @@
           <a:p>
             <a:fld id="{0568D9C6-D8DC-4CC3-8480-E0C4DBA1CC07}" type="datetimeFigureOut">
               <a:rPr lang="zh-CN" altLang="en-US" smtClean="0"/>
-              <a:t>2017/8/28</a:t>
+              <a:t>2017/8/29</a:t>
             </a:fld>
             <a:endParaRPr lang="zh-CN" altLang="en-US"/>
           </a:p>
@@ -948,7 +947,7 @@
                 <a:ea typeface="宋体" charset="-122"/>
               </a:rPr>
               <a:pPr algn="r" eaLnBrk="1" hangingPunct="1"/>
-              <a:t>21</a:t>
+              <a:t>20</a:t>
             </a:fld>
             <a:endParaRPr lang="zh-CN" altLang="en-US" sz="1200">
               <a:latin typeface="Calibri" pitchFamily="34" charset="0"/>
@@ -1050,7 +1049,7 @@
           <a:p>
             <a:fld id="{DB9D664F-4C68-42D2-B189-678958EFAFDA}" type="datetime1">
               <a:rPr lang="zh-CN" altLang="en-US" smtClean="0"/>
-              <a:t>2017/8/28</a:t>
+              <a:t>2017/8/29</a:t>
             </a:fld>
             <a:endParaRPr lang="zh-CN" altLang="en-US"/>
           </a:p>
@@ -2032,7 +2031,7 @@
           <a:p>
             <a:fld id="{ED5513C8-E3A4-4D78-B249-887659A958FF}" type="datetime1">
               <a:rPr lang="en-US" altLang="zh-CN" smtClean="0"/>
-              <a:t>8/28/2017</a:t>
+              <a:t>8/29/2017</a:t>
             </a:fld>
             <a:endParaRPr lang="en-US"/>
           </a:p>
@@ -2210,7 +2209,7 @@
           <a:p>
             <a:fld id="{EBEDA52C-3EEE-4289-818C-901C0A7814FE}" type="datetime1">
               <a:rPr lang="en-US" altLang="zh-CN" smtClean="0"/>
-              <a:t>8/28/2017</a:t>
+              <a:t>8/29/2017</a:t>
             </a:fld>
             <a:endParaRPr lang="en-US"/>
           </a:p>
@@ -2464,7 +2463,7 @@
           <a:p>
             <a:fld id="{09EF5D7F-EA15-485C-85DD-8FDC010A62D4}" type="datetime1">
               <a:rPr lang="en-US" altLang="zh-CN" smtClean="0"/>
-              <a:t>8/28/2017</a:t>
+              <a:t>8/29/2017</a:t>
             </a:fld>
             <a:endParaRPr lang="en-US"/>
           </a:p>
@@ -2704,7 +2703,7 @@
           <a:p>
             <a:fld id="{9541C2B2-0BAB-4CD4-83EE-25F1A7138896}" type="datetime1">
               <a:rPr lang="en-US" altLang="zh-CN" smtClean="0"/>
-              <a:t>8/28/2017</a:t>
+              <a:t>8/29/2017</a:t>
             </a:fld>
             <a:endParaRPr lang="en-US"/>
           </a:p>
@@ -3079,7 +3078,7 @@
           <a:p>
             <a:fld id="{7DEA23E7-D0FC-41DC-8745-BE6FC447B182}" type="datetime1">
               <a:rPr lang="en-US" altLang="zh-CN" smtClean="0"/>
-              <a:t>8/28/2017</a:t>
+              <a:t>8/29/2017</a:t>
             </a:fld>
             <a:endParaRPr lang="en-US"/>
           </a:p>
@@ -3864,7 +3863,7 @@
           <a:p>
             <a:fld id="{5DEA8378-5F33-490B-8120-8DE6B7EE2781}" type="datetime1">
               <a:rPr lang="en-US" altLang="zh-CN" smtClean="0"/>
-              <a:t>8/28/2017</a:t>
+              <a:t>8/29/2017</a:t>
             </a:fld>
             <a:endParaRPr lang="en-US"/>
           </a:p>
@@ -4118,7 +4117,7 @@
           <a:p>
             <a:fld id="{38DD30CF-78A7-4C73-91B4-38D3E3317745}" type="datetime1">
               <a:rPr lang="en-US" altLang="zh-CN" smtClean="0"/>
-              <a:t>8/28/2017</a:t>
+              <a:t>8/29/2017</a:t>
             </a:fld>
             <a:endParaRPr lang="en-US"/>
           </a:p>
@@ -4221,7 +4220,7 @@
           <a:p>
             <a:fld id="{A1BE0A72-8501-4974-A7B7-5BD248ABBAFC}" type="datetime1">
               <a:rPr lang="zh-CN" altLang="en-US" smtClean="0"/>
-              <a:t>2017/8/28</a:t>
+              <a:t>2017/8/29</a:t>
             </a:fld>
             <a:endParaRPr lang="zh-CN" altLang="en-US"/>
           </a:p>
@@ -4482,7 +4481,7 @@
           <a:p>
             <a:fld id="{0B7E01DD-16D0-4DBA-9C1A-51468BA0B73A}" type="datetime1">
               <a:rPr lang="en-US" altLang="zh-CN" smtClean="0"/>
-              <a:t>8/28/2017</a:t>
+              <a:t>8/29/2017</a:t>
             </a:fld>
             <a:endParaRPr lang="en-US"/>
           </a:p>
@@ -4660,7 +4659,7 @@
           <a:p>
             <a:fld id="{B587E63F-0E62-4A50-901F-E071D77F7634}" type="datetime1">
               <a:rPr lang="en-US" altLang="zh-CN" smtClean="0"/>
-              <a:t>8/28/2017</a:t>
+              <a:t>8/29/2017</a:t>
             </a:fld>
             <a:endParaRPr lang="en-US"/>
           </a:p>
@@ -4848,7 +4847,7 @@
           <a:p>
             <a:fld id="{BD8521E8-9297-400B-AD8C-0A4D05699D33}" type="datetime1">
               <a:rPr lang="en-US" altLang="zh-CN" smtClean="0"/>
-              <a:t>8/28/2017</a:t>
+              <a:t>8/29/2017</a:t>
             </a:fld>
             <a:endParaRPr lang="en-US"/>
           </a:p>
@@ -5079,7 +5078,7 @@
           <a:p>
             <a:fld id="{ED5513C8-E3A4-4D78-B249-887659A958FF}" type="datetime1">
               <a:rPr lang="en-US" altLang="zh-CN" smtClean="0"/>
-              <a:t>8/28/2017</a:t>
+              <a:t>8/29/2017</a:t>
             </a:fld>
             <a:endParaRPr lang="en-US"/>
           </a:p>
@@ -5257,7 +5256,7 @@
           <a:p>
             <a:fld id="{EBEDA52C-3EEE-4289-818C-901C0A7814FE}" type="datetime1">
               <a:rPr lang="en-US" altLang="zh-CN" smtClean="0"/>
-              <a:t>8/28/2017</a:t>
+              <a:t>8/29/2017</a:t>
             </a:fld>
             <a:endParaRPr lang="en-US"/>
           </a:p>
@@ -5511,7 +5510,7 @@
           <a:p>
             <a:fld id="{09EF5D7F-EA15-485C-85DD-8FDC010A62D4}" type="datetime1">
               <a:rPr lang="en-US" altLang="zh-CN" smtClean="0"/>
-              <a:t>8/28/2017</a:t>
+              <a:t>8/29/2017</a:t>
             </a:fld>
             <a:endParaRPr lang="en-US"/>
           </a:p>
@@ -5751,7 +5750,7 @@
           <a:p>
             <a:fld id="{9541C2B2-0BAB-4CD4-83EE-25F1A7138896}" type="datetime1">
               <a:rPr lang="en-US" altLang="zh-CN" smtClean="0"/>
-              <a:t>8/28/2017</a:t>
+              <a:t>8/29/2017</a:t>
             </a:fld>
             <a:endParaRPr lang="en-US"/>
           </a:p>
@@ -6126,7 +6125,7 @@
           <a:p>
             <a:fld id="{7DEA23E7-D0FC-41DC-8745-BE6FC447B182}" type="datetime1">
               <a:rPr lang="en-US" altLang="zh-CN" smtClean="0"/>
-              <a:t>8/28/2017</a:t>
+              <a:t>8/29/2017</a:t>
             </a:fld>
             <a:endParaRPr lang="en-US"/>
           </a:p>
@@ -6911,7 +6910,7 @@
           <a:p>
             <a:fld id="{A1BE0A72-8501-4974-A7B7-5BD248ABBAFC}" type="datetime1">
               <a:rPr lang="zh-CN" altLang="en-US" smtClean="0"/>
-              <a:t>2017/8/28</a:t>
+              <a:t>2017/8/29</a:t>
             </a:fld>
             <a:endParaRPr lang="zh-CN" altLang="en-US"/>
           </a:p>
@@ -6964,7 +6963,7 @@
           <a:p>
             <a:fld id="{5DEA8378-5F33-490B-8120-8DE6B7EE2781}" type="datetime1">
               <a:rPr lang="en-US" altLang="zh-CN" smtClean="0"/>
-              <a:t>8/28/2017</a:t>
+              <a:t>8/29/2017</a:t>
             </a:fld>
             <a:endParaRPr lang="en-US"/>
           </a:p>
@@ -7218,7 +7217,7 @@
           <a:p>
             <a:fld id="{38DD30CF-78A7-4C73-91B4-38D3E3317745}" type="datetime1">
               <a:rPr lang="en-US" altLang="zh-CN" smtClean="0"/>
-              <a:t>8/28/2017</a:t>
+              <a:t>8/29/2017</a:t>
             </a:fld>
             <a:endParaRPr lang="en-US"/>
           </a:p>
@@ -7483,7 +7482,7 @@
           <a:p>
             <a:fld id="{0B7E01DD-16D0-4DBA-9C1A-51468BA0B73A}" type="datetime1">
               <a:rPr lang="en-US" altLang="zh-CN" smtClean="0"/>
-              <a:t>8/28/2017</a:t>
+              <a:t>8/29/2017</a:t>
             </a:fld>
             <a:endParaRPr lang="en-US"/>
           </a:p>
@@ -7661,7 +7660,7 @@
           <a:p>
             <a:fld id="{B587E63F-0E62-4A50-901F-E071D77F7634}" type="datetime1">
               <a:rPr lang="en-US" altLang="zh-CN" smtClean="0"/>
-              <a:t>8/28/2017</a:t>
+              <a:t>8/29/2017</a:t>
             </a:fld>
             <a:endParaRPr lang="en-US"/>
           </a:p>
@@ -7849,7 +7848,7 @@
           <a:p>
             <a:fld id="{BD8521E8-9297-400B-AD8C-0A4D05699D33}" type="datetime1">
               <a:rPr lang="en-US" altLang="zh-CN" smtClean="0"/>
-              <a:t>8/28/2017</a:t>
+              <a:t>8/29/2017</a:t>
             </a:fld>
             <a:endParaRPr lang="en-US"/>
           </a:p>
@@ -7952,7 +7951,7 @@
           <a:p>
             <a:fld id="{EF452D9C-F9EB-4417-9C3A-C876C2AF9415}" type="datetime1">
               <a:rPr lang="zh-CN" altLang="en-US" smtClean="0"/>
-              <a:t>2017/8/28</a:t>
+              <a:t>2017/8/29</a:t>
             </a:fld>
             <a:endParaRPr lang="zh-CN" altLang="en-US"/>
           </a:p>
@@ -8138,7 +8137,7 @@
           <a:p>
             <a:fld id="{2F2E9289-9B4C-49AE-BDDA-70D6EDC89D17}" type="datetime1">
               <a:rPr lang="zh-CN" altLang="en-US" smtClean="0"/>
-              <a:t>2017/8/28</a:t>
+              <a:t>2017/8/29</a:t>
             </a:fld>
             <a:endParaRPr lang="zh-CN" altLang="en-US"/>
           </a:p>
@@ -8308,7 +8307,7 @@
           <a:p>
             <a:fld id="{2F2E9289-9B4C-49AE-BDDA-70D6EDC89D17}" type="datetime1">
               <a:rPr lang="zh-CN" altLang="en-US" smtClean="0"/>
-              <a:t>2017/8/28</a:t>
+              <a:t>2017/8/29</a:t>
             </a:fld>
             <a:endParaRPr lang="zh-CN" altLang="en-US"/>
           </a:p>
@@ -8544,7 +8543,7 @@
           <a:p>
             <a:fld id="{8C5BA751-A251-47D6-8494-C134D9EBED5F}" type="datetime1">
               <a:rPr lang="zh-CN" altLang="en-US" smtClean="0"/>
-              <a:t>2017/8/28</a:t>
+              <a:t>2017/8/29</a:t>
             </a:fld>
             <a:endParaRPr lang="zh-CN" altLang="en-US"/>
           </a:p>
@@ -8900,7 +8899,7 @@
           <a:p>
             <a:fld id="{C46E2078-F302-4651-A2A2-2FC6C4E1A3F1}" type="datetime1">
               <a:rPr lang="zh-CN" altLang="en-US" smtClean="0"/>
-              <a:t>2017/8/28</a:t>
+              <a:t>2017/8/29</a:t>
             </a:fld>
             <a:endParaRPr lang="zh-CN" altLang="en-US"/>
           </a:p>
@@ -9022,7 +9021,7 @@
               <a:pPr>
                 <a:defRPr/>
               </a:pPr>
-              <a:t>2017/8/28</a:t>
+              <a:t>2017/8/29</a:t>
             </a:fld>
             <a:endParaRPr lang="zh-CN" altLang="en-US"/>
           </a:p>
@@ -9170,7 +9169,7 @@
           <a:p>
             <a:fld id="{A1BE0A72-8501-4974-A7B7-5BD248ABBAFC}" type="datetime1">
               <a:rPr lang="zh-CN" altLang="en-US" smtClean="0"/>
-              <a:t>2017/8/28</a:t>
+              <a:t>2017/8/29</a:t>
             </a:fld>
             <a:endParaRPr lang="zh-CN" altLang="en-US"/>
           </a:p>
@@ -9684,7 +9683,7 @@
           <a:p>
             <a:fld id="{A1BE0A72-8501-4974-A7B7-5BD248ABBAFC}" type="datetime1">
               <a:rPr lang="zh-CN" altLang="en-US" smtClean="0"/>
-              <a:t>2017/8/28</a:t>
+              <a:t>2017/8/29</a:t>
             </a:fld>
             <a:endParaRPr lang="zh-CN" altLang="en-US"/>
           </a:p>
@@ -10290,7 +10289,7 @@
           <a:p>
             <a:fld id="{7A78726F-0AD2-4A20-BC72-263D2D3F3A2F}" type="datetime1">
               <a:rPr lang="en-US" altLang="zh-CN" smtClean="0"/>
-              <a:t>8/28/2017</a:t>
+              <a:t>8/29/2017</a:t>
             </a:fld>
             <a:endParaRPr lang="en-US"/>
           </a:p>
@@ -11271,7 +11270,7 @@
           <a:p>
             <a:fld id="{A1BE0A72-8501-4974-A7B7-5BD248ABBAFC}" type="datetime1">
               <a:rPr lang="zh-CN" altLang="en-US" smtClean="0"/>
-              <a:t>2017/8/28</a:t>
+              <a:t>2017/8/29</a:t>
             </a:fld>
             <a:endParaRPr lang="zh-CN" altLang="en-US"/>
           </a:p>
@@ -11877,7 +11876,7 @@
           <a:p>
             <a:fld id="{7A78726F-0AD2-4A20-BC72-263D2D3F3A2F}" type="datetime1">
               <a:rPr lang="en-US" altLang="zh-CN" smtClean="0"/>
-              <a:t>8/28/2017</a:t>
+              <a:t>8/29/2017</a:t>
             </a:fld>
             <a:endParaRPr lang="en-US"/>
           </a:p>
@@ -12846,28 +12845,39 @@
             <p:ph sz="quarter" idx="13"/>
           </p:nvPr>
         </p:nvSpPr>
-        <p:spPr/>
+        <p:spPr>
+          <a:xfrm>
+            <a:off x="1054100" y="543636"/>
+            <a:ext cx="7421306" cy="685800"/>
+          </a:xfrm>
+        </p:spPr>
         <p:txBody>
           <a:bodyPr/>
           <a:lstStyle/>
           <a:p>
             <a:r>
-              <a:rPr lang="zh-CN" altLang="en-US" dirty="0"/>
-              <a:t>第二讲</a:t>
-            </a:r>
-          </a:p>
-        </p:txBody>
-      </p:sp>
-      <p:sp>
-        <p:nvSpPr>
-          <p:cNvPr id="4" name="文本框 3"/>
+              <a:rPr lang="zh-CN" altLang="en-US" b="0" dirty="0"/>
+              <a:t>签名的步骤</a:t>
+            </a:r>
+          </a:p>
+        </p:txBody>
+      </p:sp>
+      <p:sp>
+        <p:nvSpPr>
+          <p:cNvPr id="3" name="文本框 2">
+            <a:extLst>
+              <a:ext uri="{FF2B5EF4-FFF2-40B4-BE49-F238E27FC236}">
+                <a16:creationId xmlns:a16="http://schemas.microsoft.com/office/drawing/2014/main" id="{6A1131F9-5F38-4549-AD10-E23A75B06A69}"/>
+              </a:ext>
+            </a:extLst>
+          </p:cNvPr>
           <p:cNvSpPr txBox="1"/>
           <p:nvPr/>
         </p:nvSpPr>
         <p:spPr>
           <a:xfrm>
-            <a:off x="4058444" y="2343152"/>
-            <a:ext cx="5385594" cy="2062103"/>
+            <a:off x="1054100" y="1681316"/>
+            <a:ext cx="10705281" cy="2585323"/>
           </a:xfrm>
           <a:prstGeom prst="rect">
             <a:avLst/>
@@ -12880,160 +12890,250 @@
           </a:bodyPr>
           <a:lstStyle/>
           <a:p>
-            <a:pPr marL="514350" indent="-514350">
+            <a:pPr marL="285750" indent="-285750">
               <a:lnSpc>
-                <a:spcPct val="200000"/>
+                <a:spcPct val="150000"/>
               </a:lnSpc>
-              <a:buFont typeface="+mj-ea"/>
-              <a:buAutoNum type="ea1JpnChsDbPeriod"/>
+              <a:buFont typeface="Arial" panose="020B0604020202020204" pitchFamily="34" charset="0"/>
+              <a:buChar char="•"/>
             </a:pPr>
             <a:r>
-              <a:rPr lang="en-US" altLang="zh-CN" sz="2000" dirty="0" err="1">
-                <a:solidFill>
-                  <a:schemeClr val="tx1">
-                    <a:lumMod val="65000"/>
-                    <a:lumOff val="35000"/>
-                  </a:schemeClr>
-                </a:solidFill>
-                <a:latin typeface="微软雅黑" panose="020B0503020204020204" pitchFamily="34" charset="-122"/>
+              <a:rPr lang="zh-CN" altLang="en-US" dirty="0">
                 <a:ea typeface="微软雅黑" panose="020B0503020204020204" pitchFamily="34" charset="-122"/>
               </a:rPr>
-              <a:t>WeUI</a:t>
-            </a:r>
-            <a:r>
-              <a:rPr lang="zh-CN" altLang="en-US" sz="2000" dirty="0">
-                <a:solidFill>
-                  <a:schemeClr val="tx1">
-                    <a:lumMod val="65000"/>
-                    <a:lumOff val="35000"/>
-                  </a:schemeClr>
-                </a:solidFill>
-                <a:latin typeface="微软雅黑" panose="020B0503020204020204" pitchFamily="34" charset="-122"/>
+              <a:t>生成签名的步骤：</a:t>
+            </a:r>
+            <a:endParaRPr lang="en-US" altLang="zh-CN" dirty="0">
+              <a:ea typeface="微软雅黑" panose="020B0503020204020204" pitchFamily="34" charset="-122"/>
+            </a:endParaRPr>
+          </a:p>
+          <a:p>
+            <a:pPr lvl="1">
+              <a:lnSpc>
+                <a:spcPct val="150000"/>
+              </a:lnSpc>
+            </a:pPr>
+            <a:r>
+              <a:rPr lang="en-US" altLang="zh-CN" dirty="0">
                 <a:ea typeface="微软雅黑" panose="020B0503020204020204" pitchFamily="34" charset="-122"/>
               </a:rPr>
-              <a:t>基础与使用</a:t>
-            </a:r>
-            <a:endParaRPr lang="en-US" altLang="zh-CN" sz="2000" dirty="0">
-              <a:solidFill>
-                <a:schemeClr val="tx1">
-                  <a:lumMod val="65000"/>
-                  <a:lumOff val="35000"/>
-                </a:schemeClr>
-              </a:solidFill>
-              <a:latin typeface="微软雅黑" panose="020B0503020204020204" pitchFamily="34" charset="-122"/>
+              <a:t>1. </a:t>
+            </a:r>
+            <a:r>
+              <a:rPr lang="zh-CN" altLang="en-US" dirty="0">
+                <a:ea typeface="微软雅黑" panose="020B0503020204020204" pitchFamily="34" charset="-122"/>
+              </a:rPr>
+              <a:t>获取</a:t>
+            </a:r>
+            <a:r>
+              <a:rPr lang="en-US" altLang="zh-CN" dirty="0" err="1">
+                <a:ea typeface="微软雅黑" panose="020B0503020204020204" pitchFamily="34" charset="-122"/>
+              </a:rPr>
+              <a:t>jsapi_ticket</a:t>
+            </a:r>
+            <a:r>
+              <a:rPr lang="zh-CN" altLang="en-US" dirty="0">
+                <a:ea typeface="微软雅黑" panose="020B0503020204020204" pitchFamily="34" charset="-122"/>
+              </a:rPr>
+              <a:t>并生成</a:t>
+            </a:r>
+            <a:r>
+              <a:rPr lang="en-US" altLang="zh-CN" dirty="0" err="1">
+                <a:ea typeface="微软雅黑" panose="020B0503020204020204" pitchFamily="34" charset="-122"/>
+              </a:rPr>
+              <a:t>timstamp</a:t>
+            </a:r>
+            <a:r>
+              <a:rPr lang="zh-CN" altLang="en-US" dirty="0">
+                <a:ea typeface="微软雅黑" panose="020B0503020204020204" pitchFamily="34" charset="-122"/>
+              </a:rPr>
+              <a:t>与</a:t>
+            </a:r>
+            <a:r>
+              <a:rPr lang="en-US" altLang="zh-CN" dirty="0" err="1">
+                <a:ea typeface="微软雅黑" panose="020B0503020204020204" pitchFamily="34" charset="-122"/>
+              </a:rPr>
+              <a:t>noncestr</a:t>
+            </a:r>
+            <a:r>
+              <a:rPr lang="zh-CN" altLang="en-US" dirty="0">
+                <a:ea typeface="微软雅黑" panose="020B0503020204020204" pitchFamily="34" charset="-122"/>
+              </a:rPr>
+              <a:t>。</a:t>
+            </a:r>
+            <a:endParaRPr lang="en-US" altLang="zh-CN" dirty="0">
               <a:ea typeface="微软雅黑" panose="020B0503020204020204" pitchFamily="34" charset="-122"/>
             </a:endParaRPr>
           </a:p>
           <a:p>
-            <a:pPr marL="514350" indent="-514350">
+            <a:pPr lvl="1">
               <a:lnSpc>
-                <a:spcPct val="200000"/>
+                <a:spcPct val="150000"/>
               </a:lnSpc>
-              <a:buFont typeface="+mj-ea"/>
-              <a:buAutoNum type="ea1JpnChsDbPeriod"/>
             </a:pPr>
             <a:r>
-              <a:rPr lang="en-US" altLang="zh-CN" sz="2400" dirty="0">
+              <a:rPr lang="en-US" altLang="zh-CN" dirty="0">
+                <a:ea typeface="微软雅黑" panose="020B0503020204020204" pitchFamily="34" charset="-122"/>
+              </a:rPr>
+              <a:t>2. </a:t>
+            </a:r>
+            <a:r>
+              <a:rPr lang="zh-CN" altLang="en-US" dirty="0">
+                <a:ea typeface="微软雅黑" panose="020B0503020204020204" pitchFamily="34" charset="-122"/>
+              </a:rPr>
+              <a:t>对所有待签名参数按照字段名的</a:t>
+            </a:r>
+            <a:r>
+              <a:rPr lang="en-US" altLang="zh-CN" dirty="0">
+                <a:ea typeface="微软雅黑" panose="020B0503020204020204" pitchFamily="34" charset="-122"/>
+              </a:rPr>
+              <a:t>ASCII </a:t>
+            </a:r>
+            <a:r>
+              <a:rPr lang="zh-CN" altLang="en-US" dirty="0">
+                <a:ea typeface="微软雅黑" panose="020B0503020204020204" pitchFamily="34" charset="-122"/>
+              </a:rPr>
+              <a:t>码从小到大排序（字典序）。</a:t>
+            </a:r>
+            <a:endParaRPr lang="en-US" altLang="zh-CN" dirty="0">
+              <a:ea typeface="微软雅黑" panose="020B0503020204020204" pitchFamily="34" charset="-122"/>
+            </a:endParaRPr>
+          </a:p>
+          <a:p>
+            <a:pPr lvl="1">
+              <a:lnSpc>
+                <a:spcPct val="150000"/>
+              </a:lnSpc>
+            </a:pPr>
+            <a:r>
+              <a:rPr lang="en-US" altLang="zh-CN" dirty="0">
+                <a:ea typeface="微软雅黑" panose="020B0503020204020204" pitchFamily="34" charset="-122"/>
+              </a:rPr>
+              <a:t>3. </a:t>
+            </a:r>
+            <a:r>
+              <a:rPr lang="zh-CN" altLang="en-US" dirty="0">
+                <a:ea typeface="微软雅黑" panose="020B0503020204020204" pitchFamily="34" charset="-122"/>
+              </a:rPr>
+              <a:t>对参数名与参数值使用</a:t>
+            </a:r>
+            <a:r>
+              <a:rPr lang="en-US" altLang="zh-CN" dirty="0" err="1">
+                <a:ea typeface="微软雅黑" panose="020B0503020204020204" pitchFamily="34" charset="-122"/>
+              </a:rPr>
+              <a:t>url</a:t>
+            </a:r>
+            <a:r>
+              <a:rPr lang="zh-CN" altLang="en-US" dirty="0">
+                <a:ea typeface="微软雅黑" panose="020B0503020204020204" pitchFamily="34" charset="-122"/>
+              </a:rPr>
+              <a:t>键值对的格式（</a:t>
+            </a:r>
+            <a:r>
+              <a:rPr lang="en-US" altLang="zh-CN" dirty="0"/>
+              <a:t>key1=value1&amp;key2=value2…</a:t>
+            </a:r>
+            <a:r>
+              <a:rPr lang="zh-CN" altLang="en-US" dirty="0">
+                <a:ea typeface="微软雅黑" panose="020B0503020204020204" pitchFamily="34" charset="-122"/>
+              </a:rPr>
+              <a:t>）进行字符串拼接。</a:t>
+            </a:r>
+            <a:endParaRPr lang="en-US" altLang="zh-CN" dirty="0">
+              <a:ea typeface="微软雅黑" panose="020B0503020204020204" pitchFamily="34" charset="-122"/>
+            </a:endParaRPr>
+          </a:p>
+          <a:p>
+            <a:pPr lvl="2">
+              <a:lnSpc>
+                <a:spcPct val="150000"/>
+              </a:lnSpc>
+            </a:pPr>
+            <a:r>
+              <a:rPr lang="zh-CN" altLang="en-US" sz="1600" dirty="0">
                 <a:solidFill>
                   <a:schemeClr val="accent6">
                     <a:lumMod val="75000"/>
                   </a:schemeClr>
                 </a:solidFill>
-                <a:latin typeface="微软雅黑" panose="020B0503020204020204" pitchFamily="34" charset="-122"/>
                 <a:ea typeface="微软雅黑" panose="020B0503020204020204" pitchFamily="34" charset="-122"/>
               </a:rPr>
-              <a:t>JS-SDK</a:t>
-            </a:r>
-            <a:r>
-              <a:rPr lang="zh-CN" altLang="en-US" sz="2400" dirty="0">
+              <a:t>注意：这里所有的参数名都是小写字符，并且字段名和字段值都采用原始值，不进行</a:t>
+            </a:r>
+            <a:r>
+              <a:rPr lang="en-US" altLang="zh-CN" sz="1600" dirty="0">
                 <a:solidFill>
                   <a:schemeClr val="accent6">
                     <a:lumMod val="75000"/>
                   </a:schemeClr>
                 </a:solidFill>
-                <a:latin typeface="微软雅黑" panose="020B0503020204020204" pitchFamily="34" charset="-122"/>
                 <a:ea typeface="微软雅黑" panose="020B0503020204020204" pitchFamily="34" charset="-122"/>
               </a:rPr>
-              <a:t>基本使用</a:t>
-            </a:r>
-            <a:endParaRPr lang="en-US" altLang="zh-CN" sz="2400" dirty="0">
+              <a:t>URL </a:t>
+            </a:r>
+            <a:r>
+              <a:rPr lang="zh-CN" altLang="en-US" sz="1600" dirty="0">
+                <a:solidFill>
+                  <a:schemeClr val="accent6">
+                    <a:lumMod val="75000"/>
+                  </a:schemeClr>
+                </a:solidFill>
+                <a:ea typeface="微软雅黑" panose="020B0503020204020204" pitchFamily="34" charset="-122"/>
+              </a:rPr>
+              <a:t>转义。</a:t>
+            </a:r>
+            <a:endParaRPr lang="en-US" altLang="zh-CN" sz="1600" dirty="0">
               <a:solidFill>
                 <a:schemeClr val="accent6">
                   <a:lumMod val="75000"/>
                 </a:schemeClr>
               </a:solidFill>
-              <a:latin typeface="微软雅黑" panose="020B0503020204020204" pitchFamily="34" charset="-122"/>
               <a:ea typeface="微软雅黑" panose="020B0503020204020204" pitchFamily="34" charset="-122"/>
             </a:endParaRPr>
           </a:p>
           <a:p>
-            <a:pPr marL="514350" indent="-514350">
+            <a:pPr lvl="1">
               <a:lnSpc>
-                <a:spcPct val="200000"/>
+                <a:spcPct val="150000"/>
               </a:lnSpc>
-              <a:buFont typeface="+mj-ea"/>
-              <a:buAutoNum type="ea1JpnChsDbPeriod"/>
             </a:pPr>
             <a:r>
-              <a:rPr lang="en-US" altLang="zh-CN" sz="2000" dirty="0" err="1">
-                <a:solidFill>
-                  <a:schemeClr val="tx1">
-                    <a:lumMod val="65000"/>
-                    <a:lumOff val="35000"/>
-                  </a:schemeClr>
-                </a:solidFill>
-                <a:latin typeface="微软雅黑" panose="020B0503020204020204" pitchFamily="34" charset="-122"/>
+              <a:rPr lang="en-US" altLang="zh-CN" dirty="0">
                 <a:ea typeface="微软雅黑" panose="020B0503020204020204" pitchFamily="34" charset="-122"/>
               </a:rPr>
-              <a:t>WeUI</a:t>
-            </a:r>
-            <a:r>
-              <a:rPr lang="zh-CN" altLang="en-US" sz="2000" dirty="0">
-                <a:solidFill>
-                  <a:schemeClr val="tx1">
-                    <a:lumMod val="65000"/>
-                    <a:lumOff val="35000"/>
-                  </a:schemeClr>
-                </a:solidFill>
-                <a:latin typeface="微软雅黑" panose="020B0503020204020204" pitchFamily="34" charset="-122"/>
+              <a:t>4. </a:t>
+            </a:r>
+            <a:r>
+              <a:rPr lang="zh-CN" altLang="en-US" dirty="0">
                 <a:ea typeface="微软雅黑" panose="020B0503020204020204" pitchFamily="34" charset="-122"/>
               </a:rPr>
-              <a:t>与</a:t>
-            </a:r>
-            <a:r>
-              <a:rPr lang="en-US" altLang="zh-CN" sz="2000" dirty="0">
-                <a:solidFill>
-                  <a:schemeClr val="tx1">
-                    <a:lumMod val="65000"/>
-                    <a:lumOff val="35000"/>
-                  </a:schemeClr>
-                </a:solidFill>
-                <a:latin typeface="微软雅黑" panose="020B0503020204020204" pitchFamily="34" charset="-122"/>
+              <a:t>对拼接的字符串进行</a:t>
+            </a:r>
+            <a:r>
+              <a:rPr lang="en-US" altLang="zh-CN" dirty="0">
                 <a:ea typeface="微软雅黑" panose="020B0503020204020204" pitchFamily="34" charset="-122"/>
               </a:rPr>
-              <a:t>JS-SDK</a:t>
-            </a:r>
-            <a:r>
-              <a:rPr lang="zh-CN" altLang="en-US" sz="2000" dirty="0">
-                <a:solidFill>
-                  <a:schemeClr val="tx1">
-                    <a:lumMod val="65000"/>
-                    <a:lumOff val="35000"/>
-                  </a:schemeClr>
-                </a:solidFill>
-                <a:latin typeface="微软雅黑" panose="020B0503020204020204" pitchFamily="34" charset="-122"/>
+              <a:t>sha1</a:t>
+            </a:r>
+            <a:r>
+              <a:rPr lang="zh-CN" altLang="en-US" dirty="0">
                 <a:ea typeface="微软雅黑" panose="020B0503020204020204" pitchFamily="34" charset="-122"/>
               </a:rPr>
-              <a:t>配合使用</a:t>
-            </a:r>
-            <a:endParaRPr lang="en-US" altLang="zh-CN" sz="2000" dirty="0">
-              <a:solidFill>
-                <a:schemeClr val="tx1">
-                  <a:lumMod val="65000"/>
-                  <a:lumOff val="35000"/>
-                </a:schemeClr>
-              </a:solidFill>
-              <a:latin typeface="微软雅黑" panose="020B0503020204020204" pitchFamily="34" charset="-122"/>
+              <a:t>加密签名：</a:t>
+            </a:r>
+            <a:r>
+              <a:rPr lang="en-US" altLang="zh-CN" dirty="0">
+                <a:ea typeface="微软雅黑" panose="020B0503020204020204" pitchFamily="34" charset="-122"/>
+              </a:rPr>
+              <a:t>sha1(string)</a:t>
+            </a:r>
+            <a:r>
+              <a:rPr lang="zh-CN" altLang="en-US" dirty="0">
+                <a:ea typeface="微软雅黑" panose="020B0503020204020204" pitchFamily="34" charset="-122"/>
+              </a:rPr>
+              <a:t>。</a:t>
+            </a:r>
+            <a:endParaRPr lang="en-US" altLang="zh-CN" dirty="0">
               <a:ea typeface="微软雅黑" panose="020B0503020204020204" pitchFamily="34" charset="-122"/>
             </a:endParaRPr>
           </a:p>
@@ -13042,7 +13142,7 @@
     </p:spTree>
     <p:extLst>
       <p:ext uri="{BB962C8B-B14F-4D97-AF65-F5344CB8AC3E}">
-        <p14:creationId xmlns:p14="http://schemas.microsoft.com/office/powerpoint/2010/main" val="2999457395"/>
+        <p14:creationId xmlns:p14="http://schemas.microsoft.com/office/powerpoint/2010/main" val="3265406090"/>
       </p:ext>
     </p:extLst>
   </p:cSld>
@@ -13079,35 +13179,203 @@
             <p:ph sz="quarter" idx="13"/>
           </p:nvPr>
         </p:nvSpPr>
+        <p:spPr/>
+        <p:txBody>
+          <a:bodyPr/>
+          <a:lstStyle/>
+          <a:p>
+            <a:r>
+              <a:rPr lang="zh-CN" altLang="en-US" dirty="0"/>
+              <a:t>第二讲</a:t>
+            </a:r>
+          </a:p>
+        </p:txBody>
+      </p:sp>
+      <p:sp>
+        <p:nvSpPr>
+          <p:cNvPr id="4" name="文本框 3"/>
+          <p:cNvSpPr txBox="1"/>
+          <p:nvPr/>
+        </p:nvSpPr>
         <p:spPr>
           <a:xfrm>
-            <a:off x="1054100" y="543636"/>
-            <a:ext cx="7164990" cy="685800"/>
+            <a:off x="4058444" y="2343152"/>
+            <a:ext cx="5385594" cy="2062103"/>
           </a:xfrm>
+          <a:prstGeom prst="rect">
+            <a:avLst/>
+          </a:prstGeom>
+          <a:noFill/>
         </p:spPr>
         <p:txBody>
-          <a:bodyPr/>
+          <a:bodyPr wrap="square" rtlCol="0">
+            <a:spAutoFit/>
+          </a:bodyPr>
           <a:lstStyle/>
           <a:p>
-            <a:r>
-              <a:rPr lang="zh-CN" altLang="en-US" b="0" dirty="0"/>
-              <a:t>判断是否支持指定</a:t>
-            </a:r>
-            <a:r>
-              <a:rPr lang="en-US" altLang="zh-CN" b="0" dirty="0"/>
-              <a:t>JS</a:t>
-            </a:r>
-            <a:r>
-              <a:rPr lang="zh-CN" altLang="en-US" b="0" dirty="0"/>
-              <a:t>接口</a:t>
-            </a:r>
+            <a:pPr marL="514350" indent="-514350">
+              <a:lnSpc>
+                <a:spcPct val="200000"/>
+              </a:lnSpc>
+              <a:buFont typeface="+mj-ea"/>
+              <a:buAutoNum type="ea1JpnChsDbPeriod"/>
+            </a:pPr>
+            <a:r>
+              <a:rPr lang="en-US" altLang="zh-CN" sz="2000" dirty="0" err="1">
+                <a:solidFill>
+                  <a:schemeClr val="tx1">
+                    <a:lumMod val="65000"/>
+                    <a:lumOff val="35000"/>
+                  </a:schemeClr>
+                </a:solidFill>
+                <a:latin typeface="微软雅黑" panose="020B0503020204020204" pitchFamily="34" charset="-122"/>
+                <a:ea typeface="微软雅黑" panose="020B0503020204020204" pitchFamily="34" charset="-122"/>
+              </a:rPr>
+              <a:t>WeUI</a:t>
+            </a:r>
+            <a:r>
+              <a:rPr lang="zh-CN" altLang="en-US" sz="2000" dirty="0">
+                <a:solidFill>
+                  <a:schemeClr val="tx1">
+                    <a:lumMod val="65000"/>
+                    <a:lumOff val="35000"/>
+                  </a:schemeClr>
+                </a:solidFill>
+                <a:latin typeface="微软雅黑" panose="020B0503020204020204" pitchFamily="34" charset="-122"/>
+                <a:ea typeface="微软雅黑" panose="020B0503020204020204" pitchFamily="34" charset="-122"/>
+              </a:rPr>
+              <a:t>基础与使用</a:t>
+            </a:r>
+            <a:endParaRPr lang="en-US" altLang="zh-CN" sz="2000" dirty="0">
+              <a:solidFill>
+                <a:schemeClr val="tx1">
+                  <a:lumMod val="65000"/>
+                  <a:lumOff val="35000"/>
+                </a:schemeClr>
+              </a:solidFill>
+              <a:latin typeface="微软雅黑" panose="020B0503020204020204" pitchFamily="34" charset="-122"/>
+              <a:ea typeface="微软雅黑" panose="020B0503020204020204" pitchFamily="34" charset="-122"/>
+            </a:endParaRPr>
+          </a:p>
+          <a:p>
+            <a:pPr marL="514350" indent="-514350">
+              <a:lnSpc>
+                <a:spcPct val="200000"/>
+              </a:lnSpc>
+              <a:buFont typeface="+mj-ea"/>
+              <a:buAutoNum type="ea1JpnChsDbPeriod"/>
+            </a:pPr>
+            <a:r>
+              <a:rPr lang="en-US" altLang="zh-CN" sz="2400" dirty="0">
+                <a:solidFill>
+                  <a:schemeClr val="accent6">
+                    <a:lumMod val="75000"/>
+                  </a:schemeClr>
+                </a:solidFill>
+                <a:latin typeface="微软雅黑" panose="020B0503020204020204" pitchFamily="34" charset="-122"/>
+                <a:ea typeface="微软雅黑" panose="020B0503020204020204" pitchFamily="34" charset="-122"/>
+              </a:rPr>
+              <a:t>JS-SDK</a:t>
+            </a:r>
+            <a:r>
+              <a:rPr lang="zh-CN" altLang="en-US" sz="2400" dirty="0">
+                <a:solidFill>
+                  <a:schemeClr val="accent6">
+                    <a:lumMod val="75000"/>
+                  </a:schemeClr>
+                </a:solidFill>
+                <a:latin typeface="微软雅黑" panose="020B0503020204020204" pitchFamily="34" charset="-122"/>
+                <a:ea typeface="微软雅黑" panose="020B0503020204020204" pitchFamily="34" charset="-122"/>
+              </a:rPr>
+              <a:t>基本使用</a:t>
+            </a:r>
+            <a:endParaRPr lang="en-US" altLang="zh-CN" sz="2400" dirty="0">
+              <a:solidFill>
+                <a:schemeClr val="accent6">
+                  <a:lumMod val="75000"/>
+                </a:schemeClr>
+              </a:solidFill>
+              <a:latin typeface="微软雅黑" panose="020B0503020204020204" pitchFamily="34" charset="-122"/>
+              <a:ea typeface="微软雅黑" panose="020B0503020204020204" pitchFamily="34" charset="-122"/>
+            </a:endParaRPr>
+          </a:p>
+          <a:p>
+            <a:pPr marL="514350" indent="-514350">
+              <a:lnSpc>
+                <a:spcPct val="200000"/>
+              </a:lnSpc>
+              <a:buFont typeface="+mj-ea"/>
+              <a:buAutoNum type="ea1JpnChsDbPeriod"/>
+            </a:pPr>
+            <a:r>
+              <a:rPr lang="en-US" altLang="zh-CN" sz="2000" dirty="0" err="1">
+                <a:solidFill>
+                  <a:schemeClr val="tx1">
+                    <a:lumMod val="65000"/>
+                    <a:lumOff val="35000"/>
+                  </a:schemeClr>
+                </a:solidFill>
+                <a:latin typeface="微软雅黑" panose="020B0503020204020204" pitchFamily="34" charset="-122"/>
+                <a:ea typeface="微软雅黑" panose="020B0503020204020204" pitchFamily="34" charset="-122"/>
+              </a:rPr>
+              <a:t>WeUI</a:t>
+            </a:r>
+            <a:r>
+              <a:rPr lang="zh-CN" altLang="en-US" sz="2000" dirty="0">
+                <a:solidFill>
+                  <a:schemeClr val="tx1">
+                    <a:lumMod val="65000"/>
+                    <a:lumOff val="35000"/>
+                  </a:schemeClr>
+                </a:solidFill>
+                <a:latin typeface="微软雅黑" panose="020B0503020204020204" pitchFamily="34" charset="-122"/>
+                <a:ea typeface="微软雅黑" panose="020B0503020204020204" pitchFamily="34" charset="-122"/>
+              </a:rPr>
+              <a:t>与</a:t>
+            </a:r>
+            <a:r>
+              <a:rPr lang="en-US" altLang="zh-CN" sz="2000" dirty="0">
+                <a:solidFill>
+                  <a:schemeClr val="tx1">
+                    <a:lumMod val="65000"/>
+                    <a:lumOff val="35000"/>
+                  </a:schemeClr>
+                </a:solidFill>
+                <a:latin typeface="微软雅黑" panose="020B0503020204020204" pitchFamily="34" charset="-122"/>
+                <a:ea typeface="微软雅黑" panose="020B0503020204020204" pitchFamily="34" charset="-122"/>
+              </a:rPr>
+              <a:t>JS-SDK</a:t>
+            </a:r>
+            <a:r>
+              <a:rPr lang="zh-CN" altLang="en-US" sz="2000" dirty="0">
+                <a:solidFill>
+                  <a:schemeClr val="tx1">
+                    <a:lumMod val="65000"/>
+                    <a:lumOff val="35000"/>
+                  </a:schemeClr>
+                </a:solidFill>
+                <a:latin typeface="微软雅黑" panose="020B0503020204020204" pitchFamily="34" charset="-122"/>
+                <a:ea typeface="微软雅黑" panose="020B0503020204020204" pitchFamily="34" charset="-122"/>
+              </a:rPr>
+              <a:t>配合使用</a:t>
+            </a:r>
+            <a:endParaRPr lang="en-US" altLang="zh-CN" sz="2000" dirty="0">
+              <a:solidFill>
+                <a:schemeClr val="tx1">
+                  <a:lumMod val="65000"/>
+                  <a:lumOff val="35000"/>
+                </a:schemeClr>
+              </a:solidFill>
+              <a:latin typeface="微软雅黑" panose="020B0503020204020204" pitchFamily="34" charset="-122"/>
+              <a:ea typeface="微软雅黑" panose="020B0503020204020204" pitchFamily="34" charset="-122"/>
+            </a:endParaRPr>
           </a:p>
         </p:txBody>
       </p:sp>
     </p:spTree>
     <p:extLst>
       <p:ext uri="{BB962C8B-B14F-4D97-AF65-F5344CB8AC3E}">
-        <p14:creationId xmlns:p14="http://schemas.microsoft.com/office/powerpoint/2010/main" val="2699412093"/>
+        <p14:creationId xmlns:p14="http://schemas.microsoft.com/office/powerpoint/2010/main" val="2999457395"/>
       </p:ext>
     </p:extLst>
   </p:cSld>
@@ -13146,8 +13414,8 @@
         </p:nvSpPr>
         <p:spPr>
           <a:xfrm>
-            <a:off x="1054100" y="543636"/>
-            <a:ext cx="5818188" cy="685800"/>
+            <a:off x="1054099" y="543636"/>
+            <a:ext cx="6113956" cy="685800"/>
           </a:xfrm>
         </p:spPr>
         <p:txBody>
@@ -13155,8 +13423,12 @@
           <a:lstStyle/>
           <a:p>
             <a:r>
+              <a:rPr lang="en-US" altLang="zh-CN" b="0" dirty="0"/>
+              <a:t>ready</a:t>
+            </a:r>
+            <a:r>
               <a:rPr lang="zh-CN" altLang="en-US" b="0" dirty="0"/>
-              <a:t>分享接口</a:t>
+              <a:t>接口的回调函数</a:t>
             </a:r>
           </a:p>
         </p:txBody>
@@ -13164,7 +13436,7 @@
     </p:spTree>
     <p:extLst>
       <p:ext uri="{BB962C8B-B14F-4D97-AF65-F5344CB8AC3E}">
-        <p14:creationId xmlns:p14="http://schemas.microsoft.com/office/powerpoint/2010/main" val="2902273865"/>
+        <p14:creationId xmlns:p14="http://schemas.microsoft.com/office/powerpoint/2010/main" val="636796483"/>
       </p:ext>
     </p:extLst>
   </p:cSld>
@@ -13204,7 +13476,7 @@
         <p:spPr>
           <a:xfrm>
             <a:off x="1054099" y="543636"/>
-            <a:ext cx="7032626" cy="685800"/>
+            <a:ext cx="5788135" cy="685800"/>
           </a:xfrm>
         </p:spPr>
         <p:txBody>
@@ -13212,8 +13484,12 @@
           <a:lstStyle/>
           <a:p>
             <a:r>
+              <a:rPr lang="en-US" altLang="zh-CN" b="0" dirty="0"/>
+              <a:t>error</a:t>
+            </a:r>
+            <a:r>
               <a:rPr lang="zh-CN" altLang="en-US" b="0" dirty="0"/>
-              <a:t>初始化配置</a:t>
+              <a:t>接口的回调函数</a:t>
             </a:r>
           </a:p>
         </p:txBody>
@@ -13221,7 +13497,7 @@
     </p:spTree>
     <p:extLst>
       <p:ext uri="{BB962C8B-B14F-4D97-AF65-F5344CB8AC3E}">
-        <p14:creationId xmlns:p14="http://schemas.microsoft.com/office/powerpoint/2010/main" val="3020456092"/>
+        <p14:creationId xmlns:p14="http://schemas.microsoft.com/office/powerpoint/2010/main" val="1067076184"/>
       </p:ext>
     </p:extLst>
   </p:cSld>
@@ -13258,14 +13534,19 @@
             <p:ph sz="quarter" idx="13"/>
           </p:nvPr>
         </p:nvSpPr>
-        <p:spPr/>
+        <p:spPr>
+          <a:xfrm>
+            <a:off x="1054099" y="543636"/>
+            <a:ext cx="5788135" cy="685800"/>
+          </a:xfrm>
+        </p:spPr>
         <p:txBody>
           <a:bodyPr/>
           <a:lstStyle/>
           <a:p>
             <a:r>
               <a:rPr lang="zh-CN" altLang="en-US" b="0" dirty="0"/>
-              <a:t>接口参数说明</a:t>
+              <a:t>其他参数</a:t>
             </a:r>
           </a:p>
         </p:txBody>
@@ -13273,7 +13554,7 @@
     </p:spTree>
     <p:extLst>
       <p:ext uri="{BB962C8B-B14F-4D97-AF65-F5344CB8AC3E}">
-        <p14:creationId xmlns:p14="http://schemas.microsoft.com/office/powerpoint/2010/main" val="1047478514"/>
+        <p14:creationId xmlns:p14="http://schemas.microsoft.com/office/powerpoint/2010/main" val="1236049890"/>
       </p:ext>
     </p:extLst>
   </p:cSld>
@@ -13313,7 +13594,7 @@
         <p:spPr>
           <a:xfrm>
             <a:off x="1054100" y="543636"/>
-            <a:ext cx="6961188" cy="685800"/>
+            <a:ext cx="5818188" cy="685800"/>
           </a:xfrm>
         </p:spPr>
         <p:txBody>
@@ -13322,7 +13603,7 @@
           <a:p>
             <a:r>
               <a:rPr lang="zh-CN" altLang="en-US" b="0" dirty="0"/>
-              <a:t>判断当前版本是否支持接口</a:t>
+              <a:t>分享接口</a:t>
             </a:r>
           </a:p>
         </p:txBody>
@@ -13330,7 +13611,7 @@
     </p:spTree>
     <p:extLst>
       <p:ext uri="{BB962C8B-B14F-4D97-AF65-F5344CB8AC3E}">
-        <p14:creationId xmlns:p14="http://schemas.microsoft.com/office/powerpoint/2010/main" val="3609406795"/>
+        <p14:creationId xmlns:p14="http://schemas.microsoft.com/office/powerpoint/2010/main" val="2902273865"/>
       </p:ext>
     </p:extLst>
   </p:cSld>
@@ -13369,8 +13650,8 @@
         </p:nvSpPr>
         <p:spPr>
           <a:xfrm>
-            <a:off x="1054099" y="543636"/>
-            <a:ext cx="5889625" cy="685800"/>
+            <a:off x="1054100" y="543636"/>
+            <a:ext cx="7304088" cy="685800"/>
           </a:xfrm>
         </p:spPr>
         <p:txBody>
@@ -13378,16 +13659,195 @@
           <a:lstStyle/>
           <a:p>
             <a:r>
-              <a:rPr lang="zh-CN" altLang="en-US" b="0" dirty="0"/>
-              <a:t>获取地理位置</a:t>
-            </a:r>
+              <a:rPr lang="zh-CN" altLang="en-US" dirty="0"/>
+              <a:t>第三讲</a:t>
+            </a:r>
+          </a:p>
+        </p:txBody>
+      </p:sp>
+      <p:sp>
+        <p:nvSpPr>
+          <p:cNvPr id="6" name="文本框 5"/>
+          <p:cNvSpPr txBox="1"/>
+          <p:nvPr/>
+        </p:nvSpPr>
+        <p:spPr>
+          <a:xfrm>
+            <a:off x="4058444" y="2343152"/>
+            <a:ext cx="5385594" cy="2062103"/>
+          </a:xfrm>
+          <a:prstGeom prst="rect">
+            <a:avLst/>
+          </a:prstGeom>
+          <a:noFill/>
+        </p:spPr>
+        <p:txBody>
+          <a:bodyPr wrap="square" rtlCol="0">
+            <a:spAutoFit/>
+          </a:bodyPr>
+          <a:lstStyle/>
+          <a:p>
+            <a:pPr marL="514350" indent="-514350">
+              <a:lnSpc>
+                <a:spcPct val="200000"/>
+              </a:lnSpc>
+              <a:buFont typeface="+mj-ea"/>
+              <a:buAutoNum type="ea1JpnChsDbPeriod"/>
+            </a:pPr>
+            <a:r>
+              <a:rPr lang="en-US" altLang="zh-CN" sz="2000" dirty="0" err="1">
+                <a:solidFill>
+                  <a:schemeClr val="tx1">
+                    <a:lumMod val="65000"/>
+                    <a:lumOff val="35000"/>
+                  </a:schemeClr>
+                </a:solidFill>
+                <a:latin typeface="微软雅黑" panose="020B0503020204020204" pitchFamily="34" charset="-122"/>
+                <a:ea typeface="微软雅黑" panose="020B0503020204020204" pitchFamily="34" charset="-122"/>
+              </a:rPr>
+              <a:t>WeUI</a:t>
+            </a:r>
+            <a:r>
+              <a:rPr lang="zh-CN" altLang="en-US" sz="2000" dirty="0">
+                <a:solidFill>
+                  <a:schemeClr val="tx1">
+                    <a:lumMod val="65000"/>
+                    <a:lumOff val="35000"/>
+                  </a:schemeClr>
+                </a:solidFill>
+                <a:latin typeface="微软雅黑" panose="020B0503020204020204" pitchFamily="34" charset="-122"/>
+                <a:ea typeface="微软雅黑" panose="020B0503020204020204" pitchFamily="34" charset="-122"/>
+              </a:rPr>
+              <a:t>基础与使用</a:t>
+            </a:r>
+            <a:endParaRPr lang="en-US" altLang="zh-CN" sz="2000" dirty="0">
+              <a:solidFill>
+                <a:schemeClr val="tx1">
+                  <a:lumMod val="65000"/>
+                  <a:lumOff val="35000"/>
+                </a:schemeClr>
+              </a:solidFill>
+              <a:latin typeface="微软雅黑" panose="020B0503020204020204" pitchFamily="34" charset="-122"/>
+              <a:ea typeface="微软雅黑" panose="020B0503020204020204" pitchFamily="34" charset="-122"/>
+            </a:endParaRPr>
+          </a:p>
+          <a:p>
+            <a:pPr marL="514350" indent="-514350">
+              <a:lnSpc>
+                <a:spcPct val="200000"/>
+              </a:lnSpc>
+              <a:buFont typeface="+mj-ea"/>
+              <a:buAutoNum type="ea1JpnChsDbPeriod"/>
+            </a:pPr>
+            <a:r>
+              <a:rPr lang="en-US" altLang="zh-CN" sz="2000" dirty="0">
+                <a:solidFill>
+                  <a:schemeClr val="tx1">
+                    <a:lumMod val="65000"/>
+                    <a:lumOff val="35000"/>
+                  </a:schemeClr>
+                </a:solidFill>
+                <a:latin typeface="微软雅黑" panose="020B0503020204020204" pitchFamily="34" charset="-122"/>
+                <a:ea typeface="微软雅黑" panose="020B0503020204020204" pitchFamily="34" charset="-122"/>
+              </a:rPr>
+              <a:t>JS-SDK</a:t>
+            </a:r>
+            <a:r>
+              <a:rPr lang="zh-CN" altLang="en-US" sz="2000" dirty="0">
+                <a:solidFill>
+                  <a:schemeClr val="tx1">
+                    <a:lumMod val="65000"/>
+                    <a:lumOff val="35000"/>
+                  </a:schemeClr>
+                </a:solidFill>
+                <a:latin typeface="微软雅黑" panose="020B0503020204020204" pitchFamily="34" charset="-122"/>
+                <a:ea typeface="微软雅黑" panose="020B0503020204020204" pitchFamily="34" charset="-122"/>
+              </a:rPr>
+              <a:t>基本使用</a:t>
+            </a:r>
+            <a:endParaRPr lang="en-US" altLang="zh-CN" sz="2000" dirty="0">
+              <a:solidFill>
+                <a:schemeClr val="tx1">
+                  <a:lumMod val="65000"/>
+                  <a:lumOff val="35000"/>
+                </a:schemeClr>
+              </a:solidFill>
+              <a:latin typeface="微软雅黑" panose="020B0503020204020204" pitchFamily="34" charset="-122"/>
+              <a:ea typeface="微软雅黑" panose="020B0503020204020204" pitchFamily="34" charset="-122"/>
+            </a:endParaRPr>
+          </a:p>
+          <a:p>
+            <a:pPr marL="514350" indent="-514350">
+              <a:lnSpc>
+                <a:spcPct val="200000"/>
+              </a:lnSpc>
+              <a:buFont typeface="+mj-ea"/>
+              <a:buAutoNum type="ea1JpnChsDbPeriod"/>
+            </a:pPr>
+            <a:r>
+              <a:rPr lang="en-US" altLang="zh-CN" sz="2400" dirty="0" err="1">
+                <a:solidFill>
+                  <a:schemeClr val="accent6">
+                    <a:lumMod val="75000"/>
+                  </a:schemeClr>
+                </a:solidFill>
+                <a:latin typeface="微软雅黑" panose="020B0503020204020204" pitchFamily="34" charset="-122"/>
+                <a:ea typeface="微软雅黑" panose="020B0503020204020204" pitchFamily="34" charset="-122"/>
+              </a:rPr>
+              <a:t>WeUI</a:t>
+            </a:r>
+            <a:r>
+              <a:rPr lang="zh-CN" altLang="en-US" sz="2400" dirty="0">
+                <a:solidFill>
+                  <a:schemeClr val="accent6">
+                    <a:lumMod val="75000"/>
+                  </a:schemeClr>
+                </a:solidFill>
+                <a:latin typeface="微软雅黑" panose="020B0503020204020204" pitchFamily="34" charset="-122"/>
+                <a:ea typeface="微软雅黑" panose="020B0503020204020204" pitchFamily="34" charset="-122"/>
+              </a:rPr>
+              <a:t>与</a:t>
+            </a:r>
+            <a:r>
+              <a:rPr lang="en-US" altLang="zh-CN" sz="2400" dirty="0">
+                <a:solidFill>
+                  <a:schemeClr val="accent6">
+                    <a:lumMod val="75000"/>
+                  </a:schemeClr>
+                </a:solidFill>
+                <a:latin typeface="微软雅黑" panose="020B0503020204020204" pitchFamily="34" charset="-122"/>
+                <a:ea typeface="微软雅黑" panose="020B0503020204020204" pitchFamily="34" charset="-122"/>
+              </a:rPr>
+              <a:t>JS-SDK</a:t>
+            </a:r>
+            <a:r>
+              <a:rPr lang="zh-CN" altLang="en-US" sz="2400" dirty="0">
+                <a:solidFill>
+                  <a:schemeClr val="accent6">
+                    <a:lumMod val="75000"/>
+                  </a:schemeClr>
+                </a:solidFill>
+                <a:latin typeface="微软雅黑" panose="020B0503020204020204" pitchFamily="34" charset="-122"/>
+                <a:ea typeface="微软雅黑" panose="020B0503020204020204" pitchFamily="34" charset="-122"/>
+              </a:rPr>
+              <a:t>配合使用</a:t>
+            </a:r>
+            <a:endParaRPr lang="en-US" altLang="zh-CN" sz="2400" dirty="0">
+              <a:solidFill>
+                <a:schemeClr val="accent6">
+                  <a:lumMod val="75000"/>
+                </a:schemeClr>
+              </a:solidFill>
+              <a:latin typeface="微软雅黑" panose="020B0503020204020204" pitchFamily="34" charset="-122"/>
+              <a:ea typeface="微软雅黑" panose="020B0503020204020204" pitchFamily="34" charset="-122"/>
+            </a:endParaRPr>
           </a:p>
         </p:txBody>
       </p:sp>
     </p:spTree>
     <p:extLst>
       <p:ext uri="{BB962C8B-B14F-4D97-AF65-F5344CB8AC3E}">
-        <p14:creationId xmlns:p14="http://schemas.microsoft.com/office/powerpoint/2010/main" val="921697031"/>
+        <p14:creationId xmlns:p14="http://schemas.microsoft.com/office/powerpoint/2010/main" val="1928010297"/>
       </p:ext>
     </p:extLst>
   </p:cSld>
@@ -13426,8 +13886,8 @@
         </p:nvSpPr>
         <p:spPr>
           <a:xfrm>
-            <a:off x="1054100" y="543636"/>
-            <a:ext cx="6432550" cy="685800"/>
+            <a:off x="1054099" y="543636"/>
+            <a:ext cx="5889625" cy="685800"/>
           </a:xfrm>
         </p:spPr>
         <p:txBody>
@@ -13436,7 +13896,7 @@
           <a:p>
             <a:r>
               <a:rPr lang="zh-CN" altLang="en-US" b="0" dirty="0"/>
-              <a:t>分享接口</a:t>
+              <a:t>获取地理位置</a:t>
             </a:r>
           </a:p>
         </p:txBody>
@@ -13444,7 +13904,7 @@
     </p:spTree>
     <p:extLst>
       <p:ext uri="{BB962C8B-B14F-4D97-AF65-F5344CB8AC3E}">
-        <p14:creationId xmlns:p14="http://schemas.microsoft.com/office/powerpoint/2010/main" val="3632675253"/>
+        <p14:creationId xmlns:p14="http://schemas.microsoft.com/office/powerpoint/2010/main" val="921697031"/>
       </p:ext>
     </p:extLst>
   </p:cSld>
@@ -13800,242 +14260,6 @@
 </file>
 
 <file path=ppt/slides/slide20.xml><?xml version="1.0" encoding="utf-8"?>
-<p:sld xmlns:a="http://schemas.openxmlformats.org/drawingml/2006/main" xmlns:r="http://schemas.openxmlformats.org/officeDocument/2006/relationships" xmlns:p="http://schemas.openxmlformats.org/presentationml/2006/main">
-  <p:cSld>
-    <p:spTree>
-      <p:nvGrpSpPr>
-        <p:cNvPr id="1" name=""/>
-        <p:cNvGrpSpPr/>
-        <p:nvPr/>
-      </p:nvGrpSpPr>
-      <p:grpSpPr>
-        <a:xfrm>
-          <a:off x="0" y="0"/>
-          <a:ext cx="0" cy="0"/>
-          <a:chOff x="0" y="0"/>
-          <a:chExt cx="0" cy="0"/>
-        </a:xfrm>
-      </p:grpSpPr>
-      <p:sp>
-        <p:nvSpPr>
-          <p:cNvPr id="2" name="内容占位符 1"/>
-          <p:cNvSpPr>
-            <a:spLocks noGrp="1"/>
-          </p:cNvSpPr>
-          <p:nvPr>
-            <p:ph sz="quarter" idx="13"/>
-          </p:nvPr>
-        </p:nvSpPr>
-        <p:spPr>
-          <a:xfrm>
-            <a:off x="1054100" y="543636"/>
-            <a:ext cx="7304088" cy="685800"/>
-          </a:xfrm>
-        </p:spPr>
-        <p:txBody>
-          <a:bodyPr/>
-          <a:lstStyle/>
-          <a:p>
-            <a:r>
-              <a:rPr lang="zh-CN" altLang="en-US" dirty="0"/>
-              <a:t>第三讲</a:t>
-            </a:r>
-          </a:p>
-        </p:txBody>
-      </p:sp>
-      <p:sp>
-        <p:nvSpPr>
-          <p:cNvPr id="6" name="文本框 5"/>
-          <p:cNvSpPr txBox="1"/>
-          <p:nvPr/>
-        </p:nvSpPr>
-        <p:spPr>
-          <a:xfrm>
-            <a:off x="4058444" y="2343152"/>
-            <a:ext cx="5385594" cy="2062103"/>
-          </a:xfrm>
-          <a:prstGeom prst="rect">
-            <a:avLst/>
-          </a:prstGeom>
-          <a:noFill/>
-        </p:spPr>
-        <p:txBody>
-          <a:bodyPr wrap="square" rtlCol="0">
-            <a:spAutoFit/>
-          </a:bodyPr>
-          <a:lstStyle/>
-          <a:p>
-            <a:pPr marL="514350" indent="-514350">
-              <a:lnSpc>
-                <a:spcPct val="200000"/>
-              </a:lnSpc>
-              <a:buFont typeface="+mj-ea"/>
-              <a:buAutoNum type="ea1JpnChsDbPeriod"/>
-            </a:pPr>
-            <a:r>
-              <a:rPr lang="en-US" altLang="zh-CN" sz="2000" dirty="0" err="1">
-                <a:solidFill>
-                  <a:schemeClr val="tx1">
-                    <a:lumMod val="65000"/>
-                    <a:lumOff val="35000"/>
-                  </a:schemeClr>
-                </a:solidFill>
-                <a:latin typeface="微软雅黑" panose="020B0503020204020204" pitchFamily="34" charset="-122"/>
-                <a:ea typeface="微软雅黑" panose="020B0503020204020204" pitchFamily="34" charset="-122"/>
-              </a:rPr>
-              <a:t>WeUI</a:t>
-            </a:r>
-            <a:r>
-              <a:rPr lang="zh-CN" altLang="en-US" sz="2000" dirty="0">
-                <a:solidFill>
-                  <a:schemeClr val="tx1">
-                    <a:lumMod val="65000"/>
-                    <a:lumOff val="35000"/>
-                  </a:schemeClr>
-                </a:solidFill>
-                <a:latin typeface="微软雅黑" panose="020B0503020204020204" pitchFamily="34" charset="-122"/>
-                <a:ea typeface="微软雅黑" panose="020B0503020204020204" pitchFamily="34" charset="-122"/>
-              </a:rPr>
-              <a:t>基础与使用</a:t>
-            </a:r>
-            <a:endParaRPr lang="en-US" altLang="zh-CN" sz="2000" dirty="0">
-              <a:solidFill>
-                <a:schemeClr val="tx1">
-                  <a:lumMod val="65000"/>
-                  <a:lumOff val="35000"/>
-                </a:schemeClr>
-              </a:solidFill>
-              <a:latin typeface="微软雅黑" panose="020B0503020204020204" pitchFamily="34" charset="-122"/>
-              <a:ea typeface="微软雅黑" panose="020B0503020204020204" pitchFamily="34" charset="-122"/>
-            </a:endParaRPr>
-          </a:p>
-          <a:p>
-            <a:pPr marL="514350" indent="-514350">
-              <a:lnSpc>
-                <a:spcPct val="200000"/>
-              </a:lnSpc>
-              <a:buFont typeface="+mj-ea"/>
-              <a:buAutoNum type="ea1JpnChsDbPeriod"/>
-            </a:pPr>
-            <a:r>
-              <a:rPr lang="en-US" altLang="zh-CN" sz="2000" dirty="0">
-                <a:solidFill>
-                  <a:schemeClr val="tx1">
-                    <a:lumMod val="65000"/>
-                    <a:lumOff val="35000"/>
-                  </a:schemeClr>
-                </a:solidFill>
-                <a:latin typeface="微软雅黑" panose="020B0503020204020204" pitchFamily="34" charset="-122"/>
-                <a:ea typeface="微软雅黑" panose="020B0503020204020204" pitchFamily="34" charset="-122"/>
-              </a:rPr>
-              <a:t>JS-SDK</a:t>
-            </a:r>
-            <a:r>
-              <a:rPr lang="zh-CN" altLang="en-US" sz="2000" dirty="0">
-                <a:solidFill>
-                  <a:schemeClr val="tx1">
-                    <a:lumMod val="65000"/>
-                    <a:lumOff val="35000"/>
-                  </a:schemeClr>
-                </a:solidFill>
-                <a:latin typeface="微软雅黑" panose="020B0503020204020204" pitchFamily="34" charset="-122"/>
-                <a:ea typeface="微软雅黑" panose="020B0503020204020204" pitchFamily="34" charset="-122"/>
-              </a:rPr>
-              <a:t>基本使用</a:t>
-            </a:r>
-            <a:endParaRPr lang="en-US" altLang="zh-CN" sz="2000" dirty="0">
-              <a:solidFill>
-                <a:schemeClr val="tx1">
-                  <a:lumMod val="65000"/>
-                  <a:lumOff val="35000"/>
-                </a:schemeClr>
-              </a:solidFill>
-              <a:latin typeface="微软雅黑" panose="020B0503020204020204" pitchFamily="34" charset="-122"/>
-              <a:ea typeface="微软雅黑" panose="020B0503020204020204" pitchFamily="34" charset="-122"/>
-            </a:endParaRPr>
-          </a:p>
-          <a:p>
-            <a:pPr marL="514350" indent="-514350">
-              <a:lnSpc>
-                <a:spcPct val="200000"/>
-              </a:lnSpc>
-              <a:buFont typeface="+mj-ea"/>
-              <a:buAutoNum type="ea1JpnChsDbPeriod"/>
-            </a:pPr>
-            <a:r>
-              <a:rPr lang="en-US" altLang="zh-CN" sz="2400" dirty="0" err="1">
-                <a:solidFill>
-                  <a:schemeClr val="accent6">
-                    <a:lumMod val="75000"/>
-                  </a:schemeClr>
-                </a:solidFill>
-                <a:latin typeface="微软雅黑" panose="020B0503020204020204" pitchFamily="34" charset="-122"/>
-                <a:ea typeface="微软雅黑" panose="020B0503020204020204" pitchFamily="34" charset="-122"/>
-              </a:rPr>
-              <a:t>WeUI</a:t>
-            </a:r>
-            <a:r>
-              <a:rPr lang="zh-CN" altLang="en-US" sz="2400" dirty="0">
-                <a:solidFill>
-                  <a:schemeClr val="accent6">
-                    <a:lumMod val="75000"/>
-                  </a:schemeClr>
-                </a:solidFill>
-                <a:latin typeface="微软雅黑" panose="020B0503020204020204" pitchFamily="34" charset="-122"/>
-                <a:ea typeface="微软雅黑" panose="020B0503020204020204" pitchFamily="34" charset="-122"/>
-              </a:rPr>
-              <a:t>与</a:t>
-            </a:r>
-            <a:r>
-              <a:rPr lang="en-US" altLang="zh-CN" sz="2400" dirty="0">
-                <a:solidFill>
-                  <a:schemeClr val="accent6">
-                    <a:lumMod val="75000"/>
-                  </a:schemeClr>
-                </a:solidFill>
-                <a:latin typeface="微软雅黑" panose="020B0503020204020204" pitchFamily="34" charset="-122"/>
-                <a:ea typeface="微软雅黑" panose="020B0503020204020204" pitchFamily="34" charset="-122"/>
-              </a:rPr>
-              <a:t>JS-SDK</a:t>
-            </a:r>
-            <a:r>
-              <a:rPr lang="zh-CN" altLang="en-US" sz="2400" dirty="0">
-                <a:solidFill>
-                  <a:schemeClr val="accent6">
-                    <a:lumMod val="75000"/>
-                  </a:schemeClr>
-                </a:solidFill>
-                <a:latin typeface="微软雅黑" panose="020B0503020204020204" pitchFamily="34" charset="-122"/>
-                <a:ea typeface="微软雅黑" panose="020B0503020204020204" pitchFamily="34" charset="-122"/>
-              </a:rPr>
-              <a:t>配合使用</a:t>
-            </a:r>
-            <a:endParaRPr lang="en-US" altLang="zh-CN" sz="2400" dirty="0">
-              <a:solidFill>
-                <a:schemeClr val="accent6">
-                  <a:lumMod val="75000"/>
-                </a:schemeClr>
-              </a:solidFill>
-              <a:latin typeface="微软雅黑" panose="020B0503020204020204" pitchFamily="34" charset="-122"/>
-              <a:ea typeface="微软雅黑" panose="020B0503020204020204" pitchFamily="34" charset="-122"/>
-            </a:endParaRPr>
-          </a:p>
-        </p:txBody>
-      </p:sp>
-    </p:spTree>
-    <p:extLst>
-      <p:ext uri="{BB962C8B-B14F-4D97-AF65-F5344CB8AC3E}">
-        <p14:creationId xmlns:p14="http://schemas.microsoft.com/office/powerpoint/2010/main" val="1928010297"/>
-      </p:ext>
-    </p:extLst>
-  </p:cSld>
-  <p:clrMapOvr>
-    <a:masterClrMapping/>
-  </p:clrMapOvr>
-</p:sld>
-</file>
-
-<file path=ppt/slides/slide21.xml><?xml version="1.0" encoding="utf-8"?>
 <p:sld xmlns:a="http://schemas.openxmlformats.org/drawingml/2006/main" xmlns:r="http://schemas.openxmlformats.org/officeDocument/2006/relationships" xmlns:p="http://schemas.openxmlformats.org/presentationml/2006/main">
   <p:cSld>
     <p:spTree>
@@ -16220,8 +16444,8 @@
         </p:nvSpPr>
         <p:spPr>
           <a:xfrm>
-            <a:off x="1054099" y="543636"/>
-            <a:ext cx="6113956" cy="685800"/>
+            <a:off x="1054100" y="543636"/>
+            <a:ext cx="7421306" cy="685800"/>
           </a:xfrm>
         </p:spPr>
         <p:txBody>
@@ -16230,11 +16454,246 @@
           <a:p>
             <a:r>
               <a:rPr lang="en-US" altLang="zh-CN" b="0" dirty="0"/>
-              <a:t>Ready</a:t>
+              <a:t>JS-SDK</a:t>
             </a:r>
             <a:r>
               <a:rPr lang="zh-CN" altLang="en-US" b="0" dirty="0"/>
-              <a:t>接口的回调函数</a:t>
+              <a:t>的</a:t>
+            </a:r>
+            <a:r>
+              <a:rPr lang="en-US" altLang="zh-CN" b="0" dirty="0" err="1"/>
+              <a:t>jsapi_ticket</a:t>
+            </a:r>
+            <a:endParaRPr lang="zh-CN" altLang="en-US" b="0" dirty="0"/>
+          </a:p>
+        </p:txBody>
+      </p:sp>
+      <p:sp>
+        <p:nvSpPr>
+          <p:cNvPr id="3" name="文本框 2">
+            <a:extLst>
+              <a:ext uri="{FF2B5EF4-FFF2-40B4-BE49-F238E27FC236}">
+                <a16:creationId xmlns:a16="http://schemas.microsoft.com/office/drawing/2014/main" id="{6A1131F9-5F38-4549-AD10-E23A75B06A69}"/>
+              </a:ext>
+            </a:extLst>
+          </p:cNvPr>
+          <p:cNvSpPr txBox="1"/>
+          <p:nvPr/>
+        </p:nvSpPr>
+        <p:spPr>
+          <a:xfrm>
+            <a:off x="1054100" y="1681316"/>
+            <a:ext cx="10705281" cy="3693319"/>
+          </a:xfrm>
+          <a:prstGeom prst="rect">
+            <a:avLst/>
+          </a:prstGeom>
+          <a:noFill/>
+        </p:spPr>
+        <p:txBody>
+          <a:bodyPr wrap="square" rtlCol="0">
+            <a:spAutoFit/>
+          </a:bodyPr>
+          <a:lstStyle/>
+          <a:p>
+            <a:pPr marL="285750" indent="-285750">
+              <a:lnSpc>
+                <a:spcPct val="150000"/>
+              </a:lnSpc>
+              <a:buFont typeface="Arial" panose="020B0604020202020204" pitchFamily="34" charset="0"/>
+              <a:buChar char="•"/>
+            </a:pPr>
+            <a:r>
+              <a:rPr lang="en-US" altLang="zh-CN" dirty="0" err="1">
+                <a:ea typeface="微软雅黑" panose="020B0503020204020204" pitchFamily="34" charset="-122"/>
+              </a:rPr>
+              <a:t>jsapi_ticket</a:t>
+            </a:r>
+            <a:r>
+              <a:rPr lang="zh-CN" altLang="en-US" dirty="0">
+                <a:ea typeface="微软雅黑" panose="020B0503020204020204" pitchFamily="34" charset="-122"/>
+              </a:rPr>
+              <a:t>：调用</a:t>
+            </a:r>
+            <a:r>
+              <a:rPr lang="en-US" altLang="zh-CN" dirty="0">
+                <a:ea typeface="微软雅黑" panose="020B0503020204020204" pitchFamily="34" charset="-122"/>
+              </a:rPr>
+              <a:t>JS-SDK</a:t>
+            </a:r>
+            <a:r>
+              <a:rPr lang="zh-CN" altLang="en-US" dirty="0">
+                <a:ea typeface="微软雅黑" panose="020B0503020204020204" pitchFamily="34" charset="-122"/>
+              </a:rPr>
+              <a:t>接口的凭证，需要在生成配置的签名时提供，首先要获取</a:t>
+            </a:r>
+            <a:r>
+              <a:rPr lang="en-US" altLang="zh-CN" dirty="0" err="1">
+                <a:ea typeface="微软雅黑" panose="020B0503020204020204" pitchFamily="34" charset="-122"/>
+              </a:rPr>
+              <a:t>access_token</a:t>
+            </a:r>
+            <a:r>
+              <a:rPr lang="zh-CN" altLang="en-US" dirty="0">
+                <a:ea typeface="微软雅黑" panose="020B0503020204020204" pitchFamily="34" charset="-122"/>
+              </a:rPr>
+              <a:t>，然后使用</a:t>
+            </a:r>
+            <a:r>
+              <a:rPr lang="en-US" altLang="zh-CN" dirty="0" err="1">
+                <a:ea typeface="微软雅黑" panose="020B0503020204020204" pitchFamily="34" charset="-122"/>
+              </a:rPr>
+              <a:t>access_token</a:t>
+            </a:r>
+            <a:r>
+              <a:rPr lang="zh-CN" altLang="en-US" dirty="0">
+                <a:ea typeface="微软雅黑" panose="020B0503020204020204" pitchFamily="34" charset="-122"/>
+              </a:rPr>
+              <a:t>获取</a:t>
+            </a:r>
+            <a:r>
+              <a:rPr lang="en-US" altLang="zh-CN" dirty="0" err="1">
+                <a:ea typeface="微软雅黑" panose="020B0503020204020204" pitchFamily="34" charset="-122"/>
+              </a:rPr>
+              <a:t>jsapi_ticket</a:t>
+            </a:r>
+            <a:r>
+              <a:rPr lang="zh-CN" altLang="en-US" dirty="0">
+                <a:ea typeface="微软雅黑" panose="020B0503020204020204" pitchFamily="34" charset="-122"/>
+              </a:rPr>
+              <a:t>。</a:t>
+            </a:r>
+            <a:endParaRPr lang="en-US" altLang="zh-CN" dirty="0">
+              <a:ea typeface="微软雅黑" panose="020B0503020204020204" pitchFamily="34" charset="-122"/>
+            </a:endParaRPr>
+          </a:p>
+          <a:p>
+            <a:pPr marL="285750" indent="-285750">
+              <a:lnSpc>
+                <a:spcPct val="150000"/>
+              </a:lnSpc>
+              <a:buFont typeface="Arial" panose="020B0604020202020204" pitchFamily="34" charset="0"/>
+              <a:buChar char="•"/>
+            </a:pPr>
+            <a:r>
+              <a:rPr lang="zh-CN" altLang="en-US" dirty="0">
+                <a:ea typeface="微软雅黑" panose="020B0503020204020204" pitchFamily="34" charset="-122"/>
+              </a:rPr>
+              <a:t>正确调用返回的数据：</a:t>
+            </a:r>
+            <a:endParaRPr lang="en-US" altLang="zh-CN" dirty="0">
+              <a:ea typeface="微软雅黑" panose="020B0503020204020204" pitchFamily="34" charset="-122"/>
+            </a:endParaRPr>
+          </a:p>
+          <a:p>
+            <a:pPr lvl="1"/>
+            <a:r>
+              <a:rPr lang="en-US" altLang="zh-CN" dirty="0">
+                <a:ea typeface="微软雅黑" panose="020B0503020204020204" pitchFamily="34" charset="-122"/>
+              </a:rPr>
+              <a:t>{</a:t>
+            </a:r>
+          </a:p>
+          <a:p>
+            <a:pPr lvl="1"/>
+            <a:r>
+              <a:rPr lang="en-US" altLang="zh-CN" dirty="0">
+                <a:ea typeface="微软雅黑" panose="020B0503020204020204" pitchFamily="34" charset="-122"/>
+              </a:rPr>
+              <a:t>"errcode":0,</a:t>
+            </a:r>
+          </a:p>
+          <a:p>
+            <a:pPr lvl="1"/>
+            <a:r>
+              <a:rPr lang="en-US" altLang="zh-CN" dirty="0">
+                <a:ea typeface="微软雅黑" panose="020B0503020204020204" pitchFamily="34" charset="-122"/>
+              </a:rPr>
+              <a:t>"</a:t>
+            </a:r>
+            <a:r>
+              <a:rPr lang="en-US" altLang="zh-CN" dirty="0" err="1">
+                <a:ea typeface="微软雅黑" panose="020B0503020204020204" pitchFamily="34" charset="-122"/>
+              </a:rPr>
+              <a:t>errmsg</a:t>
+            </a:r>
+            <a:r>
+              <a:rPr lang="en-US" altLang="zh-CN" dirty="0">
+                <a:ea typeface="微软雅黑" panose="020B0503020204020204" pitchFamily="34" charset="-122"/>
+              </a:rPr>
+              <a:t>":"ok",</a:t>
+            </a:r>
+          </a:p>
+          <a:p>
+            <a:pPr lvl="1"/>
+            <a:r>
+              <a:rPr lang="en-US" altLang="zh-CN" dirty="0">
+                <a:ea typeface="微软雅黑" panose="020B0503020204020204" pitchFamily="34" charset="-122"/>
+              </a:rPr>
+              <a:t>"ticket":"bxLdikRXVbTPdHSM05e5u5sUoXNKd8-41ZO3MhKoyN5OfkWITDGgnr2fwJ0m9E8NYzWKVZvdVtaUgWvsdshFKA",</a:t>
+            </a:r>
+          </a:p>
+          <a:p>
+            <a:pPr lvl="1"/>
+            <a:r>
+              <a:rPr lang="en-US" altLang="zh-CN" dirty="0">
+                <a:ea typeface="微软雅黑" panose="020B0503020204020204" pitchFamily="34" charset="-122"/>
+              </a:rPr>
+              <a:t>"expires_in":7200</a:t>
+            </a:r>
+          </a:p>
+          <a:p>
+            <a:pPr lvl="1"/>
+            <a:r>
+              <a:rPr lang="en-US" altLang="zh-CN" dirty="0">
+                <a:ea typeface="微软雅黑" panose="020B0503020204020204" pitchFamily="34" charset="-122"/>
+              </a:rPr>
+              <a:t>}</a:t>
+            </a:r>
+          </a:p>
+          <a:p>
+            <a:pPr marL="285750" indent="-285750">
+              <a:lnSpc>
+                <a:spcPct val="150000"/>
+              </a:lnSpc>
+              <a:buFont typeface="Arial" panose="020B0604020202020204" pitchFamily="34" charset="0"/>
+              <a:buChar char="•"/>
+            </a:pPr>
+            <a:r>
+              <a:rPr lang="en-US" altLang="zh-CN" dirty="0" err="1">
+                <a:ea typeface="微软雅黑" panose="020B0503020204020204" pitchFamily="34" charset="-122"/>
+              </a:rPr>
+              <a:t>expires_in</a:t>
+            </a:r>
+            <a:r>
+              <a:rPr lang="zh-CN" altLang="en-US" dirty="0">
+                <a:ea typeface="微软雅黑" panose="020B0503020204020204" pitchFamily="34" charset="-122"/>
+              </a:rPr>
+              <a:t>表示有效时间为</a:t>
+            </a:r>
+            <a:r>
+              <a:rPr lang="en-US" altLang="zh-CN" dirty="0">
+                <a:ea typeface="微软雅黑" panose="020B0503020204020204" pitchFamily="34" charset="-122"/>
+              </a:rPr>
+              <a:t>7200</a:t>
+            </a:r>
+            <a:r>
+              <a:rPr lang="zh-CN" altLang="en-US" dirty="0">
+                <a:ea typeface="微软雅黑" panose="020B0503020204020204" pitchFamily="34" charset="-122"/>
+              </a:rPr>
+              <a:t>秒，类似于</a:t>
+            </a:r>
+            <a:r>
+              <a:rPr lang="en-US" altLang="zh-CN" dirty="0" err="1">
+                <a:ea typeface="微软雅黑" panose="020B0503020204020204" pitchFamily="34" charset="-122"/>
+              </a:rPr>
+              <a:t>access_token</a:t>
+            </a:r>
+            <a:r>
+              <a:rPr lang="zh-CN" altLang="en-US" dirty="0">
+                <a:ea typeface="微软雅黑" panose="020B0503020204020204" pitchFamily="34" charset="-122"/>
+              </a:rPr>
+              <a:t>，需要定期刷新。</a:t>
             </a:r>
           </a:p>
         </p:txBody>
@@ -16242,7 +16701,7 @@
     </p:spTree>
     <p:extLst>
       <p:ext uri="{BB962C8B-B14F-4D97-AF65-F5344CB8AC3E}">
-        <p14:creationId xmlns:p14="http://schemas.microsoft.com/office/powerpoint/2010/main" val="636796483"/>
+        <p14:creationId xmlns:p14="http://schemas.microsoft.com/office/powerpoint/2010/main" val="1810887761"/>
       </p:ext>
     </p:extLst>
   </p:cSld>
@@ -16281,8 +16740,8 @@
         </p:nvSpPr>
         <p:spPr>
           <a:xfrm>
-            <a:off x="1054099" y="543636"/>
-            <a:ext cx="5788135" cy="685800"/>
+            <a:off x="1054100" y="543636"/>
+            <a:ext cx="7421306" cy="685800"/>
           </a:xfrm>
         </p:spPr>
         <p:txBody>
@@ -16290,12 +16749,261 @@
           <a:lstStyle/>
           <a:p>
             <a:r>
-              <a:rPr lang="en-US" altLang="zh-CN" b="0" dirty="0"/>
-              <a:t>Error</a:t>
-            </a:r>
-            <a:r>
               <a:rPr lang="zh-CN" altLang="en-US" b="0" dirty="0"/>
-              <a:t>接口的回调函数</a:t>
+              <a:t>签名的参数</a:t>
+            </a:r>
+          </a:p>
+        </p:txBody>
+      </p:sp>
+      <p:sp>
+        <p:nvSpPr>
+          <p:cNvPr id="3" name="文本框 2">
+            <a:extLst>
+              <a:ext uri="{FF2B5EF4-FFF2-40B4-BE49-F238E27FC236}">
+                <a16:creationId xmlns:a16="http://schemas.microsoft.com/office/drawing/2014/main" id="{6A1131F9-5F38-4549-AD10-E23A75B06A69}"/>
+              </a:ext>
+            </a:extLst>
+          </p:cNvPr>
+          <p:cNvSpPr txBox="1"/>
+          <p:nvPr/>
+        </p:nvSpPr>
+        <p:spPr>
+          <a:xfrm>
+            <a:off x="1054100" y="1681316"/>
+            <a:ext cx="10705281" cy="3787575"/>
+          </a:xfrm>
+          <a:prstGeom prst="rect">
+            <a:avLst/>
+          </a:prstGeom>
+          <a:noFill/>
+        </p:spPr>
+        <p:txBody>
+          <a:bodyPr wrap="square" rtlCol="0">
+            <a:spAutoFit/>
+          </a:bodyPr>
+          <a:lstStyle/>
+          <a:p>
+            <a:pPr marL="285750" indent="-285750">
+              <a:lnSpc>
+                <a:spcPct val="150000"/>
+              </a:lnSpc>
+              <a:buFont typeface="Arial" panose="020B0604020202020204" pitchFamily="34" charset="0"/>
+              <a:buChar char="•"/>
+            </a:pPr>
+            <a:r>
+              <a:rPr lang="zh-CN" altLang="en-US" dirty="0">
+                <a:ea typeface="微软雅黑" panose="020B0503020204020204" pitchFamily="34" charset="-122"/>
+              </a:rPr>
+              <a:t>生成配置签名需要的参数：</a:t>
+            </a:r>
+            <a:endParaRPr lang="en-US" altLang="zh-CN" dirty="0">
+              <a:ea typeface="微软雅黑" panose="020B0503020204020204" pitchFamily="34" charset="-122"/>
+            </a:endParaRPr>
+          </a:p>
+          <a:p>
+            <a:pPr lvl="1">
+              <a:lnSpc>
+                <a:spcPct val="150000"/>
+              </a:lnSpc>
+            </a:pPr>
+            <a:r>
+              <a:rPr lang="en-US" altLang="zh-CN" dirty="0">
+                <a:ea typeface="微软雅黑" panose="020B0503020204020204" pitchFamily="34" charset="-122"/>
+              </a:rPr>
+              <a:t>timestamp</a:t>
+            </a:r>
+            <a:r>
+              <a:rPr lang="zh-CN" altLang="en-US" dirty="0">
+                <a:ea typeface="微软雅黑" panose="020B0503020204020204" pitchFamily="34" charset="-122"/>
+              </a:rPr>
+              <a:t>：时间戳</a:t>
+            </a:r>
+            <a:endParaRPr lang="en-US" altLang="zh-CN" dirty="0">
+              <a:ea typeface="微软雅黑" panose="020B0503020204020204" pitchFamily="34" charset="-122"/>
+            </a:endParaRPr>
+          </a:p>
+          <a:p>
+            <a:pPr lvl="1">
+              <a:lnSpc>
+                <a:spcPct val="150000"/>
+              </a:lnSpc>
+            </a:pPr>
+            <a:r>
+              <a:rPr lang="en-US" altLang="zh-CN" dirty="0" err="1">
+                <a:ea typeface="微软雅黑" panose="020B0503020204020204" pitchFamily="34" charset="-122"/>
+              </a:rPr>
+              <a:t>jsapi_ticket</a:t>
+            </a:r>
+            <a:r>
+              <a:rPr lang="zh-CN" altLang="en-US" dirty="0">
+                <a:ea typeface="微软雅黑" panose="020B0503020204020204" pitchFamily="34" charset="-122"/>
+              </a:rPr>
+              <a:t>：接口调用票据</a:t>
+            </a:r>
+            <a:endParaRPr lang="en-US" altLang="zh-CN" dirty="0">
+              <a:ea typeface="微软雅黑" panose="020B0503020204020204" pitchFamily="34" charset="-122"/>
+            </a:endParaRPr>
+          </a:p>
+          <a:p>
+            <a:pPr lvl="1">
+              <a:lnSpc>
+                <a:spcPct val="150000"/>
+              </a:lnSpc>
+            </a:pPr>
+            <a:r>
+              <a:rPr lang="en-US" altLang="zh-CN" dirty="0" err="1">
+                <a:ea typeface="微软雅黑" panose="020B0503020204020204" pitchFamily="34" charset="-122"/>
+              </a:rPr>
+              <a:t>noncestr</a:t>
+            </a:r>
+            <a:r>
+              <a:rPr lang="zh-CN" altLang="en-US" dirty="0">
+                <a:ea typeface="微软雅黑" panose="020B0503020204020204" pitchFamily="34" charset="-122"/>
+              </a:rPr>
+              <a:t>：随机字符串</a:t>
+            </a:r>
+            <a:endParaRPr lang="en-US" altLang="zh-CN" dirty="0">
+              <a:ea typeface="微软雅黑" panose="020B0503020204020204" pitchFamily="34" charset="-122"/>
+            </a:endParaRPr>
+          </a:p>
+          <a:p>
+            <a:pPr lvl="1">
+              <a:lnSpc>
+                <a:spcPct val="150000"/>
+              </a:lnSpc>
+            </a:pPr>
+            <a:r>
+              <a:rPr lang="en-US" altLang="zh-CN" dirty="0" err="1">
+                <a:ea typeface="微软雅黑" panose="020B0503020204020204" pitchFamily="34" charset="-122"/>
+              </a:rPr>
+              <a:t>url</a:t>
+            </a:r>
+            <a:r>
+              <a:rPr lang="zh-CN" altLang="en-US" dirty="0">
+                <a:ea typeface="微软雅黑" panose="020B0503020204020204" pitchFamily="34" charset="-122"/>
+              </a:rPr>
+              <a:t>：使用</a:t>
+            </a:r>
+            <a:r>
+              <a:rPr lang="en-US" altLang="zh-CN" dirty="0">
+                <a:ea typeface="微软雅黑" panose="020B0503020204020204" pitchFamily="34" charset="-122"/>
+              </a:rPr>
+              <a:t>JS-SDK</a:t>
+            </a:r>
+            <a:r>
+              <a:rPr lang="zh-CN" altLang="en-US" dirty="0">
+                <a:ea typeface="微软雅黑" panose="020B0503020204020204" pitchFamily="34" charset="-122"/>
+              </a:rPr>
+              <a:t>的链接</a:t>
+            </a:r>
+            <a:endParaRPr lang="en-US" altLang="zh-CN" dirty="0">
+              <a:ea typeface="微软雅黑" panose="020B0503020204020204" pitchFamily="34" charset="-122"/>
+            </a:endParaRPr>
+          </a:p>
+          <a:p>
+            <a:pPr marL="285750" indent="-285750">
+              <a:lnSpc>
+                <a:spcPct val="150000"/>
+              </a:lnSpc>
+              <a:buFont typeface="Arial" panose="020B0604020202020204" pitchFamily="34" charset="0"/>
+              <a:buChar char="•"/>
+            </a:pPr>
+            <a:r>
+              <a:rPr lang="zh-CN" altLang="en-US" dirty="0">
+                <a:ea typeface="微软雅黑" panose="020B0503020204020204" pitchFamily="34" charset="-122"/>
+              </a:rPr>
+              <a:t>正确配置</a:t>
+            </a:r>
+            <a:r>
+              <a:rPr lang="en-US" altLang="zh-CN" dirty="0">
+                <a:ea typeface="微软雅黑" panose="020B0503020204020204" pitchFamily="34" charset="-122"/>
+              </a:rPr>
+              <a:t>JS-SDK</a:t>
+            </a:r>
+            <a:r>
+              <a:rPr lang="zh-CN" altLang="en-US" dirty="0">
+                <a:ea typeface="微软雅黑" panose="020B0503020204020204" pitchFamily="34" charset="-122"/>
+              </a:rPr>
+              <a:t>的安全域名：</a:t>
+            </a:r>
+            <a:endParaRPr lang="en-US" altLang="zh-CN" dirty="0">
+              <a:ea typeface="微软雅黑" panose="020B0503020204020204" pitchFamily="34" charset="-122"/>
+            </a:endParaRPr>
+          </a:p>
+          <a:p>
+            <a:pPr lvl="1">
+              <a:lnSpc>
+                <a:spcPct val="150000"/>
+              </a:lnSpc>
+            </a:pPr>
+            <a:r>
+              <a:rPr lang="zh-CN" altLang="en-US" dirty="0">
+                <a:ea typeface="微软雅黑" panose="020B0503020204020204" pitchFamily="34" charset="-122"/>
+              </a:rPr>
+              <a:t>微信测试号中配置“</a:t>
+            </a:r>
+            <a:r>
+              <a:rPr lang="en-US" altLang="zh-CN" b="1" dirty="0">
+                <a:ea typeface="微软雅黑" panose="020B0503020204020204" pitchFamily="34" charset="-122"/>
+              </a:rPr>
+              <a:t>JS</a:t>
+            </a:r>
+            <a:r>
+              <a:rPr lang="zh-CN" altLang="en-US" b="1" dirty="0">
+                <a:ea typeface="微软雅黑" panose="020B0503020204020204" pitchFamily="34" charset="-122"/>
+              </a:rPr>
+              <a:t>接口安全域名</a:t>
+            </a:r>
+            <a:r>
+              <a:rPr lang="zh-CN" altLang="en-US" dirty="0">
+                <a:ea typeface="微软雅黑" panose="020B0503020204020204" pitchFamily="34" charset="-122"/>
+              </a:rPr>
+              <a:t>”，注意填写一级域名即可。</a:t>
+            </a:r>
+            <a:endParaRPr lang="en-US" altLang="zh-CN" dirty="0">
+              <a:ea typeface="微软雅黑" panose="020B0503020204020204" pitchFamily="34" charset="-122"/>
+            </a:endParaRPr>
+          </a:p>
+          <a:p>
+            <a:pPr lvl="2">
+              <a:lnSpc>
+                <a:spcPct val="150000"/>
+              </a:lnSpc>
+            </a:pPr>
+            <a:r>
+              <a:rPr lang="zh-CN" altLang="en-US" dirty="0">
+                <a:ea typeface="微软雅黑" panose="020B0503020204020204" pitchFamily="34" charset="-122"/>
+              </a:rPr>
+              <a:t>调用链接：</a:t>
+            </a:r>
+            <a:r>
+              <a:rPr lang="en-US" altLang="zh-CN" dirty="0">
+                <a:ea typeface="微软雅黑" panose="020B0503020204020204" pitchFamily="34" charset="-122"/>
+                <a:hlinkClick r:id="rId2"/>
+              </a:rPr>
+              <a:t>http://www.example.com/test/test.php</a:t>
+            </a:r>
+            <a:endParaRPr lang="en-US" altLang="zh-CN" dirty="0">
+              <a:ea typeface="微软雅黑" panose="020B0503020204020204" pitchFamily="34" charset="-122"/>
+            </a:endParaRPr>
+          </a:p>
+          <a:p>
+            <a:pPr lvl="2">
+              <a:lnSpc>
+                <a:spcPct val="150000"/>
+              </a:lnSpc>
+            </a:pPr>
+            <a:r>
+              <a:rPr lang="zh-CN" altLang="en-US" dirty="0">
+                <a:ea typeface="微软雅黑" panose="020B0503020204020204" pitchFamily="34" charset="-122"/>
+              </a:rPr>
+              <a:t>配置域名：</a:t>
+            </a:r>
+            <a:r>
+              <a:rPr lang="en-US" altLang="zh-CN" dirty="0">
+                <a:ea typeface="微软雅黑" panose="020B0503020204020204" pitchFamily="34" charset="-122"/>
+              </a:rPr>
+              <a:t>example.com</a:t>
             </a:r>
           </a:p>
         </p:txBody>
@@ -16303,7 +17011,7 @@
     </p:spTree>
     <p:extLst>
       <p:ext uri="{BB962C8B-B14F-4D97-AF65-F5344CB8AC3E}">
-        <p14:creationId xmlns:p14="http://schemas.microsoft.com/office/powerpoint/2010/main" val="1067076184"/>
+        <p14:creationId xmlns:p14="http://schemas.microsoft.com/office/powerpoint/2010/main" val="1966237392"/>
       </p:ext>
     </p:extLst>
   </p:cSld>
